--- a/results/ROSES flow diagram for systematic reviews-BIOFR-ASANCHE-2.pptx
+++ b/results/ROSES flow diagram for systematic reviews-BIOFR-ASANCHE-2.pptx
@@ -254,7 +254,7 @@
 <file path=ppt/revisionInfo.xml><?xml version="1.0" encoding="utf-8"?>
 <p1510:revInfo xmlns:a="http://schemas.openxmlformats.org/drawingml/2006/main" xmlns:r="http://schemas.openxmlformats.org/officeDocument/2006/relationships" xmlns:p1510="http://schemas.microsoft.com/office/powerpoint/2015/10/main">
   <p1510:revLst>
-    <p1510:client id="{7E6D7EA0-E91C-4B4D-90B9-52E5DAB34D7B}" v="13" dt="2025-08-02T09:30:58.807"/>
+    <p1510:client id="{7E6D7EA0-E91C-4B4D-90B9-52E5DAB34D7B}" v="17" dt="2025-08-06T15:08:40.328"/>
   </p1510:revLst>
 </p1510:revInfo>
 </file>
@@ -297,14 +297,6 @@
           </ac:spMkLst>
         </pc:spChg>
         <pc:spChg chg="mod topLvl">
-          <ac:chgData name="Sanchez, Andrea Cecilia (Alliance Bioversity-CIAT)" userId="1c01d433-d123-45b5-bcb7-0c97fcfb82b9" providerId="ADAL" clId="{2B52F604-BA0D-47C1-A292-E2209BB3A38A}" dt="2025-05-05T13:50:15.478" v="3821" actId="1035"/>
-          <ac:spMkLst>
-            <pc:docMk/>
-            <pc:sldMk cId="1261558817" sldId="259"/>
-            <ac:spMk id="4" creationId="{22EDA1B2-47FF-67EF-3DE1-AB690489E1A4}"/>
-          </ac:spMkLst>
-        </pc:spChg>
-        <pc:spChg chg="mod topLvl">
           <ac:chgData name="Sanchez, Andrea Cecilia (Alliance Bioversity-CIAT)" userId="1c01d433-d123-45b5-bcb7-0c97fcfb82b9" providerId="ADAL" clId="{2B52F604-BA0D-47C1-A292-E2209BB3A38A}" dt="2025-05-27T13:19:54.506" v="5576" actId="1036"/>
           <ac:spMkLst>
             <pc:docMk/>
@@ -326,22 +318,6 @@
             <pc:docMk/>
             <pc:sldMk cId="1261558817" sldId="259"/>
             <ac:spMk id="45" creationId="{3BA239DA-1F47-89A4-A390-A1889272B1CE}"/>
-          </ac:spMkLst>
-        </pc:spChg>
-        <pc:spChg chg="mod topLvl">
-          <ac:chgData name="Sanchez, Andrea Cecilia (Alliance Bioversity-CIAT)" userId="1c01d433-d123-45b5-bcb7-0c97fcfb82b9" providerId="ADAL" clId="{2B52F604-BA0D-47C1-A292-E2209BB3A38A}" dt="2025-05-05T13:50:15.478" v="3821" actId="1035"/>
-          <ac:spMkLst>
-            <pc:docMk/>
-            <pc:sldMk cId="1261558817" sldId="259"/>
-            <ac:spMk id="46" creationId="{63399C7C-3818-A3D3-67A2-138D841B9C4B}"/>
-          </ac:spMkLst>
-        </pc:spChg>
-        <pc:spChg chg="mod topLvl">
-          <ac:chgData name="Sanchez, Andrea Cecilia (Alliance Bioversity-CIAT)" userId="1c01d433-d123-45b5-bcb7-0c97fcfb82b9" providerId="ADAL" clId="{2B52F604-BA0D-47C1-A292-E2209BB3A38A}" dt="2025-05-05T13:50:15.478" v="3821" actId="1035"/>
-          <ac:spMkLst>
-            <pc:docMk/>
-            <pc:sldMk cId="1261558817" sldId="259"/>
-            <ac:spMk id="57" creationId="{C95366BC-9375-C339-70C7-D762FAA478A5}"/>
           </ac:spMkLst>
         </pc:spChg>
         <pc:spChg chg="add mod">
@@ -488,22 +464,6 @@
             <ac:cxnSpMk id="22" creationId="{54D3275E-6273-4F48-DEEB-5CA9F35AEEFB}"/>
           </ac:cxnSpMkLst>
         </pc:cxnChg>
-        <pc:cxnChg chg="add mod">
-          <ac:chgData name="Sanchez, Andrea Cecilia (Alliance Bioversity-CIAT)" userId="1c01d433-d123-45b5-bcb7-0c97fcfb82b9" providerId="ADAL" clId="{2B52F604-BA0D-47C1-A292-E2209BB3A38A}" dt="2025-05-05T13:52:30.979" v="3895" actId="14100"/>
-          <ac:cxnSpMkLst>
-            <pc:docMk/>
-            <pc:sldMk cId="1261558817" sldId="259"/>
-            <ac:cxnSpMk id="27" creationId="{C939D3DD-A304-14CA-A3E9-74A898DD2E0F}"/>
-          </ac:cxnSpMkLst>
-        </pc:cxnChg>
-        <pc:cxnChg chg="mod">
-          <ac:chgData name="Sanchez, Andrea Cecilia (Alliance Bioversity-CIAT)" userId="1c01d433-d123-45b5-bcb7-0c97fcfb82b9" providerId="ADAL" clId="{2B52F604-BA0D-47C1-A292-E2209BB3A38A}" dt="2025-05-05T13:52:21.462" v="3894" actId="14100"/>
-          <ac:cxnSpMkLst>
-            <pc:docMk/>
-            <pc:sldMk cId="1261558817" sldId="259"/>
-            <ac:cxnSpMk id="31" creationId="{8D9966E2-955C-0C25-5485-3FEABBBA31D9}"/>
-          </ac:cxnSpMkLst>
-        </pc:cxnChg>
         <pc:cxnChg chg="mod">
           <ac:chgData name="Sanchez, Andrea Cecilia (Alliance Bioversity-CIAT)" userId="1c01d433-d123-45b5-bcb7-0c97fcfb82b9" providerId="ADAL" clId="{2B52F604-BA0D-47C1-A292-E2209BB3A38A}" dt="2025-05-20T09:32:27.676" v="5392" actId="14100"/>
           <ac:cxnSpMkLst>
@@ -520,36 +480,12 @@
             <ac:cxnSpMk id="41" creationId="{984C4D35-8C51-36C0-ADA9-6F1FA9B86448}"/>
           </ac:cxnSpMkLst>
         </pc:cxnChg>
-        <pc:cxnChg chg="add mod">
-          <ac:chgData name="Sanchez, Andrea Cecilia (Alliance Bioversity-CIAT)" userId="1c01d433-d123-45b5-bcb7-0c97fcfb82b9" providerId="ADAL" clId="{2B52F604-BA0D-47C1-A292-E2209BB3A38A}" dt="2025-05-05T13:54:03.120" v="3941" actId="14100"/>
-          <ac:cxnSpMkLst>
-            <pc:docMk/>
-            <pc:sldMk cId="1261558817" sldId="259"/>
-            <ac:cxnSpMk id="48" creationId="{EADA50D9-4629-AB59-2C93-0071C0429254}"/>
-          </ac:cxnSpMkLst>
-        </pc:cxnChg>
         <pc:cxnChg chg="mod topLvl">
           <ac:chgData name="Sanchez, Andrea Cecilia (Alliance Bioversity-CIAT)" userId="1c01d433-d123-45b5-bcb7-0c97fcfb82b9" providerId="ADAL" clId="{2B52F604-BA0D-47C1-A292-E2209BB3A38A}" dt="2025-05-27T13:20:22.253" v="5590" actId="478"/>
           <ac:cxnSpMkLst>
             <pc:docMk/>
             <pc:sldMk cId="1261558817" sldId="259"/>
             <ac:cxnSpMk id="49" creationId="{8CD0F085-E78C-3143-1BBC-9B43BA088930}"/>
-          </ac:cxnSpMkLst>
-        </pc:cxnChg>
-        <pc:cxnChg chg="mod topLvl">
-          <ac:chgData name="Sanchez, Andrea Cecilia (Alliance Bioversity-CIAT)" userId="1c01d433-d123-45b5-bcb7-0c97fcfb82b9" providerId="ADAL" clId="{2B52F604-BA0D-47C1-A292-E2209BB3A38A}" dt="2025-05-05T13:50:15.478" v="3821" actId="1035"/>
-          <ac:cxnSpMkLst>
-            <pc:docMk/>
-            <pc:sldMk cId="1261558817" sldId="259"/>
-            <ac:cxnSpMk id="60" creationId="{D7DD4074-F842-AAC5-A16C-FB0D7237042C}"/>
-          </ac:cxnSpMkLst>
-        </pc:cxnChg>
-        <pc:cxnChg chg="add del mod">
-          <ac:chgData name="Sanchez, Andrea Cecilia (Alliance Bioversity-CIAT)" userId="1c01d433-d123-45b5-bcb7-0c97fcfb82b9" providerId="ADAL" clId="{2B52F604-BA0D-47C1-A292-E2209BB3A38A}" dt="2025-05-05T13:50:08.544" v="3812" actId="1036"/>
-          <ac:cxnSpMkLst>
-            <pc:docMk/>
-            <pc:sldMk cId="1261558817" sldId="259"/>
-            <ac:cxnSpMk id="66" creationId="{76E660FB-7329-DB9E-E688-CA7D5A2E3610}"/>
           </ac:cxnSpMkLst>
         </pc:cxnChg>
         <pc:cxnChg chg="add mod">
@@ -566,30 +502,6 @@
             <pc:docMk/>
             <pc:sldMk cId="1261558817" sldId="259"/>
             <ac:cxnSpMk id="120" creationId="{D65A7819-B74C-5558-C082-59A5A3AF4C9D}"/>
-          </ac:cxnSpMkLst>
-        </pc:cxnChg>
-        <pc:cxnChg chg="add mod">
-          <ac:chgData name="Sanchez, Andrea Cecilia (Alliance Bioversity-CIAT)" userId="1c01d433-d123-45b5-bcb7-0c97fcfb82b9" providerId="ADAL" clId="{2B52F604-BA0D-47C1-A292-E2209BB3A38A}" dt="2025-05-05T13:53:25.573" v="3928" actId="1036"/>
-          <ac:cxnSpMkLst>
-            <pc:docMk/>
-            <pc:sldMk cId="1261558817" sldId="259"/>
-            <ac:cxnSpMk id="121" creationId="{F51D35E8-5807-962A-829D-73F37DB66A3A}"/>
-          </ac:cxnSpMkLst>
-        </pc:cxnChg>
-        <pc:cxnChg chg="add mod">
-          <ac:chgData name="Sanchez, Andrea Cecilia (Alliance Bioversity-CIAT)" userId="1c01d433-d123-45b5-bcb7-0c97fcfb82b9" providerId="ADAL" clId="{2B52F604-BA0D-47C1-A292-E2209BB3A38A}" dt="2025-05-05T13:50:15.478" v="3821" actId="1035"/>
-          <ac:cxnSpMkLst>
-            <pc:docMk/>
-            <pc:sldMk cId="1261558817" sldId="259"/>
-            <ac:cxnSpMk id="123" creationId="{A455052A-6815-1828-8FE5-CC2639813887}"/>
-          </ac:cxnSpMkLst>
-        </pc:cxnChg>
-        <pc:cxnChg chg="add mod">
-          <ac:chgData name="Sanchez, Andrea Cecilia (Alliance Bioversity-CIAT)" userId="1c01d433-d123-45b5-bcb7-0c97fcfb82b9" providerId="ADAL" clId="{2B52F604-BA0D-47C1-A292-E2209BB3A38A}" dt="2025-05-05T13:50:15.478" v="3821" actId="1035"/>
-          <ac:cxnSpMkLst>
-            <pc:docMk/>
-            <pc:sldMk cId="1261558817" sldId="259"/>
-            <ac:cxnSpMk id="124" creationId="{FF2A5354-ABAA-5A4F-FB04-BFB46D64E56C}"/>
           </ac:cxnSpMkLst>
         </pc:cxnChg>
       </pc:sldChg>
@@ -1114,7 +1026,7 @@
   <pc:docChgLst>
     <pc:chgData name="Sanchez, Andrea Cecilia (Alliance Bioversity-CIAT)" userId="1c01d433-d123-45b5-bcb7-0c97fcfb82b9" providerId="ADAL" clId="{7E6D7EA0-E91C-4B4D-90B9-52E5DAB34D7B}"/>
     <pc:docChg chg="undo custSel modSld">
-      <pc:chgData name="Sanchez, Andrea Cecilia (Alliance Bioversity-CIAT)" userId="1c01d433-d123-45b5-bcb7-0c97fcfb82b9" providerId="ADAL" clId="{7E6D7EA0-E91C-4B4D-90B9-52E5DAB34D7B}" dt="2025-08-02T09:31:18.235" v="643" actId="465"/>
+      <pc:chgData name="Sanchez, Andrea Cecilia (Alliance Bioversity-CIAT)" userId="1c01d433-d123-45b5-bcb7-0c97fcfb82b9" providerId="ADAL" clId="{7E6D7EA0-E91C-4B4D-90B9-52E5DAB34D7B}" dt="2025-08-06T15:09:55.510" v="710" actId="20577"/>
       <pc:docMkLst>
         <pc:docMk/>
       </pc:docMkLst>
@@ -1388,30 +1300,38 @@
           </ac:cxnSpMkLst>
         </pc:cxnChg>
       </pc:sldChg>
-      <pc:sldChg chg="addSp modSp mod">
-        <pc:chgData name="Sanchez, Andrea Cecilia (Alliance Bioversity-CIAT)" userId="1c01d433-d123-45b5-bcb7-0c97fcfb82b9" providerId="ADAL" clId="{7E6D7EA0-E91C-4B4D-90B9-52E5DAB34D7B}" dt="2025-08-02T09:31:18.235" v="643" actId="465"/>
+      <pc:sldChg chg="addSp delSp modSp mod">
+        <pc:chgData name="Sanchez, Andrea Cecilia (Alliance Bioversity-CIAT)" userId="1c01d433-d123-45b5-bcb7-0c97fcfb82b9" providerId="ADAL" clId="{7E6D7EA0-E91C-4B4D-90B9-52E5DAB34D7B}" dt="2025-08-06T15:09:55.510" v="710" actId="20577"/>
         <pc:sldMkLst>
           <pc:docMk/>
           <pc:sldMk cId="1893782827" sldId="261"/>
         </pc:sldMkLst>
-        <pc:spChg chg="mod">
-          <ac:chgData name="Sanchez, Andrea Cecilia (Alliance Bioversity-CIAT)" userId="1c01d433-d123-45b5-bcb7-0c97fcfb82b9" providerId="ADAL" clId="{7E6D7EA0-E91C-4B4D-90B9-52E5DAB34D7B}" dt="2025-08-02T09:30:55.316" v="624" actId="164"/>
+        <pc:spChg chg="del mod">
+          <ac:chgData name="Sanchez, Andrea Cecilia (Alliance Bioversity-CIAT)" userId="1c01d433-d123-45b5-bcb7-0c97fcfb82b9" providerId="ADAL" clId="{7E6D7EA0-E91C-4B4D-90B9-52E5DAB34D7B}" dt="2025-08-06T15:07:33.125" v="672" actId="478"/>
+          <ac:spMkLst>
+            <pc:docMk/>
+            <pc:sldMk cId="1893782827" sldId="261"/>
+            <ac:spMk id="4" creationId="{F9545D76-0BAE-E305-6B9D-AA4BCCA02EC0}"/>
+          </ac:spMkLst>
+        </pc:spChg>
+        <pc:spChg chg="mod topLvl">
+          <ac:chgData name="Sanchez, Andrea Cecilia (Alliance Bioversity-CIAT)" userId="1c01d433-d123-45b5-bcb7-0c97fcfb82b9" providerId="ADAL" clId="{7E6D7EA0-E91C-4B4D-90B9-52E5DAB34D7B}" dt="2025-08-06T15:09:55.510" v="710" actId="20577"/>
           <ac:spMkLst>
             <pc:docMk/>
             <pc:sldMk cId="1893782827" sldId="261"/>
             <ac:spMk id="7" creationId="{F1A0A033-923F-AE0D-3516-9FCBB4719BBB}"/>
           </ac:spMkLst>
         </pc:spChg>
-        <pc:spChg chg="add mod">
-          <ac:chgData name="Sanchez, Andrea Cecilia (Alliance Bioversity-CIAT)" userId="1c01d433-d123-45b5-bcb7-0c97fcfb82b9" providerId="ADAL" clId="{7E6D7EA0-E91C-4B4D-90B9-52E5DAB34D7B}" dt="2025-08-02T09:30:58.807" v="625" actId="164"/>
+        <pc:spChg chg="add mod topLvl">
+          <ac:chgData name="Sanchez, Andrea Cecilia (Alliance Bioversity-CIAT)" userId="1c01d433-d123-45b5-bcb7-0c97fcfb82b9" providerId="ADAL" clId="{7E6D7EA0-E91C-4B4D-90B9-52E5DAB34D7B}" dt="2025-08-06T15:08:55.332" v="700" actId="1035"/>
           <ac:spMkLst>
             <pc:docMk/>
             <pc:sldMk cId="1893782827" sldId="261"/>
             <ac:spMk id="10" creationId="{3BD82666-2DD8-C19F-8656-1BB4F0541D9C}"/>
           </ac:spMkLst>
         </pc:spChg>
-        <pc:spChg chg="add mod">
-          <ac:chgData name="Sanchez, Andrea Cecilia (Alliance Bioversity-CIAT)" userId="1c01d433-d123-45b5-bcb7-0c97fcfb82b9" providerId="ADAL" clId="{7E6D7EA0-E91C-4B4D-90B9-52E5DAB34D7B}" dt="2025-08-02T09:30:58.807" v="625" actId="164"/>
+        <pc:spChg chg="add mod topLvl">
+          <ac:chgData name="Sanchez, Andrea Cecilia (Alliance Bioversity-CIAT)" userId="1c01d433-d123-45b5-bcb7-0c97fcfb82b9" providerId="ADAL" clId="{7E6D7EA0-E91C-4B4D-90B9-52E5DAB34D7B}" dt="2025-08-06T15:08:55.332" v="700" actId="1035"/>
           <ac:spMkLst>
             <pc:docMk/>
             <pc:sldMk cId="1893782827" sldId="261"/>
@@ -1426,20 +1346,36 @@
             <ac:spMk id="21" creationId="{48B22ABC-5FF4-1F93-7754-B381C0D9BE1D}"/>
           </ac:spMkLst>
         </pc:spChg>
-        <pc:spChg chg="mod">
-          <ac:chgData name="Sanchez, Andrea Cecilia (Alliance Bioversity-CIAT)" userId="1c01d433-d123-45b5-bcb7-0c97fcfb82b9" providerId="ADAL" clId="{7E6D7EA0-E91C-4B4D-90B9-52E5DAB34D7B}" dt="2025-08-02T09:30:55.316" v="624" actId="164"/>
+        <pc:spChg chg="mod topLvl">
+          <ac:chgData name="Sanchez, Andrea Cecilia (Alliance Bioversity-CIAT)" userId="1c01d433-d123-45b5-bcb7-0c97fcfb82b9" providerId="ADAL" clId="{7E6D7EA0-E91C-4B4D-90B9-52E5DAB34D7B}" dt="2025-08-06T15:08:55.332" v="700" actId="1035"/>
           <ac:spMkLst>
             <pc:docMk/>
             <pc:sldMk cId="1893782827" sldId="261"/>
             <ac:spMk id="22" creationId="{D4D0E25D-F991-44B5-1BA5-47501012E945}"/>
           </ac:spMkLst>
         </pc:spChg>
-        <pc:spChg chg="mod">
-          <ac:chgData name="Sanchez, Andrea Cecilia (Alliance Bioversity-CIAT)" userId="1c01d433-d123-45b5-bcb7-0c97fcfb82b9" providerId="ADAL" clId="{7E6D7EA0-E91C-4B4D-90B9-52E5DAB34D7B}" dt="2025-08-02T09:31:18.235" v="643" actId="465"/>
+        <pc:spChg chg="del mod">
+          <ac:chgData name="Sanchez, Andrea Cecilia (Alliance Bioversity-CIAT)" userId="1c01d433-d123-45b5-bcb7-0c97fcfb82b9" providerId="ADAL" clId="{7E6D7EA0-E91C-4B4D-90B9-52E5DAB34D7B}" dt="2025-08-06T15:08:20.741" v="675" actId="478"/>
           <ac:spMkLst>
             <pc:docMk/>
             <pc:sldMk cId="1893782827" sldId="261"/>
             <ac:spMk id="26" creationId="{C5CA0FC6-2CDC-3501-4229-90BC288FC514}"/>
+          </ac:spMkLst>
+        </pc:spChg>
+        <pc:spChg chg="mod">
+          <ac:chgData name="Sanchez, Andrea Cecilia (Alliance Bioversity-CIAT)" userId="1c01d433-d123-45b5-bcb7-0c97fcfb82b9" providerId="ADAL" clId="{7E6D7EA0-E91C-4B4D-90B9-52E5DAB34D7B}" dt="2025-08-06T15:07:40.037" v="674" actId="1076"/>
+          <ac:spMkLst>
+            <pc:docMk/>
+            <pc:sldMk cId="1893782827" sldId="261"/>
+            <ac:spMk id="40" creationId="{E1E0B3E5-0F60-AFAA-EADB-B19018E58EE4}"/>
+          </ac:spMkLst>
+        </pc:spChg>
+        <pc:spChg chg="del mod">
+          <ac:chgData name="Sanchez, Andrea Cecilia (Alliance Bioversity-CIAT)" userId="1c01d433-d123-45b5-bcb7-0c97fcfb82b9" providerId="ADAL" clId="{7E6D7EA0-E91C-4B4D-90B9-52E5DAB34D7B}" dt="2025-08-06T15:07:34.901" v="673" actId="478"/>
+          <ac:spMkLst>
+            <pc:docMk/>
+            <pc:sldMk cId="1893782827" sldId="261"/>
+            <ac:spMk id="50" creationId="{3C553E0C-7336-70E3-5AB0-9F65D72D0791}"/>
           </ac:spMkLst>
         </pc:spChg>
         <pc:spChg chg="mod">
@@ -1499,7 +1435,7 @@
           </ac:spMkLst>
         </pc:spChg>
         <pc:grpChg chg="add mod">
-          <ac:chgData name="Sanchez, Andrea Cecilia (Alliance Bioversity-CIAT)" userId="1c01d433-d123-45b5-bcb7-0c97fcfb82b9" providerId="ADAL" clId="{7E6D7EA0-E91C-4B4D-90B9-52E5DAB34D7B}" dt="2025-08-02T09:31:06.012" v="642" actId="1036"/>
+          <ac:chgData name="Sanchez, Andrea Cecilia (Alliance Bioversity-CIAT)" userId="1c01d433-d123-45b5-bcb7-0c97fcfb82b9" providerId="ADAL" clId="{7E6D7EA0-E91C-4B4D-90B9-52E5DAB34D7B}" dt="2025-08-06T15:08:55.332" v="700" actId="1035"/>
           <ac:grpSpMkLst>
             <pc:docMk/>
             <pc:sldMk cId="1893782827" sldId="261"/>
@@ -1507,31 +1443,31 @@
           </ac:grpSpMkLst>
         </pc:grpChg>
         <pc:grpChg chg="add mod">
-          <ac:chgData name="Sanchez, Andrea Cecilia (Alliance Bioversity-CIAT)" userId="1c01d433-d123-45b5-bcb7-0c97fcfb82b9" providerId="ADAL" clId="{7E6D7EA0-E91C-4B4D-90B9-52E5DAB34D7B}" dt="2025-08-02T09:31:18.235" v="643" actId="465"/>
+          <ac:chgData name="Sanchez, Andrea Cecilia (Alliance Bioversity-CIAT)" userId="1c01d433-d123-45b5-bcb7-0c97fcfb82b9" providerId="ADAL" clId="{7E6D7EA0-E91C-4B4D-90B9-52E5DAB34D7B}" dt="2025-08-06T15:08:55.332" v="700" actId="1035"/>
           <ac:grpSpMkLst>
             <pc:docMk/>
             <pc:sldMk cId="1893782827" sldId="261"/>
             <ac:grpSpMk id="35" creationId="{C8E196F0-9A72-F2E9-7986-464AABF0BF9C}"/>
           </ac:grpSpMkLst>
         </pc:grpChg>
-        <pc:grpChg chg="add mod">
-          <ac:chgData name="Sanchez, Andrea Cecilia (Alliance Bioversity-CIAT)" userId="1c01d433-d123-45b5-bcb7-0c97fcfb82b9" providerId="ADAL" clId="{7E6D7EA0-E91C-4B4D-90B9-52E5DAB34D7B}" dt="2025-08-02T09:31:18.235" v="643" actId="465"/>
+        <pc:grpChg chg="add del mod">
+          <ac:chgData name="Sanchez, Andrea Cecilia (Alliance Bioversity-CIAT)" userId="1c01d433-d123-45b5-bcb7-0c97fcfb82b9" providerId="ADAL" clId="{7E6D7EA0-E91C-4B4D-90B9-52E5DAB34D7B}" dt="2025-08-06T15:06:56.228" v="651" actId="165"/>
           <ac:grpSpMkLst>
             <pc:docMk/>
             <pc:sldMk cId="1893782827" sldId="261"/>
             <ac:grpSpMk id="36" creationId="{5881BAEB-80CF-FAC5-F9B5-29AD8F35905B}"/>
           </ac:grpSpMkLst>
         </pc:grpChg>
-        <pc:grpChg chg="add mod">
-          <ac:chgData name="Sanchez, Andrea Cecilia (Alliance Bioversity-CIAT)" userId="1c01d433-d123-45b5-bcb7-0c97fcfb82b9" providerId="ADAL" clId="{7E6D7EA0-E91C-4B4D-90B9-52E5DAB34D7B}" dt="2025-08-02T09:31:18.235" v="643" actId="465"/>
+        <pc:grpChg chg="add del mod">
+          <ac:chgData name="Sanchez, Andrea Cecilia (Alliance Bioversity-CIAT)" userId="1c01d433-d123-45b5-bcb7-0c97fcfb82b9" providerId="ADAL" clId="{7E6D7EA0-E91C-4B4D-90B9-52E5DAB34D7B}" dt="2025-08-06T15:08:40.328" v="677" actId="165"/>
           <ac:grpSpMkLst>
             <pc:docMk/>
             <pc:sldMk cId="1893782827" sldId="261"/>
             <ac:grpSpMk id="37" creationId="{1FA01580-81B4-DF46-66B9-FDB32D2923F4}"/>
           </ac:grpSpMkLst>
         </pc:grpChg>
-        <pc:cxnChg chg="mod">
-          <ac:chgData name="Sanchez, Andrea Cecilia (Alliance Bioversity-CIAT)" userId="1c01d433-d123-45b5-bcb7-0c97fcfb82b9" providerId="ADAL" clId="{7E6D7EA0-E91C-4B4D-90B9-52E5DAB34D7B}" dt="2025-08-02T09:30:55.316" v="624" actId="164"/>
+        <pc:cxnChg chg="mod topLvl">
+          <ac:chgData name="Sanchez, Andrea Cecilia (Alliance Bioversity-CIAT)" userId="1c01d433-d123-45b5-bcb7-0c97fcfb82b9" providerId="ADAL" clId="{7E6D7EA0-E91C-4B4D-90B9-52E5DAB34D7B}" dt="2025-08-06T15:09:03.429" v="704" actId="1036"/>
           <ac:cxnSpMkLst>
             <pc:docMk/>
             <pc:sldMk cId="1893782827" sldId="261"/>
@@ -1539,7 +1475,7 @@
           </ac:cxnSpMkLst>
         </pc:cxnChg>
         <pc:cxnChg chg="add mod">
-          <ac:chgData name="Sanchez, Andrea Cecilia (Alliance Bioversity-CIAT)" userId="1c01d433-d123-45b5-bcb7-0c97fcfb82b9" providerId="ADAL" clId="{7E6D7EA0-E91C-4B4D-90B9-52E5DAB34D7B}" dt="2025-08-02T09:31:18.235" v="643" actId="465"/>
+          <ac:chgData name="Sanchez, Andrea Cecilia (Alliance Bioversity-CIAT)" userId="1c01d433-d123-45b5-bcb7-0c97fcfb82b9" providerId="ADAL" clId="{7E6D7EA0-E91C-4B4D-90B9-52E5DAB34D7B}" dt="2025-08-06T15:08:55.332" v="700" actId="1035"/>
           <ac:cxnSpMkLst>
             <pc:docMk/>
             <pc:sldMk cId="1893782827" sldId="261"/>
@@ -1547,7 +1483,7 @@
           </ac:cxnSpMkLst>
         </pc:cxnChg>
         <pc:cxnChg chg="mod">
-          <ac:chgData name="Sanchez, Andrea Cecilia (Alliance Bioversity-CIAT)" userId="1c01d433-d123-45b5-bcb7-0c97fcfb82b9" providerId="ADAL" clId="{7E6D7EA0-E91C-4B4D-90B9-52E5DAB34D7B}" dt="2025-08-02T09:25:01.124" v="324" actId="14100"/>
+          <ac:chgData name="Sanchez, Andrea Cecilia (Alliance Bioversity-CIAT)" userId="1c01d433-d123-45b5-bcb7-0c97fcfb82b9" providerId="ADAL" clId="{7E6D7EA0-E91C-4B4D-90B9-52E5DAB34D7B}" dt="2025-08-06T15:07:40.037" v="674" actId="1076"/>
           <ac:cxnSpMkLst>
             <pc:docMk/>
             <pc:sldMk cId="1893782827" sldId="261"/>
@@ -1555,15 +1491,15 @@
           </ac:cxnSpMkLst>
         </pc:cxnChg>
         <pc:cxnChg chg="mod">
-          <ac:chgData name="Sanchez, Andrea Cecilia (Alliance Bioversity-CIAT)" userId="1c01d433-d123-45b5-bcb7-0c97fcfb82b9" providerId="ADAL" clId="{7E6D7EA0-E91C-4B4D-90B9-52E5DAB34D7B}" dt="2025-08-02T09:31:18.235" v="643" actId="465"/>
+          <ac:chgData name="Sanchez, Andrea Cecilia (Alliance Bioversity-CIAT)" userId="1c01d433-d123-45b5-bcb7-0c97fcfb82b9" providerId="ADAL" clId="{7E6D7EA0-E91C-4B4D-90B9-52E5DAB34D7B}" dt="2025-08-06T15:08:55.332" v="700" actId="1035"/>
           <ac:cxnSpMkLst>
             <pc:docMk/>
             <pc:sldMk cId="1893782827" sldId="261"/>
             <ac:cxnSpMk id="23" creationId="{E80ED66E-BE93-6EC7-6257-05889E8A0C31}"/>
           </ac:cxnSpMkLst>
         </pc:cxnChg>
-        <pc:cxnChg chg="add mod">
-          <ac:chgData name="Sanchez, Andrea Cecilia (Alliance Bioversity-CIAT)" userId="1c01d433-d123-45b5-bcb7-0c97fcfb82b9" providerId="ADAL" clId="{7E6D7EA0-E91C-4B4D-90B9-52E5DAB34D7B}" dt="2025-08-02T09:30:58.807" v="625" actId="164"/>
+        <pc:cxnChg chg="add mod topLvl">
+          <ac:chgData name="Sanchez, Andrea Cecilia (Alliance Bioversity-CIAT)" userId="1c01d433-d123-45b5-bcb7-0c97fcfb82b9" providerId="ADAL" clId="{7E6D7EA0-E91C-4B4D-90B9-52E5DAB34D7B}" dt="2025-08-06T15:08:55.332" v="700" actId="1035"/>
           <ac:cxnSpMkLst>
             <pc:docMk/>
             <pc:sldMk cId="1893782827" sldId="261"/>
@@ -1579,7 +1515,7 @@
           </ac:cxnSpMkLst>
         </pc:cxnChg>
         <pc:cxnChg chg="mod">
-          <ac:chgData name="Sanchez, Andrea Cecilia (Alliance Bioversity-CIAT)" userId="1c01d433-d123-45b5-bcb7-0c97fcfb82b9" providerId="ADAL" clId="{7E6D7EA0-E91C-4B4D-90B9-52E5DAB34D7B}" dt="2025-08-02T09:31:18.235" v="643" actId="465"/>
+          <ac:chgData name="Sanchez, Andrea Cecilia (Alliance Bioversity-CIAT)" userId="1c01d433-d123-45b5-bcb7-0c97fcfb82b9" providerId="ADAL" clId="{7E6D7EA0-E91C-4B4D-90B9-52E5DAB34D7B}" dt="2025-08-06T15:08:55.332" v="700" actId="1035"/>
           <ac:cxnSpMkLst>
             <pc:docMk/>
             <pc:sldMk cId="1893782827" sldId="261"/>
@@ -21818,9 +21754,9 @@
           <p:nvPr/>
         </p:nvCxnSpPr>
         <p:spPr>
-          <a:xfrm flipH="1">
-            <a:off x="2354454" y="3105007"/>
-            <a:ext cx="2374" cy="1060007"/>
+          <a:xfrm>
+            <a:off x="2356828" y="3105007"/>
+            <a:ext cx="6147" cy="1341801"/>
           </a:xfrm>
           <a:prstGeom prst="straightConnector1">
             <a:avLst/>
@@ -21912,62 +21848,6 @@
               <a:cs typeface="Calibri"/>
               <a:sym typeface="Calibri"/>
             </a:endParaRPr>
-          </a:p>
-        </p:txBody>
-      </p:sp>
-      <p:sp>
-        <p:nvSpPr>
-          <p:cNvPr id="50" name="Google Shape;101;p13">
-            <a:extLst>
-              <a:ext uri="{FF2B5EF4-FFF2-40B4-BE49-F238E27FC236}">
-                <a16:creationId xmlns:a16="http://schemas.microsoft.com/office/drawing/2014/main" id="{3C553E0C-7336-70E3-5AB0-9F65D72D0791}"/>
-              </a:ext>
-            </a:extLst>
-          </p:cNvPr>
-          <p:cNvSpPr/>
-          <p:nvPr/>
-        </p:nvSpPr>
-        <p:spPr>
-          <a:xfrm>
-            <a:off x="1454454" y="4784335"/>
-            <a:ext cx="1800000" cy="319438"/>
-          </a:xfrm>
-          <a:prstGeom prst="rect">
-            <a:avLst/>
-          </a:prstGeom>
-          <a:noFill/>
-          <a:ln w="12700" cap="flat" cmpd="sng">
-            <a:solidFill>
-              <a:srgbClr val="31538F"/>
-            </a:solidFill>
-            <a:prstDash val="solid"/>
-            <a:miter lim="800000"/>
-            <a:headEnd type="none" w="sm" len="sm"/>
-            <a:tailEnd type="none" w="sm" len="sm"/>
-          </a:ln>
-        </p:spPr>
-        <p:txBody>
-          <a:bodyPr spcFirstLastPara="1" wrap="square" lIns="91425" tIns="45700" rIns="91425" bIns="45700" anchor="ctr" anchorCtr="0">
-            <a:noAutofit/>
-          </a:bodyPr>
-          <a:lstStyle/>
-          <a:p>
-            <a:pPr>
-              <a:lnSpc>
-                <a:spcPts val="1300"/>
-              </a:lnSpc>
-            </a:pPr>
-            <a:r>
-              <a:rPr lang="en-US" sz="1300" dirty="0">
-                <a:solidFill>
-                  <a:schemeClr val="dk1"/>
-                </a:solidFill>
-                <a:latin typeface="Calibri"/>
-                <a:cs typeface="Calibri"/>
-                <a:sym typeface="Calibri"/>
-              </a:rPr>
-              <a:t>Training participation</a:t>
-            </a:r>
           </a:p>
         </p:txBody>
       </p:sp>
@@ -22113,354 +21993,26 @@
           </p:txBody>
         </p:sp>
       </p:grpSp>
-      <p:sp>
-        <p:nvSpPr>
-          <p:cNvPr id="4" name="Google Shape;101;p13">
+      <p:cxnSp>
+        <p:nvCxnSpPr>
+          <p:cNvPr id="6" name="Straight Arrow Connector 5">
             <a:extLst>
               <a:ext uri="{FF2B5EF4-FFF2-40B4-BE49-F238E27FC236}">
-                <a16:creationId xmlns:a16="http://schemas.microsoft.com/office/drawing/2014/main" id="{F9545D76-0BAE-E305-6B9D-AA4BCCA02EC0}"/>
-              </a:ext>
-            </a:extLst>
-          </p:cNvPr>
-          <p:cNvSpPr/>
-          <p:nvPr/>
-        </p:nvSpPr>
-        <p:spPr>
-          <a:xfrm>
-            <a:off x="1454454" y="5257930"/>
-            <a:ext cx="1800000" cy="513952"/>
-          </a:xfrm>
-          <a:prstGeom prst="rect">
-            <a:avLst/>
-          </a:prstGeom>
-          <a:noFill/>
-          <a:ln w="12700" cap="flat" cmpd="sng">
-            <a:solidFill>
-              <a:srgbClr val="31538F"/>
-            </a:solidFill>
-            <a:prstDash val="solid"/>
-            <a:miter lim="800000"/>
-            <a:headEnd type="none" w="sm" len="sm"/>
-            <a:tailEnd type="none" w="sm" len="sm"/>
-          </a:ln>
-        </p:spPr>
-        <p:txBody>
-          <a:bodyPr spcFirstLastPara="1" wrap="square" lIns="91425" tIns="45700" rIns="91425" bIns="45700" anchor="ctr" anchorCtr="0">
-            <a:noAutofit/>
-          </a:bodyPr>
-          <a:lstStyle/>
-          <a:p>
-            <a:pPr marL="0" marR="0" lvl="0" indent="0" algn="l" defTabSz="914400" rtl="0" eaLnBrk="1" fontAlgn="auto" latinLnBrk="0" hangingPunct="1">
-              <a:lnSpc>
-                <a:spcPct val="100000"/>
-              </a:lnSpc>
-              <a:spcBef>
-                <a:spcPts val="0"/>
-              </a:spcBef>
-              <a:spcAft>
-                <a:spcPts val="0"/>
-              </a:spcAft>
-              <a:buClr>
-                <a:srgbClr val="000000"/>
-              </a:buClr>
-              <a:buSzTx/>
-              <a:buFont typeface="Arial"/>
-              <a:buNone/>
-              <a:tabLst/>
-              <a:defRPr/>
-            </a:pPr>
-            <a:r>
-              <a:rPr lang="en-US" dirty="0">
-                <a:solidFill>
-                  <a:schemeClr val="dk1"/>
-                </a:solidFill>
-                <a:latin typeface="Calibri"/>
-                <a:cs typeface="Calibri"/>
-                <a:sym typeface="Calibri"/>
-              </a:rPr>
-              <a:t>Household recovery capacity from shocks</a:t>
-            </a:r>
-          </a:p>
-        </p:txBody>
-      </p:sp>
-      <p:grpSp>
-        <p:nvGrpSpPr>
-          <p:cNvPr id="36" name="Group 35">
-            <a:extLst>
-              <a:ext uri="{FF2B5EF4-FFF2-40B4-BE49-F238E27FC236}">
-                <a16:creationId xmlns:a16="http://schemas.microsoft.com/office/drawing/2014/main" id="{5881BAEB-80CF-FAC5-F9B5-29AD8F35905B}"/>
-              </a:ext>
-            </a:extLst>
-          </p:cNvPr>
-          <p:cNvGrpSpPr/>
-          <p:nvPr/>
-        </p:nvGrpSpPr>
-        <p:grpSpPr>
-          <a:xfrm>
-            <a:off x="1088240" y="7947179"/>
-            <a:ext cx="5551697" cy="1327664"/>
-            <a:chOff x="1088240" y="7920925"/>
-            <a:chExt cx="5551697" cy="1327664"/>
-          </a:xfrm>
-        </p:grpSpPr>
-        <p:cxnSp>
-          <p:nvCxnSpPr>
-            <p:cNvPr id="6" name="Straight Arrow Connector 5">
-              <a:extLst>
-                <a:ext uri="{FF2B5EF4-FFF2-40B4-BE49-F238E27FC236}">
-                  <a16:creationId xmlns:a16="http://schemas.microsoft.com/office/drawing/2014/main" id="{FC016250-BADA-DFF3-FA45-B1456BC0FA27}"/>
-                </a:ext>
-              </a:extLst>
-            </p:cNvPr>
-            <p:cNvCxnSpPr>
-              <a:cxnSpLocks/>
-              <a:stCxn id="22" idx="3"/>
-              <a:endCxn id="7" idx="1"/>
-            </p:cNvCxnSpPr>
-            <p:nvPr/>
-          </p:nvCxnSpPr>
-          <p:spPr>
-            <a:xfrm>
-              <a:off x="3622327" y="8584757"/>
-              <a:ext cx="380555" cy="1"/>
-            </a:xfrm>
-            <a:prstGeom prst="straightConnector1">
-              <a:avLst/>
-            </a:prstGeom>
-            <a:ln>
-              <a:tailEnd type="triangle"/>
-            </a:ln>
-          </p:spPr>
-          <p:style>
-            <a:lnRef idx="1">
-              <a:schemeClr val="accent1"/>
-            </a:lnRef>
-            <a:fillRef idx="0">
-              <a:schemeClr val="accent1"/>
-            </a:fillRef>
-            <a:effectRef idx="0">
-              <a:schemeClr val="accent1"/>
-            </a:effectRef>
-            <a:fontRef idx="minor">
-              <a:schemeClr val="tx1"/>
-            </a:fontRef>
-          </p:style>
-        </p:cxnSp>
-        <p:sp>
-          <p:nvSpPr>
-            <p:cNvPr id="7" name="Google Shape;95;p13">
-              <a:extLst>
-                <a:ext uri="{FF2B5EF4-FFF2-40B4-BE49-F238E27FC236}">
-                  <a16:creationId xmlns:a16="http://schemas.microsoft.com/office/drawing/2014/main" id="{F1A0A033-923F-AE0D-3516-9FCBB4719BBB}"/>
-                </a:ext>
-              </a:extLst>
-            </p:cNvPr>
-            <p:cNvSpPr/>
-            <p:nvPr/>
-          </p:nvSpPr>
-          <p:spPr>
-            <a:xfrm>
-              <a:off x="4002882" y="8064198"/>
-              <a:ext cx="2637055" cy="1041119"/>
-            </a:xfrm>
-            <a:prstGeom prst="rect">
-              <a:avLst/>
-            </a:prstGeom>
-            <a:solidFill>
-              <a:schemeClr val="tx2"/>
-            </a:solidFill>
-            <a:ln w="12700" cap="flat" cmpd="sng">
-              <a:solidFill>
-                <a:schemeClr val="tx2"/>
-              </a:solidFill>
-              <a:prstDash val="solid"/>
-              <a:miter lim="800000"/>
-              <a:headEnd type="none" w="sm" len="sm"/>
-              <a:tailEnd type="none" w="sm" len="sm"/>
-            </a:ln>
-          </p:spPr>
-          <p:txBody>
-            <a:bodyPr spcFirstLastPara="1" wrap="square" lIns="91425" tIns="45700" rIns="91425" bIns="45700" anchor="ctr" anchorCtr="0">
-              <a:noAutofit/>
-            </a:bodyPr>
-            <a:lstStyle/>
-            <a:p>
-              <a:pPr>
-                <a:lnSpc>
-                  <a:spcPct val="107000"/>
-                </a:lnSpc>
-              </a:pPr>
-              <a:r>
-                <a:rPr lang="en-AU" sz="1500" b="1" dirty="0">
-                  <a:latin typeface="Calibri" panose="020F0502020204030204" pitchFamily="34" charset="0"/>
-                  <a:ea typeface="Calibri" panose="020F0502020204030204" pitchFamily="34" charset="0"/>
-                  <a:cs typeface="Calibri" panose="020F0502020204030204" pitchFamily="34" charset="0"/>
-                </a:rPr>
-                <a:t>Excluded factors:</a:t>
-              </a:r>
-            </a:p>
-            <a:p>
-              <a:pPr marL="72000">
-                <a:lnSpc>
-                  <a:spcPct val="107000"/>
-                </a:lnSpc>
-                <a:buFont typeface="Arial" panose="020B0604020202020204" pitchFamily="34" charset="0"/>
-                <a:buChar char="•"/>
-              </a:pPr>
-              <a:r>
-                <a:rPr lang="en-AU" sz="1500" dirty="0">
-                  <a:latin typeface="Calibri" panose="020F0502020204030204" pitchFamily="34" charset="0"/>
-                  <a:ea typeface="Calibri" panose="020F0502020204030204" pitchFamily="34" charset="0"/>
-                  <a:cs typeface="Calibri" panose="020F0502020204030204" pitchFamily="34" charset="0"/>
-                </a:rPr>
-                <a:t>Irrelevant</a:t>
-              </a:r>
-            </a:p>
-            <a:p>
-              <a:pPr marL="72000">
-                <a:lnSpc>
-                  <a:spcPct val="107000"/>
-                </a:lnSpc>
-                <a:buFont typeface="Arial" panose="020B0604020202020204" pitchFamily="34" charset="0"/>
-                <a:buChar char="•"/>
-              </a:pPr>
-              <a:r>
-                <a:rPr lang="en-AU" sz="1500" dirty="0">
-                  <a:latin typeface="Calibri" panose="020F0502020204030204" pitchFamily="34" charset="0"/>
-                  <a:ea typeface="Calibri" panose="020F0502020204030204" pitchFamily="34" charset="0"/>
-                  <a:cs typeface="Calibri" panose="020F0502020204030204" pitchFamily="34" charset="0"/>
-                </a:rPr>
-                <a:t>Redundant ()</a:t>
-              </a:r>
-            </a:p>
-            <a:p>
-              <a:pPr marL="72000">
-                <a:lnSpc>
-                  <a:spcPct val="107000"/>
-                </a:lnSpc>
-                <a:buFont typeface="Arial" panose="020B0604020202020204" pitchFamily="34" charset="0"/>
-                <a:buChar char="•"/>
-              </a:pPr>
-              <a:r>
-                <a:rPr lang="en-AU" sz="1500" dirty="0">
-                  <a:latin typeface="Calibri" panose="020F0502020204030204" pitchFamily="34" charset="0"/>
-                  <a:ea typeface="Calibri" panose="020F0502020204030204" pitchFamily="34" charset="0"/>
-                  <a:cs typeface="Calibri" panose="020F0502020204030204" pitchFamily="34" charset="0"/>
-                </a:rPr>
-                <a:t>Feature selection algorithms</a:t>
-              </a:r>
-              <a:endParaRPr lang="en-US" sz="1500" dirty="0">
-                <a:latin typeface="Calibri" panose="020F0502020204030204" pitchFamily="34" charset="0"/>
-                <a:ea typeface="Calibri" panose="020F0502020204030204" pitchFamily="34" charset="0"/>
-                <a:cs typeface="Calibri" panose="020F0502020204030204" pitchFamily="34" charset="0"/>
-              </a:endParaRPr>
-            </a:p>
-          </p:txBody>
-        </p:sp>
-        <p:sp>
-          <p:nvSpPr>
-            <p:cNvPr id="22" name="Google Shape;101;p13">
-              <a:extLst>
-                <a:ext uri="{FF2B5EF4-FFF2-40B4-BE49-F238E27FC236}">
-                  <a16:creationId xmlns:a16="http://schemas.microsoft.com/office/drawing/2014/main" id="{D4D0E25D-F991-44B5-1BA5-47501012E945}"/>
-                </a:ext>
-              </a:extLst>
-            </p:cNvPr>
-            <p:cNvSpPr/>
-            <p:nvPr/>
-          </p:nvSpPr>
-          <p:spPr>
-            <a:xfrm>
-              <a:off x="1088240" y="7920925"/>
-              <a:ext cx="2534087" cy="1327664"/>
-            </a:xfrm>
-            <a:prstGeom prst="rect">
-              <a:avLst/>
-            </a:prstGeom>
-            <a:noFill/>
-            <a:ln w="12700" cap="flat" cmpd="sng">
-              <a:solidFill>
-                <a:srgbClr val="31538F"/>
-              </a:solidFill>
-              <a:prstDash val="solid"/>
-              <a:miter lim="800000"/>
-              <a:headEnd type="none" w="sm" len="sm"/>
-              <a:tailEnd type="none" w="sm" len="sm"/>
-            </a:ln>
-          </p:spPr>
-          <p:txBody>
-            <a:bodyPr spcFirstLastPara="1" wrap="square" lIns="91425" tIns="45700" rIns="91425" bIns="45700" anchor="ctr" anchorCtr="0">
-              <a:noAutofit/>
-            </a:bodyPr>
-            <a:lstStyle/>
-            <a:p>
-              <a:pPr algn="ctr"/>
-              <a:r>
-                <a:rPr lang="en-US" sz="1600" b="1" dirty="0">
-                  <a:solidFill>
-                    <a:schemeClr val="dk1"/>
-                  </a:solidFill>
-                  <a:latin typeface="Calibri"/>
-                  <a:ea typeface="Calibri"/>
-                  <a:cs typeface="Calibri"/>
-                  <a:sym typeface="Calibri"/>
-                </a:rPr>
-                <a:t>Household influence in resource governance</a:t>
-              </a:r>
-            </a:p>
-            <a:p>
-              <a:pPr algn="ctr"/>
-              <a:r>
-                <a:rPr lang="en-US" sz="1500" dirty="0">
-                  <a:solidFill>
-                    <a:schemeClr val="dk1"/>
-                  </a:solidFill>
-                  <a:latin typeface="Calibri"/>
-                  <a:ea typeface="Calibri"/>
-                  <a:cs typeface="Calibri"/>
-                  <a:sym typeface="Calibri"/>
-                </a:rPr>
-                <a:t>Retained after selection and prioritization</a:t>
-              </a:r>
-            </a:p>
-            <a:p>
-              <a:pPr algn="ctr"/>
-              <a:r>
-                <a:rPr lang="en-US" sz="1500" dirty="0">
-                  <a:solidFill>
-                    <a:schemeClr val="dk1"/>
-                  </a:solidFill>
-                  <a:latin typeface="Calibri"/>
-                  <a:ea typeface="Calibri"/>
-                  <a:cs typeface="Calibri"/>
-                  <a:sym typeface="Calibri"/>
-                </a:rPr>
-                <a:t>(9 indirect predictors)</a:t>
-              </a:r>
-            </a:p>
-          </p:txBody>
-        </p:sp>
-      </p:grpSp>
-      <p:cxnSp>
-        <p:nvCxnSpPr>
-          <p:cNvPr id="23" name="Straight Arrow Connector 22">
-            <a:extLst>
-              <a:ext uri="{FF2B5EF4-FFF2-40B4-BE49-F238E27FC236}">
-                <a16:creationId xmlns:a16="http://schemas.microsoft.com/office/drawing/2014/main" id="{E80ED66E-BE93-6EC7-6257-05889E8A0C31}"/>
+                <a16:creationId xmlns:a16="http://schemas.microsoft.com/office/drawing/2014/main" id="{FC016250-BADA-DFF3-FA45-B1456BC0FA27}"/>
               </a:ext>
             </a:extLst>
           </p:cNvPr>
           <p:cNvCxnSpPr>
             <a:cxnSpLocks/>
-            <a:stCxn id="26" idx="2"/>
-            <a:endCxn id="10" idx="0"/>
+            <a:stCxn id="22" idx="3"/>
+            <a:endCxn id="7" idx="1"/>
           </p:cNvCxnSpPr>
           <p:nvPr/>
         </p:nvCxnSpPr>
         <p:spPr>
           <a:xfrm>
-            <a:off x="2354454" y="6725263"/>
-            <a:ext cx="0" cy="268535"/>
+            <a:off x="3622327" y="7415258"/>
+            <a:ext cx="404288" cy="4234"/>
           </a:xfrm>
           <a:prstGeom prst="straightConnector1">
             <a:avLst/>
@@ -22486,10 +22038,10 @@
       </p:cxnSp>
       <p:sp>
         <p:nvSpPr>
-          <p:cNvPr id="26" name="Google Shape;100;p13">
+          <p:cNvPr id="7" name="Google Shape;95;p13">
             <a:extLst>
               <a:ext uri="{FF2B5EF4-FFF2-40B4-BE49-F238E27FC236}">
-                <a16:creationId xmlns:a16="http://schemas.microsoft.com/office/drawing/2014/main" id="{C5CA0FC6-2CDC-3501-4229-90BC288FC514}"/>
+                <a16:creationId xmlns:a16="http://schemas.microsoft.com/office/drawing/2014/main" id="{F1A0A033-923F-AE0D-3516-9FCBB4719BBB}"/>
               </a:ext>
             </a:extLst>
           </p:cNvPr>
@@ -22498,8 +22050,124 @@
         </p:nvSpPr>
         <p:spPr>
           <a:xfrm>
-            <a:off x="1310454" y="6040417"/>
-            <a:ext cx="2088000" cy="684846"/>
+            <a:off x="4026615" y="6898932"/>
+            <a:ext cx="2637055" cy="1041119"/>
+          </a:xfrm>
+          <a:prstGeom prst="rect">
+            <a:avLst/>
+          </a:prstGeom>
+          <a:solidFill>
+            <a:schemeClr val="tx2"/>
+          </a:solidFill>
+          <a:ln w="12700" cap="flat" cmpd="sng">
+            <a:solidFill>
+              <a:schemeClr val="tx2"/>
+            </a:solidFill>
+            <a:prstDash val="solid"/>
+            <a:miter lim="800000"/>
+            <a:headEnd type="none" w="sm" len="sm"/>
+            <a:tailEnd type="none" w="sm" len="sm"/>
+          </a:ln>
+        </p:spPr>
+        <p:txBody>
+          <a:bodyPr spcFirstLastPara="1" wrap="square" lIns="91425" tIns="45700" rIns="91425" bIns="45700" anchor="ctr" anchorCtr="0">
+            <a:noAutofit/>
+          </a:bodyPr>
+          <a:lstStyle/>
+          <a:p>
+            <a:pPr>
+              <a:lnSpc>
+                <a:spcPct val="107000"/>
+              </a:lnSpc>
+            </a:pPr>
+            <a:r>
+              <a:rPr lang="en-AU" sz="1500" b="1" dirty="0">
+                <a:latin typeface="Calibri" panose="020F0502020204030204" pitchFamily="34" charset="0"/>
+                <a:ea typeface="Calibri" panose="020F0502020204030204" pitchFamily="34" charset="0"/>
+                <a:cs typeface="Calibri" panose="020F0502020204030204" pitchFamily="34" charset="0"/>
+              </a:rPr>
+              <a:t>Excluded factors:</a:t>
+            </a:r>
+          </a:p>
+          <a:p>
+            <a:pPr marL="72000">
+              <a:lnSpc>
+                <a:spcPct val="107000"/>
+              </a:lnSpc>
+              <a:buFont typeface="Arial" panose="020B0604020202020204" pitchFamily="34" charset="0"/>
+              <a:buChar char="•"/>
+            </a:pPr>
+            <a:r>
+              <a:rPr lang="en-AU" sz="1500">
+                <a:latin typeface="Calibri" panose="020F0502020204030204" pitchFamily="34" charset="0"/>
+                <a:ea typeface="Calibri" panose="020F0502020204030204" pitchFamily="34" charset="0"/>
+                <a:cs typeface="Calibri" panose="020F0502020204030204" pitchFamily="34" charset="0"/>
+              </a:rPr>
+              <a:t>Irrelevant (139)</a:t>
+            </a:r>
+            <a:endParaRPr lang="en-AU" sz="1500" dirty="0">
+              <a:latin typeface="Calibri" panose="020F0502020204030204" pitchFamily="34" charset="0"/>
+              <a:ea typeface="Calibri" panose="020F0502020204030204" pitchFamily="34" charset="0"/>
+              <a:cs typeface="Calibri" panose="020F0502020204030204" pitchFamily="34" charset="0"/>
+            </a:endParaRPr>
+          </a:p>
+          <a:p>
+            <a:pPr marL="72000">
+              <a:lnSpc>
+                <a:spcPct val="107000"/>
+              </a:lnSpc>
+              <a:buFont typeface="Arial" panose="020B0604020202020204" pitchFamily="34" charset="0"/>
+              <a:buChar char="•"/>
+            </a:pPr>
+            <a:r>
+              <a:rPr lang="en-AU" sz="1500" dirty="0">
+                <a:latin typeface="Calibri" panose="020F0502020204030204" pitchFamily="34" charset="0"/>
+                <a:ea typeface="Calibri" panose="020F0502020204030204" pitchFamily="34" charset="0"/>
+                <a:cs typeface="Calibri" panose="020F0502020204030204" pitchFamily="34" charset="0"/>
+              </a:rPr>
+              <a:t>Redundant ()</a:t>
+            </a:r>
+          </a:p>
+          <a:p>
+            <a:pPr marL="72000">
+              <a:lnSpc>
+                <a:spcPct val="107000"/>
+              </a:lnSpc>
+              <a:buFont typeface="Arial" panose="020B0604020202020204" pitchFamily="34" charset="0"/>
+              <a:buChar char="•"/>
+            </a:pPr>
+            <a:r>
+              <a:rPr lang="en-AU" sz="1500" dirty="0">
+                <a:latin typeface="Calibri" panose="020F0502020204030204" pitchFamily="34" charset="0"/>
+                <a:ea typeface="Calibri" panose="020F0502020204030204" pitchFamily="34" charset="0"/>
+                <a:cs typeface="Calibri" panose="020F0502020204030204" pitchFamily="34" charset="0"/>
+              </a:rPr>
+              <a:t>Feature selection algorithms</a:t>
+            </a:r>
+            <a:endParaRPr lang="en-US" sz="1500" dirty="0">
+              <a:latin typeface="Calibri" panose="020F0502020204030204" pitchFamily="34" charset="0"/>
+              <a:ea typeface="Calibri" panose="020F0502020204030204" pitchFamily="34" charset="0"/>
+              <a:cs typeface="Calibri" panose="020F0502020204030204" pitchFamily="34" charset="0"/>
+            </a:endParaRPr>
+          </a:p>
+        </p:txBody>
+      </p:sp>
+      <p:sp>
+        <p:nvSpPr>
+          <p:cNvPr id="22" name="Google Shape;101;p13">
+            <a:extLst>
+              <a:ext uri="{FF2B5EF4-FFF2-40B4-BE49-F238E27FC236}">
+                <a16:creationId xmlns:a16="http://schemas.microsoft.com/office/drawing/2014/main" id="{D4D0E25D-F991-44B5-1BA5-47501012E945}"/>
+              </a:ext>
+            </a:extLst>
+          </p:cNvPr>
+          <p:cNvSpPr/>
+          <p:nvPr/>
+        </p:nvSpPr>
+        <p:spPr>
+          <a:xfrm>
+            <a:off x="1088240" y="6751426"/>
+            <a:ext cx="2534087" cy="1327664"/>
           </a:xfrm>
           <a:prstGeom prst="rect">
             <a:avLst/>
@@ -22523,7 +22191,7 @@
           <a:p>
             <a:pPr algn="ctr"/>
             <a:r>
-              <a:rPr lang="en-US" sz="1500" b="1" dirty="0">
+              <a:rPr lang="en-US" sz="1600" b="1" dirty="0">
                 <a:solidFill>
                   <a:schemeClr val="dk1"/>
                 </a:solidFill>
@@ -22532,14 +22200,13 @@
                 <a:cs typeface="Calibri"/>
                 <a:sym typeface="Calibri"/>
               </a:rPr>
-              <a:t>Unique factors</a:t>
+              <a:t>Household influence in resource governance</a:t>
             </a:r>
-            <a:endParaRPr sz="1500" b="1" dirty="0"/>
           </a:p>
           <a:p>
             <a:pPr algn="ctr"/>
             <a:r>
-              <a:rPr lang="en-GB" sz="1500" b="1" dirty="0">
+              <a:rPr lang="en-US" sz="1500" dirty="0">
                 <a:solidFill>
                   <a:schemeClr val="dk1"/>
                 </a:solidFill>
@@ -22548,20 +22215,69 @@
                 <a:cs typeface="Calibri"/>
                 <a:sym typeface="Calibri"/>
               </a:rPr>
-              <a:t>after one-hot encoding (269 factors)</a:t>
+              <a:t>Retained after selection and prioritization</a:t>
             </a:r>
-            <a:endParaRPr sz="1500" b="1" dirty="0">
-              <a:solidFill>
-                <a:schemeClr val="dk1"/>
-              </a:solidFill>
-              <a:latin typeface="Calibri"/>
-              <a:ea typeface="Calibri"/>
-              <a:cs typeface="Calibri"/>
-              <a:sym typeface="Calibri"/>
-            </a:endParaRPr>
+          </a:p>
+          <a:p>
+            <a:pPr algn="ctr"/>
+            <a:r>
+              <a:rPr lang="en-US" sz="1500" dirty="0">
+                <a:solidFill>
+                  <a:schemeClr val="dk1"/>
+                </a:solidFill>
+                <a:latin typeface="Calibri"/>
+                <a:ea typeface="Calibri"/>
+                <a:cs typeface="Calibri"/>
+                <a:sym typeface="Calibri"/>
+              </a:rPr>
+              <a:t>(9 indirect predictors)</a:t>
+            </a:r>
           </a:p>
         </p:txBody>
       </p:sp>
+      <p:cxnSp>
+        <p:nvCxnSpPr>
+          <p:cNvPr id="23" name="Straight Arrow Connector 22">
+            <a:extLst>
+              <a:ext uri="{FF2B5EF4-FFF2-40B4-BE49-F238E27FC236}">
+                <a16:creationId xmlns:a16="http://schemas.microsoft.com/office/drawing/2014/main" id="{E80ED66E-BE93-6EC7-6257-05889E8A0C31}"/>
+              </a:ext>
+            </a:extLst>
+          </p:cNvPr>
+          <p:cNvCxnSpPr>
+            <a:cxnSpLocks/>
+            <a:stCxn id="40" idx="2"/>
+            <a:endCxn id="10" idx="0"/>
+          </p:cNvCxnSpPr>
+          <p:nvPr/>
+        </p:nvCxnSpPr>
+        <p:spPr>
+          <a:xfrm flipH="1">
+            <a:off x="2354454" y="5534448"/>
+            <a:ext cx="8521" cy="263597"/>
+          </a:xfrm>
+          <a:prstGeom prst="straightConnector1">
+            <a:avLst/>
+          </a:prstGeom>
+          <a:ln>
+            <a:tailEnd type="triangle"/>
+          </a:ln>
+        </p:spPr>
+        <p:style>
+          <a:lnRef idx="1">
+            <a:schemeClr val="accent1"/>
+          </a:lnRef>
+          <a:fillRef idx="0">
+            <a:schemeClr val="accent1"/>
+          </a:fillRef>
+          <a:effectRef idx="0">
+            <a:schemeClr val="accent1"/>
+          </a:effectRef>
+          <a:fontRef idx="minor">
+            <a:schemeClr val="tx1"/>
+          </a:fontRef>
+        </p:style>
+      </p:cxnSp>
       <p:sp>
         <p:nvSpPr>
           <p:cNvPr id="27" name="Google Shape;96;p13">
@@ -22677,8 +22393,8 @@
         </p:nvSpPr>
         <p:spPr>
           <a:xfrm>
-            <a:off x="1454454" y="4165014"/>
-            <a:ext cx="1800000" cy="477214"/>
+            <a:off x="1095931" y="4446808"/>
+            <a:ext cx="2534087" cy="1087640"/>
           </a:xfrm>
           <a:prstGeom prst="rect">
             <a:avLst/>
@@ -22700,10 +22416,12 @@
           </a:bodyPr>
           <a:lstStyle/>
           <a:p>
-            <a:pPr>
+            <a:pPr marL="285750" indent="-285750">
               <a:lnSpc>
                 <a:spcPts val="1300"/>
               </a:lnSpc>
+              <a:buFont typeface="Arial" panose="020B0604020202020204" pitchFamily="34" charset="0"/>
+              <a:buChar char="•"/>
             </a:pPr>
             <a:r>
               <a:rPr lang="en-US" sz="1300" dirty="0">
@@ -22716,6 +22434,46 @@
                 <a:sym typeface="Calibri"/>
               </a:rPr>
               <a:t>Household influence in resource governance</a:t>
+            </a:r>
+          </a:p>
+          <a:p>
+            <a:pPr marL="285750" indent="-285750">
+              <a:lnSpc>
+                <a:spcPts val="1300"/>
+              </a:lnSpc>
+              <a:buFont typeface="Arial" panose="020B0604020202020204" pitchFamily="34" charset="0"/>
+              <a:buChar char="•"/>
+            </a:pPr>
+            <a:r>
+              <a:rPr lang="en-US" sz="1300" dirty="0">
+                <a:solidFill>
+                  <a:schemeClr val="dk1"/>
+                </a:solidFill>
+                <a:latin typeface="Calibri"/>
+                <a:cs typeface="Calibri"/>
+                <a:sym typeface="Calibri"/>
+              </a:rPr>
+              <a:t>Training participation</a:t>
+            </a:r>
+          </a:p>
+          <a:p>
+            <a:pPr marL="285750" indent="-285750">
+              <a:lnSpc>
+                <a:spcPts val="1300"/>
+              </a:lnSpc>
+              <a:buFont typeface="Arial" panose="020B0604020202020204" pitchFamily="34" charset="0"/>
+              <a:buChar char="•"/>
+            </a:pPr>
+            <a:r>
+              <a:rPr lang="en-US" sz="1300" dirty="0">
+                <a:solidFill>
+                  <a:schemeClr val="dk1"/>
+                </a:solidFill>
+                <a:latin typeface="Calibri"/>
+                <a:cs typeface="Calibri"/>
+                <a:sym typeface="Calibri"/>
+              </a:rPr>
+              <a:t>Household recovery capacity from shocks</a:t>
             </a:r>
           </a:p>
         </p:txBody>
@@ -22734,7 +22492,7 @@
         </p:nvGrpSpPr>
         <p:grpSpPr>
           <a:xfrm>
-            <a:off x="1095931" y="9543378"/>
+            <a:off x="1095931" y="8347625"/>
             <a:ext cx="5567739" cy="1041119"/>
             <a:chOff x="1095931" y="9618446"/>
             <a:chExt cx="5567739" cy="1041119"/>
@@ -22995,7 +22753,7 @@
         </p:nvCxnSpPr>
         <p:spPr>
           <a:xfrm>
-            <a:off x="2355284" y="9280119"/>
+            <a:off x="2355284" y="8084366"/>
             <a:ext cx="7691" cy="296813"/>
           </a:xfrm>
           <a:prstGeom prst="straightConnector1">
@@ -23034,7 +22792,7 @@
         </p:nvGrpSpPr>
         <p:grpSpPr>
           <a:xfrm>
-            <a:off x="1095931" y="10853032"/>
+            <a:off x="1095931" y="9657279"/>
             <a:ext cx="5544006" cy="1327664"/>
             <a:chOff x="1095931" y="11241913"/>
             <a:chExt cx="5544006" cy="1327664"/>
@@ -23313,7 +23071,7 @@
         </p:nvCxnSpPr>
         <p:spPr>
           <a:xfrm>
-            <a:off x="2362975" y="10550942"/>
+            <a:off x="2362975" y="9355189"/>
             <a:ext cx="0" cy="302090"/>
           </a:xfrm>
           <a:prstGeom prst="straightConnector1">
@@ -23356,7 +23114,7 @@
         </p:nvCxnSpPr>
         <p:spPr>
           <a:xfrm>
-            <a:off x="2354454" y="7678644"/>
+            <a:off x="2354454" y="6482891"/>
             <a:ext cx="830" cy="268535"/>
           </a:xfrm>
           <a:prstGeom prst="straightConnector1">
@@ -23381,200 +23139,179 @@
           </a:fontRef>
         </p:style>
       </p:cxnSp>
-      <p:grpSp>
-        <p:nvGrpSpPr>
-          <p:cNvPr id="37" name="Group 36">
+      <p:sp>
+        <p:nvSpPr>
+          <p:cNvPr id="10" name="Google Shape;100;p13">
             <a:extLst>
               <a:ext uri="{FF2B5EF4-FFF2-40B4-BE49-F238E27FC236}">
-                <a16:creationId xmlns:a16="http://schemas.microsoft.com/office/drawing/2014/main" id="{1FA01580-81B4-DF46-66B9-FDB32D2923F4}"/>
+                <a16:creationId xmlns:a16="http://schemas.microsoft.com/office/drawing/2014/main" id="{3BD82666-2DD8-C19F-8656-1BB4F0541D9C}"/>
               </a:ext>
             </a:extLst>
           </p:cNvPr>
-          <p:cNvGrpSpPr/>
+          <p:cNvSpPr/>
           <p:nvPr/>
-        </p:nvGrpSpPr>
-        <p:grpSpPr>
+        </p:nvSpPr>
+        <p:spPr>
           <a:xfrm>
-            <a:off x="1310454" y="6993798"/>
-            <a:ext cx="4456910" cy="684846"/>
-            <a:chOff x="1310454" y="6968729"/>
-            <a:chExt cx="4456910" cy="684846"/>
+            <a:off x="1310454" y="5798045"/>
+            <a:ext cx="2088000" cy="684846"/>
           </a:xfrm>
-        </p:grpSpPr>
-        <p:sp>
-          <p:nvSpPr>
-            <p:cNvPr id="10" name="Google Shape;100;p13">
-              <a:extLst>
-                <a:ext uri="{FF2B5EF4-FFF2-40B4-BE49-F238E27FC236}">
-                  <a16:creationId xmlns:a16="http://schemas.microsoft.com/office/drawing/2014/main" id="{3BD82666-2DD8-C19F-8656-1BB4F0541D9C}"/>
-                </a:ext>
-              </a:extLst>
-            </p:cNvPr>
-            <p:cNvSpPr/>
-            <p:nvPr/>
-          </p:nvSpPr>
-          <p:spPr>
-            <a:xfrm>
-              <a:off x="1310454" y="6968729"/>
-              <a:ext cx="2088000" cy="684846"/>
-            </a:xfrm>
-            <a:prstGeom prst="rect">
-              <a:avLst/>
-            </a:prstGeom>
-            <a:noFill/>
-            <a:ln w="12700" cap="flat" cmpd="sng">
-              <a:solidFill>
-                <a:srgbClr val="31538F"/>
-              </a:solidFill>
-              <a:prstDash val="solid"/>
-              <a:miter lim="800000"/>
-              <a:headEnd type="none" w="sm" len="sm"/>
-              <a:tailEnd type="none" w="sm" len="sm"/>
-            </a:ln>
-          </p:spPr>
-          <p:txBody>
-            <a:bodyPr spcFirstLastPara="1" wrap="square" lIns="91425" tIns="45700" rIns="91425" bIns="45700" anchor="ctr" anchorCtr="0">
-              <a:noAutofit/>
-            </a:bodyPr>
-            <a:lstStyle/>
-            <a:p>
-              <a:pPr algn="ctr"/>
-              <a:r>
-                <a:rPr lang="en-US" sz="1500" dirty="0">
-                  <a:solidFill>
-                    <a:schemeClr val="dk1"/>
-                  </a:solidFill>
-                  <a:latin typeface="Calibri"/>
-                  <a:ea typeface="Calibri"/>
-                  <a:cs typeface="Calibri"/>
-                  <a:sym typeface="Calibri"/>
-                </a:rPr>
-                <a:t>Retained after excluding zero and near zero variance (189 factors)</a:t>
-              </a:r>
-            </a:p>
-          </p:txBody>
-        </p:sp>
-        <p:sp>
-          <p:nvSpPr>
-            <p:cNvPr id="20" name="Google Shape;95;p13">
-              <a:extLst>
-                <a:ext uri="{FF2B5EF4-FFF2-40B4-BE49-F238E27FC236}">
-                  <a16:creationId xmlns:a16="http://schemas.microsoft.com/office/drawing/2014/main" id="{612A2923-B41D-322F-BBDA-8063AC48D3E6}"/>
-                </a:ext>
-              </a:extLst>
-            </p:cNvPr>
-            <p:cNvSpPr/>
-            <p:nvPr/>
-          </p:nvSpPr>
-          <p:spPr>
-            <a:xfrm>
-              <a:off x="4002882" y="6982486"/>
-              <a:ext cx="1764482" cy="657332"/>
-            </a:xfrm>
-            <a:prstGeom prst="rect">
-              <a:avLst/>
-            </a:prstGeom>
+          <a:prstGeom prst="rect">
+            <a:avLst/>
+          </a:prstGeom>
+          <a:noFill/>
+          <a:ln w="12700" cap="flat" cmpd="sng">
+            <a:solidFill>
+              <a:srgbClr val="31538F"/>
+            </a:solidFill>
+            <a:prstDash val="solid"/>
+            <a:miter lim="800000"/>
+            <a:headEnd type="none" w="sm" len="sm"/>
+            <a:tailEnd type="none" w="sm" len="sm"/>
+          </a:ln>
+        </p:spPr>
+        <p:txBody>
+          <a:bodyPr spcFirstLastPara="1" wrap="square" lIns="91425" tIns="45700" rIns="91425" bIns="45700" anchor="ctr" anchorCtr="0">
+            <a:noAutofit/>
+          </a:bodyPr>
+          <a:lstStyle/>
+          <a:p>
+            <a:pPr algn="ctr"/>
+            <a:r>
+              <a:rPr lang="en-US" sz="1500" dirty="0">
+                <a:solidFill>
+                  <a:schemeClr val="dk1"/>
+                </a:solidFill>
+                <a:latin typeface="Calibri"/>
+                <a:ea typeface="Calibri"/>
+                <a:cs typeface="Calibri"/>
+                <a:sym typeface="Calibri"/>
+              </a:rPr>
+              <a:t>Retained after excluding zero and near zero variance (189 factors)</a:t>
+            </a:r>
+          </a:p>
+        </p:txBody>
+      </p:sp>
+      <p:sp>
+        <p:nvSpPr>
+          <p:cNvPr id="20" name="Google Shape;95;p13">
+            <a:extLst>
+              <a:ext uri="{FF2B5EF4-FFF2-40B4-BE49-F238E27FC236}">
+                <a16:creationId xmlns:a16="http://schemas.microsoft.com/office/drawing/2014/main" id="{612A2923-B41D-322F-BBDA-8063AC48D3E6}"/>
+              </a:ext>
+            </a:extLst>
+          </p:cNvPr>
+          <p:cNvSpPr/>
+          <p:nvPr/>
+        </p:nvSpPr>
+        <p:spPr>
+          <a:xfrm>
+            <a:off x="4002881" y="5811802"/>
+            <a:ext cx="2637055" cy="657332"/>
+          </a:xfrm>
+          <a:prstGeom prst="rect">
+            <a:avLst/>
+          </a:prstGeom>
+          <a:solidFill>
+            <a:schemeClr val="tx2"/>
+          </a:solidFill>
+          <a:ln w="12700" cap="flat" cmpd="sng">
             <a:solidFill>
               <a:schemeClr val="tx2"/>
             </a:solidFill>
-            <a:ln w="12700" cap="flat" cmpd="sng">
-              <a:solidFill>
-                <a:schemeClr val="tx2"/>
-              </a:solidFill>
-              <a:prstDash val="solid"/>
-              <a:miter lim="800000"/>
-              <a:headEnd type="none" w="sm" len="sm"/>
-              <a:tailEnd type="none" w="sm" len="sm"/>
-            </a:ln>
-          </p:spPr>
-          <p:txBody>
-            <a:bodyPr spcFirstLastPara="1" wrap="square" lIns="91425" tIns="45700" rIns="91425" bIns="45700" anchor="ctr" anchorCtr="0">
-              <a:noAutofit/>
-            </a:bodyPr>
-            <a:lstStyle/>
-            <a:p>
-              <a:pPr>
-                <a:lnSpc>
-                  <a:spcPct val="107000"/>
-                </a:lnSpc>
-              </a:pPr>
-              <a:r>
-                <a:rPr lang="en-AU" sz="1500" b="1" dirty="0">
-                  <a:latin typeface="Calibri" panose="020F0502020204030204" pitchFamily="34" charset="0"/>
-                  <a:ea typeface="Calibri" panose="020F0502020204030204" pitchFamily="34" charset="0"/>
-                  <a:cs typeface="Calibri" panose="020F0502020204030204" pitchFamily="34" charset="0"/>
-                </a:rPr>
-                <a:t>Excluded factors:</a:t>
-              </a:r>
-            </a:p>
-            <a:p>
-              <a:pPr marL="72000">
-                <a:lnSpc>
-                  <a:spcPct val="107000"/>
-                </a:lnSpc>
-                <a:buFont typeface="Arial" panose="020B0604020202020204" pitchFamily="34" charset="0"/>
-                <a:buChar char="•"/>
-              </a:pPr>
-              <a:r>
-                <a:rPr lang="en-AU" sz="1500" dirty="0">
-                  <a:latin typeface="Calibri" panose="020F0502020204030204" pitchFamily="34" charset="0"/>
-                  <a:ea typeface="Calibri" panose="020F0502020204030204" pitchFamily="34" charset="0"/>
-                  <a:cs typeface="Calibri" panose="020F0502020204030204" pitchFamily="34" charset="0"/>
-                </a:rPr>
-                <a:t>Zero or near zero variance (80)</a:t>
-              </a:r>
-              <a:endParaRPr lang="en-US" sz="1500" dirty="0">
+            <a:prstDash val="solid"/>
+            <a:miter lim="800000"/>
+            <a:headEnd type="none" w="sm" len="sm"/>
+            <a:tailEnd type="none" w="sm" len="sm"/>
+          </a:ln>
+        </p:spPr>
+        <p:txBody>
+          <a:bodyPr spcFirstLastPara="1" wrap="square" lIns="91425" tIns="45700" rIns="91425" bIns="45700" anchor="ctr" anchorCtr="0">
+            <a:noAutofit/>
+          </a:bodyPr>
+          <a:lstStyle/>
+          <a:p>
+            <a:pPr>
+              <a:lnSpc>
+                <a:spcPct val="107000"/>
+              </a:lnSpc>
+            </a:pPr>
+            <a:r>
+              <a:rPr lang="en-AU" sz="1500" b="1" dirty="0">
                 <a:latin typeface="Calibri" panose="020F0502020204030204" pitchFamily="34" charset="0"/>
                 <a:ea typeface="Calibri" panose="020F0502020204030204" pitchFamily="34" charset="0"/>
                 <a:cs typeface="Calibri" panose="020F0502020204030204" pitchFamily="34" charset="0"/>
-              </a:endParaRPr>
-            </a:p>
-          </p:txBody>
-        </p:sp>
-        <p:cxnSp>
-          <p:nvCxnSpPr>
-            <p:cNvPr id="24" name="Straight Arrow Connector 23">
-              <a:extLst>
-                <a:ext uri="{FF2B5EF4-FFF2-40B4-BE49-F238E27FC236}">
-                  <a16:creationId xmlns:a16="http://schemas.microsoft.com/office/drawing/2014/main" id="{7B4E35F5-BCAC-0CB9-F0DD-B13AB1E088B1}"/>
-                </a:ext>
-              </a:extLst>
-            </p:cNvPr>
-            <p:cNvCxnSpPr>
-              <a:cxnSpLocks/>
-              <a:stCxn id="10" idx="3"/>
-              <a:endCxn id="20" idx="1"/>
-            </p:cNvCxnSpPr>
-            <p:nvPr/>
-          </p:nvCxnSpPr>
-          <p:spPr>
-            <a:xfrm>
-              <a:off x="3398454" y="7311152"/>
-              <a:ext cx="604428" cy="0"/>
-            </a:xfrm>
-            <a:prstGeom prst="straightConnector1">
-              <a:avLst/>
-            </a:prstGeom>
-            <a:ln>
-              <a:tailEnd type="triangle"/>
-            </a:ln>
-          </p:spPr>
-          <p:style>
-            <a:lnRef idx="1">
-              <a:schemeClr val="accent1"/>
-            </a:lnRef>
-            <a:fillRef idx="0">
-              <a:schemeClr val="accent1"/>
-            </a:fillRef>
-            <a:effectRef idx="0">
-              <a:schemeClr val="accent1"/>
-            </a:effectRef>
-            <a:fontRef idx="minor">
-              <a:schemeClr val="tx1"/>
-            </a:fontRef>
-          </p:style>
-        </p:cxnSp>
-      </p:grpSp>
+              </a:rPr>
+              <a:t>Excluded factors:</a:t>
+            </a:r>
+          </a:p>
+          <a:p>
+            <a:pPr marL="72000">
+              <a:lnSpc>
+                <a:spcPct val="107000"/>
+              </a:lnSpc>
+              <a:buFont typeface="Arial" panose="020B0604020202020204" pitchFamily="34" charset="0"/>
+              <a:buChar char="•"/>
+            </a:pPr>
+            <a:r>
+              <a:rPr lang="en-AU" sz="1500" dirty="0">
+                <a:latin typeface="Calibri" panose="020F0502020204030204" pitchFamily="34" charset="0"/>
+                <a:ea typeface="Calibri" panose="020F0502020204030204" pitchFamily="34" charset="0"/>
+                <a:cs typeface="Calibri" panose="020F0502020204030204" pitchFamily="34" charset="0"/>
+              </a:rPr>
+              <a:t>Zero or near zero variance (80)</a:t>
+            </a:r>
+            <a:endParaRPr lang="en-US" sz="1500" dirty="0">
+              <a:latin typeface="Calibri" panose="020F0502020204030204" pitchFamily="34" charset="0"/>
+              <a:ea typeface="Calibri" panose="020F0502020204030204" pitchFamily="34" charset="0"/>
+              <a:cs typeface="Calibri" panose="020F0502020204030204" pitchFamily="34" charset="0"/>
+            </a:endParaRPr>
+          </a:p>
+        </p:txBody>
+      </p:sp>
+      <p:cxnSp>
+        <p:nvCxnSpPr>
+          <p:cNvPr id="24" name="Straight Arrow Connector 23">
+            <a:extLst>
+              <a:ext uri="{FF2B5EF4-FFF2-40B4-BE49-F238E27FC236}">
+                <a16:creationId xmlns:a16="http://schemas.microsoft.com/office/drawing/2014/main" id="{7B4E35F5-BCAC-0CB9-F0DD-B13AB1E088B1}"/>
+              </a:ext>
+            </a:extLst>
+          </p:cNvPr>
+          <p:cNvCxnSpPr>
+            <a:cxnSpLocks/>
+            <a:stCxn id="10" idx="3"/>
+            <a:endCxn id="20" idx="1"/>
+          </p:cNvCxnSpPr>
+          <p:nvPr/>
+        </p:nvCxnSpPr>
+        <p:spPr>
+          <a:xfrm>
+            <a:off x="3398454" y="6140468"/>
+            <a:ext cx="604427" cy="0"/>
+          </a:xfrm>
+          <a:prstGeom prst="straightConnector1">
+            <a:avLst/>
+          </a:prstGeom>
+          <a:ln>
+            <a:tailEnd type="triangle"/>
+          </a:ln>
+        </p:spPr>
+        <p:style>
+          <a:lnRef idx="1">
+            <a:schemeClr val="accent1"/>
+          </a:lnRef>
+          <a:fillRef idx="0">
+            <a:schemeClr val="accent1"/>
+          </a:fillRef>
+          <a:effectRef idx="0">
+            <a:schemeClr val="accent1"/>
+          </a:effectRef>
+          <a:fontRef idx="minor">
+            <a:schemeClr val="tx1"/>
+          </a:fontRef>
+        </p:style>
+      </p:cxnSp>
     </p:spTree>
     <p:extLst>
       <p:ext uri="{BB962C8B-B14F-4D97-AF65-F5344CB8AC3E}">

--- a/results/ROSES flow diagram for systematic reviews-BIOFR-ASANCHE-2.pptx
+++ b/results/ROSES flow diagram for systematic reviews-BIOFR-ASANCHE-2.pptx
@@ -254,7 +254,7 @@
 <file path=ppt/revisionInfo.xml><?xml version="1.0" encoding="utf-8"?>
 <p1510:revInfo xmlns:a="http://schemas.openxmlformats.org/drawingml/2006/main" xmlns:r="http://schemas.openxmlformats.org/officeDocument/2006/relationships" xmlns:p1510="http://schemas.microsoft.com/office/powerpoint/2015/10/main">
   <p1510:revLst>
-    <p1510:client id="{7E6D7EA0-E91C-4B4D-90B9-52E5DAB34D7B}" v="17" dt="2025-08-06T15:08:40.328"/>
+    <p1510:client id="{7E6D7EA0-E91C-4B4D-90B9-52E5DAB34D7B}" v="36" dt="2025-08-07T13:51:43.203"/>
   </p1510:revLst>
 </p1510:revInfo>
 </file>
@@ -288,222 +288,6 @@
           <pc:docMk/>
           <pc:sldMk cId="1261558817" sldId="259"/>
         </pc:sldMkLst>
-        <pc:spChg chg="add mod">
-          <ac:chgData name="Sanchez, Andrea Cecilia (Alliance Bioversity-CIAT)" userId="1c01d433-d123-45b5-bcb7-0c97fcfb82b9" providerId="ADAL" clId="{2B52F604-BA0D-47C1-A292-E2209BB3A38A}" dt="2025-05-27T13:25:04.367" v="5770" actId="1036"/>
-          <ac:spMkLst>
-            <pc:docMk/>
-            <pc:sldMk cId="1261558817" sldId="259"/>
-            <ac:spMk id="2" creationId="{232BE84E-0F9B-682C-E452-4C79BFC95E6A}"/>
-          </ac:spMkLst>
-        </pc:spChg>
-        <pc:spChg chg="mod topLvl">
-          <ac:chgData name="Sanchez, Andrea Cecilia (Alliance Bioversity-CIAT)" userId="1c01d433-d123-45b5-bcb7-0c97fcfb82b9" providerId="ADAL" clId="{2B52F604-BA0D-47C1-A292-E2209BB3A38A}" dt="2025-05-27T13:19:54.506" v="5576" actId="1036"/>
-          <ac:spMkLst>
-            <pc:docMk/>
-            <pc:sldMk cId="1261558817" sldId="259"/>
-            <ac:spMk id="6" creationId="{BA14F782-E759-7521-22FD-2BA5B421360D}"/>
-          </ac:spMkLst>
-        </pc:spChg>
-        <pc:spChg chg="add mod">
-          <ac:chgData name="Sanchez, Andrea Cecilia (Alliance Bioversity-CIAT)" userId="1c01d433-d123-45b5-bcb7-0c97fcfb82b9" providerId="ADAL" clId="{2B52F604-BA0D-47C1-A292-E2209BB3A38A}" dt="2025-05-20T09:32:31.913" v="5393" actId="403"/>
-          <ac:spMkLst>
-            <pc:docMk/>
-            <pc:sldMk cId="1261558817" sldId="259"/>
-            <ac:spMk id="23" creationId="{809B5C49-6699-AC11-1697-DDB1ADA47CF7}"/>
-          </ac:spMkLst>
-        </pc:spChg>
-        <pc:spChg chg="mod topLvl">
-          <ac:chgData name="Sanchez, Andrea Cecilia (Alliance Bioversity-CIAT)" userId="1c01d433-d123-45b5-bcb7-0c97fcfb82b9" providerId="ADAL" clId="{2B52F604-BA0D-47C1-A292-E2209BB3A38A}" dt="2025-05-20T09:32:27.676" v="5392" actId="14100"/>
-          <ac:spMkLst>
-            <pc:docMk/>
-            <pc:sldMk cId="1261558817" sldId="259"/>
-            <ac:spMk id="45" creationId="{3BA239DA-1F47-89A4-A390-A1889272B1CE}"/>
-          </ac:spMkLst>
-        </pc:spChg>
-        <pc:spChg chg="add mod">
-          <ac:chgData name="Sanchez, Andrea Cecilia (Alliance Bioversity-CIAT)" userId="1c01d433-d123-45b5-bcb7-0c97fcfb82b9" providerId="ADAL" clId="{2B52F604-BA0D-47C1-A292-E2209BB3A38A}" dt="2025-05-20T09:32:21.220" v="5390" actId="14100"/>
-          <ac:spMkLst>
-            <pc:docMk/>
-            <pc:sldMk cId="1261558817" sldId="259"/>
-            <ac:spMk id="88" creationId="{C96E6A25-EF0E-AE99-4CEF-2AB29090E907}"/>
-          </ac:spMkLst>
-        </pc:spChg>
-        <pc:spChg chg="add del mod">
-          <ac:chgData name="Sanchez, Andrea Cecilia (Alliance Bioversity-CIAT)" userId="1c01d433-d123-45b5-bcb7-0c97fcfb82b9" providerId="ADAL" clId="{2B52F604-BA0D-47C1-A292-E2209BB3A38A}" dt="2025-05-27T13:25:17.195" v="5774" actId="14100"/>
-          <ac:spMkLst>
-            <pc:docMk/>
-            <pc:sldMk cId="1261558817" sldId="259"/>
-            <ac:spMk id="90" creationId="{50B25253-BCC1-DFEC-C9AD-2756BDDBFA22}"/>
-          </ac:spMkLst>
-        </pc:spChg>
-        <pc:spChg chg="mod topLvl">
-          <ac:chgData name="Sanchez, Andrea Cecilia (Alliance Bioversity-CIAT)" userId="1c01d433-d123-45b5-bcb7-0c97fcfb82b9" providerId="ADAL" clId="{2B52F604-BA0D-47C1-A292-E2209BB3A38A}" dt="2025-05-27T13:25:35.298" v="5801" actId="14100"/>
-          <ac:spMkLst>
-            <pc:docMk/>
-            <pc:sldMk cId="1261558817" sldId="259"/>
-            <ac:spMk id="91" creationId="{1E5A36F0-6B0C-A30A-11A8-90D6000A5A0B}"/>
-          </ac:spMkLst>
-        </pc:spChg>
-        <pc:spChg chg="mod topLvl">
-          <ac:chgData name="Sanchez, Andrea Cecilia (Alliance Bioversity-CIAT)" userId="1c01d433-d123-45b5-bcb7-0c97fcfb82b9" providerId="ADAL" clId="{2B52F604-BA0D-47C1-A292-E2209BB3A38A}" dt="2025-05-27T13:22:25.988" v="5695" actId="14100"/>
-          <ac:spMkLst>
-            <pc:docMk/>
-            <pc:sldMk cId="1261558817" sldId="259"/>
-            <ac:spMk id="92" creationId="{1FDC0199-5F70-BB16-406B-441FED34D008}"/>
-          </ac:spMkLst>
-        </pc:spChg>
-        <pc:spChg chg="mod topLvl">
-          <ac:chgData name="Sanchez, Andrea Cecilia (Alliance Bioversity-CIAT)" userId="1c01d433-d123-45b5-bcb7-0c97fcfb82b9" providerId="ADAL" clId="{2B52F604-BA0D-47C1-A292-E2209BB3A38A}" dt="2025-05-20T09:32:15.926" v="5388" actId="403"/>
-          <ac:spMkLst>
-            <pc:docMk/>
-            <pc:sldMk cId="1261558817" sldId="259"/>
-            <ac:spMk id="93" creationId="{C5C10BB6-E25E-09AA-E1AA-EFF10A4D0AC7}"/>
-          </ac:spMkLst>
-        </pc:spChg>
-        <pc:spChg chg="mod topLvl">
-          <ac:chgData name="Sanchez, Andrea Cecilia (Alliance Bioversity-CIAT)" userId="1c01d433-d123-45b5-bcb7-0c97fcfb82b9" providerId="ADAL" clId="{2B52F604-BA0D-47C1-A292-E2209BB3A38A}" dt="2025-05-27T13:23:59.278" v="5741" actId="1037"/>
-          <ac:spMkLst>
-            <pc:docMk/>
-            <pc:sldMk cId="1261558817" sldId="259"/>
-            <ac:spMk id="95" creationId="{B047A05C-AB60-78C3-CC76-E2ADFA1FC546}"/>
-          </ac:spMkLst>
-        </pc:spChg>
-        <pc:spChg chg="mod">
-          <ac:chgData name="Sanchez, Andrea Cecilia (Alliance Bioversity-CIAT)" userId="1c01d433-d123-45b5-bcb7-0c97fcfb82b9" providerId="ADAL" clId="{2B52F604-BA0D-47C1-A292-E2209BB3A38A}" dt="2025-05-27T13:25:21.825" v="5776" actId="14100"/>
-          <ac:spMkLst>
-            <pc:docMk/>
-            <pc:sldMk cId="1261558817" sldId="259"/>
-            <ac:spMk id="96" creationId="{68F49987-1DC5-001B-5D69-8BCE28EE0D31}"/>
-          </ac:spMkLst>
-        </pc:spChg>
-        <pc:spChg chg="mod">
-          <ac:chgData name="Sanchez, Andrea Cecilia (Alliance Bioversity-CIAT)" userId="1c01d433-d123-45b5-bcb7-0c97fcfb82b9" providerId="ADAL" clId="{2B52F604-BA0D-47C1-A292-E2209BB3A38A}" dt="2025-05-27T13:25:25.068" v="5777" actId="14100"/>
-          <ac:spMkLst>
-            <pc:docMk/>
-            <pc:sldMk cId="1261558817" sldId="259"/>
-            <ac:spMk id="97" creationId="{936E15ED-E1BC-C783-FC1D-ECA59C3CF120}"/>
-          </ac:spMkLst>
-        </pc:spChg>
-        <pc:spChg chg="mod topLvl">
-          <ac:chgData name="Sanchez, Andrea Cecilia (Alliance Bioversity-CIAT)" userId="1c01d433-d123-45b5-bcb7-0c97fcfb82b9" providerId="ADAL" clId="{2B52F604-BA0D-47C1-A292-E2209BB3A38A}" dt="2025-05-27T13:23:59.278" v="5741" actId="1037"/>
-          <ac:spMkLst>
-            <pc:docMk/>
-            <pc:sldMk cId="1261558817" sldId="259"/>
-            <ac:spMk id="98" creationId="{AC90F5D6-E1CC-3D90-CDA0-DC70031588B9}"/>
-          </ac:spMkLst>
-        </pc:spChg>
-        <pc:spChg chg="mod ord topLvl">
-          <ac:chgData name="Sanchez, Andrea Cecilia (Alliance Bioversity-CIAT)" userId="1c01d433-d123-45b5-bcb7-0c97fcfb82b9" providerId="ADAL" clId="{2B52F604-BA0D-47C1-A292-E2209BB3A38A}" dt="2025-05-27T13:25:14.059" v="5773" actId="1076"/>
-          <ac:spMkLst>
-            <pc:docMk/>
-            <pc:sldMk cId="1261558817" sldId="259"/>
-            <ac:spMk id="100" creationId="{A4BB367E-10C8-07AA-2576-D344CE759461}"/>
-          </ac:spMkLst>
-        </pc:spChg>
-        <pc:spChg chg="add mod">
-          <ac:chgData name="Sanchez, Andrea Cecilia (Alliance Bioversity-CIAT)" userId="1c01d433-d123-45b5-bcb7-0c97fcfb82b9" providerId="ADAL" clId="{2B52F604-BA0D-47C1-A292-E2209BB3A38A}" dt="2025-05-19T17:13:28.012" v="4784" actId="14100"/>
-          <ac:spMkLst>
-            <pc:docMk/>
-            <pc:sldMk cId="1261558817" sldId="259"/>
-            <ac:spMk id="152" creationId="{9C6408B7-890D-2872-EC4C-9EC98B8B39FB}"/>
-          </ac:spMkLst>
-        </pc:spChg>
-        <pc:spChg chg="add mod">
-          <ac:chgData name="Sanchez, Andrea Cecilia (Alliance Bioversity-CIAT)" userId="1c01d433-d123-45b5-bcb7-0c97fcfb82b9" providerId="ADAL" clId="{2B52F604-BA0D-47C1-A292-E2209BB3A38A}" dt="2025-05-19T16:57:09.816" v="4353" actId="164"/>
-          <ac:spMkLst>
-            <pc:docMk/>
-            <pc:sldMk cId="1261558817" sldId="259"/>
-            <ac:spMk id="217" creationId="{4A78B076-5030-2507-5011-7B1FABDCFBE3}"/>
-          </ac:spMkLst>
-        </pc:spChg>
-        <pc:spChg chg="add mod">
-          <ac:chgData name="Sanchez, Andrea Cecilia (Alliance Bioversity-CIAT)" userId="1c01d433-d123-45b5-bcb7-0c97fcfb82b9" providerId="ADAL" clId="{2B52F604-BA0D-47C1-A292-E2209BB3A38A}" dt="2025-05-19T16:57:09.816" v="4353" actId="164"/>
-          <ac:spMkLst>
-            <pc:docMk/>
-            <pc:sldMk cId="1261558817" sldId="259"/>
-            <ac:spMk id="218" creationId="{5C95B392-491A-E034-421E-CD6F499AFD17}"/>
-          </ac:spMkLst>
-        </pc:spChg>
-        <pc:spChg chg="add mod">
-          <ac:chgData name="Sanchez, Andrea Cecilia (Alliance Bioversity-CIAT)" userId="1c01d433-d123-45b5-bcb7-0c97fcfb82b9" providerId="ADAL" clId="{2B52F604-BA0D-47C1-A292-E2209BB3A38A}" dt="2025-05-27T13:25:31.113" v="5800" actId="1036"/>
-          <ac:spMkLst>
-            <pc:docMk/>
-            <pc:sldMk cId="1261558817" sldId="259"/>
-            <ac:spMk id="219" creationId="{E583857D-9E4E-853E-7170-C14B8A488DF1}"/>
-          </ac:spMkLst>
-        </pc:spChg>
-        <pc:grpChg chg="add mod">
-          <ac:chgData name="Sanchez, Andrea Cecilia (Alliance Bioversity-CIAT)" userId="1c01d433-d123-45b5-bcb7-0c97fcfb82b9" providerId="ADAL" clId="{2B52F604-BA0D-47C1-A292-E2209BB3A38A}" dt="2025-05-27T13:25:31.113" v="5800" actId="1036"/>
-          <ac:grpSpMkLst>
-            <pc:docMk/>
-            <pc:sldMk cId="1261558817" sldId="259"/>
-            <ac:grpSpMk id="3" creationId="{FBD2B001-2935-04A8-501B-4CA0000FD71C}"/>
-          </ac:grpSpMkLst>
-        </pc:grpChg>
-        <pc:cxnChg chg="mod">
-          <ac:chgData name="Sanchez, Andrea Cecilia (Alliance Bioversity-CIAT)" userId="1c01d433-d123-45b5-bcb7-0c97fcfb82b9" providerId="ADAL" clId="{2B52F604-BA0D-47C1-A292-E2209BB3A38A}" dt="2025-05-27T13:19:54.506" v="5576" actId="1036"/>
-          <ac:cxnSpMkLst>
-            <pc:docMk/>
-            <pc:sldMk cId="1261558817" sldId="259"/>
-            <ac:cxnSpMk id="8" creationId="{B78F8812-1EBB-ED62-B283-45422A27BA5D}"/>
-          </ac:cxnSpMkLst>
-        </pc:cxnChg>
-        <pc:cxnChg chg="mod topLvl">
-          <ac:chgData name="Sanchez, Andrea Cecilia (Alliance Bioversity-CIAT)" userId="1c01d433-d123-45b5-bcb7-0c97fcfb82b9" providerId="ADAL" clId="{2B52F604-BA0D-47C1-A292-E2209BB3A38A}" dt="2025-05-27T13:20:29.099" v="5592" actId="478"/>
-          <ac:cxnSpMkLst>
-            <pc:docMk/>
-            <pc:sldMk cId="1261558817" sldId="259"/>
-            <ac:cxnSpMk id="9" creationId="{C48AC772-73BD-39F0-621B-89740932039B}"/>
-          </ac:cxnSpMkLst>
-        </pc:cxnChg>
-        <pc:cxnChg chg="add mod">
-          <ac:chgData name="Sanchez, Andrea Cecilia (Alliance Bioversity-CIAT)" userId="1c01d433-d123-45b5-bcb7-0c97fcfb82b9" providerId="ADAL" clId="{2B52F604-BA0D-47C1-A292-E2209BB3A38A}" dt="2025-05-27T13:24:24.436" v="5748" actId="14100"/>
-          <ac:cxnSpMkLst>
-            <pc:docMk/>
-            <pc:sldMk cId="1261558817" sldId="259"/>
-            <ac:cxnSpMk id="22" creationId="{54D3275E-6273-4F48-DEEB-5CA9F35AEEFB}"/>
-          </ac:cxnSpMkLst>
-        </pc:cxnChg>
-        <pc:cxnChg chg="mod">
-          <ac:chgData name="Sanchez, Andrea Cecilia (Alliance Bioversity-CIAT)" userId="1c01d433-d123-45b5-bcb7-0c97fcfb82b9" providerId="ADAL" clId="{2B52F604-BA0D-47C1-A292-E2209BB3A38A}" dt="2025-05-20T09:32:27.676" v="5392" actId="14100"/>
-          <ac:cxnSpMkLst>
-            <pc:docMk/>
-            <pc:sldMk cId="1261558817" sldId="259"/>
-            <ac:cxnSpMk id="35" creationId="{8856706D-0310-1642-BD2F-DC38237F2FA9}"/>
-          </ac:cxnSpMkLst>
-        </pc:cxnChg>
-        <pc:cxnChg chg="mod">
-          <ac:chgData name="Sanchez, Andrea Cecilia (Alliance Bioversity-CIAT)" userId="1c01d433-d123-45b5-bcb7-0c97fcfb82b9" providerId="ADAL" clId="{2B52F604-BA0D-47C1-A292-E2209BB3A38A}" dt="2025-05-27T13:25:31.113" v="5800" actId="1036"/>
-          <ac:cxnSpMkLst>
-            <pc:docMk/>
-            <pc:sldMk cId="1261558817" sldId="259"/>
-            <ac:cxnSpMk id="41" creationId="{984C4D35-8C51-36C0-ADA9-6F1FA9B86448}"/>
-          </ac:cxnSpMkLst>
-        </pc:cxnChg>
-        <pc:cxnChg chg="mod topLvl">
-          <ac:chgData name="Sanchez, Andrea Cecilia (Alliance Bioversity-CIAT)" userId="1c01d433-d123-45b5-bcb7-0c97fcfb82b9" providerId="ADAL" clId="{2B52F604-BA0D-47C1-A292-E2209BB3A38A}" dt="2025-05-27T13:20:22.253" v="5590" actId="478"/>
-          <ac:cxnSpMkLst>
-            <pc:docMk/>
-            <pc:sldMk cId="1261558817" sldId="259"/>
-            <ac:cxnSpMk id="49" creationId="{8CD0F085-E78C-3143-1BBC-9B43BA088930}"/>
-          </ac:cxnSpMkLst>
-        </pc:cxnChg>
-        <pc:cxnChg chg="add mod">
-          <ac:chgData name="Sanchez, Andrea Cecilia (Alliance Bioversity-CIAT)" userId="1c01d433-d123-45b5-bcb7-0c97fcfb82b9" providerId="ADAL" clId="{2B52F604-BA0D-47C1-A292-E2209BB3A38A}" dt="2025-05-20T09:32:21.220" v="5390" actId="14100"/>
-          <ac:cxnSpMkLst>
-            <pc:docMk/>
-            <pc:sldMk cId="1261558817" sldId="259"/>
-            <ac:cxnSpMk id="94" creationId="{F642A2D3-A69D-5080-D080-2D3B26505FFC}"/>
-          </ac:cxnSpMkLst>
-        </pc:cxnChg>
-        <pc:cxnChg chg="mod topLvl">
-          <ac:chgData name="Sanchez, Andrea Cecilia (Alliance Bioversity-CIAT)" userId="1c01d433-d123-45b5-bcb7-0c97fcfb82b9" providerId="ADAL" clId="{2B52F604-BA0D-47C1-A292-E2209BB3A38A}" dt="2025-05-27T13:25:14.059" v="5773" actId="1076"/>
-          <ac:cxnSpMkLst>
-            <pc:docMk/>
-            <pc:sldMk cId="1261558817" sldId="259"/>
-            <ac:cxnSpMk id="120" creationId="{D65A7819-B74C-5558-C082-59A5A3AF4C9D}"/>
-          </ac:cxnSpMkLst>
-        </pc:cxnChg>
       </pc:sldChg>
       <pc:sldChg chg="addSp delSp modSp add mod">
         <pc:chgData name="Sanchez, Andrea Cecilia (Alliance Bioversity-CIAT)" userId="1c01d433-d123-45b5-bcb7-0c97fcfb82b9" providerId="ADAL" clId="{2B52F604-BA0D-47C1-A292-E2209BB3A38A}" dt="2025-05-27T13:19:32.558" v="5521" actId="20577"/>
@@ -511,158 +295,6 @@
           <pc:docMk/>
           <pc:sldMk cId="2556178205" sldId="260"/>
         </pc:sldMkLst>
-        <pc:spChg chg="mod">
-          <ac:chgData name="Sanchez, Andrea Cecilia (Alliance Bioversity-CIAT)" userId="1c01d433-d123-45b5-bcb7-0c97fcfb82b9" providerId="ADAL" clId="{2B52F604-BA0D-47C1-A292-E2209BB3A38A}" dt="2025-05-20T09:20:37.058" v="5305"/>
-          <ac:spMkLst>
-            <pc:docMk/>
-            <pc:sldMk cId="2556178205" sldId="260"/>
-            <ac:spMk id="14" creationId="{519F66AA-A517-57BD-6F45-9B5C1E69B450}"/>
-          </ac:spMkLst>
-        </pc:spChg>
-        <pc:spChg chg="mod">
-          <ac:chgData name="Sanchez, Andrea Cecilia (Alliance Bioversity-CIAT)" userId="1c01d433-d123-45b5-bcb7-0c97fcfb82b9" providerId="ADAL" clId="{2B52F604-BA0D-47C1-A292-E2209BB3A38A}" dt="2025-05-20T09:20:44.090" v="5315" actId="20577"/>
-          <ac:spMkLst>
-            <pc:docMk/>
-            <pc:sldMk cId="2556178205" sldId="260"/>
-            <ac:spMk id="17" creationId="{C06C69B3-2520-CEEE-1915-ACED77BF29AA}"/>
-          </ac:spMkLst>
-        </pc:spChg>
-        <pc:spChg chg="mod">
-          <ac:chgData name="Sanchez, Andrea Cecilia (Alliance Bioversity-CIAT)" userId="1c01d433-d123-45b5-bcb7-0c97fcfb82b9" providerId="ADAL" clId="{2B52F604-BA0D-47C1-A292-E2209BB3A38A}" dt="2025-05-27T13:19:32.558" v="5521" actId="20577"/>
-          <ac:spMkLst>
-            <pc:docMk/>
-            <pc:sldMk cId="2556178205" sldId="260"/>
-            <ac:spMk id="98" creationId="{79C1FA2C-8965-FD6A-9ABE-E3CD718A3E6D}"/>
-          </ac:spMkLst>
-        </pc:spChg>
-        <pc:spChg chg="mod">
-          <ac:chgData name="Sanchez, Andrea Cecilia (Alliance Bioversity-CIAT)" userId="1c01d433-d123-45b5-bcb7-0c97fcfb82b9" providerId="ADAL" clId="{2B52F604-BA0D-47C1-A292-E2209BB3A38A}" dt="2025-05-20T11:33:03.241" v="5412" actId="255"/>
-          <ac:spMkLst>
-            <pc:docMk/>
-            <pc:sldMk cId="2556178205" sldId="260"/>
-            <ac:spMk id="101" creationId="{2EC75275-4EC4-2C6B-3E56-8153116C65D5}"/>
-          </ac:spMkLst>
-        </pc:spChg>
-        <pc:spChg chg="mod">
-          <ac:chgData name="Sanchez, Andrea Cecilia (Alliance Bioversity-CIAT)" userId="1c01d433-d123-45b5-bcb7-0c97fcfb82b9" providerId="ADAL" clId="{2B52F604-BA0D-47C1-A292-E2209BB3A38A}" dt="2025-05-20T11:33:16.842" v="5417" actId="14100"/>
-          <ac:spMkLst>
-            <pc:docMk/>
-            <pc:sldMk cId="2556178205" sldId="260"/>
-            <ac:spMk id="173" creationId="{F6C2D3B5-5B09-F240-116B-0086EC3B7B92}"/>
-          </ac:spMkLst>
-        </pc:spChg>
-        <pc:spChg chg="mod">
-          <ac:chgData name="Sanchez, Andrea Cecilia (Alliance Bioversity-CIAT)" userId="1c01d433-d123-45b5-bcb7-0c97fcfb82b9" providerId="ADAL" clId="{2B52F604-BA0D-47C1-A292-E2209BB3A38A}" dt="2025-05-20T11:33:03.241" v="5412" actId="255"/>
-          <ac:spMkLst>
-            <pc:docMk/>
-            <pc:sldMk cId="2556178205" sldId="260"/>
-            <ac:spMk id="176" creationId="{54C03ACE-F4FF-632A-B707-851F9A865221}"/>
-          </ac:spMkLst>
-        </pc:spChg>
-        <pc:spChg chg="mod">
-          <ac:chgData name="Sanchez, Andrea Cecilia (Alliance Bioversity-CIAT)" userId="1c01d433-d123-45b5-bcb7-0c97fcfb82b9" providerId="ADAL" clId="{2B52F604-BA0D-47C1-A292-E2209BB3A38A}" dt="2025-05-20T11:33:15.154" v="5416" actId="14100"/>
-          <ac:spMkLst>
-            <pc:docMk/>
-            <pc:sldMk cId="2556178205" sldId="260"/>
-            <ac:spMk id="181" creationId="{3E718C61-6994-21E7-B266-87CB2A6C43B6}"/>
-          </ac:spMkLst>
-        </pc:spChg>
-        <pc:spChg chg="mod">
-          <ac:chgData name="Sanchez, Andrea Cecilia (Alliance Bioversity-CIAT)" userId="1c01d433-d123-45b5-bcb7-0c97fcfb82b9" providerId="ADAL" clId="{2B52F604-BA0D-47C1-A292-E2209BB3A38A}" dt="2025-05-20T11:33:03.241" v="5412" actId="255"/>
-          <ac:spMkLst>
-            <pc:docMk/>
-            <pc:sldMk cId="2556178205" sldId="260"/>
-            <ac:spMk id="185" creationId="{DEB11AFC-30AC-22EB-EC53-75FE35419938}"/>
-          </ac:spMkLst>
-        </pc:spChg>
-        <pc:spChg chg="mod">
-          <ac:chgData name="Sanchez, Andrea Cecilia (Alliance Bioversity-CIAT)" userId="1c01d433-d123-45b5-bcb7-0c97fcfb82b9" providerId="ADAL" clId="{2B52F604-BA0D-47C1-A292-E2209BB3A38A}" dt="2025-05-20T11:33:12.763" v="5415" actId="14100"/>
-          <ac:spMkLst>
-            <pc:docMk/>
-            <pc:sldMk cId="2556178205" sldId="260"/>
-            <ac:spMk id="186" creationId="{4AD30BFC-E2BC-EBAA-4ECF-A833D632611D}"/>
-          </ac:spMkLst>
-        </pc:spChg>
-        <pc:spChg chg="mod">
-          <ac:chgData name="Sanchez, Andrea Cecilia (Alliance Bioversity-CIAT)" userId="1c01d433-d123-45b5-bcb7-0c97fcfb82b9" providerId="ADAL" clId="{2B52F604-BA0D-47C1-A292-E2209BB3A38A}" dt="2025-05-20T11:33:03.241" v="5412" actId="255"/>
-          <ac:spMkLst>
-            <pc:docMk/>
-            <pc:sldMk cId="2556178205" sldId="260"/>
-            <ac:spMk id="206" creationId="{EFA335C0-8FEA-50E6-3F4D-B0EDE7F476A2}"/>
-          </ac:spMkLst>
-        </pc:spChg>
-        <pc:spChg chg="mod">
-          <ac:chgData name="Sanchez, Andrea Cecilia (Alliance Bioversity-CIAT)" userId="1c01d433-d123-45b5-bcb7-0c97fcfb82b9" providerId="ADAL" clId="{2B52F604-BA0D-47C1-A292-E2209BB3A38A}" dt="2025-05-20T11:33:19.968" v="5421" actId="1036"/>
-          <ac:spMkLst>
-            <pc:docMk/>
-            <pc:sldMk cId="2556178205" sldId="260"/>
-            <ac:spMk id="212" creationId="{87F65E14-4D91-62B5-4BFF-16B7534350F3}"/>
-          </ac:spMkLst>
-        </pc:spChg>
-        <pc:spChg chg="mod">
-          <ac:chgData name="Sanchez, Andrea Cecilia (Alliance Bioversity-CIAT)" userId="1c01d433-d123-45b5-bcb7-0c97fcfb82b9" providerId="ADAL" clId="{2B52F604-BA0D-47C1-A292-E2209BB3A38A}" dt="2025-05-20T11:33:31.408" v="5425" actId="1035"/>
-          <ac:spMkLst>
-            <pc:docMk/>
-            <pc:sldMk cId="2556178205" sldId="260"/>
-            <ac:spMk id="219" creationId="{4BA8B257-C231-B327-05F0-8FE1652AAB4B}"/>
-          </ac:spMkLst>
-        </pc:spChg>
-        <pc:grpChg chg="add mod">
-          <ac:chgData name="Sanchez, Andrea Cecilia (Alliance Bioversity-CIAT)" userId="1c01d433-d123-45b5-bcb7-0c97fcfb82b9" providerId="ADAL" clId="{2B52F604-BA0D-47C1-A292-E2209BB3A38A}" dt="2025-05-20T09:20:39.509" v="5306" actId="1076"/>
-          <ac:grpSpMkLst>
-            <pc:docMk/>
-            <pc:sldMk cId="2556178205" sldId="260"/>
-            <ac:grpSpMk id="13" creationId="{E210B981-EE39-3C58-13BB-148CDCED6569}"/>
-          </ac:grpSpMkLst>
-        </pc:grpChg>
-        <pc:cxnChg chg="mod">
-          <ac:chgData name="Sanchez, Andrea Cecilia (Alliance Bioversity-CIAT)" userId="1c01d433-d123-45b5-bcb7-0c97fcfb82b9" providerId="ADAL" clId="{2B52F604-BA0D-47C1-A292-E2209BB3A38A}" dt="2025-05-20T11:33:31.408" v="5425" actId="1035"/>
-          <ac:cxnSpMkLst>
-            <pc:docMk/>
-            <pc:sldMk cId="2556178205" sldId="260"/>
-            <ac:cxnSpMk id="120" creationId="{8EAD75B7-9769-D144-08DC-4CE0ED818273}"/>
-          </ac:cxnSpMkLst>
-        </pc:cxnChg>
-        <pc:cxnChg chg="mod">
-          <ac:chgData name="Sanchez, Andrea Cecilia (Alliance Bioversity-CIAT)" userId="1c01d433-d123-45b5-bcb7-0c97fcfb82b9" providerId="ADAL" clId="{2B52F604-BA0D-47C1-A292-E2209BB3A38A}" dt="2025-05-20T11:33:16.842" v="5417" actId="14100"/>
-          <ac:cxnSpMkLst>
-            <pc:docMk/>
-            <pc:sldMk cId="2556178205" sldId="260"/>
-            <ac:cxnSpMk id="141" creationId="{9ECEB4A9-9A52-47EE-903D-CC719D09DE2E}"/>
-          </ac:cxnSpMkLst>
-        </pc:cxnChg>
-        <pc:cxnChg chg="mod">
-          <ac:chgData name="Sanchez, Andrea Cecilia (Alliance Bioversity-CIAT)" userId="1c01d433-d123-45b5-bcb7-0c97fcfb82b9" providerId="ADAL" clId="{2B52F604-BA0D-47C1-A292-E2209BB3A38A}" dt="2025-05-20T11:33:15.154" v="5416" actId="14100"/>
-          <ac:cxnSpMkLst>
-            <pc:docMk/>
-            <pc:sldMk cId="2556178205" sldId="260"/>
-            <ac:cxnSpMk id="182" creationId="{039E37CB-B513-0148-054C-BEB142CE82CC}"/>
-          </ac:cxnSpMkLst>
-        </pc:cxnChg>
-        <pc:cxnChg chg="mod">
-          <ac:chgData name="Sanchez, Andrea Cecilia (Alliance Bioversity-CIAT)" userId="1c01d433-d123-45b5-bcb7-0c97fcfb82b9" providerId="ADAL" clId="{2B52F604-BA0D-47C1-A292-E2209BB3A38A}" dt="2025-05-20T11:33:12.763" v="5415" actId="14100"/>
-          <ac:cxnSpMkLst>
-            <pc:docMk/>
-            <pc:sldMk cId="2556178205" sldId="260"/>
-            <ac:cxnSpMk id="187" creationId="{C5DFAFBC-E9C1-9836-DFA1-0F6F12466AEA}"/>
-          </ac:cxnSpMkLst>
-        </pc:cxnChg>
-        <pc:cxnChg chg="mod">
-          <ac:chgData name="Sanchez, Andrea Cecilia (Alliance Bioversity-CIAT)" userId="1c01d433-d123-45b5-bcb7-0c97fcfb82b9" providerId="ADAL" clId="{2B52F604-BA0D-47C1-A292-E2209BB3A38A}" dt="2025-05-20T11:33:19.968" v="5421" actId="1036"/>
-          <ac:cxnSpMkLst>
-            <pc:docMk/>
-            <pc:sldMk cId="2556178205" sldId="260"/>
-            <ac:cxnSpMk id="213" creationId="{FDB1D31C-C008-70D0-2412-63777E0D7C06}"/>
-          </ac:cxnSpMkLst>
-        </pc:cxnChg>
-        <pc:cxnChg chg="mod">
-          <ac:chgData name="Sanchez, Andrea Cecilia (Alliance Bioversity-CIAT)" userId="1c01d433-d123-45b5-bcb7-0c97fcfb82b9" providerId="ADAL" clId="{2B52F604-BA0D-47C1-A292-E2209BB3A38A}" dt="2025-05-20T11:33:31.408" v="5425" actId="1035"/>
-          <ac:cxnSpMkLst>
-            <pc:docMk/>
-            <pc:sldMk cId="2556178205" sldId="260"/>
-            <ac:cxnSpMk id="222" creationId="{4FD1647B-691A-BD03-C5E5-D5FCBFA73D01}"/>
-          </ac:cxnSpMkLst>
-        </pc:cxnChg>
       </pc:sldChg>
       <pc:sldChg chg="addSp delSp modSp add mod">
         <pc:chgData name="Sanchez, Andrea Cecilia (Alliance Bioversity-CIAT)" userId="1c01d433-d123-45b5-bcb7-0c97fcfb82b9" providerId="ADAL" clId="{2B52F604-BA0D-47C1-A292-E2209BB3A38A}" dt="2025-05-27T13:40:11.806" v="6238" actId="20577"/>
@@ -670,238 +302,6 @@
           <pc:docMk/>
           <pc:sldMk cId="1893782827" sldId="261"/>
         </pc:sldMkLst>
-        <pc:spChg chg="mod">
-          <ac:chgData name="Sanchez, Andrea Cecilia (Alliance Bioversity-CIAT)" userId="1c01d433-d123-45b5-bcb7-0c97fcfb82b9" providerId="ADAL" clId="{2B52F604-BA0D-47C1-A292-E2209BB3A38A}" dt="2025-05-27T13:31:03.552" v="5846" actId="14100"/>
-          <ac:spMkLst>
-            <pc:docMk/>
-            <pc:sldMk cId="1893782827" sldId="261"/>
-            <ac:spMk id="2" creationId="{7C986CA8-7608-92E9-C803-44E05BBA8878}"/>
-          </ac:spMkLst>
-        </pc:spChg>
-        <pc:spChg chg="add mod">
-          <ac:chgData name="Sanchez, Andrea Cecilia (Alliance Bioversity-CIAT)" userId="1c01d433-d123-45b5-bcb7-0c97fcfb82b9" providerId="ADAL" clId="{2B52F604-BA0D-47C1-A292-E2209BB3A38A}" dt="2025-05-27T13:37:24.359" v="6124" actId="12788"/>
-          <ac:spMkLst>
-            <pc:docMk/>
-            <pc:sldMk cId="1893782827" sldId="261"/>
-            <ac:spMk id="4" creationId="{F9545D76-0BAE-E305-6B9D-AA4BCCA02EC0}"/>
-          </ac:spMkLst>
-        </pc:spChg>
-        <pc:spChg chg="add del mod">
-          <ac:chgData name="Sanchez, Andrea Cecilia (Alliance Bioversity-CIAT)" userId="1c01d433-d123-45b5-bcb7-0c97fcfb82b9" providerId="ADAL" clId="{2B52F604-BA0D-47C1-A292-E2209BB3A38A}" dt="2025-05-27T13:36:30.013" v="6087" actId="1076"/>
-          <ac:spMkLst>
-            <pc:docMk/>
-            <pc:sldMk cId="1893782827" sldId="261"/>
-            <ac:spMk id="7" creationId="{F1A0A033-923F-AE0D-3516-9FCBB4719BBB}"/>
-          </ac:spMkLst>
-        </pc:spChg>
-        <pc:spChg chg="mod">
-          <ac:chgData name="Sanchez, Andrea Cecilia (Alliance Bioversity-CIAT)" userId="1c01d433-d123-45b5-bcb7-0c97fcfb82b9" providerId="ADAL" clId="{2B52F604-BA0D-47C1-A292-E2209BB3A38A}" dt="2025-05-21T13:40:01.124" v="5516" actId="1076"/>
-          <ac:spMkLst>
-            <pc:docMk/>
-            <pc:sldMk cId="1893782827" sldId="261"/>
-            <ac:spMk id="15" creationId="{47DD55AD-E82D-B488-25A1-2E78C4B059A5}"/>
-          </ac:spMkLst>
-        </pc:spChg>
-        <pc:spChg chg="mod">
-          <ac:chgData name="Sanchez, Andrea Cecilia (Alliance Bioversity-CIAT)" userId="1c01d433-d123-45b5-bcb7-0c97fcfb82b9" providerId="ADAL" clId="{2B52F604-BA0D-47C1-A292-E2209BB3A38A}" dt="2025-05-27T13:31:06.788" v="5847" actId="14100"/>
-          <ac:spMkLst>
-            <pc:docMk/>
-            <pc:sldMk cId="1893782827" sldId="261"/>
-            <ac:spMk id="21" creationId="{48B22ABC-5FF4-1F93-7754-B381C0D9BE1D}"/>
-          </ac:spMkLst>
-        </pc:spChg>
-        <pc:spChg chg="add mod">
-          <ac:chgData name="Sanchez, Andrea Cecilia (Alliance Bioversity-CIAT)" userId="1c01d433-d123-45b5-bcb7-0c97fcfb82b9" providerId="ADAL" clId="{2B52F604-BA0D-47C1-A292-E2209BB3A38A}" dt="2025-05-27T13:40:06.847" v="6235" actId="20577"/>
-          <ac:spMkLst>
-            <pc:docMk/>
-            <pc:sldMk cId="1893782827" sldId="261"/>
-            <ac:spMk id="22" creationId="{D4D0E25D-F991-44B5-1BA5-47501012E945}"/>
-          </ac:spMkLst>
-        </pc:spChg>
-        <pc:spChg chg="add mod">
-          <ac:chgData name="Sanchez, Andrea Cecilia (Alliance Bioversity-CIAT)" userId="1c01d433-d123-45b5-bcb7-0c97fcfb82b9" providerId="ADAL" clId="{2B52F604-BA0D-47C1-A292-E2209BB3A38A}" dt="2025-05-27T13:37:24.359" v="6124" actId="12788"/>
-          <ac:spMkLst>
-            <pc:docMk/>
-            <pc:sldMk cId="1893782827" sldId="261"/>
-            <ac:spMk id="26" creationId="{C5CA0FC6-2CDC-3501-4229-90BC288FC514}"/>
-          </ac:spMkLst>
-        </pc:spChg>
-        <pc:spChg chg="add mod">
-          <ac:chgData name="Sanchez, Andrea Cecilia (Alliance Bioversity-CIAT)" userId="1c01d433-d123-45b5-bcb7-0c97fcfb82b9" providerId="ADAL" clId="{2B52F604-BA0D-47C1-A292-E2209BB3A38A}" dt="2025-05-27T13:39:43.082" v="6229" actId="14100"/>
-          <ac:spMkLst>
-            <pc:docMk/>
-            <pc:sldMk cId="1893782827" sldId="261"/>
-            <ac:spMk id="27" creationId="{92EA50FD-FF7E-8A33-ADC8-C8DF12380567}"/>
-          </ac:spMkLst>
-        </pc:spChg>
-        <pc:spChg chg="add mod">
-          <ac:chgData name="Sanchez, Andrea Cecilia (Alliance Bioversity-CIAT)" userId="1c01d433-d123-45b5-bcb7-0c97fcfb82b9" providerId="ADAL" clId="{2B52F604-BA0D-47C1-A292-E2209BB3A38A}" dt="2025-05-27T13:39:45.964" v="6230" actId="14100"/>
-          <ac:spMkLst>
-            <pc:docMk/>
-            <pc:sldMk cId="1893782827" sldId="261"/>
-            <ac:spMk id="28" creationId="{7CE5C115-EFE2-E291-6D9C-3940128EA6DE}"/>
-          </ac:spMkLst>
-        </pc:spChg>
-        <pc:spChg chg="add mod">
-          <ac:chgData name="Sanchez, Andrea Cecilia (Alliance Bioversity-CIAT)" userId="1c01d433-d123-45b5-bcb7-0c97fcfb82b9" providerId="ADAL" clId="{2B52F604-BA0D-47C1-A292-E2209BB3A38A}" dt="2025-05-27T13:37:28.391" v="6131" actId="1035"/>
-          <ac:spMkLst>
-            <pc:docMk/>
-            <pc:sldMk cId="1893782827" sldId="261"/>
-            <ac:spMk id="40" creationId="{E1E0B3E5-0F60-AFAA-EADB-B19018E58EE4}"/>
-          </ac:spMkLst>
-        </pc:spChg>
-        <pc:spChg chg="mod">
-          <ac:chgData name="Sanchez, Andrea Cecilia (Alliance Bioversity-CIAT)" userId="1c01d433-d123-45b5-bcb7-0c97fcfb82b9" providerId="ADAL" clId="{2B52F604-BA0D-47C1-A292-E2209BB3A38A}" dt="2025-05-27T13:37:24.359" v="6124" actId="12788"/>
-          <ac:spMkLst>
-            <pc:docMk/>
-            <pc:sldMk cId="1893782827" sldId="261"/>
-            <ac:spMk id="50" creationId="{3C553E0C-7336-70E3-5AB0-9F65D72D0791}"/>
-          </ac:spMkLst>
-        </pc:spChg>
-        <pc:spChg chg="add mod">
-          <ac:chgData name="Sanchez, Andrea Cecilia (Alliance Bioversity-CIAT)" userId="1c01d433-d123-45b5-bcb7-0c97fcfb82b9" providerId="ADAL" clId="{2B52F604-BA0D-47C1-A292-E2209BB3A38A}" dt="2025-05-27T13:36:45.455" v="6090" actId="1076"/>
-          <ac:spMkLst>
-            <pc:docMk/>
-            <pc:sldMk cId="1893782827" sldId="261"/>
-            <ac:spMk id="60" creationId="{6DF2B3E5-7432-D349-B953-BEB72665327A}"/>
-          </ac:spMkLst>
-        </pc:spChg>
-        <pc:spChg chg="add mod">
-          <ac:chgData name="Sanchez, Andrea Cecilia (Alliance Bioversity-CIAT)" userId="1c01d433-d123-45b5-bcb7-0c97fcfb82b9" providerId="ADAL" clId="{2B52F604-BA0D-47C1-A292-E2209BB3A38A}" dt="2025-05-27T13:40:11.806" v="6238" actId="20577"/>
-          <ac:spMkLst>
-            <pc:docMk/>
-            <pc:sldMk cId="1893782827" sldId="261"/>
-            <ac:spMk id="61" creationId="{E6AABDD5-EC73-635A-CECD-DEEBA9199B12}"/>
-          </ac:spMkLst>
-        </pc:spChg>
-        <pc:spChg chg="add mod">
-          <ac:chgData name="Sanchez, Andrea Cecilia (Alliance Bioversity-CIAT)" userId="1c01d433-d123-45b5-bcb7-0c97fcfb82b9" providerId="ADAL" clId="{2B52F604-BA0D-47C1-A292-E2209BB3A38A}" dt="2025-05-27T13:39:40.552" v="6228" actId="1035"/>
-          <ac:spMkLst>
-            <pc:docMk/>
-            <pc:sldMk cId="1893782827" sldId="261"/>
-            <ac:spMk id="71" creationId="{B92170C5-2856-C73B-3E1B-F9FC0D5523ED}"/>
-          </ac:spMkLst>
-        </pc:spChg>
-        <pc:spChg chg="add mod">
-          <ac:chgData name="Sanchez, Andrea Cecilia (Alliance Bioversity-CIAT)" userId="1c01d433-d123-45b5-bcb7-0c97fcfb82b9" providerId="ADAL" clId="{2B52F604-BA0D-47C1-A292-E2209BB3A38A}" dt="2025-05-27T13:39:58.078" v="6232" actId="20577"/>
-          <ac:spMkLst>
-            <pc:docMk/>
-            <pc:sldMk cId="1893782827" sldId="261"/>
-            <ac:spMk id="72" creationId="{BDEE6D37-BDDC-1FDE-602F-69047E9FB4EC}"/>
-          </ac:spMkLst>
-        </pc:spChg>
-        <pc:spChg chg="mod">
-          <ac:chgData name="Sanchez, Andrea Cecilia (Alliance Bioversity-CIAT)" userId="1c01d433-d123-45b5-bcb7-0c97fcfb82b9" providerId="ADAL" clId="{2B52F604-BA0D-47C1-A292-E2209BB3A38A}" dt="2025-05-27T13:38:48.835" v="6191" actId="14100"/>
-          <ac:spMkLst>
-            <pc:docMk/>
-            <pc:sldMk cId="1893782827" sldId="261"/>
-            <ac:spMk id="98" creationId="{D7F858B1-8056-A3CC-F9AA-D9FDB9263C23}"/>
-          </ac:spMkLst>
-        </pc:spChg>
-        <pc:spChg chg="mod">
-          <ac:chgData name="Sanchez, Andrea Cecilia (Alliance Bioversity-CIAT)" userId="1c01d433-d123-45b5-bcb7-0c97fcfb82b9" providerId="ADAL" clId="{2B52F604-BA0D-47C1-A292-E2209BB3A38A}" dt="2025-05-21T13:39:26.107" v="5492" actId="14100"/>
-          <ac:spMkLst>
-            <pc:docMk/>
-            <pc:sldMk cId="1893782827" sldId="261"/>
-            <ac:spMk id="151" creationId="{5E22965C-7DBF-E2FE-4C03-A881A0489CD8}"/>
-          </ac:spMkLst>
-        </pc:spChg>
-        <pc:spChg chg="mod">
-          <ac:chgData name="Sanchez, Andrea Cecilia (Alliance Bioversity-CIAT)" userId="1c01d433-d123-45b5-bcb7-0c97fcfb82b9" providerId="ADAL" clId="{2B52F604-BA0D-47C1-A292-E2209BB3A38A}" dt="2025-05-21T13:39:23.116" v="5491" actId="1076"/>
-          <ac:spMkLst>
-            <pc:docMk/>
-            <pc:sldMk cId="1893782827" sldId="261"/>
-            <ac:spMk id="152" creationId="{1774AA4B-560A-03E8-F267-B50BA8E56CD2}"/>
-          </ac:spMkLst>
-        </pc:spChg>
-        <pc:spChg chg="mod">
-          <ac:chgData name="Sanchez, Andrea Cecilia (Alliance Bioversity-CIAT)" userId="1c01d433-d123-45b5-bcb7-0c97fcfb82b9" providerId="ADAL" clId="{2B52F604-BA0D-47C1-A292-E2209BB3A38A}" dt="2025-05-27T13:38:37.016" v="6176" actId="1038"/>
-          <ac:spMkLst>
-            <pc:docMk/>
-            <pc:sldMk cId="1893782827" sldId="261"/>
-            <ac:spMk id="206" creationId="{795BB784-10E4-4133-AB92-2BEF9DD1942B}"/>
-          </ac:spMkLst>
-        </pc:spChg>
-        <pc:spChg chg="mod">
-          <ac:chgData name="Sanchez, Andrea Cecilia (Alliance Bioversity-CIAT)" userId="1c01d433-d123-45b5-bcb7-0c97fcfb82b9" providerId="ADAL" clId="{2B52F604-BA0D-47C1-A292-E2209BB3A38A}" dt="2025-05-27T13:38:37.016" v="6176" actId="1038"/>
-          <ac:spMkLst>
-            <pc:docMk/>
-            <pc:sldMk cId="1893782827" sldId="261"/>
-            <ac:spMk id="212" creationId="{FA583E97-AAEA-FEE4-10B0-5BE35DC76B0F}"/>
-          </ac:spMkLst>
-        </pc:spChg>
-        <pc:cxnChg chg="mod">
-          <ac:chgData name="Sanchez, Andrea Cecilia (Alliance Bioversity-CIAT)" userId="1c01d433-d123-45b5-bcb7-0c97fcfb82b9" providerId="ADAL" clId="{2B52F604-BA0D-47C1-A292-E2209BB3A38A}" dt="2025-05-27T13:37:57.182" v="6149" actId="1035"/>
-          <ac:cxnSpMkLst>
-            <pc:docMk/>
-            <pc:sldMk cId="1893782827" sldId="261"/>
-            <ac:cxnSpMk id="6" creationId="{FC016250-BADA-DFF3-FA45-B1456BC0FA27}"/>
-          </ac:cxnSpMkLst>
-        </pc:cxnChg>
-        <pc:cxnChg chg="mod">
-          <ac:chgData name="Sanchez, Andrea Cecilia (Alliance Bioversity-CIAT)" userId="1c01d433-d123-45b5-bcb7-0c97fcfb82b9" providerId="ADAL" clId="{2B52F604-BA0D-47C1-A292-E2209BB3A38A}" dt="2025-05-27T13:38:37.016" v="6176" actId="1038"/>
-          <ac:cxnSpMkLst>
-            <pc:docMk/>
-            <pc:sldMk cId="1893782827" sldId="261"/>
-            <ac:cxnSpMk id="19" creationId="{F5F59CF0-7745-26F5-19AA-DEA48463A1F6}"/>
-          </ac:cxnSpMkLst>
-        </pc:cxnChg>
-        <pc:cxnChg chg="mod">
-          <ac:chgData name="Sanchez, Andrea Cecilia (Alliance Bioversity-CIAT)" userId="1c01d433-d123-45b5-bcb7-0c97fcfb82b9" providerId="ADAL" clId="{2B52F604-BA0D-47C1-A292-E2209BB3A38A}" dt="2025-05-27T13:37:57.182" v="6149" actId="1035"/>
-          <ac:cxnSpMkLst>
-            <pc:docMk/>
-            <pc:sldMk cId="1893782827" sldId="261"/>
-            <ac:cxnSpMk id="23" creationId="{E80ED66E-BE93-6EC7-6257-05889E8A0C31}"/>
-          </ac:cxnSpMkLst>
-        </pc:cxnChg>
-        <pc:cxnChg chg="add mod">
-          <ac:chgData name="Sanchez, Andrea Cecilia (Alliance Bioversity-CIAT)" userId="1c01d433-d123-45b5-bcb7-0c97fcfb82b9" providerId="ADAL" clId="{2B52F604-BA0D-47C1-A292-E2209BB3A38A}" dt="2025-05-27T13:37:53.661" v="6148" actId="1035"/>
-          <ac:cxnSpMkLst>
-            <pc:docMk/>
-            <pc:sldMk cId="1893782827" sldId="261"/>
-            <ac:cxnSpMk id="59" creationId="{AEF2DC42-9D1E-5EE0-ED9A-017C90CF14F1}"/>
-          </ac:cxnSpMkLst>
-        </pc:cxnChg>
-        <pc:cxnChg chg="add mod">
-          <ac:chgData name="Sanchez, Andrea Cecilia (Alliance Bioversity-CIAT)" userId="1c01d433-d123-45b5-bcb7-0c97fcfb82b9" providerId="ADAL" clId="{2B52F604-BA0D-47C1-A292-E2209BB3A38A}" dt="2025-05-27T13:37:57.182" v="6149" actId="1035"/>
-          <ac:cxnSpMkLst>
-            <pc:docMk/>
-            <pc:sldMk cId="1893782827" sldId="261"/>
-            <ac:cxnSpMk id="62" creationId="{1275E870-A84B-68D8-5CB8-418817275326}"/>
-          </ac:cxnSpMkLst>
-        </pc:cxnChg>
-        <pc:cxnChg chg="add mod">
-          <ac:chgData name="Sanchez, Andrea Cecilia (Alliance Bioversity-CIAT)" userId="1c01d433-d123-45b5-bcb7-0c97fcfb82b9" providerId="ADAL" clId="{2B52F604-BA0D-47C1-A292-E2209BB3A38A}" dt="2025-05-27T13:39:40.552" v="6228" actId="1035"/>
-          <ac:cxnSpMkLst>
-            <pc:docMk/>
-            <pc:sldMk cId="1893782827" sldId="261"/>
-            <ac:cxnSpMk id="70" creationId="{3A869A82-9EDC-645E-1925-2BD6E3E7249F}"/>
-          </ac:cxnSpMkLst>
-        </pc:cxnChg>
-        <pc:cxnChg chg="add mod">
-          <ac:chgData name="Sanchez, Andrea Cecilia (Alliance Bioversity-CIAT)" userId="1c01d433-d123-45b5-bcb7-0c97fcfb82b9" providerId="ADAL" clId="{2B52F604-BA0D-47C1-A292-E2209BB3A38A}" dt="2025-05-27T13:39:40.552" v="6228" actId="1035"/>
-          <ac:cxnSpMkLst>
-            <pc:docMk/>
-            <pc:sldMk cId="1893782827" sldId="261"/>
-            <ac:cxnSpMk id="81" creationId="{8E1D3383-B681-5F93-5445-46E6F58E4A76}"/>
-          </ac:cxnSpMkLst>
-        </pc:cxnChg>
-        <pc:cxnChg chg="mod">
-          <ac:chgData name="Sanchez, Andrea Cecilia (Alliance Bioversity-CIAT)" userId="1c01d433-d123-45b5-bcb7-0c97fcfb82b9" providerId="ADAL" clId="{2B52F604-BA0D-47C1-A292-E2209BB3A38A}" dt="2025-05-27T13:38:48.835" v="6191" actId="14100"/>
-          <ac:cxnSpMkLst>
-            <pc:docMk/>
-            <pc:sldMk cId="1893782827" sldId="261"/>
-            <ac:cxnSpMk id="120" creationId="{D65C72A7-E576-71FE-CD3C-D2D66B66FB2F}"/>
-          </ac:cxnSpMkLst>
-        </pc:cxnChg>
-        <pc:cxnChg chg="mod">
-          <ac:chgData name="Sanchez, Andrea Cecilia (Alliance Bioversity-CIAT)" userId="1c01d433-d123-45b5-bcb7-0c97fcfb82b9" providerId="ADAL" clId="{2B52F604-BA0D-47C1-A292-E2209BB3A38A}" dt="2025-05-27T13:38:37.016" v="6176" actId="1038"/>
-          <ac:cxnSpMkLst>
-            <pc:docMk/>
-            <pc:sldMk cId="1893782827" sldId="261"/>
-            <ac:cxnSpMk id="213" creationId="{37996494-172D-3B02-6D6A-F97084A11DAB}"/>
-          </ac:cxnSpMkLst>
-        </pc:cxnChg>
       </pc:sldChg>
     </pc:docChg>
   </pc:docChgLst>
@@ -1026,34 +426,42 @@
   <pc:docChgLst>
     <pc:chgData name="Sanchez, Andrea Cecilia (Alliance Bioversity-CIAT)" userId="1c01d433-d123-45b5-bcb7-0c97fcfb82b9" providerId="ADAL" clId="{7E6D7EA0-E91C-4B4D-90B9-52E5DAB34D7B}"/>
     <pc:docChg chg="undo custSel modSld">
-      <pc:chgData name="Sanchez, Andrea Cecilia (Alliance Bioversity-CIAT)" userId="1c01d433-d123-45b5-bcb7-0c97fcfb82b9" providerId="ADAL" clId="{7E6D7EA0-E91C-4B4D-90B9-52E5DAB34D7B}" dt="2025-08-06T15:09:55.510" v="710" actId="20577"/>
+      <pc:chgData name="Sanchez, Andrea Cecilia (Alliance Bioversity-CIAT)" userId="1c01d433-d123-45b5-bcb7-0c97fcfb82b9" providerId="ADAL" clId="{7E6D7EA0-E91C-4B4D-90B9-52E5DAB34D7B}" dt="2025-08-08T09:46:31.211" v="1631" actId="20577"/>
       <pc:docMkLst>
         <pc:docMk/>
       </pc:docMkLst>
-      <pc:sldChg chg="addSp modSp mod">
-        <pc:chgData name="Sanchez, Andrea Cecilia (Alliance Bioversity-CIAT)" userId="1c01d433-d123-45b5-bcb7-0c97fcfb82b9" providerId="ADAL" clId="{7E6D7EA0-E91C-4B4D-90B9-52E5DAB34D7B}" dt="2025-08-01T12:01:53.633" v="278" actId="14100"/>
+      <pc:sldChg chg="addSp delSp modSp mod">
+        <pc:chgData name="Sanchez, Andrea Cecilia (Alliance Bioversity-CIAT)" userId="1c01d433-d123-45b5-bcb7-0c97fcfb82b9" providerId="ADAL" clId="{7E6D7EA0-E91C-4B4D-90B9-52E5DAB34D7B}" dt="2025-08-08T09:46:31.211" v="1631" actId="20577"/>
         <pc:sldMkLst>
           <pc:docMk/>
           <pc:sldMk cId="1261558817" sldId="259"/>
         </pc:sldMkLst>
         <pc:spChg chg="mod">
-          <ac:chgData name="Sanchez, Andrea Cecilia (Alliance Bioversity-CIAT)" userId="1c01d433-d123-45b5-bcb7-0c97fcfb82b9" providerId="ADAL" clId="{7E6D7EA0-E91C-4B4D-90B9-52E5DAB34D7B}" dt="2025-08-01T12:01:41.359" v="259" actId="1036"/>
+          <ac:chgData name="Sanchez, Andrea Cecilia (Alliance Bioversity-CIAT)" userId="1c01d433-d123-45b5-bcb7-0c97fcfb82b9" providerId="ADAL" clId="{7E6D7EA0-E91C-4B4D-90B9-52E5DAB34D7B}" dt="2025-08-07T13:48:34.438" v="1495" actId="1035"/>
           <ac:spMkLst>
             <pc:docMk/>
             <pc:sldMk cId="1261558817" sldId="259"/>
             <ac:spMk id="2" creationId="{232BE84E-0F9B-682C-E452-4C79BFC95E6A}"/>
           </ac:spMkLst>
         </pc:spChg>
+        <pc:spChg chg="del">
+          <ac:chgData name="Sanchez, Andrea Cecilia (Alliance Bioversity-CIAT)" userId="1c01d433-d123-45b5-bcb7-0c97fcfb82b9" providerId="ADAL" clId="{7E6D7EA0-E91C-4B4D-90B9-52E5DAB34D7B}" dt="2025-08-07T13:28:01.475" v="717" actId="478"/>
+          <ac:spMkLst>
+            <pc:docMk/>
+            <pc:sldMk cId="1261558817" sldId="259"/>
+            <ac:spMk id="4" creationId="{22EDA1B2-47FF-67EF-3DE1-AB690489E1A4}"/>
+          </ac:spMkLst>
+        </pc:spChg>
         <pc:spChg chg="add mod">
-          <ac:chgData name="Sanchez, Andrea Cecilia (Alliance Bioversity-CIAT)" userId="1c01d433-d123-45b5-bcb7-0c97fcfb82b9" providerId="ADAL" clId="{7E6D7EA0-E91C-4B4D-90B9-52E5DAB34D7B}" dt="2025-08-01T12:01:41.359" v="259" actId="1036"/>
+          <ac:chgData name="Sanchez, Andrea Cecilia (Alliance Bioversity-CIAT)" userId="1c01d433-d123-45b5-bcb7-0c97fcfb82b9" providerId="ADAL" clId="{7E6D7EA0-E91C-4B4D-90B9-52E5DAB34D7B}" dt="2025-08-07T13:50:57.240" v="1565" actId="1035"/>
           <ac:spMkLst>
             <pc:docMk/>
             <pc:sldMk cId="1261558817" sldId="259"/>
             <ac:spMk id="5" creationId="{C236466B-581A-1DDD-9CCB-591B238735AA}"/>
           </ac:spMkLst>
         </pc:spChg>
-        <pc:spChg chg="mod">
-          <ac:chgData name="Sanchez, Andrea Cecilia (Alliance Bioversity-CIAT)" userId="1c01d433-d123-45b5-bcb7-0c97fcfb82b9" providerId="ADAL" clId="{7E6D7EA0-E91C-4B4D-90B9-52E5DAB34D7B}" dt="2025-08-01T12:01:41.359" v="259" actId="1036"/>
+        <pc:spChg chg="del mod">
+          <ac:chgData name="Sanchez, Andrea Cecilia (Alliance Bioversity-CIAT)" userId="1c01d433-d123-45b5-bcb7-0c97fcfb82b9" providerId="ADAL" clId="{7E6D7EA0-E91C-4B4D-90B9-52E5DAB34D7B}" dt="2025-08-07T13:28:06.708" v="722" actId="478"/>
           <ac:spMkLst>
             <pc:docMk/>
             <pc:sldMk cId="1261558817" sldId="259"/>
@@ -1061,7 +469,183 @@
           </ac:spMkLst>
         </pc:spChg>
         <pc:spChg chg="mod">
-          <ac:chgData name="Sanchez, Andrea Cecilia (Alliance Bioversity-CIAT)" userId="1c01d433-d123-45b5-bcb7-0c97fcfb82b9" providerId="ADAL" clId="{7E6D7EA0-E91C-4B4D-90B9-52E5DAB34D7B}" dt="2025-08-01T12:01:41.359" v="259" actId="1036"/>
+          <ac:chgData name="Sanchez, Andrea Cecilia (Alliance Bioversity-CIAT)" userId="1c01d433-d123-45b5-bcb7-0c97fcfb82b9" providerId="ADAL" clId="{7E6D7EA0-E91C-4B4D-90B9-52E5DAB34D7B}" dt="2025-08-07T13:50:17.133" v="1536" actId="14100"/>
+          <ac:spMkLst>
+            <pc:docMk/>
+            <pc:sldMk cId="1261558817" sldId="259"/>
+            <ac:spMk id="23" creationId="{809B5C49-6699-AC11-1697-DDB1ADA47CF7}"/>
+          </ac:spMkLst>
+        </pc:spChg>
+        <pc:spChg chg="mod">
+          <ac:chgData name="Sanchez, Andrea Cecilia (Alliance Bioversity-CIAT)" userId="1c01d433-d123-45b5-bcb7-0c97fcfb82b9" providerId="ADAL" clId="{7E6D7EA0-E91C-4B4D-90B9-52E5DAB34D7B}" dt="2025-08-07T13:30:14.603" v="757" actId="1076"/>
+          <ac:spMkLst>
+            <pc:docMk/>
+            <pc:sldMk cId="1261558817" sldId="259"/>
+            <ac:spMk id="45" creationId="{3BA239DA-1F47-89A4-A390-A1889272B1CE}"/>
+          </ac:spMkLst>
+        </pc:spChg>
+        <pc:spChg chg="del">
+          <ac:chgData name="Sanchez, Andrea Cecilia (Alliance Bioversity-CIAT)" userId="1c01d433-d123-45b5-bcb7-0c97fcfb82b9" providerId="ADAL" clId="{7E6D7EA0-E91C-4B4D-90B9-52E5DAB34D7B}" dt="2025-08-07T13:27:39.109" v="711" actId="478"/>
+          <ac:spMkLst>
+            <pc:docMk/>
+            <pc:sldMk cId="1261558817" sldId="259"/>
+            <ac:spMk id="46" creationId="{63399C7C-3818-A3D3-67A2-138D841B9C4B}"/>
+          </ac:spMkLst>
+        </pc:spChg>
+        <pc:spChg chg="add mod topLvl">
+          <ac:chgData name="Sanchez, Andrea Cecilia (Alliance Bioversity-CIAT)" userId="1c01d433-d123-45b5-bcb7-0c97fcfb82b9" providerId="ADAL" clId="{7E6D7EA0-E91C-4B4D-90B9-52E5DAB34D7B}" dt="2025-08-08T09:44:32.252" v="1614" actId="20577"/>
+          <ac:spMkLst>
+            <pc:docMk/>
+            <pc:sldMk cId="1261558817" sldId="259"/>
+            <ac:spMk id="47" creationId="{B7C70CE2-C9C3-B9FF-EF72-63AF9D46E9DA}"/>
+          </ac:spMkLst>
+        </pc:spChg>
+        <pc:spChg chg="add del mod">
+          <ac:chgData name="Sanchez, Andrea Cecilia (Alliance Bioversity-CIAT)" userId="1c01d433-d123-45b5-bcb7-0c97fcfb82b9" providerId="ADAL" clId="{7E6D7EA0-E91C-4B4D-90B9-52E5DAB34D7B}" dt="2025-08-07T13:32:54.260" v="899" actId="478"/>
+          <ac:spMkLst>
+            <pc:docMk/>
+            <pc:sldMk cId="1261558817" sldId="259"/>
+            <ac:spMk id="50" creationId="{FB45AE81-8269-BB70-B23F-A9335BE670EF}"/>
+          </ac:spMkLst>
+        </pc:spChg>
+        <pc:spChg chg="add mod topLvl">
+          <ac:chgData name="Sanchez, Andrea Cecilia (Alliance Bioversity-CIAT)" userId="1c01d433-d123-45b5-bcb7-0c97fcfb82b9" providerId="ADAL" clId="{7E6D7EA0-E91C-4B4D-90B9-52E5DAB34D7B}" dt="2025-08-07T13:33:30.842" v="908" actId="164"/>
+          <ac:spMkLst>
+            <pc:docMk/>
+            <pc:sldMk cId="1261558817" sldId="259"/>
+            <ac:spMk id="53" creationId="{5417E06A-F4EB-4177-C745-B32C6B099EB4}"/>
+          </ac:spMkLst>
+        </pc:spChg>
+        <pc:spChg chg="mod">
+          <ac:chgData name="Sanchez, Andrea Cecilia (Alliance Bioversity-CIAT)" userId="1c01d433-d123-45b5-bcb7-0c97fcfb82b9" providerId="ADAL" clId="{7E6D7EA0-E91C-4B4D-90B9-52E5DAB34D7B}" dt="2025-08-07T13:33:30.842" v="908" actId="164"/>
+          <ac:spMkLst>
+            <pc:docMk/>
+            <pc:sldMk cId="1261558817" sldId="259"/>
+            <ac:spMk id="54" creationId="{86437C63-1DAE-7D94-49E3-F88A3E2678ED}"/>
+          </ac:spMkLst>
+        </pc:spChg>
+        <pc:spChg chg="mod topLvl">
+          <ac:chgData name="Sanchez, Andrea Cecilia (Alliance Bioversity-CIAT)" userId="1c01d433-d123-45b5-bcb7-0c97fcfb82b9" providerId="ADAL" clId="{7E6D7EA0-E91C-4B4D-90B9-52E5DAB34D7B}" dt="2025-08-07T13:48:34.438" v="1495" actId="1035"/>
+          <ac:spMkLst>
+            <pc:docMk/>
+            <pc:sldMk cId="1261558817" sldId="259"/>
+            <ac:spMk id="55" creationId="{FA7AFCEE-26A5-65C6-4CFF-A2CCF8A5F17F}"/>
+          </ac:spMkLst>
+        </pc:spChg>
+        <pc:spChg chg="add mod topLvl">
+          <ac:chgData name="Sanchez, Andrea Cecilia (Alliance Bioversity-CIAT)" userId="1c01d433-d123-45b5-bcb7-0c97fcfb82b9" providerId="ADAL" clId="{7E6D7EA0-E91C-4B4D-90B9-52E5DAB34D7B}" dt="2025-08-08T09:45:56.316" v="1624" actId="20577"/>
+          <ac:spMkLst>
+            <pc:docMk/>
+            <pc:sldMk cId="1261558817" sldId="259"/>
+            <ac:spMk id="56" creationId="{E83798FA-473A-8663-3C75-D28E1B895955}"/>
+          </ac:spMkLst>
+        </pc:spChg>
+        <pc:spChg chg="del">
+          <ac:chgData name="Sanchez, Andrea Cecilia (Alliance Bioversity-CIAT)" userId="1c01d433-d123-45b5-bcb7-0c97fcfb82b9" providerId="ADAL" clId="{7E6D7EA0-E91C-4B4D-90B9-52E5DAB34D7B}" dt="2025-08-07T13:27:41.458" v="712" actId="478"/>
+          <ac:spMkLst>
+            <pc:docMk/>
+            <pc:sldMk cId="1261558817" sldId="259"/>
+            <ac:spMk id="57" creationId="{C95366BC-9375-C339-70C7-D762FAA478A5}"/>
+          </ac:spMkLst>
+        </pc:spChg>
+        <pc:spChg chg="add mod topLvl">
+          <ac:chgData name="Sanchez, Andrea Cecilia (Alliance Bioversity-CIAT)" userId="1c01d433-d123-45b5-bcb7-0c97fcfb82b9" providerId="ADAL" clId="{7E6D7EA0-E91C-4B4D-90B9-52E5DAB34D7B}" dt="2025-08-08T09:45:47.771" v="1620" actId="20577"/>
+          <ac:spMkLst>
+            <pc:docMk/>
+            <pc:sldMk cId="1261558817" sldId="259"/>
+            <ac:spMk id="59" creationId="{856A44AC-D5FB-CB4D-7153-91D12D846EE9}"/>
+          </ac:spMkLst>
+        </pc:spChg>
+        <pc:spChg chg="add mod topLvl">
+          <ac:chgData name="Sanchez, Andrea Cecilia (Alliance Bioversity-CIAT)" userId="1c01d433-d123-45b5-bcb7-0c97fcfb82b9" providerId="ADAL" clId="{7E6D7EA0-E91C-4B4D-90B9-52E5DAB34D7B}" dt="2025-08-08T09:46:23.931" v="1629" actId="20577"/>
+          <ac:spMkLst>
+            <pc:docMk/>
+            <pc:sldMk cId="1261558817" sldId="259"/>
+            <ac:spMk id="62" creationId="{D8C8E906-4AF4-8398-DD9C-602CB2F79891}"/>
+          </ac:spMkLst>
+        </pc:spChg>
+        <pc:spChg chg="mod topLvl">
+          <ac:chgData name="Sanchez, Andrea Cecilia (Alliance Bioversity-CIAT)" userId="1c01d433-d123-45b5-bcb7-0c97fcfb82b9" providerId="ADAL" clId="{7E6D7EA0-E91C-4B4D-90B9-52E5DAB34D7B}" dt="2025-08-08T09:46:20.941" v="1626" actId="20577"/>
+          <ac:spMkLst>
+            <pc:docMk/>
+            <pc:sldMk cId="1261558817" sldId="259"/>
+            <ac:spMk id="63" creationId="{8D2A74C7-0E4B-CAAA-3CDA-0161924A3F5A}"/>
+          </ac:spMkLst>
+        </pc:spChg>
+        <pc:spChg chg="del">
+          <ac:chgData name="Sanchez, Andrea Cecilia (Alliance Bioversity-CIAT)" userId="1c01d433-d123-45b5-bcb7-0c97fcfb82b9" providerId="ADAL" clId="{7E6D7EA0-E91C-4B4D-90B9-52E5DAB34D7B}" dt="2025-08-07T13:28:02.338" v="718" actId="478"/>
+          <ac:spMkLst>
+            <pc:docMk/>
+            <pc:sldMk cId="1261558817" sldId="259"/>
+            <ac:spMk id="67" creationId="{0235C781-8D44-812B-6A43-1C4D095F67F0}"/>
+          </ac:spMkLst>
+        </pc:spChg>
+        <pc:spChg chg="mod topLvl">
+          <ac:chgData name="Sanchez, Andrea Cecilia (Alliance Bioversity-CIAT)" userId="1c01d433-d123-45b5-bcb7-0c97fcfb82b9" providerId="ADAL" clId="{7E6D7EA0-E91C-4B4D-90B9-52E5DAB34D7B}" dt="2025-08-08T09:43:20.843" v="1605" actId="20577"/>
+          <ac:spMkLst>
+            <pc:docMk/>
+            <pc:sldMk cId="1261558817" sldId="259"/>
+            <ac:spMk id="68" creationId="{633A735D-C39E-0AD0-D49D-F7953F6F3813}"/>
+          </ac:spMkLst>
+        </pc:spChg>
+        <pc:spChg chg="mod topLvl">
+          <ac:chgData name="Sanchez, Andrea Cecilia (Alliance Bioversity-CIAT)" userId="1c01d433-d123-45b5-bcb7-0c97fcfb82b9" providerId="ADAL" clId="{7E6D7EA0-E91C-4B4D-90B9-52E5DAB34D7B}" dt="2025-08-08T09:46:31.211" v="1631" actId="20577"/>
+          <ac:spMkLst>
+            <pc:docMk/>
+            <pc:sldMk cId="1261558817" sldId="259"/>
+            <ac:spMk id="70" creationId="{8A07D326-1650-F89D-F22F-E7B871C9E3C7}"/>
+          </ac:spMkLst>
+        </pc:spChg>
+        <pc:spChg chg="del mod">
+          <ac:chgData name="Sanchez, Andrea Cecilia (Alliance Bioversity-CIAT)" userId="1c01d433-d123-45b5-bcb7-0c97fcfb82b9" providerId="ADAL" clId="{7E6D7EA0-E91C-4B4D-90B9-52E5DAB34D7B}" dt="2025-08-07T13:33:01.091" v="903" actId="478"/>
+          <ac:spMkLst>
+            <pc:docMk/>
+            <pc:sldMk cId="1261558817" sldId="259"/>
+            <ac:spMk id="73" creationId="{869DA907-A249-5432-CBE9-30450EBBA22F}"/>
+          </ac:spMkLst>
+        </pc:spChg>
+        <pc:spChg chg="del mod">
+          <ac:chgData name="Sanchez, Andrea Cecilia (Alliance Bioversity-CIAT)" userId="1c01d433-d123-45b5-bcb7-0c97fcfb82b9" providerId="ADAL" clId="{7E6D7EA0-E91C-4B4D-90B9-52E5DAB34D7B}" dt="2025-08-07T13:32:59.764" v="902" actId="478"/>
+          <ac:spMkLst>
+            <pc:docMk/>
+            <pc:sldMk cId="1261558817" sldId="259"/>
+            <ac:spMk id="74" creationId="{262E3772-5DC0-C134-EC7F-9B1DC2620D7C}"/>
+          </ac:spMkLst>
+        </pc:spChg>
+        <pc:spChg chg="add del mod">
+          <ac:chgData name="Sanchez, Andrea Cecilia (Alliance Bioversity-CIAT)" userId="1c01d433-d123-45b5-bcb7-0c97fcfb82b9" providerId="ADAL" clId="{7E6D7EA0-E91C-4B4D-90B9-52E5DAB34D7B}" dt="2025-08-07T13:33:03.700" v="904" actId="478"/>
+          <ac:spMkLst>
+            <pc:docMk/>
+            <pc:sldMk cId="1261558817" sldId="259"/>
+            <ac:spMk id="75" creationId="{9ACE9E25-B36B-50C8-A717-682C0EEC697A}"/>
+          </ac:spMkLst>
+        </pc:spChg>
+        <pc:spChg chg="del mod">
+          <ac:chgData name="Sanchez, Andrea Cecilia (Alliance Bioversity-CIAT)" userId="1c01d433-d123-45b5-bcb7-0c97fcfb82b9" providerId="ADAL" clId="{7E6D7EA0-E91C-4B4D-90B9-52E5DAB34D7B}" dt="2025-08-07T13:32:57.540" v="901" actId="478"/>
+          <ac:spMkLst>
+            <pc:docMk/>
+            <pc:sldMk cId="1261558817" sldId="259"/>
+            <ac:spMk id="78" creationId="{CBBCD730-E34F-F322-78BB-D0BE0699172A}"/>
+          </ac:spMkLst>
+        </pc:spChg>
+        <pc:spChg chg="del mod topLvl">
+          <ac:chgData name="Sanchez, Andrea Cecilia (Alliance Bioversity-CIAT)" userId="1c01d433-d123-45b5-bcb7-0c97fcfb82b9" providerId="ADAL" clId="{7E6D7EA0-E91C-4B4D-90B9-52E5DAB34D7B}" dt="2025-08-07T13:33:25.796" v="907" actId="478"/>
+          <ac:spMkLst>
+            <pc:docMk/>
+            <pc:sldMk cId="1261558817" sldId="259"/>
+            <ac:spMk id="79" creationId="{8BC683AB-3271-1F22-8AA2-B2696D010F42}"/>
+          </ac:spMkLst>
+        </pc:spChg>
+        <pc:spChg chg="mod">
+          <ac:chgData name="Sanchez, Andrea Cecilia (Alliance Bioversity-CIAT)" userId="1c01d433-d123-45b5-bcb7-0c97fcfb82b9" providerId="ADAL" clId="{7E6D7EA0-E91C-4B4D-90B9-52E5DAB34D7B}" dt="2025-08-07T13:30:10.282" v="756" actId="1076"/>
+          <ac:spMkLst>
+            <pc:docMk/>
+            <pc:sldMk cId="1261558817" sldId="259"/>
+            <ac:spMk id="88" creationId="{C96E6A25-EF0E-AE99-4CEF-2AB29090E907}"/>
+          </ac:spMkLst>
+        </pc:spChg>
+        <pc:spChg chg="mod">
+          <ac:chgData name="Sanchez, Andrea Cecilia (Alliance Bioversity-CIAT)" userId="1c01d433-d123-45b5-bcb7-0c97fcfb82b9" providerId="ADAL" clId="{7E6D7EA0-E91C-4B4D-90B9-52E5DAB34D7B}" dt="2025-08-07T13:48:34.438" v="1495" actId="1035"/>
           <ac:spMkLst>
             <pc:docMk/>
             <pc:sldMk cId="1261558817" sldId="259"/>
@@ -1069,7 +653,31 @@
           </ac:spMkLst>
         </pc:spChg>
         <pc:spChg chg="mod">
-          <ac:chgData name="Sanchez, Andrea Cecilia (Alliance Bioversity-CIAT)" userId="1c01d433-d123-45b5-bcb7-0c97fcfb82b9" providerId="ADAL" clId="{7E6D7EA0-E91C-4B4D-90B9-52E5DAB34D7B}" dt="2025-08-01T12:01:30.033" v="244" actId="14100"/>
+          <ac:chgData name="Sanchez, Andrea Cecilia (Alliance Bioversity-CIAT)" userId="1c01d433-d123-45b5-bcb7-0c97fcfb82b9" providerId="ADAL" clId="{7E6D7EA0-E91C-4B4D-90B9-52E5DAB34D7B}" dt="2025-08-07T13:50:41.165" v="1555" actId="14100"/>
+          <ac:spMkLst>
+            <pc:docMk/>
+            <pc:sldMk cId="1261558817" sldId="259"/>
+            <ac:spMk id="91" creationId="{1E5A36F0-6B0C-A30A-11A8-90D6000A5A0B}"/>
+          </ac:spMkLst>
+        </pc:spChg>
+        <pc:spChg chg="mod">
+          <ac:chgData name="Sanchez, Andrea Cecilia (Alliance Bioversity-CIAT)" userId="1c01d433-d123-45b5-bcb7-0c97fcfb82b9" providerId="ADAL" clId="{7E6D7EA0-E91C-4B4D-90B9-52E5DAB34D7B}" dt="2025-08-07T13:34:34.923" v="912" actId="14100"/>
+          <ac:spMkLst>
+            <pc:docMk/>
+            <pc:sldMk cId="1261558817" sldId="259"/>
+            <ac:spMk id="92" creationId="{1FDC0199-5F70-BB16-406B-441FED34D008}"/>
+          </ac:spMkLst>
+        </pc:spChg>
+        <pc:spChg chg="mod">
+          <ac:chgData name="Sanchez, Andrea Cecilia (Alliance Bioversity-CIAT)" userId="1c01d433-d123-45b5-bcb7-0c97fcfb82b9" providerId="ADAL" clId="{7E6D7EA0-E91C-4B4D-90B9-52E5DAB34D7B}" dt="2025-08-07T13:29:17.484" v="737" actId="1076"/>
+          <ac:spMkLst>
+            <pc:docMk/>
+            <pc:sldMk cId="1261558817" sldId="259"/>
+            <ac:spMk id="93" creationId="{C5C10BB6-E25E-09AA-E1AA-EFF10A4D0AC7}"/>
+          </ac:spMkLst>
+        </pc:spChg>
+        <pc:spChg chg="mod">
+          <ac:chgData name="Sanchez, Andrea Cecilia (Alliance Bioversity-CIAT)" userId="1c01d433-d123-45b5-bcb7-0c97fcfb82b9" providerId="ADAL" clId="{7E6D7EA0-E91C-4B4D-90B9-52E5DAB34D7B}" dt="2025-08-07T13:50:36.936" v="1554" actId="1035"/>
           <ac:spMkLst>
             <pc:docMk/>
             <pc:sldMk cId="1261558817" sldId="259"/>
@@ -1077,7 +685,7 @@
           </ac:spMkLst>
         </pc:spChg>
         <pc:spChg chg="mod">
-          <ac:chgData name="Sanchez, Andrea Cecilia (Alliance Bioversity-CIAT)" userId="1c01d433-d123-45b5-bcb7-0c97fcfb82b9" providerId="ADAL" clId="{7E6D7EA0-E91C-4B4D-90B9-52E5DAB34D7B}" dt="2025-08-01T12:01:41.359" v="259" actId="1036"/>
+          <ac:chgData name="Sanchez, Andrea Cecilia (Alliance Bioversity-CIAT)" userId="1c01d433-d123-45b5-bcb7-0c97fcfb82b9" providerId="ADAL" clId="{7E6D7EA0-E91C-4B4D-90B9-52E5DAB34D7B}" dt="2025-08-07T13:31:28.991" v="878" actId="164"/>
           <ac:spMkLst>
             <pc:docMk/>
             <pc:sldMk cId="1261558817" sldId="259"/>
@@ -1085,7 +693,7 @@
           </ac:spMkLst>
         </pc:spChg>
         <pc:spChg chg="mod">
-          <ac:chgData name="Sanchez, Andrea Cecilia (Alliance Bioversity-CIAT)" userId="1c01d433-d123-45b5-bcb7-0c97fcfb82b9" providerId="ADAL" clId="{7E6D7EA0-E91C-4B4D-90B9-52E5DAB34D7B}" dt="2025-08-01T12:01:48.606" v="277" actId="1036"/>
+          <ac:chgData name="Sanchez, Andrea Cecilia (Alliance Bioversity-CIAT)" userId="1c01d433-d123-45b5-bcb7-0c97fcfb82b9" providerId="ADAL" clId="{7E6D7EA0-E91C-4B4D-90B9-52E5DAB34D7B}" dt="2025-08-07T13:31:28.991" v="878" actId="164"/>
           <ac:spMkLst>
             <pc:docMk/>
             <pc:sldMk cId="1261558817" sldId="259"/>
@@ -1093,7 +701,7 @@
           </ac:spMkLst>
         </pc:spChg>
         <pc:spChg chg="mod">
-          <ac:chgData name="Sanchez, Andrea Cecilia (Alliance Bioversity-CIAT)" userId="1c01d433-d123-45b5-bcb7-0c97fcfb82b9" providerId="ADAL" clId="{7E6D7EA0-E91C-4B4D-90B9-52E5DAB34D7B}" dt="2025-08-01T12:01:17.390" v="242" actId="20577"/>
+          <ac:chgData name="Sanchez, Andrea Cecilia (Alliance Bioversity-CIAT)" userId="1c01d433-d123-45b5-bcb7-0c97fcfb82b9" providerId="ADAL" clId="{7E6D7EA0-E91C-4B4D-90B9-52E5DAB34D7B}" dt="2025-08-07T13:50:25.543" v="1548" actId="1036"/>
           <ac:spMkLst>
             <pc:docMk/>
             <pc:sldMk cId="1261558817" sldId="259"/>
@@ -1101,15 +709,191 @@
           </ac:spMkLst>
         </pc:spChg>
         <pc:spChg chg="mod">
-          <ac:chgData name="Sanchez, Andrea Cecilia (Alliance Bioversity-CIAT)" userId="1c01d433-d123-45b5-bcb7-0c97fcfb82b9" providerId="ADAL" clId="{7E6D7EA0-E91C-4B4D-90B9-52E5DAB34D7B}" dt="2025-08-01T12:01:41.359" v="259" actId="1036"/>
+          <ac:chgData name="Sanchez, Andrea Cecilia (Alliance Bioversity-CIAT)" userId="1c01d433-d123-45b5-bcb7-0c97fcfb82b9" providerId="ADAL" clId="{7E6D7EA0-E91C-4B4D-90B9-52E5DAB34D7B}" dt="2025-08-07T13:50:57.240" v="1565" actId="1035"/>
           <ac:spMkLst>
             <pc:docMk/>
             <pc:sldMk cId="1261558817" sldId="259"/>
             <ac:spMk id="100" creationId="{A4BB367E-10C8-07AA-2576-D344CE759461}"/>
           </ac:spMkLst>
         </pc:spChg>
+        <pc:spChg chg="del mod">
+          <ac:chgData name="Sanchez, Andrea Cecilia (Alliance Bioversity-CIAT)" userId="1c01d433-d123-45b5-bcb7-0c97fcfb82b9" providerId="ADAL" clId="{7E6D7EA0-E91C-4B4D-90B9-52E5DAB34D7B}" dt="2025-08-07T13:37:14.132" v="1052" actId="478"/>
+          <ac:spMkLst>
+            <pc:docMk/>
+            <pc:sldMk cId="1261558817" sldId="259"/>
+            <ac:spMk id="101" creationId="{332500AC-8847-AD0F-54B2-91E689F5AD7A}"/>
+          </ac:spMkLst>
+        </pc:spChg>
+        <pc:spChg chg="del mod">
+          <ac:chgData name="Sanchez, Andrea Cecilia (Alliance Bioversity-CIAT)" userId="1c01d433-d123-45b5-bcb7-0c97fcfb82b9" providerId="ADAL" clId="{7E6D7EA0-E91C-4B4D-90B9-52E5DAB34D7B}" dt="2025-08-07T13:37:22.932" v="1056" actId="478"/>
+          <ac:spMkLst>
+            <pc:docMk/>
+            <pc:sldMk cId="1261558817" sldId="259"/>
+            <ac:spMk id="103" creationId="{4CDE01FA-B7F8-F8FD-AD56-A54354CB5101}"/>
+          </ac:spMkLst>
+        </pc:spChg>
+        <pc:spChg chg="del">
+          <ac:chgData name="Sanchez, Andrea Cecilia (Alliance Bioversity-CIAT)" userId="1c01d433-d123-45b5-bcb7-0c97fcfb82b9" providerId="ADAL" clId="{7E6D7EA0-E91C-4B4D-90B9-52E5DAB34D7B}" dt="2025-08-07T13:37:19.764" v="1055" actId="478"/>
+          <ac:spMkLst>
+            <pc:docMk/>
+            <pc:sldMk cId="1261558817" sldId="259"/>
+            <ac:spMk id="104" creationId="{67399CE8-4EA7-E4B7-6241-ED700C411EDD}"/>
+          </ac:spMkLst>
+        </pc:spChg>
+        <pc:spChg chg="del mod">
+          <ac:chgData name="Sanchez, Andrea Cecilia (Alliance Bioversity-CIAT)" userId="1c01d433-d123-45b5-bcb7-0c97fcfb82b9" providerId="ADAL" clId="{7E6D7EA0-E91C-4B4D-90B9-52E5DAB34D7B}" dt="2025-08-07T13:37:24.564" v="1057" actId="478"/>
+          <ac:spMkLst>
+            <pc:docMk/>
+            <pc:sldMk cId="1261558817" sldId="259"/>
+            <ac:spMk id="105" creationId="{90956597-068F-CD82-0BEB-018FF9AB9B15}"/>
+          </ac:spMkLst>
+        </pc:spChg>
+        <pc:spChg chg="del mod">
+          <ac:chgData name="Sanchez, Andrea Cecilia (Alliance Bioversity-CIAT)" userId="1c01d433-d123-45b5-bcb7-0c97fcfb82b9" providerId="ADAL" clId="{7E6D7EA0-E91C-4B4D-90B9-52E5DAB34D7B}" dt="2025-08-07T13:37:31.859" v="1061" actId="478"/>
+          <ac:spMkLst>
+            <pc:docMk/>
+            <pc:sldMk cId="1261558817" sldId="259"/>
+            <ac:spMk id="106" creationId="{F7C57C11-A3F3-A105-76A3-11569E9C0228}"/>
+          </ac:spMkLst>
+        </pc:spChg>
         <pc:spChg chg="mod">
-          <ac:chgData name="Sanchez, Andrea Cecilia (Alliance Bioversity-CIAT)" userId="1c01d433-d123-45b5-bcb7-0c97fcfb82b9" providerId="ADAL" clId="{7E6D7EA0-E91C-4B4D-90B9-52E5DAB34D7B}" dt="2025-08-01T12:01:41.359" v="259" actId="1036"/>
+          <ac:chgData name="Sanchez, Andrea Cecilia (Alliance Bioversity-CIAT)" userId="1c01d433-d123-45b5-bcb7-0c97fcfb82b9" providerId="ADAL" clId="{7E6D7EA0-E91C-4B4D-90B9-52E5DAB34D7B}" dt="2025-08-07T13:49:50.309" v="1528" actId="1076"/>
+          <ac:spMkLst>
+            <pc:docMk/>
+            <pc:sldMk cId="1261558817" sldId="259"/>
+            <ac:spMk id="108" creationId="{83625CCF-BDFE-A50F-6ED0-CA7BFA1A1105}"/>
+          </ac:spMkLst>
+        </pc:spChg>
+        <pc:spChg chg="mod topLvl">
+          <ac:chgData name="Sanchez, Andrea Cecilia (Alliance Bioversity-CIAT)" userId="1c01d433-d123-45b5-bcb7-0c97fcfb82b9" providerId="ADAL" clId="{7E6D7EA0-E91C-4B4D-90B9-52E5DAB34D7B}" dt="2025-08-07T13:50:57.240" v="1565" actId="1035"/>
+          <ac:spMkLst>
+            <pc:docMk/>
+            <pc:sldMk cId="1261558817" sldId="259"/>
+            <ac:spMk id="109" creationId="{7EE7DB23-0E9F-4CEC-F184-D62D82C90499}"/>
+          </ac:spMkLst>
+        </pc:spChg>
+        <pc:spChg chg="mod topLvl">
+          <ac:chgData name="Sanchez, Andrea Cecilia (Alliance Bioversity-CIAT)" userId="1c01d433-d123-45b5-bcb7-0c97fcfb82b9" providerId="ADAL" clId="{7E6D7EA0-E91C-4B4D-90B9-52E5DAB34D7B}" dt="2025-08-07T13:50:57.240" v="1565" actId="1035"/>
+          <ac:spMkLst>
+            <pc:docMk/>
+            <pc:sldMk cId="1261558817" sldId="259"/>
+            <ac:spMk id="111" creationId="{E65D6EE0-6B7F-D0DF-85D4-D09423A4AA92}"/>
+          </ac:spMkLst>
+        </pc:spChg>
+        <pc:spChg chg="mod topLvl">
+          <ac:chgData name="Sanchez, Andrea Cecilia (Alliance Bioversity-CIAT)" userId="1c01d433-d123-45b5-bcb7-0c97fcfb82b9" providerId="ADAL" clId="{7E6D7EA0-E91C-4B4D-90B9-52E5DAB34D7B}" dt="2025-08-07T13:52:14.287" v="1601" actId="552"/>
+          <ac:spMkLst>
+            <pc:docMk/>
+            <pc:sldMk cId="1261558817" sldId="259"/>
+            <ac:spMk id="114" creationId="{3BFE2659-4FF9-4592-842C-000DDB84D352}"/>
+          </ac:spMkLst>
+        </pc:spChg>
+        <pc:spChg chg="mod topLvl">
+          <ac:chgData name="Sanchez, Andrea Cecilia (Alliance Bioversity-CIAT)" userId="1c01d433-d123-45b5-bcb7-0c97fcfb82b9" providerId="ADAL" clId="{7E6D7EA0-E91C-4B4D-90B9-52E5DAB34D7B}" dt="2025-08-07T13:51:38.407" v="1587" actId="1035"/>
+          <ac:spMkLst>
+            <pc:docMk/>
+            <pc:sldMk cId="1261558817" sldId="259"/>
+            <ac:spMk id="115" creationId="{F74FDC03-DC70-792B-D403-29C6326E6550}"/>
+          </ac:spMkLst>
+        </pc:spChg>
+        <pc:spChg chg="mod topLvl">
+          <ac:chgData name="Sanchez, Andrea Cecilia (Alliance Bioversity-CIAT)" userId="1c01d433-d123-45b5-bcb7-0c97fcfb82b9" providerId="ADAL" clId="{7E6D7EA0-E91C-4B4D-90B9-52E5DAB34D7B}" dt="2025-08-07T13:42:02.704" v="1291" actId="164"/>
+          <ac:spMkLst>
+            <pc:docMk/>
+            <pc:sldMk cId="1261558817" sldId="259"/>
+            <ac:spMk id="117" creationId="{7C59C87C-DB1F-51CE-4232-06E394E19980}"/>
+          </ac:spMkLst>
+        </pc:spChg>
+        <pc:spChg chg="mod topLvl">
+          <ac:chgData name="Sanchez, Andrea Cecilia (Alliance Bioversity-CIAT)" userId="1c01d433-d123-45b5-bcb7-0c97fcfb82b9" providerId="ADAL" clId="{7E6D7EA0-E91C-4B4D-90B9-52E5DAB34D7B}" dt="2025-08-07T13:42:02.704" v="1291" actId="164"/>
+          <ac:spMkLst>
+            <pc:docMk/>
+            <pc:sldMk cId="1261558817" sldId="259"/>
+            <ac:spMk id="118" creationId="{91650BCC-A113-C421-9B6A-40E6AF4FD0E5}"/>
+          </ac:spMkLst>
+        </pc:spChg>
+        <pc:spChg chg="mod topLvl">
+          <ac:chgData name="Sanchez, Andrea Cecilia (Alliance Bioversity-CIAT)" userId="1c01d433-d123-45b5-bcb7-0c97fcfb82b9" providerId="ADAL" clId="{7E6D7EA0-E91C-4B4D-90B9-52E5DAB34D7B}" dt="2025-08-08T09:43:50.833" v="1608" actId="20577"/>
+          <ac:spMkLst>
+            <pc:docMk/>
+            <pc:sldMk cId="1261558817" sldId="259"/>
+            <ac:spMk id="119" creationId="{9A51D96A-9968-C85F-1EB9-067C1787EFD5}"/>
+          </ac:spMkLst>
+        </pc:spChg>
+        <pc:spChg chg="del mod topLvl">
+          <ac:chgData name="Sanchez, Andrea Cecilia (Alliance Bioversity-CIAT)" userId="1c01d433-d123-45b5-bcb7-0c97fcfb82b9" providerId="ADAL" clId="{7E6D7EA0-E91C-4B4D-90B9-52E5DAB34D7B}" dt="2025-08-07T13:49:23.989" v="1505" actId="478"/>
+          <ac:spMkLst>
+            <pc:docMk/>
+            <pc:sldMk cId="1261558817" sldId="259"/>
+            <ac:spMk id="130" creationId="{206D03CF-B305-EDCE-626E-454426B803CA}"/>
+          </ac:spMkLst>
+        </pc:spChg>
+        <pc:spChg chg="del mod topLvl">
+          <ac:chgData name="Sanchez, Andrea Cecilia (Alliance Bioversity-CIAT)" userId="1c01d433-d123-45b5-bcb7-0c97fcfb82b9" providerId="ADAL" clId="{7E6D7EA0-E91C-4B4D-90B9-52E5DAB34D7B}" dt="2025-08-07T13:49:25.381" v="1506" actId="478"/>
+          <ac:spMkLst>
+            <pc:docMk/>
+            <pc:sldMk cId="1261558817" sldId="259"/>
+            <ac:spMk id="131" creationId="{129428F3-95F5-5AE6-B8CE-F3663A78D462}"/>
+          </ac:spMkLst>
+        </pc:spChg>
+        <pc:spChg chg="mod topLvl">
+          <ac:chgData name="Sanchez, Andrea Cecilia (Alliance Bioversity-CIAT)" userId="1c01d433-d123-45b5-bcb7-0c97fcfb82b9" providerId="ADAL" clId="{7E6D7EA0-E91C-4B4D-90B9-52E5DAB34D7B}" dt="2025-08-07T13:52:14.287" v="1601" actId="552"/>
+          <ac:spMkLst>
+            <pc:docMk/>
+            <pc:sldMk cId="1261558817" sldId="259"/>
+            <ac:spMk id="134" creationId="{6E060B51-803E-CC45-4027-F73E1E64AC17}"/>
+          </ac:spMkLst>
+        </pc:spChg>
+        <pc:spChg chg="mod topLvl">
+          <ac:chgData name="Sanchez, Andrea Cecilia (Alliance Bioversity-CIAT)" userId="1c01d433-d123-45b5-bcb7-0c97fcfb82b9" providerId="ADAL" clId="{7E6D7EA0-E91C-4B4D-90B9-52E5DAB34D7B}" dt="2025-08-07T13:51:51.405" v="1590" actId="1076"/>
+          <ac:spMkLst>
+            <pc:docMk/>
+            <pc:sldMk cId="1261558817" sldId="259"/>
+            <ac:spMk id="135" creationId="{D6C74962-B90B-FA3C-8396-92915FEF107B}"/>
+          </ac:spMkLst>
+        </pc:spChg>
+        <pc:spChg chg="mod topLvl">
+          <ac:chgData name="Sanchez, Andrea Cecilia (Alliance Bioversity-CIAT)" userId="1c01d433-d123-45b5-bcb7-0c97fcfb82b9" providerId="ADAL" clId="{7E6D7EA0-E91C-4B4D-90B9-52E5DAB34D7B}" dt="2025-08-07T13:52:14.287" v="1601" actId="552"/>
+          <ac:spMkLst>
+            <pc:docMk/>
+            <pc:sldMk cId="1261558817" sldId="259"/>
+            <ac:spMk id="137" creationId="{64C904DD-990B-D884-F2E5-62124E8FC76D}"/>
+          </ac:spMkLst>
+        </pc:spChg>
+        <pc:spChg chg="mod topLvl">
+          <ac:chgData name="Sanchez, Andrea Cecilia (Alliance Bioversity-CIAT)" userId="1c01d433-d123-45b5-bcb7-0c97fcfb82b9" providerId="ADAL" clId="{7E6D7EA0-E91C-4B4D-90B9-52E5DAB34D7B}" dt="2025-08-07T13:51:56.298" v="1592" actId="1076"/>
+          <ac:spMkLst>
+            <pc:docMk/>
+            <pc:sldMk cId="1261558817" sldId="259"/>
+            <ac:spMk id="138" creationId="{985F4303-A6D2-35D6-EA2B-31CADF7E1AC2}"/>
+          </ac:spMkLst>
+        </pc:spChg>
+        <pc:spChg chg="del">
+          <ac:chgData name="Sanchez, Andrea Cecilia (Alliance Bioversity-CIAT)" userId="1c01d433-d123-45b5-bcb7-0c97fcfb82b9" providerId="ADAL" clId="{7E6D7EA0-E91C-4B4D-90B9-52E5DAB34D7B}" dt="2025-08-07T13:37:17.923" v="1054" actId="478"/>
+          <ac:spMkLst>
+            <pc:docMk/>
+            <pc:sldMk cId="1261558817" sldId="259"/>
+            <ac:spMk id="139" creationId="{D1590DB6-2DD6-DEC2-4C49-CD03DD8A28A9}"/>
+          </ac:spMkLst>
+        </pc:spChg>
+        <pc:spChg chg="del">
+          <ac:chgData name="Sanchez, Andrea Cecilia (Alliance Bioversity-CIAT)" userId="1c01d433-d123-45b5-bcb7-0c97fcfb82b9" providerId="ADAL" clId="{7E6D7EA0-E91C-4B4D-90B9-52E5DAB34D7B}" dt="2025-08-07T13:37:16.661" v="1053" actId="478"/>
+          <ac:spMkLst>
+            <pc:docMk/>
+            <pc:sldMk cId="1261558817" sldId="259"/>
+            <ac:spMk id="140" creationId="{D6A3D671-F0DA-40E5-1D49-69787D1D497F}"/>
+          </ac:spMkLst>
+        </pc:spChg>
+        <pc:spChg chg="del mod">
+          <ac:chgData name="Sanchez, Andrea Cecilia (Alliance Bioversity-CIAT)" userId="1c01d433-d123-45b5-bcb7-0c97fcfb82b9" providerId="ADAL" clId="{7E6D7EA0-E91C-4B4D-90B9-52E5DAB34D7B}" dt="2025-08-07T13:46:39.028" v="1419" actId="478"/>
+          <ac:spMkLst>
+            <pc:docMk/>
+            <pc:sldMk cId="1261558817" sldId="259"/>
+            <ac:spMk id="152" creationId="{9C6408B7-890D-2872-EC4C-9EC98B8B39FB}"/>
+          </ac:spMkLst>
+        </pc:spChg>
+        <pc:spChg chg="mod">
+          <ac:chgData name="Sanchez, Andrea Cecilia (Alliance Bioversity-CIAT)" userId="1c01d433-d123-45b5-bcb7-0c97fcfb82b9" providerId="ADAL" clId="{7E6D7EA0-E91C-4B4D-90B9-52E5DAB34D7B}" dt="2025-08-08T09:44:08.203" v="1610" actId="20577"/>
           <ac:spMkLst>
             <pc:docMk/>
             <pc:sldMk cId="1261558817" sldId="259"/>
@@ -1117,35 +901,467 @@
           </ac:spMkLst>
         </pc:spChg>
         <pc:grpChg chg="mod">
-          <ac:chgData name="Sanchez, Andrea Cecilia (Alliance Bioversity-CIAT)" userId="1c01d433-d123-45b5-bcb7-0c97fcfb82b9" providerId="ADAL" clId="{7E6D7EA0-E91C-4B4D-90B9-52E5DAB34D7B}" dt="2025-08-01T12:01:41.359" v="259" actId="1036"/>
+          <ac:chgData name="Sanchez, Andrea Cecilia (Alliance Bioversity-CIAT)" userId="1c01d433-d123-45b5-bcb7-0c97fcfb82b9" providerId="ADAL" clId="{7E6D7EA0-E91C-4B4D-90B9-52E5DAB34D7B}" dt="2025-08-07T13:46:35.613" v="1417" actId="14100"/>
           <ac:grpSpMkLst>
             <pc:docMk/>
             <pc:sldMk cId="1261558817" sldId="259"/>
             <ac:grpSpMk id="3" creationId="{FBD2B001-2935-04A8-501B-4CA0000FD71C}"/>
           </ac:grpSpMkLst>
         </pc:grpChg>
+        <pc:grpChg chg="add mod">
+          <ac:chgData name="Sanchez, Andrea Cecilia (Alliance Bioversity-CIAT)" userId="1c01d433-d123-45b5-bcb7-0c97fcfb82b9" providerId="ADAL" clId="{7E6D7EA0-E91C-4B4D-90B9-52E5DAB34D7B}" dt="2025-08-07T13:35:23.204" v="982" actId="1035"/>
+          <ac:grpSpMkLst>
+            <pc:docMk/>
+            <pc:sldMk cId="1261558817" sldId="259"/>
+            <ac:grpSpMk id="43" creationId="{7A7A2AB1-3192-3CB7-E2B5-7A6283B2E3FF}"/>
+          </ac:grpSpMkLst>
+        </pc:grpChg>
+        <pc:grpChg chg="del">
+          <ac:chgData name="Sanchez, Andrea Cecilia (Alliance Bioversity-CIAT)" userId="1c01d433-d123-45b5-bcb7-0c97fcfb82b9" providerId="ADAL" clId="{7E6D7EA0-E91C-4B4D-90B9-52E5DAB34D7B}" dt="2025-08-07T13:32:59.764" v="902" actId="478"/>
+          <ac:grpSpMkLst>
+            <pc:docMk/>
+            <pc:sldMk cId="1261558817" sldId="259"/>
+            <ac:grpSpMk id="72" creationId="{5350B72D-2869-CE68-60AE-8A93FE897D34}"/>
+          </ac:grpSpMkLst>
+        </pc:grpChg>
+        <pc:grpChg chg="del">
+          <ac:chgData name="Sanchez, Andrea Cecilia (Alliance Bioversity-CIAT)" userId="1c01d433-d123-45b5-bcb7-0c97fcfb82b9" providerId="ADAL" clId="{7E6D7EA0-E91C-4B4D-90B9-52E5DAB34D7B}" dt="2025-08-07T13:32:57.540" v="901" actId="478"/>
+          <ac:grpSpMkLst>
+            <pc:docMk/>
+            <pc:sldMk cId="1261558817" sldId="259"/>
+            <ac:grpSpMk id="77" creationId="{F9A9E271-1286-A3C2-499B-23762117FA01}"/>
+          </ac:grpSpMkLst>
+        </pc:grpChg>
+        <pc:grpChg chg="mod">
+          <ac:chgData name="Sanchez, Andrea Cecilia (Alliance Bioversity-CIAT)" userId="1c01d433-d123-45b5-bcb7-0c97fcfb82b9" providerId="ADAL" clId="{7E6D7EA0-E91C-4B4D-90B9-52E5DAB34D7B}" dt="2025-08-07T13:33:16.676" v="905" actId="1076"/>
+          <ac:grpSpMkLst>
+            <pc:docMk/>
+            <pc:sldMk cId="1261558817" sldId="259"/>
+            <ac:grpSpMk id="80" creationId="{B73796B0-5482-E793-9439-27E512FB01C8}"/>
+          </ac:grpSpMkLst>
+        </pc:grpChg>
+        <pc:grpChg chg="add mod">
+          <ac:chgData name="Sanchez, Andrea Cecilia (Alliance Bioversity-CIAT)" userId="1c01d433-d123-45b5-bcb7-0c97fcfb82b9" providerId="ADAL" clId="{7E6D7EA0-E91C-4B4D-90B9-52E5DAB34D7B}" dt="2025-08-07T13:47:04.909" v="1453" actId="14100"/>
+          <ac:grpSpMkLst>
+            <pc:docMk/>
+            <pc:sldMk cId="1261558817" sldId="259"/>
+            <ac:grpSpMk id="81" creationId="{36A855F8-64CA-17F5-2300-46E9C3802E92}"/>
+          </ac:grpSpMkLst>
+        </pc:grpChg>
+        <pc:grpChg chg="add del mod">
+          <ac:chgData name="Sanchez, Andrea Cecilia (Alliance Bioversity-CIAT)" userId="1c01d433-d123-45b5-bcb7-0c97fcfb82b9" providerId="ADAL" clId="{7E6D7EA0-E91C-4B4D-90B9-52E5DAB34D7B}" dt="2025-08-07T13:37:47.972" v="1063" actId="1076"/>
+          <ac:grpSpMkLst>
+            <pc:docMk/>
+            <pc:sldMk cId="1261558817" sldId="259"/>
+            <ac:grpSpMk id="99" creationId="{39F2781E-361E-1793-2DA1-19273A0FAAD9}"/>
+          </ac:grpSpMkLst>
+        </pc:grpChg>
+        <pc:grpChg chg="del">
+          <ac:chgData name="Sanchez, Andrea Cecilia (Alliance Bioversity-CIAT)" userId="1c01d433-d123-45b5-bcb7-0c97fcfb82b9" providerId="ADAL" clId="{7E6D7EA0-E91C-4B4D-90B9-52E5DAB34D7B}" dt="2025-08-07T13:37:16.661" v="1053" actId="478"/>
+          <ac:grpSpMkLst>
+            <pc:docMk/>
+            <pc:sldMk cId="1261558817" sldId="259"/>
+            <ac:grpSpMk id="112" creationId="{5319A826-30AA-6FD5-74C5-0C61E3B39EBD}"/>
+          </ac:grpSpMkLst>
+        </pc:grpChg>
+        <pc:grpChg chg="del mod">
+          <ac:chgData name="Sanchez, Andrea Cecilia (Alliance Bioversity-CIAT)" userId="1c01d433-d123-45b5-bcb7-0c97fcfb82b9" providerId="ADAL" clId="{7E6D7EA0-E91C-4B4D-90B9-52E5DAB34D7B}" dt="2025-08-07T13:48:58.675" v="1498" actId="165"/>
+          <ac:grpSpMkLst>
+            <pc:docMk/>
+            <pc:sldMk cId="1261558817" sldId="259"/>
+            <ac:grpSpMk id="122" creationId="{DDBBE379-529F-609E-644D-A6AEC2A075E7}"/>
+          </ac:grpSpMkLst>
+        </pc:grpChg>
+        <pc:grpChg chg="del mod">
+          <ac:chgData name="Sanchez, Andrea Cecilia (Alliance Bioversity-CIAT)" userId="1c01d433-d123-45b5-bcb7-0c97fcfb82b9" providerId="ADAL" clId="{7E6D7EA0-E91C-4B4D-90B9-52E5DAB34D7B}" dt="2025-08-07T13:51:43.203" v="1588" actId="165"/>
+          <ac:grpSpMkLst>
+            <pc:docMk/>
+            <pc:sldMk cId="1261558817" sldId="259"/>
+            <ac:grpSpMk id="127" creationId="{C7102140-12C3-5746-4B4D-5AEFD5599595}"/>
+          </ac:grpSpMkLst>
+        </pc:grpChg>
+        <pc:grpChg chg="add mod">
+          <ac:chgData name="Sanchez, Andrea Cecilia (Alliance Bioversity-CIAT)" userId="1c01d433-d123-45b5-bcb7-0c97fcfb82b9" providerId="ADAL" clId="{7E6D7EA0-E91C-4B4D-90B9-52E5DAB34D7B}" dt="2025-08-07T13:51:06.285" v="1566" actId="1076"/>
+          <ac:grpSpMkLst>
+            <pc:docMk/>
+            <pc:sldMk cId="1261558817" sldId="259"/>
+            <ac:grpSpMk id="196" creationId="{8C671E31-3B89-FDF3-67F5-C6BFE35AB65B}"/>
+          </ac:grpSpMkLst>
+        </pc:grpChg>
+        <pc:grpChg chg="add mod">
+          <ac:chgData name="Sanchez, Andrea Cecilia (Alliance Bioversity-CIAT)" userId="1c01d433-d123-45b5-bcb7-0c97fcfb82b9" providerId="ADAL" clId="{7E6D7EA0-E91C-4B4D-90B9-52E5DAB34D7B}" dt="2025-08-07T13:43:52.579" v="1322" actId="164"/>
+          <ac:grpSpMkLst>
+            <pc:docMk/>
+            <pc:sldMk cId="1261558817" sldId="259"/>
+            <ac:grpSpMk id="215" creationId="{80CE8210-1D7F-3C16-0D60-978E199F7ED5}"/>
+          </ac:grpSpMkLst>
+        </pc:grpChg>
+        <pc:grpChg chg="add mod">
+          <ac:chgData name="Sanchez, Andrea Cecilia (Alliance Bioversity-CIAT)" userId="1c01d433-d123-45b5-bcb7-0c97fcfb82b9" providerId="ADAL" clId="{7E6D7EA0-E91C-4B4D-90B9-52E5DAB34D7B}" dt="2025-08-07T13:44:46.166" v="1337" actId="164"/>
+          <ac:grpSpMkLst>
+            <pc:docMk/>
+            <pc:sldMk cId="1261558817" sldId="259"/>
+            <ac:grpSpMk id="223" creationId="{A6135D70-CA17-991E-70F4-137CF33553D4}"/>
+          </ac:grpSpMkLst>
+        </pc:grpChg>
         <pc:cxnChg chg="add mod">
-          <ac:chgData name="Sanchez, Andrea Cecilia (Alliance Bioversity-CIAT)" userId="1c01d433-d123-45b5-bcb7-0c97fcfb82b9" providerId="ADAL" clId="{7E6D7EA0-E91C-4B4D-90B9-52E5DAB34D7B}" dt="2025-08-01T12:01:41.359" v="259" actId="1036"/>
+          <ac:chgData name="Sanchez, Andrea Cecilia (Alliance Bioversity-CIAT)" userId="1c01d433-d123-45b5-bcb7-0c97fcfb82b9" providerId="ADAL" clId="{7E6D7EA0-E91C-4B4D-90B9-52E5DAB34D7B}" dt="2025-08-07T13:47:48.663" v="1479" actId="1035"/>
           <ac:cxnSpMkLst>
             <pc:docMk/>
             <pc:sldMk cId="1261558817" sldId="259"/>
             <ac:cxnSpMk id="7" creationId="{DA3A3738-166F-51E4-55C0-406F4E836853}"/>
           </ac:cxnSpMkLst>
         </pc:cxnChg>
+        <pc:cxnChg chg="del mod">
+          <ac:chgData name="Sanchez, Andrea Cecilia (Alliance Bioversity-CIAT)" userId="1c01d433-d123-45b5-bcb7-0c97fcfb82b9" providerId="ADAL" clId="{7E6D7EA0-E91C-4B4D-90B9-52E5DAB34D7B}" dt="2025-08-07T13:28:08.162" v="723" actId="478"/>
+          <ac:cxnSpMkLst>
+            <pc:docMk/>
+            <pc:sldMk cId="1261558817" sldId="259"/>
+            <ac:cxnSpMk id="8" creationId="{B78F8812-1EBB-ED62-B283-45422A27BA5D}"/>
+          </ac:cxnSpMkLst>
+        </pc:cxnChg>
+        <pc:cxnChg chg="del mod">
+          <ac:chgData name="Sanchez, Andrea Cecilia (Alliance Bioversity-CIAT)" userId="1c01d433-d123-45b5-bcb7-0c97fcfb82b9" providerId="ADAL" clId="{7E6D7EA0-E91C-4B4D-90B9-52E5DAB34D7B}" dt="2025-08-07T13:28:05.074" v="721" actId="478"/>
+          <ac:cxnSpMkLst>
+            <pc:docMk/>
+            <pc:sldMk cId="1261558817" sldId="259"/>
+            <ac:cxnSpMk id="9" creationId="{C48AC772-73BD-39F0-621B-89740932039B}"/>
+          </ac:cxnSpMkLst>
+        </pc:cxnChg>
+        <pc:cxnChg chg="del mod">
+          <ac:chgData name="Sanchez, Andrea Cecilia (Alliance Bioversity-CIAT)" userId="1c01d433-d123-45b5-bcb7-0c97fcfb82b9" providerId="ADAL" clId="{7E6D7EA0-E91C-4B4D-90B9-52E5DAB34D7B}" dt="2025-08-07T13:28:08.162" v="723" actId="478"/>
+          <ac:cxnSpMkLst>
+            <pc:docMk/>
+            <pc:sldMk cId="1261558817" sldId="259"/>
+            <ac:cxnSpMk id="10" creationId="{C74FE84A-4A93-776A-E21B-5516FEB99723}"/>
+          </ac:cxnSpMkLst>
+        </pc:cxnChg>
+        <pc:cxnChg chg="add mod">
+          <ac:chgData name="Sanchez, Andrea Cecilia (Alliance Bioversity-CIAT)" userId="1c01d433-d123-45b5-bcb7-0c97fcfb82b9" providerId="ADAL" clId="{7E6D7EA0-E91C-4B4D-90B9-52E5DAB34D7B}" dt="2025-08-07T13:50:36.936" v="1554" actId="1035"/>
+          <ac:cxnSpMkLst>
+            <pc:docMk/>
+            <pc:sldMk cId="1261558817" sldId="259"/>
+            <ac:cxnSpMk id="18" creationId="{E8B2E19F-5CD4-34D3-99D6-AE49AC1905D8}"/>
+          </ac:cxnSpMkLst>
+        </pc:cxnChg>
+        <pc:cxnChg chg="add mod">
+          <ac:chgData name="Sanchez, Andrea Cecilia (Alliance Bioversity-CIAT)" userId="1c01d433-d123-45b5-bcb7-0c97fcfb82b9" providerId="ADAL" clId="{7E6D7EA0-E91C-4B4D-90B9-52E5DAB34D7B}" dt="2025-08-07T13:50:36.936" v="1554" actId="1035"/>
+          <ac:cxnSpMkLst>
+            <pc:docMk/>
+            <pc:sldMk cId="1261558817" sldId="259"/>
+            <ac:cxnSpMk id="21" creationId="{EA53584A-7D14-F4A9-EACB-7B6DF4EDD158}"/>
+          </ac:cxnSpMkLst>
+        </pc:cxnChg>
+        <pc:cxnChg chg="del mod">
+          <ac:chgData name="Sanchez, Andrea Cecilia (Alliance Bioversity-CIAT)" userId="1c01d433-d123-45b5-bcb7-0c97fcfb82b9" providerId="ADAL" clId="{7E6D7EA0-E91C-4B4D-90B9-52E5DAB34D7B}" dt="2025-08-07T13:29:52.323" v="749" actId="478"/>
+          <ac:cxnSpMkLst>
+            <pc:docMk/>
+            <pc:sldMk cId="1261558817" sldId="259"/>
+            <ac:cxnSpMk id="22" creationId="{54D3275E-6273-4F48-DEEB-5CA9F35AEEFB}"/>
+          </ac:cxnSpMkLst>
+        </pc:cxnChg>
+        <pc:cxnChg chg="add mod">
+          <ac:chgData name="Sanchez, Andrea Cecilia (Alliance Bioversity-CIAT)" userId="1c01d433-d123-45b5-bcb7-0c97fcfb82b9" providerId="ADAL" clId="{7E6D7EA0-E91C-4B4D-90B9-52E5DAB34D7B}" dt="2025-08-07T13:50:25.543" v="1548" actId="1036"/>
+          <ac:cxnSpMkLst>
+            <pc:docMk/>
+            <pc:sldMk cId="1261558817" sldId="259"/>
+            <ac:cxnSpMk id="26" creationId="{515BFEC4-03BE-D107-CE83-EBC87DDA1F7E}"/>
+          </ac:cxnSpMkLst>
+        </pc:cxnChg>
+        <pc:cxnChg chg="del">
+          <ac:chgData name="Sanchez, Andrea Cecilia (Alliance Bioversity-CIAT)" userId="1c01d433-d123-45b5-bcb7-0c97fcfb82b9" providerId="ADAL" clId="{7E6D7EA0-E91C-4B4D-90B9-52E5DAB34D7B}" dt="2025-08-07T13:29:32.627" v="741" actId="478"/>
+          <ac:cxnSpMkLst>
+            <pc:docMk/>
+            <pc:sldMk cId="1261558817" sldId="259"/>
+            <ac:cxnSpMk id="27" creationId="{C939D3DD-A304-14CA-A3E9-74A898DD2E0F}"/>
+          </ac:cxnSpMkLst>
+        </pc:cxnChg>
+        <pc:cxnChg chg="add mod">
+          <ac:chgData name="Sanchez, Andrea Cecilia (Alliance Bioversity-CIAT)" userId="1c01d433-d123-45b5-bcb7-0c97fcfb82b9" providerId="ADAL" clId="{7E6D7EA0-E91C-4B4D-90B9-52E5DAB34D7B}" dt="2025-08-07T13:50:17.133" v="1536" actId="14100"/>
+          <ac:cxnSpMkLst>
+            <pc:docMk/>
+            <pc:sldMk cId="1261558817" sldId="259"/>
+            <ac:cxnSpMk id="30" creationId="{B509E643-4ACB-352D-402A-609F6F422DB2}"/>
+          </ac:cxnSpMkLst>
+        </pc:cxnChg>
+        <pc:cxnChg chg="del mod">
+          <ac:chgData name="Sanchez, Andrea Cecilia (Alliance Bioversity-CIAT)" userId="1c01d433-d123-45b5-bcb7-0c97fcfb82b9" providerId="ADAL" clId="{7E6D7EA0-E91C-4B4D-90B9-52E5DAB34D7B}" dt="2025-08-07T13:29:26.418" v="739" actId="478"/>
+          <ac:cxnSpMkLst>
+            <pc:docMk/>
+            <pc:sldMk cId="1261558817" sldId="259"/>
+            <ac:cxnSpMk id="31" creationId="{8D9966E2-955C-0C25-5485-3FEABBBA31D9}"/>
+          </ac:cxnSpMkLst>
+        </pc:cxnChg>
+        <pc:cxnChg chg="del mod">
+          <ac:chgData name="Sanchez, Andrea Cecilia (Alliance Bioversity-CIAT)" userId="1c01d433-d123-45b5-bcb7-0c97fcfb82b9" providerId="ADAL" clId="{7E6D7EA0-E91C-4B4D-90B9-52E5DAB34D7B}" dt="2025-08-07T13:30:16.163" v="758" actId="478"/>
+          <ac:cxnSpMkLst>
+            <pc:docMk/>
+            <pc:sldMk cId="1261558817" sldId="259"/>
+            <ac:cxnSpMk id="35" creationId="{8856706D-0310-1642-BD2F-DC38237F2FA9}"/>
+          </ac:cxnSpMkLst>
+        </pc:cxnChg>
+        <pc:cxnChg chg="add mod">
+          <ac:chgData name="Sanchez, Andrea Cecilia (Alliance Bioversity-CIAT)" userId="1c01d433-d123-45b5-bcb7-0c97fcfb82b9" providerId="ADAL" clId="{7E6D7EA0-E91C-4B4D-90B9-52E5DAB34D7B}" dt="2025-08-07T13:50:17.133" v="1536" actId="14100"/>
+          <ac:cxnSpMkLst>
+            <pc:docMk/>
+            <pc:sldMk cId="1261558817" sldId="259"/>
+            <ac:cxnSpMk id="36" creationId="{F2438A75-018A-8F1D-0DA8-184B859BF761}"/>
+          </ac:cxnSpMkLst>
+        </pc:cxnChg>
         <pc:cxnChg chg="mod">
-          <ac:chgData name="Sanchez, Andrea Cecilia (Alliance Bioversity-CIAT)" userId="1c01d433-d123-45b5-bcb7-0c97fcfb82b9" providerId="ADAL" clId="{7E6D7EA0-E91C-4B4D-90B9-52E5DAB34D7B}" dt="2025-08-01T12:00:57.024" v="235" actId="553"/>
+          <ac:chgData name="Sanchez, Andrea Cecilia (Alliance Bioversity-CIAT)" userId="1c01d433-d123-45b5-bcb7-0c97fcfb82b9" providerId="ADAL" clId="{7E6D7EA0-E91C-4B4D-90B9-52E5DAB34D7B}" dt="2025-08-07T13:47:48.663" v="1479" actId="1035"/>
           <ac:cxnSpMkLst>
             <pc:docMk/>
             <pc:sldMk cId="1261558817" sldId="259"/>
             <ac:cxnSpMk id="41" creationId="{984C4D35-8C51-36C0-ADA9-6F1FA9B86448}"/>
           </ac:cxnSpMkLst>
         </pc:cxnChg>
+        <pc:cxnChg chg="del mod">
+          <ac:chgData name="Sanchez, Andrea Cecilia (Alliance Bioversity-CIAT)" userId="1c01d433-d123-45b5-bcb7-0c97fcfb82b9" providerId="ADAL" clId="{7E6D7EA0-E91C-4B4D-90B9-52E5DAB34D7B}" dt="2025-08-07T13:29:35.330" v="742" actId="478"/>
+          <ac:cxnSpMkLst>
+            <pc:docMk/>
+            <pc:sldMk cId="1261558817" sldId="259"/>
+            <ac:cxnSpMk id="48" creationId="{EADA50D9-4629-AB59-2C93-0071C0429254}"/>
+          </ac:cxnSpMkLst>
+        </pc:cxnChg>
+        <pc:cxnChg chg="del mod">
+          <ac:chgData name="Sanchez, Andrea Cecilia (Alliance Bioversity-CIAT)" userId="1c01d433-d123-45b5-bcb7-0c97fcfb82b9" providerId="ADAL" clId="{7E6D7EA0-E91C-4B4D-90B9-52E5DAB34D7B}" dt="2025-08-07T13:27:59.426" v="716" actId="478"/>
+          <ac:cxnSpMkLst>
+            <pc:docMk/>
+            <pc:sldMk cId="1261558817" sldId="259"/>
+            <ac:cxnSpMk id="49" creationId="{8CD0F085-E78C-3143-1BBC-9B43BA088930}"/>
+          </ac:cxnSpMkLst>
+        </pc:cxnChg>
+        <pc:cxnChg chg="del mod">
+          <ac:chgData name="Sanchez, Andrea Cecilia (Alliance Bioversity-CIAT)" userId="1c01d433-d123-45b5-bcb7-0c97fcfb82b9" providerId="ADAL" clId="{7E6D7EA0-E91C-4B4D-90B9-52E5DAB34D7B}" dt="2025-08-07T13:32:56.004" v="900" actId="478"/>
+          <ac:cxnSpMkLst>
+            <pc:docMk/>
+            <pc:sldMk cId="1261558817" sldId="259"/>
+            <ac:cxnSpMk id="51" creationId="{807FB4F6-E6FF-A722-3606-EDD84B3D2AFA}"/>
+          </ac:cxnSpMkLst>
+        </pc:cxnChg>
         <pc:cxnChg chg="mod">
-          <ac:chgData name="Sanchez, Andrea Cecilia (Alliance Bioversity-CIAT)" userId="1c01d433-d123-45b5-bcb7-0c97fcfb82b9" providerId="ADAL" clId="{7E6D7EA0-E91C-4B4D-90B9-52E5DAB34D7B}" dt="2025-08-01T12:01:53.633" v="278" actId="14100"/>
+          <ac:chgData name="Sanchez, Andrea Cecilia (Alliance Bioversity-CIAT)" userId="1c01d433-d123-45b5-bcb7-0c97fcfb82b9" providerId="ADAL" clId="{7E6D7EA0-E91C-4B4D-90B9-52E5DAB34D7B}" dt="2025-08-07T13:47:35.792" v="1470" actId="12788"/>
+          <ac:cxnSpMkLst>
+            <pc:docMk/>
+            <pc:sldMk cId="1261558817" sldId="259"/>
+            <ac:cxnSpMk id="52" creationId="{F5CDA412-5B61-A331-7475-86E4C8972ABE}"/>
+          </ac:cxnSpMkLst>
+        </pc:cxnChg>
+        <pc:cxnChg chg="mod">
+          <ac:chgData name="Sanchez, Andrea Cecilia (Alliance Bioversity-CIAT)" userId="1c01d433-d123-45b5-bcb7-0c97fcfb82b9" providerId="ADAL" clId="{7E6D7EA0-E91C-4B4D-90B9-52E5DAB34D7B}" dt="2025-08-07T13:45:14.301" v="1365" actId="14100"/>
+          <ac:cxnSpMkLst>
+            <pc:docMk/>
+            <pc:sldMk cId="1261558817" sldId="259"/>
+            <ac:cxnSpMk id="58" creationId="{18236B17-C8E5-78FE-0FA8-527EEDB3BFE6}"/>
+          </ac:cxnSpMkLst>
+        </pc:cxnChg>
+        <pc:cxnChg chg="del mod">
+          <ac:chgData name="Sanchez, Andrea Cecilia (Alliance Bioversity-CIAT)" userId="1c01d433-d123-45b5-bcb7-0c97fcfb82b9" providerId="ADAL" clId="{7E6D7EA0-E91C-4B4D-90B9-52E5DAB34D7B}" dt="2025-08-07T13:27:42.786" v="713" actId="478"/>
+          <ac:cxnSpMkLst>
+            <pc:docMk/>
+            <pc:sldMk cId="1261558817" sldId="259"/>
+            <ac:cxnSpMk id="60" creationId="{D7DD4074-F842-AAC5-A16C-FB0D7237042C}"/>
+          </ac:cxnSpMkLst>
+        </pc:cxnChg>
+        <pc:cxnChg chg="mod">
+          <ac:chgData name="Sanchez, Andrea Cecilia (Alliance Bioversity-CIAT)" userId="1c01d433-d123-45b5-bcb7-0c97fcfb82b9" providerId="ADAL" clId="{7E6D7EA0-E91C-4B4D-90B9-52E5DAB34D7B}" dt="2025-08-07T13:45:03.801" v="1361" actId="1037"/>
+          <ac:cxnSpMkLst>
+            <pc:docMk/>
+            <pc:sldMk cId="1261558817" sldId="259"/>
+            <ac:cxnSpMk id="61" creationId="{E70EFE37-606F-830A-55F1-2058E1B65336}"/>
+          </ac:cxnSpMkLst>
+        </pc:cxnChg>
+        <pc:cxnChg chg="mod">
+          <ac:chgData name="Sanchez, Andrea Cecilia (Alliance Bioversity-CIAT)" userId="1c01d433-d123-45b5-bcb7-0c97fcfb82b9" providerId="ADAL" clId="{7E6D7EA0-E91C-4B4D-90B9-52E5DAB34D7B}" dt="2025-08-07T13:44:46.166" v="1337" actId="164"/>
+          <ac:cxnSpMkLst>
+            <pc:docMk/>
+            <pc:sldMk cId="1261558817" sldId="259"/>
+            <ac:cxnSpMk id="64" creationId="{B350BC97-62C0-3E06-8A29-BBF48A742CA1}"/>
+          </ac:cxnSpMkLst>
+        </pc:cxnChg>
+        <pc:cxnChg chg="mod">
+          <ac:chgData name="Sanchez, Andrea Cecilia (Alliance Bioversity-CIAT)" userId="1c01d433-d123-45b5-bcb7-0c97fcfb82b9" providerId="ADAL" clId="{7E6D7EA0-E91C-4B4D-90B9-52E5DAB34D7B}" dt="2025-08-07T13:44:57.213" v="1339" actId="14100"/>
+          <ac:cxnSpMkLst>
+            <pc:docMk/>
+            <pc:sldMk cId="1261558817" sldId="259"/>
+            <ac:cxnSpMk id="65" creationId="{4E5CC4F0-9A6C-086A-AD1E-1F3A9AD6A51B}"/>
+          </ac:cxnSpMkLst>
+        </pc:cxnChg>
+        <pc:cxnChg chg="del mod">
+          <ac:chgData name="Sanchez, Andrea Cecilia (Alliance Bioversity-CIAT)" userId="1c01d433-d123-45b5-bcb7-0c97fcfb82b9" providerId="ADAL" clId="{7E6D7EA0-E91C-4B4D-90B9-52E5DAB34D7B}" dt="2025-08-07T13:28:03.362" v="719" actId="478"/>
+          <ac:cxnSpMkLst>
+            <pc:docMk/>
+            <pc:sldMk cId="1261558817" sldId="259"/>
+            <ac:cxnSpMk id="66" creationId="{76E660FB-7329-DB9E-E688-CA7D5A2E3610}"/>
+          </ac:cxnSpMkLst>
+        </pc:cxnChg>
+        <pc:cxnChg chg="mod">
+          <ac:chgData name="Sanchez, Andrea Cecilia (Alliance Bioversity-CIAT)" userId="1c01d433-d123-45b5-bcb7-0c97fcfb82b9" providerId="ADAL" clId="{7E6D7EA0-E91C-4B4D-90B9-52E5DAB34D7B}" dt="2025-08-07T13:44:11.181" v="1335" actId="14100"/>
+          <ac:cxnSpMkLst>
+            <pc:docMk/>
+            <pc:sldMk cId="1261558817" sldId="259"/>
+            <ac:cxnSpMk id="69" creationId="{A7BDB296-3BC2-D322-2E44-FF26D5D0B814}"/>
+          </ac:cxnSpMkLst>
+        </pc:cxnChg>
+        <pc:cxnChg chg="mod">
+          <ac:chgData name="Sanchez, Andrea Cecilia (Alliance Bioversity-CIAT)" userId="1c01d433-d123-45b5-bcb7-0c97fcfb82b9" providerId="ADAL" clId="{7E6D7EA0-E91C-4B4D-90B9-52E5DAB34D7B}" dt="2025-08-07T13:43:52.579" v="1322" actId="164"/>
+          <ac:cxnSpMkLst>
+            <pc:docMk/>
+            <pc:sldMk cId="1261558817" sldId="259"/>
+            <ac:cxnSpMk id="71" creationId="{31784A15-805E-A558-2CBF-CCAD5165DB4A}"/>
+          </ac:cxnSpMkLst>
+        </pc:cxnChg>
+        <pc:cxnChg chg="mod">
+          <ac:chgData name="Sanchez, Andrea Cecilia (Alliance Bioversity-CIAT)" userId="1c01d433-d123-45b5-bcb7-0c97fcfb82b9" providerId="ADAL" clId="{7E6D7EA0-E91C-4B4D-90B9-52E5DAB34D7B}" dt="2025-08-07T13:47:44.455" v="1474" actId="1036"/>
+          <ac:cxnSpMkLst>
+            <pc:docMk/>
+            <pc:sldMk cId="1261558817" sldId="259"/>
+            <ac:cxnSpMk id="76" creationId="{DA874901-D95E-4587-2581-60A6B619C640}"/>
+          </ac:cxnSpMkLst>
+        </pc:cxnChg>
+        <pc:cxnChg chg="mod">
+          <ac:chgData name="Sanchez, Andrea Cecilia (Alliance Bioversity-CIAT)" userId="1c01d433-d123-45b5-bcb7-0c97fcfb82b9" providerId="ADAL" clId="{7E6D7EA0-E91C-4B4D-90B9-52E5DAB34D7B}" dt="2025-08-07T13:30:10.282" v="756" actId="1076"/>
+          <ac:cxnSpMkLst>
+            <pc:docMk/>
+            <pc:sldMk cId="1261558817" sldId="259"/>
+            <ac:cxnSpMk id="94" creationId="{F642A2D3-A69D-5080-D080-2D3B26505FFC}"/>
+          </ac:cxnSpMkLst>
+        </pc:cxnChg>
+        <pc:cxnChg chg="del mod">
+          <ac:chgData name="Sanchez, Andrea Cecilia (Alliance Bioversity-CIAT)" userId="1c01d433-d123-45b5-bcb7-0c97fcfb82b9" providerId="ADAL" clId="{7E6D7EA0-E91C-4B4D-90B9-52E5DAB34D7B}" dt="2025-08-07T13:37:30.228" v="1060" actId="478"/>
+          <ac:cxnSpMkLst>
+            <pc:docMk/>
+            <pc:sldMk cId="1261558817" sldId="259"/>
+            <ac:cxnSpMk id="102" creationId="{A3A10195-5F23-3AA1-1F72-CAB120CB112C}"/>
+          </ac:cxnSpMkLst>
+        </pc:cxnChg>
+        <pc:cxnChg chg="del mod">
+          <ac:chgData name="Sanchez, Andrea Cecilia (Alliance Bioversity-CIAT)" userId="1c01d433-d123-45b5-bcb7-0c97fcfb82b9" providerId="ADAL" clId="{7E6D7EA0-E91C-4B4D-90B9-52E5DAB34D7B}" dt="2025-08-07T13:37:33.412" v="1062" actId="478"/>
+          <ac:cxnSpMkLst>
+            <pc:docMk/>
+            <pc:sldMk cId="1261558817" sldId="259"/>
+            <ac:cxnSpMk id="107" creationId="{BF6F5B4F-6C83-AE55-A102-6D5AFFB52A56}"/>
+          </ac:cxnSpMkLst>
+        </pc:cxnChg>
+        <pc:cxnChg chg="mod">
+          <ac:chgData name="Sanchez, Andrea Cecilia (Alliance Bioversity-CIAT)" userId="1c01d433-d123-45b5-bcb7-0c97fcfb82b9" providerId="ADAL" clId="{7E6D7EA0-E91C-4B4D-90B9-52E5DAB34D7B}" dt="2025-08-07T13:41:41.975" v="1284" actId="1037"/>
+          <ac:cxnSpMkLst>
+            <pc:docMk/>
+            <pc:sldMk cId="1261558817" sldId="259"/>
+            <ac:cxnSpMk id="110" creationId="{B012A406-70C6-22CF-814A-99753EA99293}"/>
+          </ac:cxnSpMkLst>
+        </pc:cxnChg>
+        <pc:cxnChg chg="mod">
+          <ac:chgData name="Sanchez, Andrea Cecilia (Alliance Bioversity-CIAT)" userId="1c01d433-d123-45b5-bcb7-0c97fcfb82b9" providerId="ADAL" clId="{7E6D7EA0-E91C-4B4D-90B9-52E5DAB34D7B}" dt="2025-08-07T13:52:14.287" v="1601" actId="552"/>
+          <ac:cxnSpMkLst>
+            <pc:docMk/>
+            <pc:sldMk cId="1261558817" sldId="259"/>
+            <ac:cxnSpMk id="113" creationId="{D6606865-F7FF-F261-000B-0FB730D95494}"/>
+          </ac:cxnSpMkLst>
+        </pc:cxnChg>
+        <pc:cxnChg chg="del mod">
+          <ac:chgData name="Sanchez, Andrea Cecilia (Alliance Bioversity-CIAT)" userId="1c01d433-d123-45b5-bcb7-0c97fcfb82b9" providerId="ADAL" clId="{7E6D7EA0-E91C-4B4D-90B9-52E5DAB34D7B}" dt="2025-08-07T13:51:24.597" v="1571" actId="478"/>
+          <ac:cxnSpMkLst>
+            <pc:docMk/>
+            <pc:sldMk cId="1261558817" sldId="259"/>
+            <ac:cxnSpMk id="116" creationId="{39C87A54-B675-56B0-8B04-035C8199A786}"/>
+          </ac:cxnSpMkLst>
+        </pc:cxnChg>
+        <pc:cxnChg chg="mod">
+          <ac:chgData name="Sanchez, Andrea Cecilia (Alliance Bioversity-CIAT)" userId="1c01d433-d123-45b5-bcb7-0c97fcfb82b9" providerId="ADAL" clId="{7E6D7EA0-E91C-4B4D-90B9-52E5DAB34D7B}" dt="2025-08-07T13:35:36.564" v="1003" actId="1035"/>
           <ac:cxnSpMkLst>
             <pc:docMk/>
             <pc:sldMk cId="1261558817" sldId="259"/>
             <ac:cxnSpMk id="120" creationId="{D65A7819-B74C-5558-C082-59A5A3AF4C9D}"/>
+          </ac:cxnSpMkLst>
+        </pc:cxnChg>
+        <pc:cxnChg chg="del">
+          <ac:chgData name="Sanchez, Andrea Cecilia (Alliance Bioversity-CIAT)" userId="1c01d433-d123-45b5-bcb7-0c97fcfb82b9" providerId="ADAL" clId="{7E6D7EA0-E91C-4B4D-90B9-52E5DAB34D7B}" dt="2025-08-07T13:28:55.331" v="732" actId="478"/>
+          <ac:cxnSpMkLst>
+            <pc:docMk/>
+            <pc:sldMk cId="1261558817" sldId="259"/>
+            <ac:cxnSpMk id="121" creationId="{F51D35E8-5807-962A-829D-73F37DB66A3A}"/>
+          </ac:cxnSpMkLst>
+        </pc:cxnChg>
+        <pc:cxnChg chg="del mod">
+          <ac:chgData name="Sanchez, Andrea Cecilia (Alliance Bioversity-CIAT)" userId="1c01d433-d123-45b5-bcb7-0c97fcfb82b9" providerId="ADAL" clId="{7E6D7EA0-E91C-4B4D-90B9-52E5DAB34D7B}" dt="2025-08-07T13:27:57.122" v="715" actId="478"/>
+          <ac:cxnSpMkLst>
+            <pc:docMk/>
+            <pc:sldMk cId="1261558817" sldId="259"/>
+            <ac:cxnSpMk id="123" creationId="{A455052A-6815-1828-8FE5-CC2639813887}"/>
+          </ac:cxnSpMkLst>
+        </pc:cxnChg>
+        <pc:cxnChg chg="del mod">
+          <ac:chgData name="Sanchez, Andrea Cecilia (Alliance Bioversity-CIAT)" userId="1c01d433-d123-45b5-bcb7-0c97fcfb82b9" providerId="ADAL" clId="{7E6D7EA0-E91C-4B4D-90B9-52E5DAB34D7B}" dt="2025-08-07T13:30:24.834" v="762" actId="478"/>
+          <ac:cxnSpMkLst>
+            <pc:docMk/>
+            <pc:sldMk cId="1261558817" sldId="259"/>
+            <ac:cxnSpMk id="124" creationId="{FF2A5354-ABAA-5A4F-FB04-BFB46D64E56C}"/>
+          </ac:cxnSpMkLst>
+        </pc:cxnChg>
+        <pc:cxnChg chg="del">
+          <ac:chgData name="Sanchez, Andrea Cecilia (Alliance Bioversity-CIAT)" userId="1c01d433-d123-45b5-bcb7-0c97fcfb82b9" providerId="ADAL" clId="{7E6D7EA0-E91C-4B4D-90B9-52E5DAB34D7B}" dt="2025-08-07T13:28:04.275" v="720" actId="478"/>
+          <ac:cxnSpMkLst>
+            <pc:docMk/>
+            <pc:sldMk cId="1261558817" sldId="259"/>
+            <ac:cxnSpMk id="125" creationId="{7349B59C-80C9-70BA-253D-0387A63A96D0}"/>
+          </ac:cxnSpMkLst>
+        </pc:cxnChg>
+        <pc:cxnChg chg="mod">
+          <ac:chgData name="Sanchez, Andrea Cecilia (Alliance Bioversity-CIAT)" userId="1c01d433-d123-45b5-bcb7-0c97fcfb82b9" providerId="ADAL" clId="{7E6D7EA0-E91C-4B4D-90B9-52E5DAB34D7B}" dt="2025-08-07T13:51:56.298" v="1592" actId="1076"/>
+          <ac:cxnSpMkLst>
+            <pc:docMk/>
+            <pc:sldMk cId="1261558817" sldId="259"/>
+            <ac:cxnSpMk id="126" creationId="{6F02AD02-E3AB-A879-5B94-9B97E53E21FC}"/>
+          </ac:cxnSpMkLst>
+        </pc:cxnChg>
+        <pc:cxnChg chg="mod">
+          <ac:chgData name="Sanchez, Andrea Cecilia (Alliance Bioversity-CIAT)" userId="1c01d433-d123-45b5-bcb7-0c97fcfb82b9" providerId="ADAL" clId="{7E6D7EA0-E91C-4B4D-90B9-52E5DAB34D7B}" dt="2025-08-07T13:51:56.298" v="1592" actId="1076"/>
+          <ac:cxnSpMkLst>
+            <pc:docMk/>
+            <pc:sldMk cId="1261558817" sldId="259"/>
+            <ac:cxnSpMk id="128" creationId="{8735B614-0589-A120-3867-CD1B34305C2F}"/>
+          </ac:cxnSpMkLst>
+        </pc:cxnChg>
+        <pc:cxnChg chg="mod">
+          <ac:chgData name="Sanchez, Andrea Cecilia (Alliance Bioversity-CIAT)" userId="1c01d433-d123-45b5-bcb7-0c97fcfb82b9" providerId="ADAL" clId="{7E6D7EA0-E91C-4B4D-90B9-52E5DAB34D7B}" dt="2025-08-07T13:51:38.407" v="1587" actId="1035"/>
+          <ac:cxnSpMkLst>
+            <pc:docMk/>
+            <pc:sldMk cId="1261558817" sldId="259"/>
+            <ac:cxnSpMk id="129" creationId="{9E20D027-13CA-626C-5A3A-F9DB409841DA}"/>
+          </ac:cxnSpMkLst>
+        </pc:cxnChg>
+        <pc:cxnChg chg="del mod">
+          <ac:chgData name="Sanchez, Andrea Cecilia (Alliance Bioversity-CIAT)" userId="1c01d433-d123-45b5-bcb7-0c97fcfb82b9" providerId="ADAL" clId="{7E6D7EA0-E91C-4B4D-90B9-52E5DAB34D7B}" dt="2025-08-07T13:49:26.740" v="1507" actId="478"/>
+          <ac:cxnSpMkLst>
+            <pc:docMk/>
+            <pc:sldMk cId="1261558817" sldId="259"/>
+            <ac:cxnSpMk id="132" creationId="{9A5D7F61-1873-D95D-D43F-B76902CE4661}"/>
+          </ac:cxnSpMkLst>
+        </pc:cxnChg>
+        <pc:cxnChg chg="mod topLvl">
+          <ac:chgData name="Sanchez, Andrea Cecilia (Alliance Bioversity-CIAT)" userId="1c01d433-d123-45b5-bcb7-0c97fcfb82b9" providerId="ADAL" clId="{7E6D7EA0-E91C-4B4D-90B9-52E5DAB34D7B}" dt="2025-08-07T13:52:14.287" v="1601" actId="552"/>
+          <ac:cxnSpMkLst>
+            <pc:docMk/>
+            <pc:sldMk cId="1261558817" sldId="259"/>
+            <ac:cxnSpMk id="133" creationId="{8707D549-95EE-6754-D992-15266162685F}"/>
+          </ac:cxnSpMkLst>
+        </pc:cxnChg>
+        <pc:cxnChg chg="mod topLvl">
+          <ac:chgData name="Sanchez, Andrea Cecilia (Alliance Bioversity-CIAT)" userId="1c01d433-d123-45b5-bcb7-0c97fcfb82b9" providerId="ADAL" clId="{7E6D7EA0-E91C-4B4D-90B9-52E5DAB34D7B}" dt="2025-08-07T13:52:14.287" v="1601" actId="552"/>
+          <ac:cxnSpMkLst>
+            <pc:docMk/>
+            <pc:sldMk cId="1261558817" sldId="259"/>
+            <ac:cxnSpMk id="136" creationId="{130F6899-EDCA-82FB-E97D-B87BDEC363CD}"/>
+          </ac:cxnSpMkLst>
+        </pc:cxnChg>
+        <pc:cxnChg chg="add mod">
+          <ac:chgData name="Sanchez, Andrea Cecilia (Alliance Bioversity-CIAT)" userId="1c01d433-d123-45b5-bcb7-0c97fcfb82b9" providerId="ADAL" clId="{7E6D7EA0-E91C-4B4D-90B9-52E5DAB34D7B}" dt="2025-08-07T13:47:12.327" v="1468" actId="1035"/>
+          <ac:cxnSpMkLst>
+            <pc:docMk/>
+            <pc:sldMk cId="1261558817" sldId="259"/>
+            <ac:cxnSpMk id="192" creationId="{7B9CFBDC-6440-462E-37E5-2A985C6DF3BD}"/>
           </ac:cxnSpMkLst>
         </pc:cxnChg>
       </pc:sldChg>
@@ -1301,21 +1517,21 @@
         </pc:cxnChg>
       </pc:sldChg>
       <pc:sldChg chg="addSp delSp modSp mod">
-        <pc:chgData name="Sanchez, Andrea Cecilia (Alliance Bioversity-CIAT)" userId="1c01d433-d123-45b5-bcb7-0c97fcfb82b9" providerId="ADAL" clId="{7E6D7EA0-E91C-4B4D-90B9-52E5DAB34D7B}" dt="2025-08-06T15:09:55.510" v="710" actId="20577"/>
+        <pc:chgData name="Sanchez, Andrea Cecilia (Alliance Bioversity-CIAT)" userId="1c01d433-d123-45b5-bcb7-0c97fcfb82b9" providerId="ADAL" clId="{7E6D7EA0-E91C-4B4D-90B9-52E5DAB34D7B}" dt="2025-08-07T13:36:52.340" v="1048" actId="164"/>
         <pc:sldMkLst>
           <pc:docMk/>
           <pc:sldMk cId="1893782827" sldId="261"/>
         </pc:sldMkLst>
-        <pc:spChg chg="del mod">
-          <ac:chgData name="Sanchez, Andrea Cecilia (Alliance Bioversity-CIAT)" userId="1c01d433-d123-45b5-bcb7-0c97fcfb82b9" providerId="ADAL" clId="{7E6D7EA0-E91C-4B4D-90B9-52E5DAB34D7B}" dt="2025-08-06T15:07:33.125" v="672" actId="478"/>
+        <pc:spChg chg="mod">
+          <ac:chgData name="Sanchez, Andrea Cecilia (Alliance Bioversity-CIAT)" userId="1c01d433-d123-45b5-bcb7-0c97fcfb82b9" providerId="ADAL" clId="{7E6D7EA0-E91C-4B4D-90B9-52E5DAB34D7B}" dt="2025-08-07T13:36:52.340" v="1048" actId="164"/>
           <ac:spMkLst>
             <pc:docMk/>
             <pc:sldMk cId="1893782827" sldId="261"/>
-            <ac:spMk id="4" creationId="{F9545D76-0BAE-E305-6B9D-AA4BCCA02EC0}"/>
+            <ac:spMk id="2" creationId="{7C986CA8-7608-92E9-C803-44E05BBA8878}"/>
           </ac:spMkLst>
         </pc:spChg>
         <pc:spChg chg="mod topLvl">
-          <ac:chgData name="Sanchez, Andrea Cecilia (Alliance Bioversity-CIAT)" userId="1c01d433-d123-45b5-bcb7-0c97fcfb82b9" providerId="ADAL" clId="{7E6D7EA0-E91C-4B4D-90B9-52E5DAB34D7B}" dt="2025-08-06T15:09:55.510" v="710" actId="20577"/>
+          <ac:chgData name="Sanchez, Andrea Cecilia (Alliance Bioversity-CIAT)" userId="1c01d433-d123-45b5-bcb7-0c97fcfb82b9" providerId="ADAL" clId="{7E6D7EA0-E91C-4B4D-90B9-52E5DAB34D7B}" dt="2025-08-07T13:36:52.340" v="1048" actId="164"/>
           <ac:spMkLst>
             <pc:docMk/>
             <pc:sldMk cId="1893782827" sldId="261"/>
@@ -1323,11 +1539,19 @@
           </ac:spMkLst>
         </pc:spChg>
         <pc:spChg chg="add mod topLvl">
-          <ac:chgData name="Sanchez, Andrea Cecilia (Alliance Bioversity-CIAT)" userId="1c01d433-d123-45b5-bcb7-0c97fcfb82b9" providerId="ADAL" clId="{7E6D7EA0-E91C-4B4D-90B9-52E5DAB34D7B}" dt="2025-08-06T15:08:55.332" v="700" actId="1035"/>
+          <ac:chgData name="Sanchez, Andrea Cecilia (Alliance Bioversity-CIAT)" userId="1c01d433-d123-45b5-bcb7-0c97fcfb82b9" providerId="ADAL" clId="{7E6D7EA0-E91C-4B4D-90B9-52E5DAB34D7B}" dt="2025-08-07T13:36:52.340" v="1048" actId="164"/>
           <ac:spMkLst>
             <pc:docMk/>
             <pc:sldMk cId="1893782827" sldId="261"/>
             <ac:spMk id="10" creationId="{3BD82666-2DD8-C19F-8656-1BB4F0541D9C}"/>
+          </ac:spMkLst>
+        </pc:spChg>
+        <pc:spChg chg="mod">
+          <ac:chgData name="Sanchez, Andrea Cecilia (Alliance Bioversity-CIAT)" userId="1c01d433-d123-45b5-bcb7-0c97fcfb82b9" providerId="ADAL" clId="{7E6D7EA0-E91C-4B4D-90B9-52E5DAB34D7B}" dt="2025-08-07T13:36:52.340" v="1048" actId="164"/>
+          <ac:spMkLst>
+            <pc:docMk/>
+            <pc:sldMk cId="1893782827" sldId="261"/>
+            <ac:spMk id="15" creationId="{47DD55AD-E82D-B488-25A1-2E78C4B059A5}"/>
           </ac:spMkLst>
         </pc:spChg>
         <pc:spChg chg="add mod topLvl">
@@ -1339,7 +1563,7 @@
           </ac:spMkLst>
         </pc:spChg>
         <pc:spChg chg="mod">
-          <ac:chgData name="Sanchez, Andrea Cecilia (Alliance Bioversity-CIAT)" userId="1c01d433-d123-45b5-bcb7-0c97fcfb82b9" providerId="ADAL" clId="{7E6D7EA0-E91C-4B4D-90B9-52E5DAB34D7B}" dt="2025-08-02T09:26:08.188" v="395" actId="20577"/>
+          <ac:chgData name="Sanchez, Andrea Cecilia (Alliance Bioversity-CIAT)" userId="1c01d433-d123-45b5-bcb7-0c97fcfb82b9" providerId="ADAL" clId="{7E6D7EA0-E91C-4B4D-90B9-52E5DAB34D7B}" dt="2025-08-07T13:36:52.340" v="1048" actId="164"/>
           <ac:spMkLst>
             <pc:docMk/>
             <pc:sldMk cId="1893782827" sldId="261"/>
@@ -1354,12 +1578,20 @@
             <ac:spMk id="22" creationId="{D4D0E25D-F991-44B5-1BA5-47501012E945}"/>
           </ac:spMkLst>
         </pc:spChg>
-        <pc:spChg chg="del mod">
-          <ac:chgData name="Sanchez, Andrea Cecilia (Alliance Bioversity-CIAT)" userId="1c01d433-d123-45b5-bcb7-0c97fcfb82b9" providerId="ADAL" clId="{7E6D7EA0-E91C-4B4D-90B9-52E5DAB34D7B}" dt="2025-08-06T15:08:20.741" v="675" actId="478"/>
+        <pc:spChg chg="mod">
+          <ac:chgData name="Sanchez, Andrea Cecilia (Alliance Bioversity-CIAT)" userId="1c01d433-d123-45b5-bcb7-0c97fcfb82b9" providerId="ADAL" clId="{7E6D7EA0-E91C-4B4D-90B9-52E5DAB34D7B}" dt="2025-08-07T13:36:52.340" v="1048" actId="164"/>
           <ac:spMkLst>
             <pc:docMk/>
             <pc:sldMk cId="1893782827" sldId="261"/>
-            <ac:spMk id="26" creationId="{C5CA0FC6-2CDC-3501-4229-90BC288FC514}"/>
+            <ac:spMk id="27" creationId="{92EA50FD-FF7E-8A33-ADC8-C8DF12380567}"/>
+          </ac:spMkLst>
+        </pc:spChg>
+        <pc:spChg chg="mod">
+          <ac:chgData name="Sanchez, Andrea Cecilia (Alliance Bioversity-CIAT)" userId="1c01d433-d123-45b5-bcb7-0c97fcfb82b9" providerId="ADAL" clId="{7E6D7EA0-E91C-4B4D-90B9-52E5DAB34D7B}" dt="2025-08-07T13:36:52.340" v="1048" actId="164"/>
+          <ac:spMkLst>
+            <pc:docMk/>
+            <pc:sldMk cId="1893782827" sldId="261"/>
+            <ac:spMk id="28" creationId="{7CE5C115-EFE2-E291-6D9C-3940128EA6DE}"/>
           </ac:spMkLst>
         </pc:spChg>
         <pc:spChg chg="mod">
@@ -1368,14 +1600,6 @@
             <pc:docMk/>
             <pc:sldMk cId="1893782827" sldId="261"/>
             <ac:spMk id="40" creationId="{E1E0B3E5-0F60-AFAA-EADB-B19018E58EE4}"/>
-          </ac:spMkLst>
-        </pc:spChg>
-        <pc:spChg chg="del mod">
-          <ac:chgData name="Sanchez, Andrea Cecilia (Alliance Bioversity-CIAT)" userId="1c01d433-d123-45b5-bcb7-0c97fcfb82b9" providerId="ADAL" clId="{7E6D7EA0-E91C-4B4D-90B9-52E5DAB34D7B}" dt="2025-08-06T15:07:34.901" v="673" actId="478"/>
-          <ac:spMkLst>
-            <pc:docMk/>
-            <pc:sldMk cId="1893782827" sldId="261"/>
-            <ac:spMk id="50" creationId="{3C553E0C-7336-70E3-5AB0-9F65D72D0791}"/>
           </ac:spMkLst>
         </pc:spChg>
         <pc:spChg chg="mod">
@@ -1419,7 +1643,15 @@
           </ac:spMkLst>
         </pc:spChg>
         <pc:spChg chg="mod">
-          <ac:chgData name="Sanchez, Andrea Cecilia (Alliance Bioversity-CIAT)" userId="1c01d433-d123-45b5-bcb7-0c97fcfb82b9" providerId="ADAL" clId="{7E6D7EA0-E91C-4B4D-90B9-52E5DAB34D7B}" dt="2025-08-02T09:25:12.700" v="345" actId="20577"/>
+          <ac:chgData name="Sanchez, Andrea Cecilia (Alliance Bioversity-CIAT)" userId="1c01d433-d123-45b5-bcb7-0c97fcfb82b9" providerId="ADAL" clId="{7E6D7EA0-E91C-4B4D-90B9-52E5DAB34D7B}" dt="2025-08-07T13:36:52.340" v="1048" actId="164"/>
+          <ac:spMkLst>
+            <pc:docMk/>
+            <pc:sldMk cId="1893782827" sldId="261"/>
+            <ac:spMk id="152" creationId="{1774AA4B-560A-03E8-F267-B50BA8E56CD2}"/>
+          </ac:spMkLst>
+        </pc:spChg>
+        <pc:spChg chg="mod">
+          <ac:chgData name="Sanchez, Andrea Cecilia (Alliance Bioversity-CIAT)" userId="1c01d433-d123-45b5-bcb7-0c97fcfb82b9" providerId="ADAL" clId="{7E6D7EA0-E91C-4B4D-90B9-52E5DAB34D7B}" dt="2025-08-07T13:36:52.340" v="1048" actId="164"/>
           <ac:spMkLst>
             <pc:docMk/>
             <pc:sldMk cId="1893782827" sldId="261"/>
@@ -1427,7 +1659,7 @@
           </ac:spMkLst>
         </pc:spChg>
         <pc:spChg chg="mod">
-          <ac:chgData name="Sanchez, Andrea Cecilia (Alliance Bioversity-CIAT)" userId="1c01d433-d123-45b5-bcb7-0c97fcfb82b9" providerId="ADAL" clId="{7E6D7EA0-E91C-4B4D-90B9-52E5DAB34D7B}" dt="2025-08-02T09:25:46.347" v="350" actId="20577"/>
+          <ac:chgData name="Sanchez, Andrea Cecilia (Alliance Bioversity-CIAT)" userId="1c01d433-d123-45b5-bcb7-0c97fcfb82b9" providerId="ADAL" clId="{7E6D7EA0-E91C-4B4D-90B9-52E5DAB34D7B}" dt="2025-08-07T13:36:52.340" v="1048" actId="164"/>
           <ac:spMkLst>
             <pc:docMk/>
             <pc:sldMk cId="1893782827" sldId="261"/>
@@ -1448,22 +1680,6 @@
             <pc:docMk/>
             <pc:sldMk cId="1893782827" sldId="261"/>
             <ac:grpSpMk id="35" creationId="{C8E196F0-9A72-F2E9-7986-464AABF0BF9C}"/>
-          </ac:grpSpMkLst>
-        </pc:grpChg>
-        <pc:grpChg chg="add del mod">
-          <ac:chgData name="Sanchez, Andrea Cecilia (Alliance Bioversity-CIAT)" userId="1c01d433-d123-45b5-bcb7-0c97fcfb82b9" providerId="ADAL" clId="{7E6D7EA0-E91C-4B4D-90B9-52E5DAB34D7B}" dt="2025-08-06T15:06:56.228" v="651" actId="165"/>
-          <ac:grpSpMkLst>
-            <pc:docMk/>
-            <pc:sldMk cId="1893782827" sldId="261"/>
-            <ac:grpSpMk id="36" creationId="{5881BAEB-80CF-FAC5-F9B5-29AD8F35905B}"/>
-          </ac:grpSpMkLst>
-        </pc:grpChg>
-        <pc:grpChg chg="add del mod">
-          <ac:chgData name="Sanchez, Andrea Cecilia (Alliance Bioversity-CIAT)" userId="1c01d433-d123-45b5-bcb7-0c97fcfb82b9" providerId="ADAL" clId="{7E6D7EA0-E91C-4B4D-90B9-52E5DAB34D7B}" dt="2025-08-06T15:08:40.328" v="677" actId="165"/>
-          <ac:grpSpMkLst>
-            <pc:docMk/>
-            <pc:sldMk cId="1893782827" sldId="261"/>
-            <ac:grpSpMk id="37" creationId="{1FA01580-81B4-DF46-66B9-FDB32D2923F4}"/>
           </ac:grpSpMkLst>
         </pc:grpChg>
         <pc:cxnChg chg="mod topLvl">
@@ -17436,8 +17652,8 @@
         </p:nvSpPr>
         <p:spPr>
           <a:xfrm>
-            <a:off x="967554" y="4643745"/>
-            <a:ext cx="14651389" cy="1861706"/>
+            <a:off x="3680008" y="4100235"/>
+            <a:ext cx="4050206" cy="1471526"/>
           </a:xfrm>
           <a:prstGeom prst="rect">
             <a:avLst/>
@@ -17482,8 +17698,8 @@
         </p:nvSpPr>
         <p:spPr>
           <a:xfrm>
-            <a:off x="97564" y="224590"/>
-            <a:ext cx="738404" cy="4022929"/>
+            <a:off x="567464" y="249992"/>
+            <a:ext cx="738404" cy="3484678"/>
           </a:xfrm>
           <a:prstGeom prst="roundRect">
             <a:avLst>
@@ -17527,8 +17743,8 @@
         </p:nvSpPr>
         <p:spPr>
           <a:xfrm rot="16200000">
-            <a:off x="-1441104" y="1905201"/>
-            <a:ext cx="3764661" cy="344680"/>
+            <a:off x="-754470" y="1713868"/>
+            <a:ext cx="3331194" cy="344680"/>
           </a:xfrm>
           <a:prstGeom prst="rect">
             <a:avLst/>
@@ -17569,85 +17785,116 @@
           </a:p>
         </p:txBody>
       </p:sp>
-      <p:sp>
-        <p:nvSpPr>
-          <p:cNvPr id="96" name="Google Shape;96;p13">
+      <p:grpSp>
+        <p:nvGrpSpPr>
+          <p:cNvPr id="43" name="Group 42">
             <a:extLst>
               <a:ext uri="{FF2B5EF4-FFF2-40B4-BE49-F238E27FC236}">
-                <a16:creationId xmlns:a16="http://schemas.microsoft.com/office/drawing/2014/main" id="{68F49987-1DC5-001B-5D69-8BCE28EE0D31}"/>
+                <a16:creationId xmlns:a16="http://schemas.microsoft.com/office/drawing/2014/main" id="{7A7A2AB1-3192-3CB7-E2B5-7A6283B2E3FF}"/>
               </a:ext>
             </a:extLst>
           </p:cNvPr>
-          <p:cNvSpPr/>
+          <p:cNvGrpSpPr/>
           <p:nvPr/>
-        </p:nvSpPr>
-        <p:spPr>
+        </p:nvGrpSpPr>
+        <p:grpSpPr>
           <a:xfrm>
-            <a:off x="97564" y="4643744"/>
-            <a:ext cx="738404" cy="1861706"/>
+            <a:off x="541924" y="3765920"/>
+            <a:ext cx="738404" cy="1956027"/>
+            <a:chOff x="567464" y="4606352"/>
+            <a:chExt cx="738404" cy="1956027"/>
           </a:xfrm>
-          <a:prstGeom prst="roundRect">
-            <a:avLst>
-              <a:gd name="adj" fmla="val 16667"/>
-            </a:avLst>
-          </a:prstGeom>
-          <a:solidFill>
-            <a:schemeClr val="accent1"/>
-          </a:solidFill>
-          <a:ln w="12700" cap="flat" cmpd="sng">
+        </p:grpSpPr>
+        <p:sp>
+          <p:nvSpPr>
+            <p:cNvPr id="96" name="Google Shape;96;p13">
+              <a:extLst>
+                <a:ext uri="{FF2B5EF4-FFF2-40B4-BE49-F238E27FC236}">
+                  <a16:creationId xmlns:a16="http://schemas.microsoft.com/office/drawing/2014/main" id="{68F49987-1DC5-001B-5D69-8BCE28EE0D31}"/>
+                </a:ext>
+              </a:extLst>
+            </p:cNvPr>
+            <p:cNvSpPr/>
+            <p:nvPr/>
+          </p:nvSpPr>
+          <p:spPr>
+            <a:xfrm>
+              <a:off x="567464" y="4669144"/>
+              <a:ext cx="738404" cy="1861706"/>
+            </a:xfrm>
+            <a:prstGeom prst="roundRect">
+              <a:avLst>
+                <a:gd name="adj" fmla="val 16667"/>
+              </a:avLst>
+            </a:prstGeom>
             <a:solidFill>
-              <a:srgbClr val="31538F"/>
+              <a:schemeClr val="accent1"/>
             </a:solidFill>
-            <a:prstDash val="solid"/>
-            <a:miter lim="800000"/>
-            <a:headEnd type="none" w="sm" len="sm"/>
-            <a:tailEnd type="none" w="sm" len="sm"/>
-          </a:ln>
-        </p:spPr>
-        <p:txBody>
-          <a:bodyPr spcFirstLastPara="1" wrap="square" lIns="91425" tIns="91425" rIns="91425" bIns="91425" anchor="ctr" anchorCtr="0">
-            <a:noAutofit/>
-          </a:bodyPr>
-          <a:lstStyle/>
-          <a:p>
-            <a:endParaRPr/>
-          </a:p>
-        </p:txBody>
-      </p:sp>
-      <p:sp>
-        <p:nvSpPr>
-          <p:cNvPr id="97" name="Google Shape;97;p13">
-            <a:extLst>
-              <a:ext uri="{FF2B5EF4-FFF2-40B4-BE49-F238E27FC236}">
-                <a16:creationId xmlns:a16="http://schemas.microsoft.com/office/drawing/2014/main" id="{936E15ED-E1BC-C783-FC1D-ECA59C3CF120}"/>
-              </a:ext>
-            </a:extLst>
-          </p:cNvPr>
-          <p:cNvSpPr txBox="1"/>
-          <p:nvPr/>
-        </p:nvSpPr>
-        <p:spPr>
-          <a:xfrm rot="-5400000">
-            <a:off x="-513178" y="5300008"/>
-            <a:ext cx="1956027" cy="517916"/>
-          </a:xfrm>
-          <a:prstGeom prst="rect">
-            <a:avLst/>
-          </a:prstGeom>
-          <a:noFill/>
-          <a:ln>
+            <a:ln w="12700" cap="flat" cmpd="sng">
+              <a:solidFill>
+                <a:srgbClr val="31538F"/>
+              </a:solidFill>
+              <a:prstDash val="solid"/>
+              <a:miter lim="800000"/>
+              <a:headEnd type="none" w="sm" len="sm"/>
+              <a:tailEnd type="none" w="sm" len="sm"/>
+            </a:ln>
+          </p:spPr>
+          <p:txBody>
+            <a:bodyPr spcFirstLastPara="1" wrap="square" lIns="91425" tIns="91425" rIns="91425" bIns="91425" anchor="ctr" anchorCtr="0">
+              <a:noAutofit/>
+            </a:bodyPr>
+            <a:lstStyle/>
+            <a:p>
+              <a:endParaRPr/>
+            </a:p>
+          </p:txBody>
+        </p:sp>
+        <p:sp>
+          <p:nvSpPr>
+            <p:cNvPr id="97" name="Google Shape;97;p13">
+              <a:extLst>
+                <a:ext uri="{FF2B5EF4-FFF2-40B4-BE49-F238E27FC236}">
+                  <a16:creationId xmlns:a16="http://schemas.microsoft.com/office/drawing/2014/main" id="{936E15ED-E1BC-C783-FC1D-ECA59C3CF120}"/>
+                </a:ext>
+              </a:extLst>
+            </p:cNvPr>
+            <p:cNvSpPr txBox="1"/>
+            <p:nvPr/>
+          </p:nvSpPr>
+          <p:spPr>
+            <a:xfrm rot="-5400000">
+              <a:off x="-43278" y="5325408"/>
+              <a:ext cx="1956027" cy="517916"/>
+            </a:xfrm>
+            <a:prstGeom prst="rect">
+              <a:avLst/>
+            </a:prstGeom>
             <a:noFill/>
-          </a:ln>
-        </p:spPr>
-        <p:txBody>
-          <a:bodyPr spcFirstLastPara="1" wrap="square" lIns="91425" tIns="45700" rIns="91425" bIns="45700" anchor="ctr" anchorCtr="0">
-            <a:noAutofit/>
-          </a:bodyPr>
-          <a:lstStyle/>
-          <a:p>
-            <a:pPr algn="ctr"/>
-            <a:r>
-              <a:rPr lang="en-GB" sz="1600" b="1" dirty="0">
+            <a:ln>
+              <a:noFill/>
+            </a:ln>
+          </p:spPr>
+          <p:txBody>
+            <a:bodyPr spcFirstLastPara="1" wrap="square" lIns="91425" tIns="45700" rIns="91425" bIns="45700" anchor="ctr" anchorCtr="0">
+              <a:noAutofit/>
+            </a:bodyPr>
+            <a:lstStyle/>
+            <a:p>
+              <a:pPr algn="ctr"/>
+              <a:r>
+                <a:rPr lang="en-GB" sz="1600" b="1" dirty="0">
+                  <a:solidFill>
+                    <a:schemeClr val="lt1"/>
+                  </a:solidFill>
+                  <a:latin typeface="Calibri"/>
+                  <a:ea typeface="Calibri"/>
+                  <a:cs typeface="Calibri"/>
+                  <a:sym typeface="Calibri"/>
+                </a:rPr>
+                <a:t>Calculation  and extraction of factors</a:t>
+              </a:r>
+              <a:endParaRPr sz="1600" b="1" dirty="0">
                 <a:solidFill>
                   <a:schemeClr val="lt1"/>
                 </a:solidFill>
@@ -17655,21 +17902,11 @@
                 <a:ea typeface="Calibri"/>
                 <a:cs typeface="Calibri"/>
                 <a:sym typeface="Calibri"/>
-              </a:rPr>
-              <a:t>Calculation  and extraction of factors</a:t>
-            </a:r>
-            <a:endParaRPr sz="1600" b="1" dirty="0">
-              <a:solidFill>
-                <a:schemeClr val="lt1"/>
-              </a:solidFill>
-              <a:latin typeface="Calibri"/>
-              <a:ea typeface="Calibri"/>
-              <a:cs typeface="Calibri"/>
-              <a:sym typeface="Calibri"/>
-            </a:endParaRPr>
-          </a:p>
-        </p:txBody>
-      </p:sp>
+              </a:endParaRPr>
+            </a:p>
+          </p:txBody>
+        </p:sp>
+      </p:grpSp>
       <p:sp>
         <p:nvSpPr>
           <p:cNvPr id="93" name="Google Shape;93;p13">
@@ -17684,7 +17921,7 @@
         </p:nvSpPr>
         <p:spPr>
           <a:xfrm>
-            <a:off x="2303724" y="271325"/>
+            <a:off x="1477190" y="220610"/>
             <a:ext cx="3072467" cy="864000"/>
           </a:xfrm>
           <a:prstGeom prst="rect">
@@ -17752,8 +17989,8 @@
         </p:nvSpPr>
         <p:spPr>
           <a:xfrm>
-            <a:off x="1103125" y="3526404"/>
-            <a:ext cx="2114847" cy="959690"/>
+            <a:off x="4277062" y="2984993"/>
+            <a:ext cx="2863236" cy="763743"/>
           </a:xfrm>
           <a:prstGeom prst="rect">
             <a:avLst/>
@@ -17821,8 +18058,8 @@
         </p:nvSpPr>
         <p:spPr>
           <a:xfrm>
-            <a:off x="1103125" y="2782698"/>
-            <a:ext cx="2114854" cy="539350"/>
+            <a:off x="4647684" y="2359509"/>
+            <a:ext cx="2114854" cy="416382"/>
           </a:xfrm>
           <a:prstGeom prst="rect">
             <a:avLst/>
@@ -17857,7 +18094,7 @@
                 <a:cs typeface="Calibri"/>
                 <a:sym typeface="Calibri"/>
               </a:rPr>
-              <a:t>A) Ucayali (Peru)</a:t>
+              <a:t>Ucayali (Peru)</a:t>
             </a:r>
             <a:endParaRPr sz="2000" b="1" dirty="0">
               <a:solidFill>
@@ -17882,131 +18119,13 @@
           </p:cNvPr>
           <p:cNvCxnSpPr>
             <a:cxnSpLocks/>
-            <a:stCxn id="95" idx="2"/>
-            <a:endCxn id="100" idx="0"/>
-          </p:cNvCxnSpPr>
-          <p:nvPr/>
-        </p:nvCxnSpPr>
-        <p:spPr>
-          <a:xfrm flipH="1">
-            <a:off x="2149108" y="4486094"/>
-            <a:ext cx="11441" cy="1275175"/>
-          </a:xfrm>
-          <a:prstGeom prst="straightConnector1">
-            <a:avLst/>
-          </a:prstGeom>
-          <a:noFill/>
-          <a:ln w="9525" cap="flat" cmpd="sng">
-            <a:solidFill>
-              <a:schemeClr val="accent1"/>
-            </a:solidFill>
-            <a:prstDash val="solid"/>
-            <a:miter lim="800000"/>
-            <a:headEnd type="none" w="sm" len="sm"/>
-            <a:tailEnd type="triangle" w="med" len="med"/>
-          </a:ln>
-        </p:spPr>
-      </p:cxnSp>
-      <p:sp>
-        <p:nvSpPr>
-          <p:cNvPr id="57" name="Google Shape;95;p13">
-            <a:extLst>
-              <a:ext uri="{FF2B5EF4-FFF2-40B4-BE49-F238E27FC236}">
-                <a16:creationId xmlns:a16="http://schemas.microsoft.com/office/drawing/2014/main" id="{C95366BC-9375-C339-70C7-D762FAA478A5}"/>
-              </a:ext>
-            </a:extLst>
-          </p:cNvPr>
-          <p:cNvSpPr/>
-          <p:nvPr/>
-        </p:nvSpPr>
-        <p:spPr>
-          <a:xfrm>
-            <a:off x="8291831" y="2918750"/>
-            <a:ext cx="1872000" cy="942110"/>
-          </a:xfrm>
-          <a:prstGeom prst="rect">
-            <a:avLst/>
-          </a:prstGeom>
-          <a:noFill/>
-          <a:ln w="12700" cap="flat" cmpd="sng">
-            <a:solidFill>
-              <a:srgbClr val="31538F"/>
-            </a:solidFill>
-            <a:prstDash val="solid"/>
-            <a:miter lim="800000"/>
-            <a:headEnd type="none" w="sm" len="sm"/>
-            <a:tailEnd type="none" w="sm" len="sm"/>
-          </a:ln>
-        </p:spPr>
-        <p:txBody>
-          <a:bodyPr spcFirstLastPara="1" wrap="square" lIns="91425" tIns="45700" rIns="91425" bIns="45700" anchor="ctr" anchorCtr="0">
-            <a:noAutofit/>
-          </a:bodyPr>
-          <a:lstStyle/>
-          <a:p>
-            <a:pPr algn="ctr"/>
-            <a:r>
-              <a:rPr lang="en-GB" sz="1500" dirty="0">
-                <a:solidFill>
-                  <a:schemeClr val="dk1"/>
-                </a:solidFill>
-                <a:highlight>
-                  <a:srgbClr val="FFFF00"/>
-                </a:highlight>
-                <a:latin typeface="Calibri" panose="020F0502020204030204" pitchFamily="34" charset="0"/>
-                <a:ea typeface="Calibri"/>
-                <a:cs typeface="Calibri" panose="020F0502020204030204" pitchFamily="34" charset="0"/>
-                <a:sym typeface="Calibri"/>
-              </a:rPr>
-              <a:t>Unique records</a:t>
-            </a:r>
-            <a:endParaRPr lang="en-GB" sz="1500" dirty="0">
-              <a:highlight>
-                <a:srgbClr val="FFFF00"/>
-              </a:highlight>
-              <a:latin typeface="Calibri" panose="020F0502020204030204" pitchFamily="34" charset="0"/>
-              <a:cs typeface="Calibri" panose="020F0502020204030204" pitchFamily="34" charset="0"/>
-            </a:endParaRPr>
-          </a:p>
-          <a:p>
-            <a:pPr algn="ctr"/>
-            <a:r>
-              <a:rPr lang="en-GB" sz="1500" dirty="0">
-                <a:solidFill>
-                  <a:schemeClr val="dk1"/>
-                </a:solidFill>
-                <a:highlight>
-                  <a:srgbClr val="FFFF00"/>
-                </a:highlight>
-                <a:latin typeface="Calibri" panose="020F0502020204030204" pitchFamily="34" charset="0"/>
-                <a:ea typeface="Calibri"/>
-                <a:cs typeface="Calibri" panose="020F0502020204030204" pitchFamily="34" charset="0"/>
-                <a:sym typeface="Calibri"/>
-              </a:rPr>
-              <a:t>(n = 1,307)</a:t>
-            </a:r>
-          </a:p>
-        </p:txBody>
-      </p:sp>
-      <p:cxnSp>
-        <p:nvCxnSpPr>
-          <p:cNvPr id="60" name="Google Shape;119;p13">
-            <a:extLst>
-              <a:ext uri="{FF2B5EF4-FFF2-40B4-BE49-F238E27FC236}">
-                <a16:creationId xmlns:a16="http://schemas.microsoft.com/office/drawing/2014/main" id="{D7DD4074-F842-AAC5-A16C-FB0D7237042C}"/>
-              </a:ext>
-            </a:extLst>
-          </p:cNvPr>
-          <p:cNvCxnSpPr>
-            <a:cxnSpLocks/>
-            <a:stCxn id="57" idx="2"/>
           </p:cNvCxnSpPr>
           <p:nvPr/>
         </p:nvCxnSpPr>
         <p:spPr>
           <a:xfrm>
-            <a:off x="9227831" y="3860860"/>
-            <a:ext cx="13649" cy="1923960"/>
+            <a:off x="5705111" y="4390926"/>
+            <a:ext cx="0" cy="187908"/>
           </a:xfrm>
           <a:prstGeom prst="straightConnector1">
             <a:avLst/>
@@ -18037,7 +18156,7 @@
         </p:nvSpPr>
         <p:spPr>
           <a:xfrm>
-            <a:off x="8373978" y="271325"/>
+            <a:off x="6630661" y="245693"/>
             <a:ext cx="2326106" cy="864000"/>
           </a:xfrm>
           <a:prstGeom prst="rect">
@@ -18104,467 +18223,6 @@
       </p:sp>
       <p:cxnSp>
         <p:nvCxnSpPr>
-          <p:cNvPr id="49" name="Google Shape;119;p13">
-            <a:extLst>
-              <a:ext uri="{FF2B5EF4-FFF2-40B4-BE49-F238E27FC236}">
-                <a16:creationId xmlns:a16="http://schemas.microsoft.com/office/drawing/2014/main" id="{8CD0F085-E78C-3143-1BBC-9B43BA088930}"/>
-              </a:ext>
-            </a:extLst>
-          </p:cNvPr>
-          <p:cNvCxnSpPr>
-            <a:cxnSpLocks/>
-            <a:stCxn id="46" idx="2"/>
-          </p:cNvCxnSpPr>
-          <p:nvPr/>
-        </p:nvCxnSpPr>
-        <p:spPr>
-          <a:xfrm flipH="1">
-            <a:off x="5731862" y="3861530"/>
-            <a:ext cx="5" cy="16990"/>
-          </a:xfrm>
-          <a:prstGeom prst="straightConnector1">
-            <a:avLst/>
-          </a:prstGeom>
-          <a:noFill/>
-          <a:ln w="9525" cap="flat" cmpd="sng">
-            <a:solidFill>
-              <a:schemeClr val="accent1"/>
-            </a:solidFill>
-            <a:prstDash val="solid"/>
-            <a:miter lim="800000"/>
-            <a:headEnd type="none" w="sm" len="sm"/>
-            <a:tailEnd type="triangle" w="med" len="med"/>
-          </a:ln>
-        </p:spPr>
-      </p:cxnSp>
-      <p:sp>
-        <p:nvSpPr>
-          <p:cNvPr id="46" name="Google Shape;95;p13">
-            <a:extLst>
-              <a:ext uri="{FF2B5EF4-FFF2-40B4-BE49-F238E27FC236}">
-                <a16:creationId xmlns:a16="http://schemas.microsoft.com/office/drawing/2014/main" id="{63399C7C-3818-A3D3-67A2-138D841B9C4B}"/>
-              </a:ext>
-            </a:extLst>
-          </p:cNvPr>
-          <p:cNvSpPr/>
-          <p:nvPr/>
-        </p:nvSpPr>
-        <p:spPr>
-          <a:xfrm>
-            <a:off x="4795867" y="2919420"/>
-            <a:ext cx="1872000" cy="942110"/>
-          </a:xfrm>
-          <a:prstGeom prst="rect">
-            <a:avLst/>
-          </a:prstGeom>
-          <a:noFill/>
-          <a:ln w="12700" cap="flat" cmpd="sng">
-            <a:solidFill>
-              <a:srgbClr val="31538F"/>
-            </a:solidFill>
-            <a:prstDash val="solid"/>
-            <a:miter lim="800000"/>
-            <a:headEnd type="none" w="sm" len="sm"/>
-            <a:tailEnd type="none" w="sm" len="sm"/>
-          </a:ln>
-        </p:spPr>
-        <p:txBody>
-          <a:bodyPr spcFirstLastPara="1" wrap="square" lIns="91425" tIns="45700" rIns="91425" bIns="45700" anchor="ctr" anchorCtr="0">
-            <a:noAutofit/>
-          </a:bodyPr>
-          <a:lstStyle/>
-          <a:p>
-            <a:pPr algn="ctr"/>
-            <a:r>
-              <a:rPr lang="en-GB" sz="1500" dirty="0">
-                <a:solidFill>
-                  <a:schemeClr val="dk1"/>
-                </a:solidFill>
-                <a:highlight>
-                  <a:srgbClr val="FFFF00"/>
-                </a:highlight>
-                <a:latin typeface="Calibri" panose="020F0502020204030204" pitchFamily="34" charset="0"/>
-                <a:ea typeface="Calibri"/>
-                <a:cs typeface="Calibri" panose="020F0502020204030204" pitchFamily="34" charset="0"/>
-                <a:sym typeface="Calibri"/>
-              </a:rPr>
-              <a:t>Unique records</a:t>
-            </a:r>
-            <a:endParaRPr lang="en-GB" sz="1500" dirty="0">
-              <a:highlight>
-                <a:srgbClr val="FFFF00"/>
-              </a:highlight>
-              <a:latin typeface="Calibri" panose="020F0502020204030204" pitchFamily="34" charset="0"/>
-              <a:cs typeface="Calibri" panose="020F0502020204030204" pitchFamily="34" charset="0"/>
-            </a:endParaRPr>
-          </a:p>
-          <a:p>
-            <a:pPr algn="ctr"/>
-            <a:r>
-              <a:rPr lang="en-GB" sz="1500" dirty="0">
-                <a:solidFill>
-                  <a:schemeClr val="dk1"/>
-                </a:solidFill>
-                <a:highlight>
-                  <a:srgbClr val="FFFF00"/>
-                </a:highlight>
-                <a:latin typeface="Calibri" panose="020F0502020204030204" pitchFamily="34" charset="0"/>
-                <a:ea typeface="Calibri"/>
-                <a:cs typeface="Calibri" panose="020F0502020204030204" pitchFamily="34" charset="0"/>
-                <a:sym typeface="Calibri"/>
-              </a:rPr>
-              <a:t>(n = 6,137)</a:t>
-            </a:r>
-          </a:p>
-        </p:txBody>
-      </p:sp>
-      <p:cxnSp>
-        <p:nvCxnSpPr>
-          <p:cNvPr id="31" name="Google Shape;119;p13">
-            <a:extLst>
-              <a:ext uri="{FF2B5EF4-FFF2-40B4-BE49-F238E27FC236}">
-                <a16:creationId xmlns:a16="http://schemas.microsoft.com/office/drawing/2014/main" id="{8D9966E2-955C-0C25-5485-3FEABBBA31D9}"/>
-              </a:ext>
-            </a:extLst>
-          </p:cNvPr>
-          <p:cNvCxnSpPr>
-            <a:cxnSpLocks/>
-            <a:stCxn id="93" idx="2"/>
-          </p:cNvCxnSpPr>
-          <p:nvPr/>
-        </p:nvCxnSpPr>
-        <p:spPr>
-          <a:xfrm>
-            <a:off x="3839958" y="1135325"/>
-            <a:ext cx="0" cy="306000"/>
-          </a:xfrm>
-          <a:prstGeom prst="straightConnector1">
-            <a:avLst/>
-          </a:prstGeom>
-          <a:noFill/>
-          <a:ln w="9525" cap="flat" cmpd="sng">
-            <a:solidFill>
-              <a:schemeClr val="accent1"/>
-            </a:solidFill>
-            <a:prstDash val="solid"/>
-            <a:miter lim="800000"/>
-            <a:headEnd type="none" w="med" len="med"/>
-            <a:tailEnd type="none" w="med" len="med"/>
-          </a:ln>
-        </p:spPr>
-      </p:cxnSp>
-      <p:cxnSp>
-        <p:nvCxnSpPr>
-          <p:cNvPr id="35" name="Google Shape;119;p13">
-            <a:extLst>
-              <a:ext uri="{FF2B5EF4-FFF2-40B4-BE49-F238E27FC236}">
-                <a16:creationId xmlns:a16="http://schemas.microsoft.com/office/drawing/2014/main" id="{8856706D-0310-1642-BD2F-DC38237F2FA9}"/>
-              </a:ext>
-            </a:extLst>
-          </p:cNvPr>
-          <p:cNvCxnSpPr>
-            <a:cxnSpLocks/>
-            <a:stCxn id="45" idx="2"/>
-          </p:cNvCxnSpPr>
-          <p:nvPr/>
-        </p:nvCxnSpPr>
-        <p:spPr>
-          <a:xfrm flipH="1">
-            <a:off x="9399978" y="1135325"/>
-            <a:ext cx="137053" cy="306000"/>
-          </a:xfrm>
-          <a:prstGeom prst="straightConnector1">
-            <a:avLst/>
-          </a:prstGeom>
-          <a:noFill/>
-          <a:ln w="9525" cap="flat" cmpd="sng">
-            <a:solidFill>
-              <a:schemeClr val="accent1"/>
-            </a:solidFill>
-            <a:prstDash val="solid"/>
-            <a:miter lim="800000"/>
-            <a:headEnd type="none" w="med" len="med"/>
-            <a:tailEnd type="none" w="med" len="med"/>
-          </a:ln>
-        </p:spPr>
-      </p:cxnSp>
-      <p:sp>
-        <p:nvSpPr>
-          <p:cNvPr id="4" name="Google Shape;95;p13">
-            <a:extLst>
-              <a:ext uri="{FF2B5EF4-FFF2-40B4-BE49-F238E27FC236}">
-                <a16:creationId xmlns:a16="http://schemas.microsoft.com/office/drawing/2014/main" id="{22EDA1B2-47FF-67EF-3DE1-AB690489E1A4}"/>
-              </a:ext>
-            </a:extLst>
-          </p:cNvPr>
-          <p:cNvSpPr/>
-          <p:nvPr/>
-        </p:nvSpPr>
-        <p:spPr>
-          <a:xfrm>
-            <a:off x="11766784" y="2716357"/>
-            <a:ext cx="1872000" cy="942110"/>
-          </a:xfrm>
-          <a:prstGeom prst="rect">
-            <a:avLst/>
-          </a:prstGeom>
-          <a:noFill/>
-          <a:ln w="12700" cap="flat" cmpd="sng">
-            <a:solidFill>
-              <a:srgbClr val="31538F"/>
-            </a:solidFill>
-            <a:prstDash val="solid"/>
-            <a:miter lim="800000"/>
-            <a:headEnd type="none" w="sm" len="sm"/>
-            <a:tailEnd type="none" w="sm" len="sm"/>
-          </a:ln>
-        </p:spPr>
-        <p:txBody>
-          <a:bodyPr spcFirstLastPara="1" wrap="square" lIns="91425" tIns="45700" rIns="91425" bIns="45700" anchor="ctr" anchorCtr="0">
-            <a:noAutofit/>
-          </a:bodyPr>
-          <a:lstStyle/>
-          <a:p>
-            <a:pPr algn="ctr"/>
-            <a:r>
-              <a:rPr lang="en-GB" sz="1500" dirty="0">
-                <a:solidFill>
-                  <a:schemeClr val="dk1"/>
-                </a:solidFill>
-                <a:highlight>
-                  <a:srgbClr val="FFFF00"/>
-                </a:highlight>
-                <a:latin typeface="Calibri"/>
-                <a:ea typeface="Calibri"/>
-                <a:cs typeface="Calibri"/>
-                <a:sym typeface="Calibri"/>
-              </a:rPr>
-              <a:t>Unique records</a:t>
-            </a:r>
-            <a:endParaRPr lang="en-GB" sz="1500" dirty="0">
-              <a:highlight>
-                <a:srgbClr val="FFFF00"/>
-              </a:highlight>
-            </a:endParaRPr>
-          </a:p>
-          <a:p>
-            <a:pPr algn="ctr"/>
-            <a:r>
-              <a:rPr lang="en-GB" sz="1500" dirty="0">
-                <a:solidFill>
-                  <a:schemeClr val="dk1"/>
-                </a:solidFill>
-                <a:highlight>
-                  <a:srgbClr val="FFFF00"/>
-                </a:highlight>
-                <a:latin typeface="Calibri"/>
-                <a:ea typeface="Calibri"/>
-                <a:cs typeface="Calibri"/>
-                <a:sym typeface="Calibri"/>
-              </a:rPr>
-              <a:t>(n = 1,901)</a:t>
-            </a:r>
-          </a:p>
-        </p:txBody>
-      </p:sp>
-      <p:sp>
-        <p:nvSpPr>
-          <p:cNvPr id="6" name="Google Shape;100;p13">
-            <a:extLst>
-              <a:ext uri="{FF2B5EF4-FFF2-40B4-BE49-F238E27FC236}">
-                <a16:creationId xmlns:a16="http://schemas.microsoft.com/office/drawing/2014/main" id="{BA14F782-E759-7521-22FD-2BA5B421360D}"/>
-              </a:ext>
-            </a:extLst>
-          </p:cNvPr>
-          <p:cNvSpPr/>
-          <p:nvPr/>
-        </p:nvSpPr>
-        <p:spPr>
-          <a:xfrm>
-            <a:off x="11762622" y="6637411"/>
-            <a:ext cx="1872001" cy="942110"/>
-          </a:xfrm>
-          <a:prstGeom prst="rect">
-            <a:avLst/>
-          </a:prstGeom>
-          <a:noFill/>
-          <a:ln w="12700" cap="flat" cmpd="sng">
-            <a:solidFill>
-              <a:srgbClr val="31538F"/>
-            </a:solidFill>
-            <a:prstDash val="solid"/>
-            <a:miter lim="800000"/>
-            <a:headEnd type="none" w="sm" len="sm"/>
-            <a:tailEnd type="none" w="sm" len="sm"/>
-          </a:ln>
-        </p:spPr>
-        <p:txBody>
-          <a:bodyPr spcFirstLastPara="1" wrap="square" lIns="91425" tIns="45700" rIns="91425" bIns="45700" anchor="ctr" anchorCtr="0">
-            <a:noAutofit/>
-          </a:bodyPr>
-          <a:lstStyle/>
-          <a:p>
-            <a:pPr algn="ctr"/>
-            <a:r>
-              <a:rPr lang="en-GB" sz="1500" dirty="0">
-                <a:solidFill>
-                  <a:schemeClr val="dk1"/>
-                </a:solidFill>
-                <a:highlight>
-                  <a:srgbClr val="FFFF00"/>
-                </a:highlight>
-                <a:latin typeface="Calibri"/>
-                <a:ea typeface="Calibri"/>
-                <a:cs typeface="Calibri"/>
-                <a:sym typeface="Calibri"/>
-              </a:rPr>
-              <a:t>Studies screened at full text</a:t>
-            </a:r>
-            <a:endParaRPr sz="1500" dirty="0">
-              <a:highlight>
-                <a:srgbClr val="FFFF00"/>
-              </a:highlight>
-            </a:endParaRPr>
-          </a:p>
-          <a:p>
-            <a:pPr algn="ctr"/>
-            <a:r>
-              <a:rPr lang="en-GB" sz="1500" dirty="0">
-                <a:solidFill>
-                  <a:schemeClr val="dk1"/>
-                </a:solidFill>
-                <a:highlight>
-                  <a:srgbClr val="FFFF00"/>
-                </a:highlight>
-                <a:latin typeface="Calibri"/>
-                <a:ea typeface="Calibri"/>
-                <a:cs typeface="Calibri"/>
-                <a:sym typeface="Calibri"/>
-              </a:rPr>
-              <a:t>(n = 252)</a:t>
-            </a:r>
-            <a:endParaRPr sz="1500" dirty="0">
-              <a:solidFill>
-                <a:schemeClr val="dk1"/>
-              </a:solidFill>
-              <a:highlight>
-                <a:srgbClr val="FFFF00"/>
-              </a:highlight>
-              <a:latin typeface="Calibri"/>
-              <a:ea typeface="Calibri"/>
-              <a:cs typeface="Calibri"/>
-              <a:sym typeface="Calibri"/>
-            </a:endParaRPr>
-          </a:p>
-        </p:txBody>
-      </p:sp>
-      <p:cxnSp>
-        <p:nvCxnSpPr>
-          <p:cNvPr id="8" name="Google Shape;117;p13">
-            <a:extLst>
-              <a:ext uri="{FF2B5EF4-FFF2-40B4-BE49-F238E27FC236}">
-                <a16:creationId xmlns:a16="http://schemas.microsoft.com/office/drawing/2014/main" id="{B78F8812-1EBB-ED62-B283-45422A27BA5D}"/>
-              </a:ext>
-            </a:extLst>
-          </p:cNvPr>
-          <p:cNvCxnSpPr>
-            <a:cxnSpLocks/>
-            <a:stCxn id="6" idx="3"/>
-          </p:cNvCxnSpPr>
-          <p:nvPr/>
-        </p:nvCxnSpPr>
-        <p:spPr>
-          <a:xfrm flipV="1">
-            <a:off x="13634623" y="7101914"/>
-            <a:ext cx="226933" cy="6552"/>
-          </a:xfrm>
-          <a:prstGeom prst="straightConnector1">
-            <a:avLst/>
-          </a:prstGeom>
-          <a:noFill/>
-          <a:ln w="9525" cap="flat" cmpd="sng">
-            <a:solidFill>
-              <a:schemeClr val="accent1"/>
-            </a:solidFill>
-            <a:prstDash val="solid"/>
-            <a:miter lim="800000"/>
-            <a:headEnd type="none" w="sm" len="sm"/>
-            <a:tailEnd type="triangle" w="med" len="med"/>
-          </a:ln>
-        </p:spPr>
-      </p:cxnSp>
-      <p:cxnSp>
-        <p:nvCxnSpPr>
-          <p:cNvPr id="9" name="Google Shape;119;p13">
-            <a:extLst>
-              <a:ext uri="{FF2B5EF4-FFF2-40B4-BE49-F238E27FC236}">
-                <a16:creationId xmlns:a16="http://schemas.microsoft.com/office/drawing/2014/main" id="{C48AC772-73BD-39F0-621B-89740932039B}"/>
-              </a:ext>
-            </a:extLst>
-          </p:cNvPr>
-          <p:cNvCxnSpPr>
-            <a:cxnSpLocks/>
-            <a:stCxn id="4" idx="2"/>
-          </p:cNvCxnSpPr>
-          <p:nvPr/>
-        </p:nvCxnSpPr>
-        <p:spPr>
-          <a:xfrm flipH="1">
-            <a:off x="12701167" y="3658467"/>
-            <a:ext cx="1617" cy="172636"/>
-          </a:xfrm>
-          <a:prstGeom prst="straightConnector1">
-            <a:avLst/>
-          </a:prstGeom>
-          <a:noFill/>
-          <a:ln w="9525" cap="flat" cmpd="sng">
-            <a:solidFill>
-              <a:schemeClr val="accent1"/>
-            </a:solidFill>
-            <a:prstDash val="solid"/>
-            <a:miter lim="800000"/>
-            <a:headEnd type="none" w="sm" len="sm"/>
-            <a:tailEnd type="triangle" w="med" len="med"/>
-          </a:ln>
-        </p:spPr>
-      </p:cxnSp>
-      <p:cxnSp>
-        <p:nvCxnSpPr>
-          <p:cNvPr id="10" name="Google Shape;120;p13">
-            <a:extLst>
-              <a:ext uri="{FF2B5EF4-FFF2-40B4-BE49-F238E27FC236}">
-                <a16:creationId xmlns:a16="http://schemas.microsoft.com/office/drawing/2014/main" id="{C74FE84A-4A93-776A-E21B-5516FEB99723}"/>
-              </a:ext>
-            </a:extLst>
-          </p:cNvPr>
-          <p:cNvCxnSpPr>
-            <a:cxnSpLocks/>
-            <a:endCxn id="6" idx="0"/>
-          </p:cNvCxnSpPr>
-          <p:nvPr/>
-        </p:nvCxnSpPr>
-        <p:spPr>
-          <a:xfrm flipH="1">
-            <a:off x="12698623" y="6183417"/>
-            <a:ext cx="2544" cy="453994"/>
-          </a:xfrm>
-          <a:prstGeom prst="straightConnector1">
-            <a:avLst/>
-          </a:prstGeom>
-          <a:noFill/>
-          <a:ln w="9525" cap="flat" cmpd="sng">
-            <a:solidFill>
-              <a:schemeClr val="accent1"/>
-            </a:solidFill>
-            <a:prstDash val="solid"/>
-            <a:miter lim="800000"/>
-            <a:headEnd type="none" w="sm" len="sm"/>
-            <a:tailEnd type="triangle" w="med" len="med"/>
-          </a:ln>
-        </p:spPr>
-      </p:cxnSp>
-      <p:cxnSp>
-        <p:nvCxnSpPr>
           <p:cNvPr id="41" name="Straight Arrow Connector 40">
             <a:extLst>
               <a:ext uri="{FF2B5EF4-FFF2-40B4-BE49-F238E27FC236}">
@@ -18581,50 +18239,8 @@
         </p:nvCxnSpPr>
         <p:spPr>
           <a:xfrm>
-            <a:off x="2149108" y="6324249"/>
-            <a:ext cx="0" cy="549676"/>
-          </a:xfrm>
-          <a:prstGeom prst="straightConnector1">
-            <a:avLst/>
-          </a:prstGeom>
-          <a:ln>
-            <a:tailEnd type="triangle"/>
-          </a:ln>
-        </p:spPr>
-        <p:style>
-          <a:lnRef idx="1">
-            <a:schemeClr val="accent1"/>
-          </a:lnRef>
-          <a:fillRef idx="0">
-            <a:schemeClr val="accent1"/>
-          </a:fillRef>
-          <a:effectRef idx="0">
-            <a:schemeClr val="accent1"/>
-          </a:effectRef>
-          <a:fontRef idx="minor">
-            <a:schemeClr val="tx1"/>
-          </a:fontRef>
-        </p:style>
-      </p:cxnSp>
-      <p:cxnSp>
-        <p:nvCxnSpPr>
-          <p:cNvPr id="66" name="Straight Arrow Connector 65">
-            <a:extLst>
-              <a:ext uri="{FF2B5EF4-FFF2-40B4-BE49-F238E27FC236}">
-                <a16:creationId xmlns:a16="http://schemas.microsoft.com/office/drawing/2014/main" id="{76E660FB-7329-DB9E-E688-CA7D5A2E3610}"/>
-              </a:ext>
-            </a:extLst>
-          </p:cNvPr>
-          <p:cNvCxnSpPr>
-            <a:cxnSpLocks/>
-            <a:stCxn id="4" idx="3"/>
-          </p:cNvCxnSpPr>
-          <p:nvPr/>
-        </p:nvCxnSpPr>
-        <p:spPr>
-          <a:xfrm flipV="1">
-            <a:off x="13638784" y="3181025"/>
-            <a:ext cx="389029" cy="6387"/>
+            <a:off x="5705111" y="5175513"/>
+            <a:ext cx="3569" cy="578141"/>
           </a:xfrm>
           <a:prstGeom prst="straightConnector1">
             <a:avLst/>
@@ -18650,157 +18266,6 @@
       </p:cxnSp>
       <p:sp>
         <p:nvSpPr>
-          <p:cNvPr id="67" name="Google Shape;95;p13">
-            <a:extLst>
-              <a:ext uri="{FF2B5EF4-FFF2-40B4-BE49-F238E27FC236}">
-                <a16:creationId xmlns:a16="http://schemas.microsoft.com/office/drawing/2014/main" id="{0235C781-8D44-812B-6A43-1C4D095F67F0}"/>
-              </a:ext>
-            </a:extLst>
-          </p:cNvPr>
-          <p:cNvSpPr/>
-          <p:nvPr/>
-        </p:nvSpPr>
-        <p:spPr>
-          <a:xfrm>
-            <a:off x="14027813" y="2548606"/>
-            <a:ext cx="1305333" cy="942110"/>
-          </a:xfrm>
-          <a:prstGeom prst="rect">
-            <a:avLst/>
-          </a:prstGeom>
-          <a:solidFill>
-            <a:schemeClr val="accent1"/>
-          </a:solidFill>
-          <a:ln w="12700" cap="flat" cmpd="sng">
-            <a:solidFill>
-              <a:schemeClr val="accent1"/>
-            </a:solidFill>
-            <a:prstDash val="solid"/>
-            <a:miter lim="800000"/>
-            <a:headEnd type="none" w="sm" len="sm"/>
-            <a:tailEnd type="none" w="sm" len="sm"/>
-          </a:ln>
-        </p:spPr>
-        <p:txBody>
-          <a:bodyPr spcFirstLastPara="1" wrap="square" lIns="91425" tIns="45700" rIns="91425" bIns="45700" anchor="ctr" anchorCtr="0">
-            <a:noAutofit/>
-          </a:bodyPr>
-          <a:lstStyle/>
-          <a:p>
-            <a:pPr algn="ctr"/>
-            <a:r>
-              <a:rPr lang="en-GB" sz="1500" b="1" dirty="0">
-                <a:solidFill>
-                  <a:schemeClr val="bg1"/>
-                </a:solidFill>
-                <a:latin typeface="Calibri"/>
-                <a:ea typeface="Calibri"/>
-                <a:cs typeface="Calibri"/>
-                <a:sym typeface="Calibri"/>
-              </a:rPr>
-              <a:t>Total unique factors</a:t>
-            </a:r>
-            <a:endParaRPr lang="en-GB" sz="1500" b="1" dirty="0">
-              <a:solidFill>
-                <a:schemeClr val="bg1"/>
-              </a:solidFill>
-            </a:endParaRPr>
-          </a:p>
-          <a:p>
-            <a:pPr algn="ctr"/>
-            <a:r>
-              <a:rPr lang="en-GB" sz="1500" b="1" dirty="0">
-                <a:solidFill>
-                  <a:schemeClr val="bg1"/>
-                </a:solidFill>
-                <a:highlight>
-                  <a:srgbClr val="FFFF00"/>
-                </a:highlight>
-                <a:latin typeface="Calibri"/>
-                <a:ea typeface="Calibri"/>
-                <a:cs typeface="Calibri"/>
-                <a:sym typeface="Calibri"/>
-              </a:rPr>
-              <a:t>(n = 12,945)</a:t>
-            </a:r>
-          </a:p>
-        </p:txBody>
-      </p:sp>
-      <p:cxnSp>
-        <p:nvCxnSpPr>
-          <p:cNvPr id="27" name="Straight Connector 26">
-            <a:extLst>
-              <a:ext uri="{FF2B5EF4-FFF2-40B4-BE49-F238E27FC236}">
-                <a16:creationId xmlns:a16="http://schemas.microsoft.com/office/drawing/2014/main" id="{C939D3DD-A304-14CA-A3E9-74A898DD2E0F}"/>
-              </a:ext>
-            </a:extLst>
-          </p:cNvPr>
-          <p:cNvCxnSpPr>
-            <a:cxnSpLocks/>
-          </p:cNvCxnSpPr>
-          <p:nvPr/>
-        </p:nvCxnSpPr>
-        <p:spPr>
-          <a:xfrm flipV="1">
-            <a:off x="3839957" y="1440061"/>
-            <a:ext cx="5560021" cy="9755"/>
-          </a:xfrm>
-          <a:prstGeom prst="line">
-            <a:avLst/>
-          </a:prstGeom>
-        </p:spPr>
-        <p:style>
-          <a:lnRef idx="1">
-            <a:schemeClr val="accent1"/>
-          </a:lnRef>
-          <a:fillRef idx="0">
-            <a:schemeClr val="accent1"/>
-          </a:fillRef>
-          <a:effectRef idx="0">
-            <a:schemeClr val="accent1"/>
-          </a:effectRef>
-          <a:fontRef idx="minor">
-            <a:schemeClr val="tx1"/>
-          </a:fontRef>
-        </p:style>
-      </p:cxnSp>
-      <p:cxnSp>
-        <p:nvCxnSpPr>
-          <p:cNvPr id="48" name="Google Shape;119;p13">
-            <a:extLst>
-              <a:ext uri="{FF2B5EF4-FFF2-40B4-BE49-F238E27FC236}">
-                <a16:creationId xmlns:a16="http://schemas.microsoft.com/office/drawing/2014/main" id="{EADA50D9-4629-AB59-2C93-0071C0429254}"/>
-              </a:ext>
-            </a:extLst>
-          </p:cNvPr>
-          <p:cNvCxnSpPr>
-            <a:cxnSpLocks/>
-            <a:endCxn id="23" idx="0"/>
-          </p:cNvCxnSpPr>
-          <p:nvPr/>
-        </p:nvCxnSpPr>
-        <p:spPr>
-          <a:xfrm flipH="1">
-            <a:off x="6722194" y="1449816"/>
-            <a:ext cx="9210" cy="295442"/>
-          </a:xfrm>
-          <a:prstGeom prst="straightConnector1">
-            <a:avLst/>
-          </a:prstGeom>
-          <a:noFill/>
-          <a:ln w="9525" cap="flat" cmpd="sng">
-            <a:solidFill>
-              <a:schemeClr val="accent1"/>
-            </a:solidFill>
-            <a:prstDash val="solid"/>
-            <a:miter lim="800000"/>
-            <a:headEnd type="none" w="med" len="med"/>
-            <a:tailEnd type="none" w="med" len="med"/>
-          </a:ln>
-        </p:spPr>
-      </p:cxnSp>
-      <p:sp>
-        <p:nvSpPr>
           <p:cNvPr id="88" name="Google Shape;95;p13">
             <a:extLst>
               <a:ext uri="{FF2B5EF4-FFF2-40B4-BE49-F238E27FC236}">
@@ -18813,7 +18278,7 @@
         </p:nvSpPr>
         <p:spPr>
           <a:xfrm>
-            <a:off x="5655537" y="307325"/>
+            <a:off x="4834426" y="245693"/>
             <a:ext cx="1531325" cy="792000"/>
           </a:xfrm>
           <a:prstGeom prst="rect">
@@ -18907,9 +18372,9 @@
           <p:nvPr/>
         </p:nvCxnSpPr>
         <p:spPr>
-          <a:xfrm>
-            <a:off x="5376191" y="703325"/>
-            <a:ext cx="279346" cy="0"/>
+          <a:xfrm flipV="1">
+            <a:off x="4549657" y="641693"/>
+            <a:ext cx="284769" cy="10917"/>
           </a:xfrm>
           <a:prstGeom prst="straightConnector1">
             <a:avLst/>
@@ -18933,216 +18398,6 @@
           </a:fontRef>
         </p:style>
       </p:cxnSp>
-      <p:cxnSp>
-        <p:nvCxnSpPr>
-          <p:cNvPr id="121" name="Straight Connector 120">
-            <a:extLst>
-              <a:ext uri="{FF2B5EF4-FFF2-40B4-BE49-F238E27FC236}">
-                <a16:creationId xmlns:a16="http://schemas.microsoft.com/office/drawing/2014/main" id="{F51D35E8-5807-962A-829D-73F37DB66A3A}"/>
-              </a:ext>
-            </a:extLst>
-          </p:cNvPr>
-          <p:cNvCxnSpPr>
-            <a:cxnSpLocks/>
-          </p:cNvCxnSpPr>
-          <p:nvPr/>
-        </p:nvCxnSpPr>
-        <p:spPr>
-          <a:xfrm>
-            <a:off x="2133676" y="2623214"/>
-            <a:ext cx="10770088" cy="0"/>
-          </a:xfrm>
-          <a:prstGeom prst="line">
-            <a:avLst/>
-          </a:prstGeom>
-        </p:spPr>
-        <p:style>
-          <a:lnRef idx="1">
-            <a:schemeClr val="accent1"/>
-          </a:lnRef>
-          <a:fillRef idx="0">
-            <a:schemeClr val="accent1"/>
-          </a:fillRef>
-          <a:effectRef idx="0">
-            <a:schemeClr val="accent1"/>
-          </a:effectRef>
-          <a:fontRef idx="minor">
-            <a:schemeClr val="tx1"/>
-          </a:fontRef>
-        </p:style>
-      </p:cxnSp>
-      <p:cxnSp>
-        <p:nvCxnSpPr>
-          <p:cNvPr id="123" name="Straight Connector 122">
-            <a:extLst>
-              <a:ext uri="{FF2B5EF4-FFF2-40B4-BE49-F238E27FC236}">
-                <a16:creationId xmlns:a16="http://schemas.microsoft.com/office/drawing/2014/main" id="{A455052A-6815-1828-8FE5-CC2639813887}"/>
-              </a:ext>
-            </a:extLst>
-          </p:cNvPr>
-          <p:cNvCxnSpPr>
-            <a:cxnSpLocks/>
-            <a:endCxn id="46" idx="0"/>
-          </p:cNvCxnSpPr>
-          <p:nvPr/>
-        </p:nvCxnSpPr>
-        <p:spPr>
-          <a:xfrm>
-            <a:off x="5703624" y="2494405"/>
-            <a:ext cx="28243" cy="425015"/>
-          </a:xfrm>
-          <a:prstGeom prst="line">
-            <a:avLst/>
-          </a:prstGeom>
-        </p:spPr>
-        <p:style>
-          <a:lnRef idx="1">
-            <a:schemeClr val="accent1"/>
-          </a:lnRef>
-          <a:fillRef idx="0">
-            <a:schemeClr val="accent1"/>
-          </a:fillRef>
-          <a:effectRef idx="0">
-            <a:schemeClr val="accent1"/>
-          </a:effectRef>
-          <a:fontRef idx="minor">
-            <a:schemeClr val="tx1"/>
-          </a:fontRef>
-        </p:style>
-      </p:cxnSp>
-      <p:cxnSp>
-        <p:nvCxnSpPr>
-          <p:cNvPr id="124" name="Straight Connector 123">
-            <a:extLst>
-              <a:ext uri="{FF2B5EF4-FFF2-40B4-BE49-F238E27FC236}">
-                <a16:creationId xmlns:a16="http://schemas.microsoft.com/office/drawing/2014/main" id="{FF2A5354-ABAA-5A4F-FB04-BFB46D64E56C}"/>
-              </a:ext>
-            </a:extLst>
-          </p:cNvPr>
-          <p:cNvCxnSpPr>
-            <a:cxnSpLocks/>
-            <a:endCxn id="57" idx="0"/>
-          </p:cNvCxnSpPr>
-          <p:nvPr/>
-        </p:nvCxnSpPr>
-        <p:spPr>
-          <a:xfrm flipH="1">
-            <a:off x="9227831" y="2589120"/>
-            <a:ext cx="0" cy="360000"/>
-          </a:xfrm>
-          <a:prstGeom prst="line">
-            <a:avLst/>
-          </a:prstGeom>
-        </p:spPr>
-        <p:style>
-          <a:lnRef idx="1">
-            <a:schemeClr val="accent1"/>
-          </a:lnRef>
-          <a:fillRef idx="0">
-            <a:schemeClr val="accent1"/>
-          </a:fillRef>
-          <a:effectRef idx="0">
-            <a:schemeClr val="accent1"/>
-          </a:effectRef>
-          <a:fontRef idx="minor">
-            <a:schemeClr val="tx1"/>
-          </a:fontRef>
-        </p:style>
-      </p:cxnSp>
-      <p:cxnSp>
-        <p:nvCxnSpPr>
-          <p:cNvPr id="125" name="Straight Connector 124">
-            <a:extLst>
-              <a:ext uri="{FF2B5EF4-FFF2-40B4-BE49-F238E27FC236}">
-                <a16:creationId xmlns:a16="http://schemas.microsoft.com/office/drawing/2014/main" id="{7349B59C-80C9-70BA-253D-0387A63A96D0}"/>
-              </a:ext>
-            </a:extLst>
-          </p:cNvPr>
-          <p:cNvCxnSpPr>
-            <a:cxnSpLocks/>
-          </p:cNvCxnSpPr>
-          <p:nvPr/>
-        </p:nvCxnSpPr>
-        <p:spPr>
-          <a:xfrm>
-            <a:off x="12688044" y="2178444"/>
-            <a:ext cx="8555" cy="360000"/>
-          </a:xfrm>
-          <a:prstGeom prst="line">
-            <a:avLst/>
-          </a:prstGeom>
-        </p:spPr>
-        <p:style>
-          <a:lnRef idx="1">
-            <a:schemeClr val="accent1"/>
-          </a:lnRef>
-          <a:fillRef idx="0">
-            <a:schemeClr val="accent1"/>
-          </a:fillRef>
-          <a:effectRef idx="0">
-            <a:schemeClr val="accent1"/>
-          </a:effectRef>
-          <a:fontRef idx="minor">
-            <a:schemeClr val="tx1"/>
-          </a:fontRef>
-        </p:style>
-      </p:cxnSp>
-      <p:sp>
-        <p:nvSpPr>
-          <p:cNvPr id="152" name="Google Shape;97;p13">
-            <a:extLst>
-              <a:ext uri="{FF2B5EF4-FFF2-40B4-BE49-F238E27FC236}">
-                <a16:creationId xmlns:a16="http://schemas.microsoft.com/office/drawing/2014/main" id="{9C6408B7-890D-2872-EC4C-9EC98B8B39FB}"/>
-              </a:ext>
-            </a:extLst>
-          </p:cNvPr>
-          <p:cNvSpPr txBox="1"/>
-          <p:nvPr/>
-        </p:nvSpPr>
-        <p:spPr>
-          <a:xfrm rot="16200000">
-            <a:off x="-1224564" y="8822226"/>
-            <a:ext cx="3387931" cy="517916"/>
-          </a:xfrm>
-          <a:prstGeom prst="rect">
-            <a:avLst/>
-          </a:prstGeom>
-          <a:noFill/>
-          <a:ln>
-            <a:noFill/>
-          </a:ln>
-        </p:spPr>
-        <p:txBody>
-          <a:bodyPr spcFirstLastPara="1" wrap="square" lIns="91425" tIns="45700" rIns="91425" bIns="45700" anchor="ctr" anchorCtr="0">
-            <a:noAutofit/>
-          </a:bodyPr>
-          <a:lstStyle/>
-          <a:p>
-            <a:pPr algn="ctr"/>
-            <a:r>
-              <a:rPr lang="en-GB" sz="1600" b="1" dirty="0">
-                <a:solidFill>
-                  <a:schemeClr val="lt1"/>
-                </a:solidFill>
-                <a:latin typeface="Calibri"/>
-                <a:ea typeface="Calibri"/>
-                <a:cs typeface="Calibri"/>
-                <a:sym typeface="Calibri"/>
-              </a:rPr>
-              <a:t>Selection and prioritization of direct predictors of DFS adoption</a:t>
-            </a:r>
-            <a:endParaRPr sz="1600" b="1" dirty="0">
-              <a:solidFill>
-                <a:schemeClr val="lt1"/>
-              </a:solidFill>
-              <a:latin typeface="Calibri"/>
-              <a:ea typeface="Calibri"/>
-              <a:cs typeface="Calibri"/>
-              <a:sym typeface="Calibri"/>
-            </a:endParaRPr>
-          </a:p>
-        </p:txBody>
-      </p:sp>
       <p:grpSp>
         <p:nvGrpSpPr>
           <p:cNvPr id="3" name="Group 2">
@@ -19157,8 +18412,8 @@
         </p:nvGrpSpPr>
         <p:grpSpPr>
           <a:xfrm>
-            <a:off x="104365" y="6744024"/>
-            <a:ext cx="738405" cy="1758840"/>
+            <a:off x="539992" y="5825883"/>
+            <a:ext cx="738405" cy="1159731"/>
             <a:chOff x="104365" y="6379577"/>
             <a:chExt cx="738405" cy="1080001"/>
           </a:xfrm>
@@ -19287,8 +18542,8 @@
         </p:nvSpPr>
         <p:spPr>
           <a:xfrm>
-            <a:off x="1105108" y="6873925"/>
-            <a:ext cx="2088000" cy="886199"/>
+            <a:off x="4479162" y="5753654"/>
+            <a:ext cx="2459035" cy="532409"/>
           </a:xfrm>
           <a:prstGeom prst="rect">
             <a:avLst/>
@@ -19337,7 +18592,7 @@
                 <a:cs typeface="Calibri"/>
                 <a:sym typeface="Calibri"/>
               </a:rPr>
-              <a:t>after one-hot encoding (269)</a:t>
+              <a:t>after one-hot encoding (268)</a:t>
             </a:r>
             <a:endParaRPr sz="1500" b="1" dirty="0">
               <a:solidFill>
@@ -19365,7 +18620,7 @@
         </p:nvSpPr>
         <p:spPr>
           <a:xfrm>
-            <a:off x="1105108" y="5761269"/>
+            <a:off x="4661111" y="4612533"/>
             <a:ext cx="2088000" cy="562980"/>
           </a:xfrm>
           <a:prstGeom prst="rect">
@@ -19443,8 +18698,8 @@
         </p:nvSpPr>
         <p:spPr>
           <a:xfrm>
-            <a:off x="6008607" y="1745258"/>
-            <a:ext cx="1427173" cy="609372"/>
+            <a:off x="4277062" y="1580085"/>
+            <a:ext cx="2863236" cy="609372"/>
           </a:xfrm>
           <a:prstGeom prst="rect">
             <a:avLst/>
@@ -19477,12 +18732,8 @@
                 <a:cs typeface="Calibri"/>
                 <a:sym typeface="Calibri"/>
               </a:rPr>
-              <a:t>Unique factors</a:t>
+              <a:t>Unique factors </a:t>
             </a:r>
-            <a:endParaRPr sz="1600" b="1" dirty="0"/>
-          </a:p>
-          <a:p>
-            <a:pPr algn="ctr"/>
             <a:r>
               <a:rPr lang="en-GB" sz="1600" b="1" dirty="0">
                 <a:solidFill>
@@ -19521,8 +18772,8 @@
         </p:nvSpPr>
         <p:spPr>
           <a:xfrm>
-            <a:off x="1424455" y="5064397"/>
-            <a:ext cx="12603358" cy="343864"/>
+            <a:off x="4091350" y="4047062"/>
+            <a:ext cx="3227522" cy="343864"/>
           </a:xfrm>
           <a:prstGeom prst="rect">
             <a:avLst/>
@@ -19571,45 +18822,6 @@
           </a:p>
         </p:txBody>
       </p:sp>
-      <p:cxnSp>
-        <p:nvCxnSpPr>
-          <p:cNvPr id="22" name="Straight Connector 21">
-            <a:extLst>
-              <a:ext uri="{FF2B5EF4-FFF2-40B4-BE49-F238E27FC236}">
-                <a16:creationId xmlns:a16="http://schemas.microsoft.com/office/drawing/2014/main" id="{54D3275E-6273-4F48-DEEB-5CA9F35AEEFB}"/>
-              </a:ext>
-            </a:extLst>
-          </p:cNvPr>
-          <p:cNvCxnSpPr>
-            <a:cxnSpLocks/>
-            <a:endCxn id="98" idx="0"/>
-          </p:cNvCxnSpPr>
-          <p:nvPr/>
-        </p:nvCxnSpPr>
-        <p:spPr>
-          <a:xfrm>
-            <a:off x="2132309" y="2623214"/>
-            <a:ext cx="28243" cy="159484"/>
-          </a:xfrm>
-          <a:prstGeom prst="line">
-            <a:avLst/>
-          </a:prstGeom>
-        </p:spPr>
-        <p:style>
-          <a:lnRef idx="1">
-            <a:schemeClr val="accent1"/>
-          </a:lnRef>
-          <a:fillRef idx="0">
-            <a:schemeClr val="accent1"/>
-          </a:fillRef>
-          <a:effectRef idx="0">
-            <a:schemeClr val="accent1"/>
-          </a:effectRef>
-          <a:fontRef idx="minor">
-            <a:schemeClr val="tx1"/>
-          </a:fontRef>
-        </p:style>
-      </p:cxnSp>
       <p:sp>
         <p:nvSpPr>
           <p:cNvPr id="5" name="Google Shape;100;p13">
@@ -19624,7 +18836,7 @@
         </p:nvSpPr>
         <p:spPr>
           <a:xfrm>
-            <a:off x="1105108" y="8086558"/>
+            <a:off x="4664679" y="6597321"/>
             <a:ext cx="2088000" cy="374266"/>
           </a:xfrm>
           <a:prstGeom prst="rect">
@@ -19680,9 +18892,2623 @@
           <p:nvPr/>
         </p:nvCxnSpPr>
         <p:spPr>
+          <a:xfrm flipH="1">
+            <a:off x="5708679" y="6286063"/>
+            <a:ext cx="1" cy="311258"/>
+          </a:xfrm>
+          <a:prstGeom prst="straightConnector1">
+            <a:avLst/>
+          </a:prstGeom>
+          <a:ln>
+            <a:tailEnd type="triangle"/>
+          </a:ln>
+        </p:spPr>
+        <p:style>
+          <a:lnRef idx="1">
+            <a:schemeClr val="accent1"/>
+          </a:lnRef>
+          <a:fillRef idx="0">
+            <a:schemeClr val="accent1"/>
+          </a:fillRef>
+          <a:effectRef idx="0">
+            <a:schemeClr val="accent1"/>
+          </a:effectRef>
+          <a:fontRef idx="minor">
+            <a:schemeClr val="tx1"/>
+          </a:fontRef>
+        </p:style>
+      </p:cxnSp>
+      <p:cxnSp>
+        <p:nvCxnSpPr>
+          <p:cNvPr id="18" name="Google Shape;120;p13">
+            <a:extLst>
+              <a:ext uri="{FF2B5EF4-FFF2-40B4-BE49-F238E27FC236}">
+                <a16:creationId xmlns:a16="http://schemas.microsoft.com/office/drawing/2014/main" id="{E8B2E19F-5CD4-34D3-99D6-AE49AC1905D8}"/>
+              </a:ext>
+            </a:extLst>
+          </p:cNvPr>
+          <p:cNvCxnSpPr>
+            <a:cxnSpLocks/>
+            <a:stCxn id="95" idx="2"/>
+            <a:endCxn id="2" idx="0"/>
+          </p:cNvCxnSpPr>
+          <p:nvPr/>
+        </p:nvCxnSpPr>
+        <p:spPr>
+          <a:xfrm flipH="1">
+            <a:off x="5705111" y="3748736"/>
+            <a:ext cx="3569" cy="298326"/>
+          </a:xfrm>
+          <a:prstGeom prst="straightConnector1">
+            <a:avLst/>
+          </a:prstGeom>
+          <a:noFill/>
+          <a:ln w="9525" cap="flat" cmpd="sng">
+            <a:solidFill>
+              <a:schemeClr val="accent1"/>
+            </a:solidFill>
+            <a:prstDash val="solid"/>
+            <a:miter lim="800000"/>
+            <a:headEnd type="none" w="sm" len="sm"/>
+            <a:tailEnd type="triangle" w="med" len="med"/>
+          </a:ln>
+        </p:spPr>
+      </p:cxnSp>
+      <p:cxnSp>
+        <p:nvCxnSpPr>
+          <p:cNvPr id="21" name="Google Shape;120;p13">
+            <a:extLst>
+              <a:ext uri="{FF2B5EF4-FFF2-40B4-BE49-F238E27FC236}">
+                <a16:creationId xmlns:a16="http://schemas.microsoft.com/office/drawing/2014/main" id="{EA53584A-7D14-F4A9-EACB-7B6DF4EDD158}"/>
+              </a:ext>
+            </a:extLst>
+          </p:cNvPr>
+          <p:cNvCxnSpPr>
+            <a:cxnSpLocks/>
+            <a:stCxn id="98" idx="2"/>
+            <a:endCxn id="95" idx="0"/>
+          </p:cNvCxnSpPr>
+          <p:nvPr/>
+        </p:nvCxnSpPr>
+        <p:spPr>
           <a:xfrm>
-            <a:off x="2149108" y="7760124"/>
-            <a:ext cx="0" cy="326434"/>
+            <a:off x="5705111" y="2775891"/>
+            <a:ext cx="3569" cy="209102"/>
+          </a:xfrm>
+          <a:prstGeom prst="straightConnector1">
+            <a:avLst/>
+          </a:prstGeom>
+          <a:noFill/>
+          <a:ln w="9525" cap="flat" cmpd="sng">
+            <a:solidFill>
+              <a:schemeClr val="accent1"/>
+            </a:solidFill>
+            <a:prstDash val="solid"/>
+            <a:miter lim="800000"/>
+            <a:headEnd type="none" w="sm" len="sm"/>
+            <a:tailEnd type="triangle" w="med" len="med"/>
+          </a:ln>
+        </p:spPr>
+      </p:cxnSp>
+      <p:cxnSp>
+        <p:nvCxnSpPr>
+          <p:cNvPr id="26" name="Google Shape;120;p13">
+            <a:extLst>
+              <a:ext uri="{FF2B5EF4-FFF2-40B4-BE49-F238E27FC236}">
+                <a16:creationId xmlns:a16="http://schemas.microsoft.com/office/drawing/2014/main" id="{515BFEC4-03BE-D107-CE83-EBC87DDA1F7E}"/>
+              </a:ext>
+            </a:extLst>
+          </p:cNvPr>
+          <p:cNvCxnSpPr>
+            <a:cxnSpLocks/>
+            <a:stCxn id="23" idx="2"/>
+            <a:endCxn id="98" idx="0"/>
+          </p:cNvCxnSpPr>
+          <p:nvPr/>
+        </p:nvCxnSpPr>
+        <p:spPr>
+          <a:xfrm flipH="1">
+            <a:off x="5705111" y="2189457"/>
+            <a:ext cx="3569" cy="170052"/>
+          </a:xfrm>
+          <a:prstGeom prst="straightConnector1">
+            <a:avLst/>
+          </a:prstGeom>
+          <a:noFill/>
+          <a:ln w="9525" cap="flat" cmpd="sng">
+            <a:solidFill>
+              <a:schemeClr val="accent1"/>
+            </a:solidFill>
+            <a:prstDash val="solid"/>
+            <a:miter lim="800000"/>
+            <a:headEnd type="none" w="sm" len="sm"/>
+            <a:tailEnd type="triangle" w="med" len="med"/>
+          </a:ln>
+        </p:spPr>
+      </p:cxnSp>
+      <p:cxnSp>
+        <p:nvCxnSpPr>
+          <p:cNvPr id="30" name="Google Shape;120;p13">
+            <a:extLst>
+              <a:ext uri="{FF2B5EF4-FFF2-40B4-BE49-F238E27FC236}">
+                <a16:creationId xmlns:a16="http://schemas.microsoft.com/office/drawing/2014/main" id="{B509E643-4ACB-352D-402A-609F6F422DB2}"/>
+              </a:ext>
+            </a:extLst>
+          </p:cNvPr>
+          <p:cNvCxnSpPr>
+            <a:cxnSpLocks/>
+            <a:stCxn id="93" idx="2"/>
+            <a:endCxn id="23" idx="0"/>
+          </p:cNvCxnSpPr>
+          <p:nvPr/>
+        </p:nvCxnSpPr>
+        <p:spPr>
+          <a:xfrm>
+            <a:off x="3013424" y="1084610"/>
+            <a:ext cx="2695256" cy="495475"/>
+          </a:xfrm>
+          <a:prstGeom prst="straightConnector1">
+            <a:avLst/>
+          </a:prstGeom>
+          <a:noFill/>
+          <a:ln w="9525" cap="flat" cmpd="sng">
+            <a:solidFill>
+              <a:schemeClr val="accent1"/>
+            </a:solidFill>
+            <a:prstDash val="solid"/>
+            <a:miter lim="800000"/>
+            <a:headEnd type="none" w="sm" len="sm"/>
+            <a:tailEnd type="triangle" w="med" len="med"/>
+          </a:ln>
+        </p:spPr>
+      </p:cxnSp>
+      <p:cxnSp>
+        <p:nvCxnSpPr>
+          <p:cNvPr id="36" name="Google Shape;120;p13">
+            <a:extLst>
+              <a:ext uri="{FF2B5EF4-FFF2-40B4-BE49-F238E27FC236}">
+                <a16:creationId xmlns:a16="http://schemas.microsoft.com/office/drawing/2014/main" id="{F2438A75-018A-8F1D-0DA8-184B859BF761}"/>
+              </a:ext>
+            </a:extLst>
+          </p:cNvPr>
+          <p:cNvCxnSpPr>
+            <a:cxnSpLocks/>
+            <a:stCxn id="45" idx="2"/>
+            <a:endCxn id="23" idx="0"/>
+          </p:cNvCxnSpPr>
+          <p:nvPr/>
+        </p:nvCxnSpPr>
+        <p:spPr>
+          <a:xfrm flipH="1">
+            <a:off x="5708680" y="1109693"/>
+            <a:ext cx="2085034" cy="470392"/>
+          </a:xfrm>
+          <a:prstGeom prst="straightConnector1">
+            <a:avLst/>
+          </a:prstGeom>
+          <a:noFill/>
+          <a:ln w="9525" cap="flat" cmpd="sng">
+            <a:solidFill>
+              <a:schemeClr val="accent1"/>
+            </a:solidFill>
+            <a:prstDash val="solid"/>
+            <a:miter lim="800000"/>
+            <a:headEnd type="none" w="sm" len="sm"/>
+            <a:tailEnd type="triangle" w="med" len="med"/>
+          </a:ln>
+        </p:spPr>
+      </p:cxnSp>
+      <p:sp>
+        <p:nvSpPr>
+          <p:cNvPr id="47" name="Google Shape;101;p13">
+            <a:extLst>
+              <a:ext uri="{FF2B5EF4-FFF2-40B4-BE49-F238E27FC236}">
+                <a16:creationId xmlns:a16="http://schemas.microsoft.com/office/drawing/2014/main" id="{B7C70CE2-C9C3-B9FF-EF72-63AF9D46E9DA}"/>
+              </a:ext>
+            </a:extLst>
+          </p:cNvPr>
+          <p:cNvSpPr/>
+          <p:nvPr/>
+        </p:nvSpPr>
+        <p:spPr>
+          <a:xfrm>
+            <a:off x="3974848" y="7188983"/>
+            <a:ext cx="3467663" cy="699211"/>
+          </a:xfrm>
+          <a:prstGeom prst="rect">
+            <a:avLst/>
+          </a:prstGeom>
+          <a:noFill/>
+          <a:ln w="12700" cap="flat" cmpd="sng">
+            <a:solidFill>
+              <a:srgbClr val="31538F"/>
+            </a:solidFill>
+            <a:prstDash val="solid"/>
+            <a:miter lim="800000"/>
+            <a:headEnd type="none" w="sm" len="sm"/>
+            <a:tailEnd type="none" w="sm" len="sm"/>
+          </a:ln>
+        </p:spPr>
+        <p:txBody>
+          <a:bodyPr spcFirstLastPara="1" wrap="square" lIns="91425" tIns="45700" rIns="91425" bIns="45700" anchor="ctr" anchorCtr="0">
+            <a:noAutofit/>
+          </a:bodyPr>
+          <a:lstStyle/>
+          <a:p>
+            <a:pPr algn="ctr"/>
+            <a:r>
+              <a:rPr lang="en-US" sz="1500" dirty="0">
+                <a:solidFill>
+                  <a:schemeClr val="dk1"/>
+                </a:solidFill>
+                <a:latin typeface="Calibri"/>
+                <a:ea typeface="Calibri"/>
+                <a:cs typeface="Calibri"/>
+                <a:sym typeface="Calibri"/>
+              </a:rPr>
+              <a:t>Retained after excluding zero and near zero variance (188 factors)</a:t>
+            </a:r>
+          </a:p>
+        </p:txBody>
+      </p:sp>
+      <p:cxnSp>
+        <p:nvCxnSpPr>
+          <p:cNvPr id="52" name="Straight Arrow Connector 51">
+            <a:extLst>
+              <a:ext uri="{FF2B5EF4-FFF2-40B4-BE49-F238E27FC236}">
+                <a16:creationId xmlns:a16="http://schemas.microsoft.com/office/drawing/2014/main" id="{F5CDA412-5B61-A331-7475-86E4C8972ABE}"/>
+              </a:ext>
+            </a:extLst>
+          </p:cNvPr>
+          <p:cNvCxnSpPr>
+            <a:cxnSpLocks/>
+            <a:stCxn id="47" idx="3"/>
+            <a:endCxn id="55" idx="1"/>
+          </p:cNvCxnSpPr>
+          <p:nvPr/>
+        </p:nvCxnSpPr>
+        <p:spPr>
+          <a:xfrm flipV="1">
+            <a:off x="7442511" y="7537516"/>
+            <a:ext cx="398612" cy="1073"/>
+          </a:xfrm>
+          <a:prstGeom prst="straightConnector1">
+            <a:avLst/>
+          </a:prstGeom>
+          <a:ln>
+            <a:tailEnd type="triangle"/>
+          </a:ln>
+        </p:spPr>
+        <p:style>
+          <a:lnRef idx="1">
+            <a:schemeClr val="accent1"/>
+          </a:lnRef>
+          <a:fillRef idx="0">
+            <a:schemeClr val="accent1"/>
+          </a:fillRef>
+          <a:effectRef idx="0">
+            <a:schemeClr val="accent1"/>
+          </a:effectRef>
+          <a:fontRef idx="minor">
+            <a:schemeClr val="tx1"/>
+          </a:fontRef>
+        </p:style>
+      </p:cxnSp>
+      <p:grpSp>
+        <p:nvGrpSpPr>
+          <p:cNvPr id="81" name="Group 80">
+            <a:extLst>
+              <a:ext uri="{FF2B5EF4-FFF2-40B4-BE49-F238E27FC236}">
+                <a16:creationId xmlns:a16="http://schemas.microsoft.com/office/drawing/2014/main" id="{36A855F8-64CA-17F5-2300-46E9C3802E92}"/>
+              </a:ext>
+            </a:extLst>
+          </p:cNvPr>
+          <p:cNvGrpSpPr/>
+          <p:nvPr/>
+        </p:nvGrpSpPr>
+        <p:grpSpPr>
+          <a:xfrm>
+            <a:off x="567464" y="7111448"/>
+            <a:ext cx="738404" cy="3503858"/>
+            <a:chOff x="3629093" y="8481429"/>
+            <a:chExt cx="738404" cy="3806843"/>
+          </a:xfrm>
+        </p:grpSpPr>
+        <p:sp>
+          <p:nvSpPr>
+            <p:cNvPr id="53" name="Google Shape;96;p13">
+              <a:extLst>
+                <a:ext uri="{FF2B5EF4-FFF2-40B4-BE49-F238E27FC236}">
+                  <a16:creationId xmlns:a16="http://schemas.microsoft.com/office/drawing/2014/main" id="{5417E06A-F4EB-4177-C745-B32C6B099EB4}"/>
+                </a:ext>
+              </a:extLst>
+            </p:cNvPr>
+            <p:cNvSpPr/>
+            <p:nvPr/>
+          </p:nvSpPr>
+          <p:spPr>
+            <a:xfrm>
+              <a:off x="3629093" y="8481429"/>
+              <a:ext cx="738404" cy="3806842"/>
+            </a:xfrm>
+            <a:prstGeom prst="roundRect">
+              <a:avLst>
+                <a:gd name="adj" fmla="val 16667"/>
+              </a:avLst>
+            </a:prstGeom>
+            <a:solidFill>
+              <a:schemeClr val="accent1"/>
+            </a:solidFill>
+            <a:ln w="12700" cap="flat" cmpd="sng">
+              <a:solidFill>
+                <a:srgbClr val="31538F"/>
+              </a:solidFill>
+              <a:prstDash val="solid"/>
+              <a:miter lim="800000"/>
+              <a:headEnd type="none" w="sm" len="sm"/>
+              <a:tailEnd type="none" w="sm" len="sm"/>
+            </a:ln>
+          </p:spPr>
+          <p:txBody>
+            <a:bodyPr spcFirstLastPara="1" wrap="square" lIns="91425" tIns="91425" rIns="91425" bIns="91425" anchor="ctr" anchorCtr="0">
+              <a:noAutofit/>
+            </a:bodyPr>
+            <a:lstStyle/>
+            <a:p>
+              <a:endParaRPr/>
+            </a:p>
+          </p:txBody>
+        </p:sp>
+        <p:sp>
+          <p:nvSpPr>
+            <p:cNvPr id="54" name="Google Shape;97;p13">
+              <a:extLst>
+                <a:ext uri="{FF2B5EF4-FFF2-40B4-BE49-F238E27FC236}">
+                  <a16:creationId xmlns:a16="http://schemas.microsoft.com/office/drawing/2014/main" id="{86437C63-1DAE-7D94-49E3-F88A3E2678ED}"/>
+                </a:ext>
+              </a:extLst>
+            </p:cNvPr>
+            <p:cNvSpPr txBox="1"/>
+            <p:nvPr/>
+          </p:nvSpPr>
+          <p:spPr>
+            <a:xfrm rot="16200000">
+              <a:off x="2111046" y="10125893"/>
+              <a:ext cx="3806842" cy="517916"/>
+            </a:xfrm>
+            <a:prstGeom prst="rect">
+              <a:avLst/>
+            </a:prstGeom>
+            <a:noFill/>
+            <a:ln>
+              <a:noFill/>
+            </a:ln>
+          </p:spPr>
+          <p:txBody>
+            <a:bodyPr spcFirstLastPara="1" wrap="square" lIns="91425" tIns="45700" rIns="91425" bIns="45700" anchor="ctr" anchorCtr="0">
+              <a:noAutofit/>
+            </a:bodyPr>
+            <a:lstStyle/>
+            <a:p>
+              <a:pPr algn="ctr"/>
+              <a:r>
+                <a:rPr lang="en-GB" sz="1600" b="1" dirty="0">
+                  <a:solidFill>
+                    <a:schemeClr val="lt1"/>
+                  </a:solidFill>
+                  <a:latin typeface="Calibri"/>
+                  <a:ea typeface="Calibri"/>
+                  <a:cs typeface="Calibri"/>
+                  <a:sym typeface="Calibri"/>
+                </a:rPr>
+                <a:t>Selection and prioritization of </a:t>
+              </a:r>
+            </a:p>
+            <a:p>
+              <a:pPr algn="ctr"/>
+              <a:r>
+                <a:rPr lang="en-GB" sz="1600" b="1" dirty="0">
+                  <a:solidFill>
+                    <a:schemeClr val="lt1"/>
+                  </a:solidFill>
+                  <a:latin typeface="Calibri"/>
+                  <a:ea typeface="Calibri"/>
+                  <a:cs typeface="Calibri"/>
+                  <a:sym typeface="Calibri"/>
+                </a:rPr>
+                <a:t>direct predictors of DFS adoption</a:t>
+              </a:r>
+              <a:endParaRPr sz="1600" b="1" dirty="0">
+                <a:solidFill>
+                  <a:schemeClr val="lt1"/>
+                </a:solidFill>
+                <a:latin typeface="Calibri"/>
+                <a:ea typeface="Calibri"/>
+                <a:cs typeface="Calibri"/>
+                <a:sym typeface="Calibri"/>
+              </a:endParaRPr>
+            </a:p>
+          </p:txBody>
+        </p:sp>
+      </p:grpSp>
+      <p:sp>
+        <p:nvSpPr>
+          <p:cNvPr id="55" name="Google Shape;95;p13">
+            <a:extLst>
+              <a:ext uri="{FF2B5EF4-FFF2-40B4-BE49-F238E27FC236}">
+                <a16:creationId xmlns:a16="http://schemas.microsoft.com/office/drawing/2014/main" id="{FA7AFCEE-26A5-65C6-4CFF-A2CCF8A5F17F}"/>
+              </a:ext>
+            </a:extLst>
+          </p:cNvPr>
+          <p:cNvSpPr/>
+          <p:nvPr/>
+        </p:nvSpPr>
+        <p:spPr>
+          <a:xfrm>
+            <a:off x="7841123" y="7208850"/>
+            <a:ext cx="1764482" cy="657332"/>
+          </a:xfrm>
+          <a:prstGeom prst="rect">
+            <a:avLst/>
+          </a:prstGeom>
+          <a:solidFill>
+            <a:schemeClr val="tx2"/>
+          </a:solidFill>
+          <a:ln w="12700" cap="flat" cmpd="sng">
+            <a:solidFill>
+              <a:schemeClr val="tx2"/>
+            </a:solidFill>
+            <a:prstDash val="solid"/>
+            <a:miter lim="800000"/>
+            <a:headEnd type="none" w="sm" len="sm"/>
+            <a:tailEnd type="none" w="sm" len="sm"/>
+          </a:ln>
+        </p:spPr>
+        <p:txBody>
+          <a:bodyPr spcFirstLastPara="1" wrap="square" lIns="91425" tIns="45700" rIns="91425" bIns="45700" anchor="ctr" anchorCtr="0">
+            <a:noAutofit/>
+          </a:bodyPr>
+          <a:lstStyle/>
+          <a:p>
+            <a:pPr>
+              <a:lnSpc>
+                <a:spcPct val="107000"/>
+              </a:lnSpc>
+            </a:pPr>
+            <a:r>
+              <a:rPr lang="en-AU" sz="1500" b="1" dirty="0">
+                <a:latin typeface="Calibri" panose="020F0502020204030204" pitchFamily="34" charset="0"/>
+                <a:ea typeface="Calibri" panose="020F0502020204030204" pitchFamily="34" charset="0"/>
+                <a:cs typeface="Calibri" panose="020F0502020204030204" pitchFamily="34" charset="0"/>
+              </a:rPr>
+              <a:t>Excluded factors:</a:t>
+            </a:r>
+          </a:p>
+          <a:p>
+            <a:pPr marL="72000">
+              <a:lnSpc>
+                <a:spcPct val="107000"/>
+              </a:lnSpc>
+              <a:buFont typeface="Arial" panose="020B0604020202020204" pitchFamily="34" charset="0"/>
+              <a:buChar char="•"/>
+            </a:pPr>
+            <a:r>
+              <a:rPr lang="en-AU" sz="1500" dirty="0">
+                <a:latin typeface="Calibri" panose="020F0502020204030204" pitchFamily="34" charset="0"/>
+                <a:ea typeface="Calibri" panose="020F0502020204030204" pitchFamily="34" charset="0"/>
+                <a:cs typeface="Calibri" panose="020F0502020204030204" pitchFamily="34" charset="0"/>
+              </a:rPr>
+              <a:t>Zero or near zero variance (80)</a:t>
+            </a:r>
+            <a:endParaRPr lang="en-US" sz="1500" dirty="0">
+              <a:latin typeface="Calibri" panose="020F0502020204030204" pitchFamily="34" charset="0"/>
+              <a:ea typeface="Calibri" panose="020F0502020204030204" pitchFamily="34" charset="0"/>
+              <a:cs typeface="Calibri" panose="020F0502020204030204" pitchFamily="34" charset="0"/>
+            </a:endParaRPr>
+          </a:p>
+        </p:txBody>
+      </p:sp>
+      <p:sp>
+        <p:nvSpPr>
+          <p:cNvPr id="56" name="Google Shape;101;p13">
+            <a:extLst>
+              <a:ext uri="{FF2B5EF4-FFF2-40B4-BE49-F238E27FC236}">
+                <a16:creationId xmlns:a16="http://schemas.microsoft.com/office/drawing/2014/main" id="{E83798FA-473A-8663-3C75-D28E1B895955}"/>
+              </a:ext>
+            </a:extLst>
+          </p:cNvPr>
+          <p:cNvSpPr/>
+          <p:nvPr/>
+        </p:nvSpPr>
+        <p:spPr>
+          <a:xfrm>
+            <a:off x="3971279" y="8074342"/>
+            <a:ext cx="3467664" cy="545484"/>
+          </a:xfrm>
+          <a:prstGeom prst="rect">
+            <a:avLst/>
+          </a:prstGeom>
+          <a:noFill/>
+          <a:ln w="12700" cap="flat" cmpd="sng">
+            <a:solidFill>
+              <a:srgbClr val="31538F"/>
+            </a:solidFill>
+            <a:prstDash val="solid"/>
+            <a:miter lim="800000"/>
+            <a:headEnd type="none" w="sm" len="sm"/>
+            <a:tailEnd type="none" w="sm" len="sm"/>
+          </a:ln>
+        </p:spPr>
+        <p:txBody>
+          <a:bodyPr spcFirstLastPara="1" wrap="square" lIns="91425" tIns="45700" rIns="91425" bIns="45700" anchor="ctr" anchorCtr="0">
+            <a:noAutofit/>
+          </a:bodyPr>
+          <a:lstStyle/>
+          <a:p>
+            <a:pPr algn="ctr"/>
+            <a:r>
+              <a:rPr lang="en-US" sz="1500" dirty="0">
+                <a:solidFill>
+                  <a:schemeClr val="dk1"/>
+                </a:solidFill>
+                <a:latin typeface="Calibri"/>
+                <a:ea typeface="Calibri"/>
+                <a:cs typeface="Calibri"/>
+                <a:sym typeface="Calibri"/>
+              </a:rPr>
+              <a:t>Retained after excluding irrelevant </a:t>
+            </a:r>
+          </a:p>
+          <a:p>
+            <a:pPr algn="ctr"/>
+            <a:r>
+              <a:rPr lang="en-US" sz="1500" dirty="0">
+                <a:solidFill>
+                  <a:schemeClr val="dk1"/>
+                </a:solidFill>
+                <a:latin typeface="Calibri"/>
+                <a:ea typeface="Calibri"/>
+                <a:cs typeface="Calibri"/>
+                <a:sym typeface="Calibri"/>
+              </a:rPr>
+              <a:t>(154 factors)</a:t>
+            </a:r>
+          </a:p>
+        </p:txBody>
+      </p:sp>
+      <p:cxnSp>
+        <p:nvCxnSpPr>
+          <p:cNvPr id="58" name="Straight Arrow Connector 57">
+            <a:extLst>
+              <a:ext uri="{FF2B5EF4-FFF2-40B4-BE49-F238E27FC236}">
+                <a16:creationId xmlns:a16="http://schemas.microsoft.com/office/drawing/2014/main" id="{18236B17-C8E5-78FE-0FA8-527EEDB3BFE6}"/>
+              </a:ext>
+            </a:extLst>
+          </p:cNvPr>
+          <p:cNvCxnSpPr>
+            <a:cxnSpLocks/>
+            <a:stCxn id="47" idx="2"/>
+            <a:endCxn id="56" idx="0"/>
+          </p:cNvCxnSpPr>
+          <p:nvPr/>
+        </p:nvCxnSpPr>
+        <p:spPr>
+          <a:xfrm flipH="1">
+            <a:off x="5705111" y="7888194"/>
+            <a:ext cx="3569" cy="186148"/>
+          </a:xfrm>
+          <a:prstGeom prst="straightConnector1">
+            <a:avLst/>
+          </a:prstGeom>
+          <a:ln>
+            <a:tailEnd type="triangle"/>
+          </a:ln>
+        </p:spPr>
+        <p:style>
+          <a:lnRef idx="1">
+            <a:schemeClr val="accent1"/>
+          </a:lnRef>
+          <a:fillRef idx="0">
+            <a:schemeClr val="accent1"/>
+          </a:fillRef>
+          <a:effectRef idx="0">
+            <a:schemeClr val="accent1"/>
+          </a:effectRef>
+          <a:fontRef idx="minor">
+            <a:schemeClr val="tx1"/>
+          </a:fontRef>
+        </p:style>
+      </p:cxnSp>
+      <p:sp>
+        <p:nvSpPr>
+          <p:cNvPr id="59" name="Google Shape;95;p13">
+            <a:extLst>
+              <a:ext uri="{FF2B5EF4-FFF2-40B4-BE49-F238E27FC236}">
+                <a16:creationId xmlns:a16="http://schemas.microsoft.com/office/drawing/2014/main" id="{856A44AC-D5FB-CB4D-7153-91D12D846EE9}"/>
+              </a:ext>
+            </a:extLst>
+          </p:cNvPr>
+          <p:cNvSpPr/>
+          <p:nvPr/>
+        </p:nvSpPr>
+        <p:spPr>
+          <a:xfrm>
+            <a:off x="7806636" y="8092316"/>
+            <a:ext cx="1833455" cy="501970"/>
+          </a:xfrm>
+          <a:prstGeom prst="rect">
+            <a:avLst/>
+          </a:prstGeom>
+          <a:solidFill>
+            <a:schemeClr val="tx2"/>
+          </a:solidFill>
+          <a:ln w="12700" cap="flat" cmpd="sng">
+            <a:solidFill>
+              <a:schemeClr val="tx2"/>
+            </a:solidFill>
+            <a:prstDash val="solid"/>
+            <a:miter lim="800000"/>
+            <a:headEnd type="none" w="sm" len="sm"/>
+            <a:tailEnd type="none" w="sm" len="sm"/>
+          </a:ln>
+        </p:spPr>
+        <p:txBody>
+          <a:bodyPr spcFirstLastPara="1" wrap="square" lIns="91425" tIns="45700" rIns="91425" bIns="45700" anchor="ctr" anchorCtr="0">
+            <a:noAutofit/>
+          </a:bodyPr>
+          <a:lstStyle/>
+          <a:p>
+            <a:pPr>
+              <a:lnSpc>
+                <a:spcPct val="107000"/>
+              </a:lnSpc>
+            </a:pPr>
+            <a:r>
+              <a:rPr lang="en-AU" sz="1500" b="1" dirty="0">
+                <a:latin typeface="Calibri" panose="020F0502020204030204" pitchFamily="34" charset="0"/>
+                <a:ea typeface="Calibri" panose="020F0502020204030204" pitchFamily="34" charset="0"/>
+                <a:cs typeface="Calibri" panose="020F0502020204030204" pitchFamily="34" charset="0"/>
+              </a:rPr>
+              <a:t>Excluded factors:</a:t>
+            </a:r>
+          </a:p>
+          <a:p>
+            <a:pPr marL="72000">
+              <a:lnSpc>
+                <a:spcPct val="107000"/>
+              </a:lnSpc>
+              <a:buFont typeface="Arial" panose="020B0604020202020204" pitchFamily="34" charset="0"/>
+              <a:buChar char="•"/>
+            </a:pPr>
+            <a:r>
+              <a:rPr lang="en-AU" sz="1500" dirty="0">
+                <a:latin typeface="Calibri" panose="020F0502020204030204" pitchFamily="34" charset="0"/>
+                <a:ea typeface="Calibri" panose="020F0502020204030204" pitchFamily="34" charset="0"/>
+                <a:cs typeface="Calibri" panose="020F0502020204030204" pitchFamily="34" charset="0"/>
+              </a:rPr>
+              <a:t>Irrelevant (34)</a:t>
+            </a:r>
+          </a:p>
+        </p:txBody>
+      </p:sp>
+      <p:cxnSp>
+        <p:nvCxnSpPr>
+          <p:cNvPr id="61" name="Straight Arrow Connector 60">
+            <a:extLst>
+              <a:ext uri="{FF2B5EF4-FFF2-40B4-BE49-F238E27FC236}">
+                <a16:creationId xmlns:a16="http://schemas.microsoft.com/office/drawing/2014/main" id="{E70EFE37-606F-830A-55F1-2058E1B65336}"/>
+              </a:ext>
+            </a:extLst>
+          </p:cNvPr>
+          <p:cNvCxnSpPr>
+            <a:cxnSpLocks/>
+            <a:stCxn id="56" idx="3"/>
+            <a:endCxn id="59" idx="1"/>
+          </p:cNvCxnSpPr>
+          <p:nvPr/>
+        </p:nvCxnSpPr>
+        <p:spPr>
+          <a:xfrm flipV="1">
+            <a:off x="7438943" y="8343301"/>
+            <a:ext cx="367693" cy="3783"/>
+          </a:xfrm>
+          <a:prstGeom prst="straightConnector1">
+            <a:avLst/>
+          </a:prstGeom>
+          <a:ln>
+            <a:tailEnd type="triangle"/>
+          </a:ln>
+        </p:spPr>
+        <p:style>
+          <a:lnRef idx="1">
+            <a:schemeClr val="accent1"/>
+          </a:lnRef>
+          <a:fillRef idx="0">
+            <a:schemeClr val="accent1"/>
+          </a:fillRef>
+          <a:effectRef idx="0">
+            <a:schemeClr val="accent1"/>
+          </a:effectRef>
+          <a:fontRef idx="minor">
+            <a:schemeClr val="tx1"/>
+          </a:fontRef>
+        </p:style>
+      </p:cxnSp>
+      <p:grpSp>
+        <p:nvGrpSpPr>
+          <p:cNvPr id="223" name="Group 222">
+            <a:extLst>
+              <a:ext uri="{FF2B5EF4-FFF2-40B4-BE49-F238E27FC236}">
+                <a16:creationId xmlns:a16="http://schemas.microsoft.com/office/drawing/2014/main" id="{A6135D70-CA17-991E-70F4-137CF33553D4}"/>
+              </a:ext>
+            </a:extLst>
+          </p:cNvPr>
+          <p:cNvGrpSpPr/>
+          <p:nvPr/>
+        </p:nvGrpSpPr>
+        <p:grpSpPr>
+          <a:xfrm>
+            <a:off x="3967906" y="8853100"/>
+            <a:ext cx="5561276" cy="576000"/>
+            <a:chOff x="3967906" y="9542906"/>
+            <a:chExt cx="5561276" cy="576000"/>
+          </a:xfrm>
+        </p:grpSpPr>
+        <p:sp>
+          <p:nvSpPr>
+            <p:cNvPr id="62" name="Google Shape;101;p13">
+              <a:extLst>
+                <a:ext uri="{FF2B5EF4-FFF2-40B4-BE49-F238E27FC236}">
+                  <a16:creationId xmlns:a16="http://schemas.microsoft.com/office/drawing/2014/main" id="{D8C8E906-4AF4-8398-DD9C-602CB2F79891}"/>
+                </a:ext>
+              </a:extLst>
+            </p:cNvPr>
+            <p:cNvSpPr/>
+            <p:nvPr/>
+          </p:nvSpPr>
+          <p:spPr>
+            <a:xfrm>
+              <a:off x="3967906" y="9547469"/>
+              <a:ext cx="3485806" cy="566875"/>
+            </a:xfrm>
+            <a:prstGeom prst="rect">
+              <a:avLst/>
+            </a:prstGeom>
+            <a:noFill/>
+            <a:ln w="12700" cap="flat" cmpd="sng">
+              <a:solidFill>
+                <a:srgbClr val="31538F"/>
+              </a:solidFill>
+              <a:prstDash val="solid"/>
+              <a:miter lim="800000"/>
+              <a:headEnd type="none" w="sm" len="sm"/>
+              <a:tailEnd type="none" w="sm" len="sm"/>
+            </a:ln>
+          </p:spPr>
+          <p:txBody>
+            <a:bodyPr spcFirstLastPara="1" wrap="square" lIns="91425" tIns="45700" rIns="91425" bIns="45700" anchor="ctr" anchorCtr="0">
+              <a:noAutofit/>
+            </a:bodyPr>
+            <a:lstStyle/>
+            <a:p>
+              <a:pPr algn="ctr"/>
+              <a:r>
+                <a:rPr lang="en-US" sz="1500" dirty="0">
+                  <a:solidFill>
+                    <a:schemeClr val="dk1"/>
+                  </a:solidFill>
+                  <a:latin typeface="Calibri"/>
+                  <a:ea typeface="Calibri"/>
+                  <a:cs typeface="Calibri"/>
+                  <a:sym typeface="Calibri"/>
+                </a:rPr>
+                <a:t>Retained after excluding redundant </a:t>
+              </a:r>
+            </a:p>
+            <a:p>
+              <a:pPr algn="ctr"/>
+              <a:r>
+                <a:rPr lang="en-US" sz="1500" dirty="0">
+                  <a:solidFill>
+                    <a:schemeClr val="dk1"/>
+                  </a:solidFill>
+                  <a:latin typeface="Calibri"/>
+                  <a:ea typeface="Calibri"/>
+                  <a:cs typeface="Calibri"/>
+                  <a:sym typeface="Calibri"/>
+                </a:rPr>
+                <a:t>(109 factors across 13 categories)</a:t>
+              </a:r>
+            </a:p>
+          </p:txBody>
+        </p:sp>
+        <p:sp>
+          <p:nvSpPr>
+            <p:cNvPr id="63" name="Google Shape;95;p13">
+              <a:extLst>
+                <a:ext uri="{FF2B5EF4-FFF2-40B4-BE49-F238E27FC236}">
+                  <a16:creationId xmlns:a16="http://schemas.microsoft.com/office/drawing/2014/main" id="{8D2A74C7-0E4B-CAAA-3CDA-0161924A3F5A}"/>
+                </a:ext>
+              </a:extLst>
+            </p:cNvPr>
+            <p:cNvSpPr/>
+            <p:nvPr/>
+          </p:nvSpPr>
+          <p:spPr>
+            <a:xfrm>
+              <a:off x="7730214" y="9542906"/>
+              <a:ext cx="1798968" cy="576000"/>
+            </a:xfrm>
+            <a:prstGeom prst="rect">
+              <a:avLst/>
+            </a:prstGeom>
+            <a:solidFill>
+              <a:schemeClr val="tx2"/>
+            </a:solidFill>
+            <a:ln w="12700" cap="flat" cmpd="sng">
+              <a:solidFill>
+                <a:schemeClr val="tx2"/>
+              </a:solidFill>
+              <a:prstDash val="solid"/>
+              <a:miter lim="800000"/>
+              <a:headEnd type="none" w="sm" len="sm"/>
+              <a:tailEnd type="none" w="sm" len="sm"/>
+            </a:ln>
+          </p:spPr>
+          <p:txBody>
+            <a:bodyPr spcFirstLastPara="1" wrap="square" lIns="91425" tIns="45700" rIns="91425" bIns="45700" anchor="ctr" anchorCtr="0">
+              <a:noAutofit/>
+            </a:bodyPr>
+            <a:lstStyle/>
+            <a:p>
+              <a:pPr>
+                <a:lnSpc>
+                  <a:spcPct val="107000"/>
+                </a:lnSpc>
+              </a:pPr>
+              <a:r>
+                <a:rPr lang="en-AU" sz="1500" b="1" dirty="0">
+                  <a:latin typeface="Calibri" panose="020F0502020204030204" pitchFamily="34" charset="0"/>
+                  <a:ea typeface="Calibri" panose="020F0502020204030204" pitchFamily="34" charset="0"/>
+                  <a:cs typeface="Calibri" panose="020F0502020204030204" pitchFamily="34" charset="0"/>
+                </a:rPr>
+                <a:t>Excluded factors:</a:t>
+              </a:r>
+            </a:p>
+            <a:p>
+              <a:pPr marL="72000">
+                <a:lnSpc>
+                  <a:spcPct val="107000"/>
+                </a:lnSpc>
+                <a:buFont typeface="Arial" panose="020B0604020202020204" pitchFamily="34" charset="0"/>
+                <a:buChar char="•"/>
+              </a:pPr>
+              <a:r>
+                <a:rPr lang="en-AU" sz="1500" dirty="0">
+                  <a:latin typeface="Calibri" panose="020F0502020204030204" pitchFamily="34" charset="0"/>
+                  <a:ea typeface="Calibri" panose="020F0502020204030204" pitchFamily="34" charset="0"/>
+                  <a:cs typeface="Calibri" panose="020F0502020204030204" pitchFamily="34" charset="0"/>
+                </a:rPr>
+                <a:t>Redundant</a:t>
+              </a:r>
+              <a:r>
+                <a:rPr lang="en-AU" sz="1500" b="1" dirty="0">
+                  <a:latin typeface="Calibri" panose="020F0502020204030204" pitchFamily="34" charset="0"/>
+                  <a:ea typeface="Calibri" panose="020F0502020204030204" pitchFamily="34" charset="0"/>
+                  <a:cs typeface="Calibri" panose="020F0502020204030204" pitchFamily="34" charset="0"/>
+                </a:rPr>
+                <a:t> </a:t>
+              </a:r>
+              <a:r>
+                <a:rPr lang="en-AU" sz="1500" dirty="0">
+                  <a:latin typeface="Calibri" panose="020F0502020204030204" pitchFamily="34" charset="0"/>
+                  <a:ea typeface="Calibri" panose="020F0502020204030204" pitchFamily="34" charset="0"/>
+                  <a:cs typeface="Calibri" panose="020F0502020204030204" pitchFamily="34" charset="0"/>
+                </a:rPr>
+                <a:t>(45)</a:t>
+              </a:r>
+            </a:p>
+          </p:txBody>
+        </p:sp>
+        <p:cxnSp>
+          <p:nvCxnSpPr>
+            <p:cNvPr id="64" name="Straight Arrow Connector 63">
+              <a:extLst>
+                <a:ext uri="{FF2B5EF4-FFF2-40B4-BE49-F238E27FC236}">
+                  <a16:creationId xmlns:a16="http://schemas.microsoft.com/office/drawing/2014/main" id="{B350BC97-62C0-3E06-8A29-BBF48A742CA1}"/>
+                </a:ext>
+              </a:extLst>
+            </p:cNvPr>
+            <p:cNvCxnSpPr>
+              <a:cxnSpLocks/>
+              <a:stCxn id="62" idx="3"/>
+              <a:endCxn id="63" idx="1"/>
+            </p:cNvCxnSpPr>
+            <p:nvPr/>
+          </p:nvCxnSpPr>
+          <p:spPr>
+            <a:xfrm flipV="1">
+              <a:off x="7453712" y="9830906"/>
+              <a:ext cx="276502" cy="1"/>
+            </a:xfrm>
+            <a:prstGeom prst="straightConnector1">
+              <a:avLst/>
+            </a:prstGeom>
+            <a:ln>
+              <a:tailEnd type="triangle"/>
+            </a:ln>
+          </p:spPr>
+          <p:style>
+            <a:lnRef idx="1">
+              <a:schemeClr val="accent1"/>
+            </a:lnRef>
+            <a:fillRef idx="0">
+              <a:schemeClr val="accent1"/>
+            </a:fillRef>
+            <a:effectRef idx="0">
+              <a:schemeClr val="accent1"/>
+            </a:effectRef>
+            <a:fontRef idx="minor">
+              <a:schemeClr val="tx1"/>
+            </a:fontRef>
+          </p:style>
+        </p:cxnSp>
+      </p:grpSp>
+      <p:cxnSp>
+        <p:nvCxnSpPr>
+          <p:cNvPr id="65" name="Straight Arrow Connector 64">
+            <a:extLst>
+              <a:ext uri="{FF2B5EF4-FFF2-40B4-BE49-F238E27FC236}">
+                <a16:creationId xmlns:a16="http://schemas.microsoft.com/office/drawing/2014/main" id="{4E5CC4F0-9A6C-086A-AD1E-1F3A9AD6A51B}"/>
+              </a:ext>
+            </a:extLst>
+          </p:cNvPr>
+          <p:cNvCxnSpPr>
+            <a:cxnSpLocks/>
+            <a:stCxn id="56" idx="2"/>
+            <a:endCxn id="62" idx="0"/>
+          </p:cNvCxnSpPr>
+          <p:nvPr/>
+        </p:nvCxnSpPr>
+        <p:spPr>
+          <a:xfrm>
+            <a:off x="5705111" y="8619826"/>
+            <a:ext cx="5698" cy="237837"/>
+          </a:xfrm>
+          <a:prstGeom prst="straightConnector1">
+            <a:avLst/>
+          </a:prstGeom>
+          <a:ln>
+            <a:tailEnd type="triangle"/>
+          </a:ln>
+        </p:spPr>
+        <p:style>
+          <a:lnRef idx="1">
+            <a:schemeClr val="accent1"/>
+          </a:lnRef>
+          <a:fillRef idx="0">
+            <a:schemeClr val="accent1"/>
+          </a:fillRef>
+          <a:effectRef idx="0">
+            <a:schemeClr val="accent1"/>
+          </a:effectRef>
+          <a:fontRef idx="minor">
+            <a:schemeClr val="tx1"/>
+          </a:fontRef>
+        </p:style>
+      </p:cxnSp>
+      <p:cxnSp>
+        <p:nvCxnSpPr>
+          <p:cNvPr id="69" name="Straight Arrow Connector 68">
+            <a:extLst>
+              <a:ext uri="{FF2B5EF4-FFF2-40B4-BE49-F238E27FC236}">
+                <a16:creationId xmlns:a16="http://schemas.microsoft.com/office/drawing/2014/main" id="{A7BDB296-3BC2-D322-2E44-FF26D5D0B814}"/>
+              </a:ext>
+            </a:extLst>
+          </p:cNvPr>
+          <p:cNvCxnSpPr>
+            <a:cxnSpLocks/>
+            <a:stCxn id="62" idx="2"/>
+            <a:endCxn id="68" idx="0"/>
+          </p:cNvCxnSpPr>
+          <p:nvPr/>
+        </p:nvCxnSpPr>
+        <p:spPr>
+          <a:xfrm flipH="1">
+            <a:off x="5701738" y="9424538"/>
+            <a:ext cx="9071" cy="194597"/>
+          </a:xfrm>
+          <a:prstGeom prst="straightConnector1">
+            <a:avLst/>
+          </a:prstGeom>
+          <a:ln>
+            <a:tailEnd type="triangle"/>
+          </a:ln>
+        </p:spPr>
+        <p:style>
+          <a:lnRef idx="1">
+            <a:schemeClr val="accent1"/>
+          </a:lnRef>
+          <a:fillRef idx="0">
+            <a:schemeClr val="accent1"/>
+          </a:fillRef>
+          <a:effectRef idx="0">
+            <a:schemeClr val="accent1"/>
+          </a:effectRef>
+          <a:fontRef idx="minor">
+            <a:schemeClr val="tx1"/>
+          </a:fontRef>
+        </p:style>
+      </p:cxnSp>
+      <p:grpSp>
+        <p:nvGrpSpPr>
+          <p:cNvPr id="215" name="Group 214">
+            <a:extLst>
+              <a:ext uri="{FF2B5EF4-FFF2-40B4-BE49-F238E27FC236}">
+                <a16:creationId xmlns:a16="http://schemas.microsoft.com/office/drawing/2014/main" id="{80CE8210-1D7F-3C16-0D60-978E199F7ED5}"/>
+              </a:ext>
+            </a:extLst>
+          </p:cNvPr>
+          <p:cNvGrpSpPr/>
+          <p:nvPr/>
+        </p:nvGrpSpPr>
+        <p:grpSpPr>
+          <a:xfrm>
+            <a:off x="3967905" y="9619135"/>
+            <a:ext cx="5519379" cy="996170"/>
+            <a:chOff x="3967905" y="10308941"/>
+            <a:chExt cx="5519379" cy="996170"/>
+          </a:xfrm>
+        </p:grpSpPr>
+        <p:sp>
+          <p:nvSpPr>
+            <p:cNvPr id="68" name="Google Shape;101;p13">
+              <a:extLst>
+                <a:ext uri="{FF2B5EF4-FFF2-40B4-BE49-F238E27FC236}">
+                  <a16:creationId xmlns:a16="http://schemas.microsoft.com/office/drawing/2014/main" id="{633A735D-C39E-0AD0-D49D-F7953F6F3813}"/>
+                </a:ext>
+              </a:extLst>
+            </p:cNvPr>
+            <p:cNvSpPr/>
+            <p:nvPr/>
+          </p:nvSpPr>
+          <p:spPr>
+            <a:xfrm>
+              <a:off x="3967905" y="10308941"/>
+              <a:ext cx="3467665" cy="996170"/>
+            </a:xfrm>
+            <a:prstGeom prst="rect">
+              <a:avLst/>
+            </a:prstGeom>
+            <a:noFill/>
+            <a:ln w="12700" cap="flat" cmpd="sng">
+              <a:solidFill>
+                <a:srgbClr val="31538F"/>
+              </a:solidFill>
+              <a:prstDash val="solid"/>
+              <a:miter lim="800000"/>
+              <a:headEnd type="none" w="sm" len="sm"/>
+              <a:tailEnd type="none" w="sm" len="sm"/>
+            </a:ln>
+          </p:spPr>
+          <p:txBody>
+            <a:bodyPr spcFirstLastPara="1" wrap="square" lIns="91425" tIns="45700" rIns="91425" bIns="45700" anchor="ctr" anchorCtr="0">
+              <a:noAutofit/>
+            </a:bodyPr>
+            <a:lstStyle/>
+            <a:p>
+              <a:pPr algn="ctr"/>
+              <a:r>
+                <a:rPr lang="en-US" sz="1500" dirty="0">
+                  <a:solidFill>
+                    <a:schemeClr val="dk1"/>
+                  </a:solidFill>
+                  <a:latin typeface="Calibri"/>
+                  <a:ea typeface="Calibri"/>
+                  <a:cs typeface="Calibri"/>
+                  <a:sym typeface="Calibri"/>
+                </a:rPr>
+                <a:t>Retained after feature selection with three algorithms and SVM </a:t>
+              </a:r>
+            </a:p>
+            <a:p>
+              <a:pPr algn="ctr"/>
+              <a:r>
+                <a:rPr lang="en-US" sz="1500" dirty="0">
+                  <a:solidFill>
+                    <a:schemeClr val="dk1"/>
+                  </a:solidFill>
+                  <a:latin typeface="Calibri"/>
+                  <a:ea typeface="Calibri"/>
+                  <a:cs typeface="Calibri"/>
+                  <a:sym typeface="Calibri"/>
+                </a:rPr>
+                <a:t>(14 direct predictors of </a:t>
+              </a:r>
+            </a:p>
+            <a:p>
+              <a:pPr algn="ctr"/>
+              <a:r>
+                <a:rPr lang="en-US" sz="1500" dirty="0">
+                  <a:solidFill>
+                    <a:schemeClr val="dk1"/>
+                  </a:solidFill>
+                  <a:latin typeface="Calibri"/>
+                  <a:ea typeface="Calibri"/>
+                  <a:cs typeface="Calibri"/>
+                  <a:sym typeface="Calibri"/>
+                </a:rPr>
+                <a:t>DFS adoption across 8 categories)</a:t>
+              </a:r>
+            </a:p>
+          </p:txBody>
+        </p:sp>
+        <p:sp>
+          <p:nvSpPr>
+            <p:cNvPr id="70" name="Google Shape;95;p13">
+              <a:extLst>
+                <a:ext uri="{FF2B5EF4-FFF2-40B4-BE49-F238E27FC236}">
+                  <a16:creationId xmlns:a16="http://schemas.microsoft.com/office/drawing/2014/main" id="{8A07D326-1650-F89D-F22F-E7B871C9E3C7}"/>
+                </a:ext>
+              </a:extLst>
+            </p:cNvPr>
+            <p:cNvSpPr/>
+            <p:nvPr/>
+          </p:nvSpPr>
+          <p:spPr>
+            <a:xfrm>
+              <a:off x="7688315" y="10412539"/>
+              <a:ext cx="1798969" cy="788975"/>
+            </a:xfrm>
+            <a:prstGeom prst="rect">
+              <a:avLst/>
+            </a:prstGeom>
+            <a:solidFill>
+              <a:schemeClr val="tx2"/>
+            </a:solidFill>
+            <a:ln w="12700" cap="flat" cmpd="sng">
+              <a:solidFill>
+                <a:schemeClr val="tx2"/>
+              </a:solidFill>
+              <a:prstDash val="solid"/>
+              <a:miter lim="800000"/>
+              <a:headEnd type="none" w="sm" len="sm"/>
+              <a:tailEnd type="none" w="sm" len="sm"/>
+            </a:ln>
+          </p:spPr>
+          <p:txBody>
+            <a:bodyPr spcFirstLastPara="1" wrap="square" lIns="91425" tIns="45700" rIns="91425" bIns="45700" anchor="ctr" anchorCtr="0">
+              <a:noAutofit/>
+            </a:bodyPr>
+            <a:lstStyle/>
+            <a:p>
+              <a:pPr>
+                <a:lnSpc>
+                  <a:spcPct val="107000"/>
+                </a:lnSpc>
+              </a:pPr>
+              <a:r>
+                <a:rPr lang="en-AU" sz="1500" b="1" dirty="0">
+                  <a:latin typeface="Calibri" panose="020F0502020204030204" pitchFamily="34" charset="0"/>
+                  <a:ea typeface="Calibri" panose="020F0502020204030204" pitchFamily="34" charset="0"/>
+                  <a:cs typeface="Calibri" panose="020F0502020204030204" pitchFamily="34" charset="0"/>
+                </a:rPr>
+                <a:t>Excluded factors:</a:t>
+              </a:r>
+            </a:p>
+            <a:p>
+              <a:pPr marL="72000">
+                <a:lnSpc>
+                  <a:spcPct val="107000"/>
+                </a:lnSpc>
+                <a:buFont typeface="Arial" panose="020B0604020202020204" pitchFamily="34" charset="0"/>
+                <a:buChar char="•"/>
+              </a:pPr>
+              <a:r>
+                <a:rPr lang="en-AU" sz="1500" dirty="0">
+                  <a:latin typeface="Calibri" panose="020F0502020204030204" pitchFamily="34" charset="0"/>
+                  <a:ea typeface="Calibri" panose="020F0502020204030204" pitchFamily="34" charset="0"/>
+                  <a:cs typeface="Calibri" panose="020F0502020204030204" pitchFamily="34" charset="0"/>
+                </a:rPr>
+                <a:t>Feature selection </a:t>
+              </a:r>
+              <a:r>
+                <a:rPr lang="en-AU" sz="1500">
+                  <a:latin typeface="Calibri" panose="020F0502020204030204" pitchFamily="34" charset="0"/>
+                  <a:ea typeface="Calibri" panose="020F0502020204030204" pitchFamily="34" charset="0"/>
+                  <a:cs typeface="Calibri" panose="020F0502020204030204" pitchFamily="34" charset="0"/>
+                </a:rPr>
+                <a:t>algorithms (95)</a:t>
+              </a:r>
+              <a:endParaRPr lang="en-AU" sz="1500" dirty="0">
+                <a:latin typeface="Calibri" panose="020F0502020204030204" pitchFamily="34" charset="0"/>
+                <a:ea typeface="Calibri" panose="020F0502020204030204" pitchFamily="34" charset="0"/>
+                <a:cs typeface="Calibri" panose="020F0502020204030204" pitchFamily="34" charset="0"/>
+              </a:endParaRPr>
+            </a:p>
+          </p:txBody>
+        </p:sp>
+        <p:cxnSp>
+          <p:nvCxnSpPr>
+            <p:cNvPr id="71" name="Straight Arrow Connector 70">
+              <a:extLst>
+                <a:ext uri="{FF2B5EF4-FFF2-40B4-BE49-F238E27FC236}">
+                  <a16:creationId xmlns:a16="http://schemas.microsoft.com/office/drawing/2014/main" id="{31784A15-805E-A558-2CBF-CCAD5165DB4A}"/>
+                </a:ext>
+              </a:extLst>
+            </p:cNvPr>
+            <p:cNvCxnSpPr>
+              <a:cxnSpLocks/>
+              <a:stCxn id="68" idx="3"/>
+              <a:endCxn id="70" idx="1"/>
+            </p:cNvCxnSpPr>
+            <p:nvPr/>
+          </p:nvCxnSpPr>
+          <p:spPr>
+            <a:xfrm>
+              <a:off x="7435570" y="10807026"/>
+              <a:ext cx="252745" cy="1"/>
+            </a:xfrm>
+            <a:prstGeom prst="straightConnector1">
+              <a:avLst/>
+            </a:prstGeom>
+            <a:ln>
+              <a:tailEnd type="triangle"/>
+            </a:ln>
+          </p:spPr>
+          <p:style>
+            <a:lnRef idx="1">
+              <a:schemeClr val="accent1"/>
+            </a:lnRef>
+            <a:fillRef idx="0">
+              <a:schemeClr val="accent1"/>
+            </a:fillRef>
+            <a:effectRef idx="0">
+              <a:schemeClr val="accent1"/>
+            </a:effectRef>
+            <a:fontRef idx="minor">
+              <a:schemeClr val="tx1"/>
+            </a:fontRef>
+          </p:style>
+        </p:cxnSp>
+      </p:grpSp>
+      <p:cxnSp>
+        <p:nvCxnSpPr>
+          <p:cNvPr id="76" name="Straight Arrow Connector 75">
+            <a:extLst>
+              <a:ext uri="{FF2B5EF4-FFF2-40B4-BE49-F238E27FC236}">
+                <a16:creationId xmlns:a16="http://schemas.microsoft.com/office/drawing/2014/main" id="{DA874901-D95E-4587-2581-60A6B619C640}"/>
+              </a:ext>
+            </a:extLst>
+          </p:cNvPr>
+          <p:cNvCxnSpPr>
+            <a:cxnSpLocks/>
+            <a:stCxn id="5" idx="2"/>
+            <a:endCxn id="47" idx="0"/>
+          </p:cNvCxnSpPr>
+          <p:nvPr/>
+        </p:nvCxnSpPr>
+        <p:spPr>
+          <a:xfrm>
+            <a:off x="5708679" y="6971587"/>
+            <a:ext cx="1" cy="217396"/>
+          </a:xfrm>
+          <a:prstGeom prst="straightConnector1">
+            <a:avLst/>
+          </a:prstGeom>
+          <a:ln>
+            <a:tailEnd type="triangle"/>
+          </a:ln>
+        </p:spPr>
+        <p:style>
+          <a:lnRef idx="1">
+            <a:schemeClr val="accent1"/>
+          </a:lnRef>
+          <a:fillRef idx="0">
+            <a:schemeClr val="accent1"/>
+          </a:fillRef>
+          <a:effectRef idx="0">
+            <a:schemeClr val="accent1"/>
+          </a:effectRef>
+          <a:fontRef idx="minor">
+            <a:schemeClr val="tx1"/>
+          </a:fontRef>
+        </p:style>
+      </p:cxnSp>
+      <p:sp>
+        <p:nvSpPr>
+          <p:cNvPr id="108" name="Google Shape;96;p13">
+            <a:extLst>
+              <a:ext uri="{FF2B5EF4-FFF2-40B4-BE49-F238E27FC236}">
+                <a16:creationId xmlns:a16="http://schemas.microsoft.com/office/drawing/2014/main" id="{83625CCF-BDFE-A50F-6ED0-CA7BFA1A1105}"/>
+              </a:ext>
+            </a:extLst>
+          </p:cNvPr>
+          <p:cNvSpPr/>
+          <p:nvPr/>
+        </p:nvSpPr>
+        <p:spPr>
+          <a:xfrm>
+            <a:off x="539993" y="10696491"/>
+            <a:ext cx="738404" cy="1737435"/>
+          </a:xfrm>
+          <a:prstGeom prst="roundRect">
+            <a:avLst>
+              <a:gd name="adj" fmla="val 16667"/>
+            </a:avLst>
+          </a:prstGeom>
+          <a:solidFill>
+            <a:schemeClr val="accent1"/>
+          </a:solidFill>
+          <a:ln w="12700" cap="flat" cmpd="sng">
+            <a:solidFill>
+              <a:srgbClr val="31538F"/>
+            </a:solidFill>
+            <a:prstDash val="solid"/>
+            <a:miter lim="800000"/>
+            <a:headEnd type="none" w="sm" len="sm"/>
+            <a:tailEnd type="none" w="sm" len="sm"/>
+          </a:ln>
+        </p:spPr>
+        <p:txBody>
+          <a:bodyPr spcFirstLastPara="1" wrap="square" lIns="91425" tIns="91425" rIns="91425" bIns="91425" anchor="ctr" anchorCtr="0">
+            <a:noAutofit/>
+          </a:bodyPr>
+          <a:lstStyle/>
+          <a:p>
+            <a:endParaRPr/>
+          </a:p>
+        </p:txBody>
+      </p:sp>
+      <p:sp>
+        <p:nvSpPr>
+          <p:cNvPr id="109" name="Google Shape;100;p13">
+            <a:extLst>
+              <a:ext uri="{FF2B5EF4-FFF2-40B4-BE49-F238E27FC236}">
+                <a16:creationId xmlns:a16="http://schemas.microsoft.com/office/drawing/2014/main" id="{7EE7DB23-0E9F-4CEC-F184-D62D82C90499}"/>
+              </a:ext>
+            </a:extLst>
+          </p:cNvPr>
+          <p:cNvSpPr/>
+          <p:nvPr/>
+        </p:nvSpPr>
+        <p:spPr>
+          <a:xfrm>
+            <a:off x="2829559" y="10791822"/>
+            <a:ext cx="5758241" cy="390018"/>
+          </a:xfrm>
+          <a:prstGeom prst="rect">
+            <a:avLst/>
+          </a:prstGeom>
+          <a:solidFill>
+            <a:schemeClr val="accent1"/>
+          </a:solidFill>
+          <a:ln w="12700" cap="flat" cmpd="sng">
+            <a:noFill/>
+            <a:prstDash val="solid"/>
+            <a:miter lim="800000"/>
+            <a:headEnd type="none" w="sm" len="sm"/>
+            <a:tailEnd type="none" w="sm" len="sm"/>
+          </a:ln>
+        </p:spPr>
+        <p:txBody>
+          <a:bodyPr spcFirstLastPara="1" wrap="square" lIns="91425" tIns="45700" rIns="91425" bIns="45700" anchor="ctr" anchorCtr="0">
+            <a:noAutofit/>
+          </a:bodyPr>
+          <a:lstStyle/>
+          <a:p>
+            <a:pPr algn="ctr"/>
+            <a:r>
+              <a:rPr lang="en-US" sz="2000" b="1" dirty="0">
+                <a:solidFill>
+                  <a:schemeClr val="bg1"/>
+                </a:solidFill>
+                <a:latin typeface="Calibri"/>
+                <a:cs typeface="Calibri"/>
+                <a:sym typeface="Calibri"/>
+              </a:rPr>
+              <a:t>LOGISTIC REGRESSION</a:t>
+            </a:r>
+            <a:endParaRPr sz="2000" b="1" dirty="0">
+              <a:solidFill>
+                <a:schemeClr val="bg1"/>
+              </a:solidFill>
+            </a:endParaRPr>
+          </a:p>
+        </p:txBody>
+      </p:sp>
+      <p:cxnSp>
+        <p:nvCxnSpPr>
+          <p:cNvPr id="110" name="Straight Arrow Connector 109">
+            <a:extLst>
+              <a:ext uri="{FF2B5EF4-FFF2-40B4-BE49-F238E27FC236}">
+                <a16:creationId xmlns:a16="http://schemas.microsoft.com/office/drawing/2014/main" id="{B012A406-70C6-22CF-814A-99753EA99293}"/>
+              </a:ext>
+            </a:extLst>
+          </p:cNvPr>
+          <p:cNvCxnSpPr>
+            <a:cxnSpLocks/>
+            <a:stCxn id="109" idx="2"/>
+            <a:endCxn id="119" idx="0"/>
+          </p:cNvCxnSpPr>
+          <p:nvPr/>
+        </p:nvCxnSpPr>
+        <p:spPr>
+          <a:xfrm>
+            <a:off x="5708680" y="11181840"/>
+            <a:ext cx="0" cy="211653"/>
+          </a:xfrm>
+          <a:prstGeom prst="straightConnector1">
+            <a:avLst/>
+          </a:prstGeom>
+          <a:ln>
+            <a:tailEnd type="triangle"/>
+          </a:ln>
+        </p:spPr>
+        <p:style>
+          <a:lnRef idx="1">
+            <a:schemeClr val="accent1"/>
+          </a:lnRef>
+          <a:fillRef idx="0">
+            <a:schemeClr val="accent1"/>
+          </a:fillRef>
+          <a:effectRef idx="0">
+            <a:schemeClr val="accent1"/>
+          </a:effectRef>
+          <a:fontRef idx="minor">
+            <a:schemeClr val="tx1"/>
+          </a:fontRef>
+        </p:style>
+      </p:cxnSp>
+      <p:sp>
+        <p:nvSpPr>
+          <p:cNvPr id="111" name="Google Shape;97;p13">
+            <a:extLst>
+              <a:ext uri="{FF2B5EF4-FFF2-40B4-BE49-F238E27FC236}">
+                <a16:creationId xmlns:a16="http://schemas.microsoft.com/office/drawing/2014/main" id="{E65D6EE0-6B7F-D0DF-85D4-D09423A4AA92}"/>
+              </a:ext>
+            </a:extLst>
+          </p:cNvPr>
+          <p:cNvSpPr txBox="1"/>
+          <p:nvPr/>
+        </p:nvSpPr>
+        <p:spPr>
+          <a:xfrm rot="16200000">
+            <a:off x="67948" y="11237506"/>
+            <a:ext cx="1737437" cy="517916"/>
+          </a:xfrm>
+          <a:prstGeom prst="rect">
+            <a:avLst/>
+          </a:prstGeom>
+          <a:noFill/>
+          <a:ln>
+            <a:noFill/>
+          </a:ln>
+        </p:spPr>
+        <p:txBody>
+          <a:bodyPr spcFirstLastPara="1" wrap="square" lIns="91425" tIns="45700" rIns="91425" bIns="45700" anchor="ctr" anchorCtr="0">
+            <a:noAutofit/>
+          </a:bodyPr>
+          <a:lstStyle/>
+          <a:p>
+            <a:pPr algn="ctr"/>
+            <a:r>
+              <a:rPr lang="en-GB" sz="1600" b="1" dirty="0">
+                <a:solidFill>
+                  <a:schemeClr val="lt1"/>
+                </a:solidFill>
+                <a:latin typeface="Calibri"/>
+                <a:ea typeface="Calibri"/>
+                <a:cs typeface="Calibri"/>
+                <a:sym typeface="Calibri"/>
+              </a:rPr>
+              <a:t>Significant direct predictors of </a:t>
+            </a:r>
+          </a:p>
+          <a:p>
+            <a:pPr algn="ctr"/>
+            <a:r>
+              <a:rPr lang="en-GB" sz="1600" b="1" dirty="0">
+                <a:solidFill>
+                  <a:schemeClr val="lt1"/>
+                </a:solidFill>
+                <a:latin typeface="Calibri"/>
+                <a:ea typeface="Calibri"/>
+                <a:cs typeface="Calibri"/>
+                <a:sym typeface="Calibri"/>
+              </a:rPr>
+              <a:t>DFS adoption</a:t>
+            </a:r>
+            <a:endParaRPr sz="1600" b="1" dirty="0">
+              <a:solidFill>
+                <a:schemeClr val="lt1"/>
+              </a:solidFill>
+              <a:latin typeface="Calibri"/>
+              <a:ea typeface="Calibri"/>
+              <a:cs typeface="Calibri"/>
+              <a:sym typeface="Calibri"/>
+            </a:endParaRPr>
+          </a:p>
+        </p:txBody>
+      </p:sp>
+      <p:cxnSp>
+        <p:nvCxnSpPr>
+          <p:cNvPr id="113" name="Straight Arrow Connector 112">
+            <a:extLst>
+              <a:ext uri="{FF2B5EF4-FFF2-40B4-BE49-F238E27FC236}">
+                <a16:creationId xmlns:a16="http://schemas.microsoft.com/office/drawing/2014/main" id="{D6606865-F7FF-F261-000B-0FB730D95494}"/>
+              </a:ext>
+            </a:extLst>
+          </p:cNvPr>
+          <p:cNvCxnSpPr>
+            <a:cxnSpLocks/>
+            <a:stCxn id="115" idx="3"/>
+            <a:endCxn id="114" idx="1"/>
+          </p:cNvCxnSpPr>
+          <p:nvPr/>
+        </p:nvCxnSpPr>
+        <p:spPr>
+          <a:xfrm flipV="1">
+            <a:off x="7817561" y="12585274"/>
+            <a:ext cx="351194" cy="21422"/>
+          </a:xfrm>
+          <a:prstGeom prst="straightConnector1">
+            <a:avLst/>
+          </a:prstGeom>
+          <a:ln>
+            <a:tailEnd type="triangle"/>
+          </a:ln>
+        </p:spPr>
+        <p:style>
+          <a:lnRef idx="1">
+            <a:schemeClr val="accent1"/>
+          </a:lnRef>
+          <a:fillRef idx="0">
+            <a:schemeClr val="accent1"/>
+          </a:fillRef>
+          <a:effectRef idx="0">
+            <a:schemeClr val="accent1"/>
+          </a:effectRef>
+          <a:fontRef idx="minor">
+            <a:schemeClr val="tx1"/>
+          </a:fontRef>
+        </p:style>
+      </p:cxnSp>
+      <p:sp>
+        <p:nvSpPr>
+          <p:cNvPr id="114" name="Google Shape;95;p13">
+            <a:extLst>
+              <a:ext uri="{FF2B5EF4-FFF2-40B4-BE49-F238E27FC236}">
+                <a16:creationId xmlns:a16="http://schemas.microsoft.com/office/drawing/2014/main" id="{3BFE2659-4FF9-4592-842C-000DDB84D352}"/>
+              </a:ext>
+            </a:extLst>
+          </p:cNvPr>
+          <p:cNvSpPr/>
+          <p:nvPr/>
+        </p:nvSpPr>
+        <p:spPr>
+          <a:xfrm>
+            <a:off x="8168755" y="12064714"/>
+            <a:ext cx="2637055" cy="1041119"/>
+          </a:xfrm>
+          <a:prstGeom prst="rect">
+            <a:avLst/>
+          </a:prstGeom>
+          <a:solidFill>
+            <a:schemeClr val="tx2"/>
+          </a:solidFill>
+          <a:ln w="12700" cap="flat" cmpd="sng">
+            <a:solidFill>
+              <a:schemeClr val="tx2"/>
+            </a:solidFill>
+            <a:prstDash val="solid"/>
+            <a:miter lim="800000"/>
+            <a:headEnd type="none" w="sm" len="sm"/>
+            <a:tailEnd type="none" w="sm" len="sm"/>
+          </a:ln>
+        </p:spPr>
+        <p:txBody>
+          <a:bodyPr spcFirstLastPara="1" wrap="square" lIns="91425" tIns="45700" rIns="91425" bIns="45700" anchor="ctr" anchorCtr="0">
+            <a:noAutofit/>
+          </a:bodyPr>
+          <a:lstStyle/>
+          <a:p>
+            <a:pPr>
+              <a:lnSpc>
+                <a:spcPct val="107000"/>
+              </a:lnSpc>
+            </a:pPr>
+            <a:r>
+              <a:rPr lang="en-AU" sz="1500" b="1" dirty="0">
+                <a:latin typeface="Calibri" panose="020F0502020204030204" pitchFamily="34" charset="0"/>
+                <a:ea typeface="Calibri" panose="020F0502020204030204" pitchFamily="34" charset="0"/>
+                <a:cs typeface="Calibri" panose="020F0502020204030204" pitchFamily="34" charset="0"/>
+              </a:rPr>
+              <a:t>Excluded factors:</a:t>
+            </a:r>
+          </a:p>
+          <a:p>
+            <a:pPr marL="72000">
+              <a:lnSpc>
+                <a:spcPct val="107000"/>
+              </a:lnSpc>
+              <a:buFont typeface="Arial" panose="020B0604020202020204" pitchFamily="34" charset="0"/>
+              <a:buChar char="•"/>
+            </a:pPr>
+            <a:r>
+              <a:rPr lang="en-AU" sz="1500" dirty="0">
+                <a:latin typeface="Calibri" panose="020F0502020204030204" pitchFamily="34" charset="0"/>
+                <a:ea typeface="Calibri" panose="020F0502020204030204" pitchFamily="34" charset="0"/>
+                <a:cs typeface="Calibri" panose="020F0502020204030204" pitchFamily="34" charset="0"/>
+              </a:rPr>
+              <a:t>Irrelevant (139)</a:t>
+            </a:r>
+          </a:p>
+          <a:p>
+            <a:pPr marL="72000">
+              <a:lnSpc>
+                <a:spcPct val="107000"/>
+              </a:lnSpc>
+              <a:buFont typeface="Arial" panose="020B0604020202020204" pitchFamily="34" charset="0"/>
+              <a:buChar char="•"/>
+            </a:pPr>
+            <a:r>
+              <a:rPr lang="en-AU" sz="1500" dirty="0">
+                <a:latin typeface="Calibri" panose="020F0502020204030204" pitchFamily="34" charset="0"/>
+                <a:ea typeface="Calibri" panose="020F0502020204030204" pitchFamily="34" charset="0"/>
+                <a:cs typeface="Calibri" panose="020F0502020204030204" pitchFamily="34" charset="0"/>
+              </a:rPr>
+              <a:t>Redundant ()</a:t>
+            </a:r>
+          </a:p>
+          <a:p>
+            <a:pPr marL="72000">
+              <a:lnSpc>
+                <a:spcPct val="107000"/>
+              </a:lnSpc>
+              <a:buFont typeface="Arial" panose="020B0604020202020204" pitchFamily="34" charset="0"/>
+              <a:buChar char="•"/>
+            </a:pPr>
+            <a:r>
+              <a:rPr lang="en-AU" sz="1500" dirty="0">
+                <a:latin typeface="Calibri" panose="020F0502020204030204" pitchFamily="34" charset="0"/>
+                <a:ea typeface="Calibri" panose="020F0502020204030204" pitchFamily="34" charset="0"/>
+                <a:cs typeface="Calibri" panose="020F0502020204030204" pitchFamily="34" charset="0"/>
+              </a:rPr>
+              <a:t>Feature selection algorithms</a:t>
+            </a:r>
+            <a:endParaRPr lang="en-US" sz="1500" dirty="0">
+              <a:latin typeface="Calibri" panose="020F0502020204030204" pitchFamily="34" charset="0"/>
+              <a:ea typeface="Calibri" panose="020F0502020204030204" pitchFamily="34" charset="0"/>
+              <a:cs typeface="Calibri" panose="020F0502020204030204" pitchFamily="34" charset="0"/>
+            </a:endParaRPr>
+          </a:p>
+        </p:txBody>
+      </p:sp>
+      <p:sp>
+        <p:nvSpPr>
+          <p:cNvPr id="115" name="Google Shape;101;p13">
+            <a:extLst>
+              <a:ext uri="{FF2B5EF4-FFF2-40B4-BE49-F238E27FC236}">
+                <a16:creationId xmlns:a16="http://schemas.microsoft.com/office/drawing/2014/main" id="{F74FDC03-DC70-792B-D403-29C6326E6550}"/>
+              </a:ext>
+            </a:extLst>
+          </p:cNvPr>
+          <p:cNvSpPr/>
+          <p:nvPr/>
+        </p:nvSpPr>
+        <p:spPr>
+          <a:xfrm>
+            <a:off x="3599797" y="12241415"/>
+            <a:ext cx="4217764" cy="730561"/>
+          </a:xfrm>
+          <a:prstGeom prst="rect">
+            <a:avLst/>
+          </a:prstGeom>
+          <a:noFill/>
+          <a:ln w="12700" cap="flat" cmpd="sng">
+            <a:solidFill>
+              <a:srgbClr val="31538F"/>
+            </a:solidFill>
+            <a:prstDash val="solid"/>
+            <a:miter lim="800000"/>
+            <a:headEnd type="none" w="sm" len="sm"/>
+            <a:tailEnd type="none" w="sm" len="sm"/>
+          </a:ln>
+        </p:spPr>
+        <p:txBody>
+          <a:bodyPr spcFirstLastPara="1" wrap="square" lIns="91425" tIns="45700" rIns="91425" bIns="45700" anchor="ctr" anchorCtr="0">
+            <a:noAutofit/>
+          </a:bodyPr>
+          <a:lstStyle/>
+          <a:p>
+            <a:pPr algn="ctr"/>
+            <a:r>
+              <a:rPr lang="en-US" sz="1600" b="1" dirty="0">
+                <a:solidFill>
+                  <a:schemeClr val="dk1"/>
+                </a:solidFill>
+                <a:latin typeface="Calibri"/>
+                <a:ea typeface="Calibri"/>
+                <a:cs typeface="Calibri"/>
+                <a:sym typeface="Calibri"/>
+              </a:rPr>
+              <a:t>Household influence in resource governance</a:t>
+            </a:r>
+          </a:p>
+          <a:p>
+            <a:pPr algn="ctr"/>
+            <a:r>
+              <a:rPr lang="en-US" sz="1500" dirty="0">
+                <a:solidFill>
+                  <a:schemeClr val="dk1"/>
+                </a:solidFill>
+                <a:latin typeface="Calibri"/>
+                <a:ea typeface="Calibri"/>
+                <a:cs typeface="Calibri"/>
+                <a:sym typeface="Calibri"/>
+              </a:rPr>
+              <a:t>Retained after selection and prioritization</a:t>
+            </a:r>
+          </a:p>
+          <a:p>
+            <a:pPr algn="ctr"/>
+            <a:r>
+              <a:rPr lang="en-US" sz="1500" dirty="0">
+                <a:solidFill>
+                  <a:schemeClr val="dk1"/>
+                </a:solidFill>
+                <a:latin typeface="Calibri"/>
+                <a:ea typeface="Calibri"/>
+                <a:cs typeface="Calibri"/>
+                <a:sym typeface="Calibri"/>
+              </a:rPr>
+              <a:t>(9 indirect predictors)</a:t>
+            </a:r>
+          </a:p>
+        </p:txBody>
+      </p:sp>
+      <p:grpSp>
+        <p:nvGrpSpPr>
+          <p:cNvPr id="196" name="Group 195">
+            <a:extLst>
+              <a:ext uri="{FF2B5EF4-FFF2-40B4-BE49-F238E27FC236}">
+                <a16:creationId xmlns:a16="http://schemas.microsoft.com/office/drawing/2014/main" id="{8C671E31-3B89-FDF3-67F5-C6BFE35AB65B}"/>
+              </a:ext>
+            </a:extLst>
+          </p:cNvPr>
+          <p:cNvGrpSpPr/>
+          <p:nvPr/>
+        </p:nvGrpSpPr>
+        <p:grpSpPr>
+          <a:xfrm>
+            <a:off x="515308" y="12515111"/>
+            <a:ext cx="738404" cy="3251994"/>
+            <a:chOff x="3471562" y="14082833"/>
+            <a:chExt cx="738404" cy="5054946"/>
+          </a:xfrm>
+        </p:grpSpPr>
+        <p:sp>
+          <p:nvSpPr>
+            <p:cNvPr id="117" name="Google Shape;96;p13">
+              <a:extLst>
+                <a:ext uri="{FF2B5EF4-FFF2-40B4-BE49-F238E27FC236}">
+                  <a16:creationId xmlns:a16="http://schemas.microsoft.com/office/drawing/2014/main" id="{7C59C87C-DB1F-51CE-4232-06E394E19980}"/>
+                </a:ext>
+              </a:extLst>
+            </p:cNvPr>
+            <p:cNvSpPr/>
+            <p:nvPr/>
+          </p:nvSpPr>
+          <p:spPr>
+            <a:xfrm>
+              <a:off x="3471562" y="14082833"/>
+              <a:ext cx="738404" cy="5054946"/>
+            </a:xfrm>
+            <a:prstGeom prst="roundRect">
+              <a:avLst>
+                <a:gd name="adj" fmla="val 16667"/>
+              </a:avLst>
+            </a:prstGeom>
+            <a:solidFill>
+              <a:schemeClr val="accent1"/>
+            </a:solidFill>
+            <a:ln w="12700" cap="flat" cmpd="sng">
+              <a:solidFill>
+                <a:srgbClr val="31538F"/>
+              </a:solidFill>
+              <a:prstDash val="solid"/>
+              <a:miter lim="800000"/>
+              <a:headEnd type="none" w="sm" len="sm"/>
+              <a:tailEnd type="none" w="sm" len="sm"/>
+            </a:ln>
+          </p:spPr>
+          <p:txBody>
+            <a:bodyPr spcFirstLastPara="1" wrap="square" lIns="91425" tIns="91425" rIns="91425" bIns="91425" anchor="ctr" anchorCtr="0">
+              <a:noAutofit/>
+            </a:bodyPr>
+            <a:lstStyle/>
+            <a:p>
+              <a:endParaRPr/>
+            </a:p>
+          </p:txBody>
+        </p:sp>
+        <p:sp>
+          <p:nvSpPr>
+            <p:cNvPr id="118" name="Google Shape;97;p13">
+              <a:extLst>
+                <a:ext uri="{FF2B5EF4-FFF2-40B4-BE49-F238E27FC236}">
+                  <a16:creationId xmlns:a16="http://schemas.microsoft.com/office/drawing/2014/main" id="{91650BCC-A113-C421-9B6A-40E6AF4FD0E5}"/>
+                </a:ext>
+              </a:extLst>
+            </p:cNvPr>
+            <p:cNvSpPr txBox="1"/>
+            <p:nvPr/>
+          </p:nvSpPr>
+          <p:spPr>
+            <a:xfrm rot="16200000">
+              <a:off x="1417106" y="16279712"/>
+              <a:ext cx="4911674" cy="517916"/>
+            </a:xfrm>
+            <a:prstGeom prst="rect">
+              <a:avLst/>
+            </a:prstGeom>
+            <a:noFill/>
+            <a:ln>
+              <a:noFill/>
+            </a:ln>
+          </p:spPr>
+          <p:txBody>
+            <a:bodyPr spcFirstLastPara="1" wrap="square" lIns="91425" tIns="45700" rIns="91425" bIns="45700" anchor="ctr" anchorCtr="0">
+              <a:noAutofit/>
+            </a:bodyPr>
+            <a:lstStyle/>
+            <a:p>
+              <a:pPr algn="ctr"/>
+              <a:r>
+                <a:rPr lang="en-GB" sz="1600" b="1" dirty="0">
+                  <a:solidFill>
+                    <a:schemeClr val="lt1"/>
+                  </a:solidFill>
+                  <a:latin typeface="Calibri"/>
+                  <a:ea typeface="Calibri"/>
+                  <a:cs typeface="Calibri"/>
+                  <a:sym typeface="Calibri"/>
+                </a:rPr>
+                <a:t>Selection and prioritization of indirect predictors of DFS adoption</a:t>
+              </a:r>
+              <a:endParaRPr sz="1600" b="1" dirty="0">
+                <a:solidFill>
+                  <a:schemeClr val="lt1"/>
+                </a:solidFill>
+                <a:latin typeface="Calibri"/>
+                <a:ea typeface="Calibri"/>
+                <a:cs typeface="Calibri"/>
+                <a:sym typeface="Calibri"/>
+              </a:endParaRPr>
+            </a:p>
+          </p:txBody>
+        </p:sp>
+      </p:grpSp>
+      <p:sp>
+        <p:nvSpPr>
+          <p:cNvPr id="119" name="Google Shape;101;p13">
+            <a:extLst>
+              <a:ext uri="{FF2B5EF4-FFF2-40B4-BE49-F238E27FC236}">
+                <a16:creationId xmlns:a16="http://schemas.microsoft.com/office/drawing/2014/main" id="{9A51D96A-9968-C85F-1EB9-067C1787EFD5}"/>
+              </a:ext>
+            </a:extLst>
+          </p:cNvPr>
+          <p:cNvSpPr/>
+          <p:nvPr/>
+        </p:nvSpPr>
+        <p:spPr>
+          <a:xfrm>
+            <a:off x="3896964" y="11393493"/>
+            <a:ext cx="3623431" cy="527702"/>
+          </a:xfrm>
+          <a:prstGeom prst="rect">
+            <a:avLst/>
+          </a:prstGeom>
+          <a:noFill/>
+          <a:ln w="12700" cap="flat" cmpd="sng">
+            <a:solidFill>
+              <a:srgbClr val="31538F"/>
+            </a:solidFill>
+            <a:prstDash val="solid"/>
+            <a:miter lim="800000"/>
+            <a:headEnd type="none" w="sm" len="sm"/>
+            <a:tailEnd type="none" w="sm" len="sm"/>
+          </a:ln>
+        </p:spPr>
+        <p:txBody>
+          <a:bodyPr spcFirstLastPara="1" wrap="square" lIns="91425" tIns="45700" rIns="91425" bIns="45700" anchor="ctr" anchorCtr="0">
+            <a:noAutofit/>
+          </a:bodyPr>
+          <a:lstStyle/>
+          <a:p>
+            <a:pPr marL="285750" indent="-285750">
+              <a:lnSpc>
+                <a:spcPts val="1300"/>
+              </a:lnSpc>
+              <a:buFont typeface="Arial" panose="020B0604020202020204" pitchFamily="34" charset="0"/>
+              <a:buChar char="•"/>
+            </a:pPr>
+            <a:r>
+              <a:rPr lang="en-US" sz="1300" dirty="0">
+                <a:solidFill>
+                  <a:schemeClr val="dk1"/>
+                </a:solidFill>
+                <a:latin typeface="Calibri"/>
+                <a:ea typeface="Calibri"/>
+                <a:cs typeface="Calibri"/>
+                <a:sym typeface="Calibri"/>
+              </a:rPr>
+              <a:t>Household influence in resource governance</a:t>
+            </a:r>
+          </a:p>
+          <a:p>
+            <a:pPr marL="285750" indent="-285750">
+              <a:lnSpc>
+                <a:spcPts val="1300"/>
+              </a:lnSpc>
+              <a:buFont typeface="Arial" panose="020B0604020202020204" pitchFamily="34" charset="0"/>
+              <a:buChar char="•"/>
+            </a:pPr>
+            <a:r>
+              <a:rPr lang="en-US" sz="1300" dirty="0">
+                <a:solidFill>
+                  <a:schemeClr val="dk1"/>
+                </a:solidFill>
+                <a:latin typeface="Calibri"/>
+                <a:cs typeface="Calibri"/>
+                <a:sym typeface="Calibri"/>
+              </a:rPr>
+              <a:t>Training participation</a:t>
+            </a:r>
+          </a:p>
+        </p:txBody>
+      </p:sp>
+      <p:cxnSp>
+        <p:nvCxnSpPr>
+          <p:cNvPr id="136" name="Straight Arrow Connector 135">
+            <a:extLst>
+              <a:ext uri="{FF2B5EF4-FFF2-40B4-BE49-F238E27FC236}">
+                <a16:creationId xmlns:a16="http://schemas.microsoft.com/office/drawing/2014/main" id="{130F6899-EDCA-82FB-E97D-B87BDEC363CD}"/>
+              </a:ext>
+            </a:extLst>
+          </p:cNvPr>
+          <p:cNvCxnSpPr>
+            <a:cxnSpLocks/>
+            <a:stCxn id="138" idx="3"/>
+            <a:endCxn id="137" idx="1"/>
+          </p:cNvCxnSpPr>
+          <p:nvPr/>
+        </p:nvCxnSpPr>
+        <p:spPr>
+          <a:xfrm>
+            <a:off x="7817561" y="13736865"/>
+            <a:ext cx="351194" cy="5309"/>
+          </a:xfrm>
+          <a:prstGeom prst="straightConnector1">
+            <a:avLst/>
+          </a:prstGeom>
+          <a:ln>
+            <a:tailEnd type="triangle"/>
+          </a:ln>
+        </p:spPr>
+        <p:style>
+          <a:lnRef idx="1">
+            <a:schemeClr val="accent1"/>
+          </a:lnRef>
+          <a:fillRef idx="0">
+            <a:schemeClr val="accent1"/>
+          </a:fillRef>
+          <a:effectRef idx="0">
+            <a:schemeClr val="accent1"/>
+          </a:effectRef>
+          <a:fontRef idx="minor">
+            <a:schemeClr val="tx1"/>
+          </a:fontRef>
+        </p:style>
+      </p:cxnSp>
+      <p:sp>
+        <p:nvSpPr>
+          <p:cNvPr id="137" name="Google Shape;95;p13">
+            <a:extLst>
+              <a:ext uri="{FF2B5EF4-FFF2-40B4-BE49-F238E27FC236}">
+                <a16:creationId xmlns:a16="http://schemas.microsoft.com/office/drawing/2014/main" id="{64C904DD-990B-D884-F2E5-62124E8FC76D}"/>
+              </a:ext>
+            </a:extLst>
+          </p:cNvPr>
+          <p:cNvSpPr/>
+          <p:nvPr/>
+        </p:nvSpPr>
+        <p:spPr>
+          <a:xfrm>
+            <a:off x="8168755" y="13221614"/>
+            <a:ext cx="2637055" cy="1041119"/>
+          </a:xfrm>
+          <a:prstGeom prst="rect">
+            <a:avLst/>
+          </a:prstGeom>
+          <a:solidFill>
+            <a:schemeClr val="tx2"/>
+          </a:solidFill>
+          <a:ln w="12700" cap="flat" cmpd="sng">
+            <a:solidFill>
+              <a:schemeClr val="tx2"/>
+            </a:solidFill>
+            <a:prstDash val="solid"/>
+            <a:miter lim="800000"/>
+            <a:headEnd type="none" w="sm" len="sm"/>
+            <a:tailEnd type="none" w="sm" len="sm"/>
+          </a:ln>
+        </p:spPr>
+        <p:txBody>
+          <a:bodyPr spcFirstLastPara="1" wrap="square" lIns="91425" tIns="45700" rIns="91425" bIns="45700" anchor="ctr" anchorCtr="0">
+            <a:noAutofit/>
+          </a:bodyPr>
+          <a:lstStyle/>
+          <a:p>
+            <a:pPr>
+              <a:lnSpc>
+                <a:spcPct val="107000"/>
+              </a:lnSpc>
+            </a:pPr>
+            <a:r>
+              <a:rPr lang="en-AU" sz="1500" b="1" dirty="0">
+                <a:latin typeface="Calibri" panose="020F0502020204030204" pitchFamily="34" charset="0"/>
+                <a:ea typeface="Calibri" panose="020F0502020204030204" pitchFamily="34" charset="0"/>
+                <a:cs typeface="Calibri" panose="020F0502020204030204" pitchFamily="34" charset="0"/>
+              </a:rPr>
+              <a:t>Excluded factors:</a:t>
+            </a:r>
+          </a:p>
+          <a:p>
+            <a:pPr marL="72000">
+              <a:lnSpc>
+                <a:spcPct val="107000"/>
+              </a:lnSpc>
+              <a:buFont typeface="Arial" panose="020B0604020202020204" pitchFamily="34" charset="0"/>
+              <a:buChar char="•"/>
+            </a:pPr>
+            <a:r>
+              <a:rPr lang="en-AU" sz="1500" dirty="0">
+                <a:latin typeface="Calibri" panose="020F0502020204030204" pitchFamily="34" charset="0"/>
+                <a:ea typeface="Calibri" panose="020F0502020204030204" pitchFamily="34" charset="0"/>
+                <a:cs typeface="Calibri" panose="020F0502020204030204" pitchFamily="34" charset="0"/>
+              </a:rPr>
+              <a:t>Irrelevant</a:t>
+            </a:r>
+          </a:p>
+          <a:p>
+            <a:pPr marL="72000">
+              <a:lnSpc>
+                <a:spcPct val="107000"/>
+              </a:lnSpc>
+              <a:buFont typeface="Arial" panose="020B0604020202020204" pitchFamily="34" charset="0"/>
+              <a:buChar char="•"/>
+            </a:pPr>
+            <a:r>
+              <a:rPr lang="en-AU" sz="1500" dirty="0">
+                <a:latin typeface="Calibri" panose="020F0502020204030204" pitchFamily="34" charset="0"/>
+                <a:ea typeface="Calibri" panose="020F0502020204030204" pitchFamily="34" charset="0"/>
+                <a:cs typeface="Calibri" panose="020F0502020204030204" pitchFamily="34" charset="0"/>
+              </a:rPr>
+              <a:t>Redundant ()</a:t>
+            </a:r>
+          </a:p>
+          <a:p>
+            <a:pPr marL="72000">
+              <a:lnSpc>
+                <a:spcPct val="107000"/>
+              </a:lnSpc>
+              <a:buFont typeface="Arial" panose="020B0604020202020204" pitchFamily="34" charset="0"/>
+              <a:buChar char="•"/>
+            </a:pPr>
+            <a:r>
+              <a:rPr lang="en-AU" sz="1500" dirty="0">
+                <a:latin typeface="Calibri" panose="020F0502020204030204" pitchFamily="34" charset="0"/>
+                <a:ea typeface="Calibri" panose="020F0502020204030204" pitchFamily="34" charset="0"/>
+                <a:cs typeface="Calibri" panose="020F0502020204030204" pitchFamily="34" charset="0"/>
+              </a:rPr>
+              <a:t>Feature selection algorithms</a:t>
+            </a:r>
+            <a:endParaRPr lang="en-US" sz="1500" dirty="0">
+              <a:latin typeface="Calibri" panose="020F0502020204030204" pitchFamily="34" charset="0"/>
+              <a:ea typeface="Calibri" panose="020F0502020204030204" pitchFamily="34" charset="0"/>
+              <a:cs typeface="Calibri" panose="020F0502020204030204" pitchFamily="34" charset="0"/>
+            </a:endParaRPr>
+          </a:p>
+        </p:txBody>
+      </p:sp>
+      <p:sp>
+        <p:nvSpPr>
+          <p:cNvPr id="138" name="Google Shape;101;p13">
+            <a:extLst>
+              <a:ext uri="{FF2B5EF4-FFF2-40B4-BE49-F238E27FC236}">
+                <a16:creationId xmlns:a16="http://schemas.microsoft.com/office/drawing/2014/main" id="{985F4303-A6D2-35D6-EA2B-31CADF7E1AC2}"/>
+              </a:ext>
+            </a:extLst>
+          </p:cNvPr>
+          <p:cNvSpPr/>
+          <p:nvPr/>
+        </p:nvSpPr>
+        <p:spPr>
+          <a:xfrm>
+            <a:off x="3599797" y="13388079"/>
+            <a:ext cx="4217764" cy="697571"/>
+          </a:xfrm>
+          <a:prstGeom prst="rect">
+            <a:avLst/>
+          </a:prstGeom>
+          <a:noFill/>
+          <a:ln w="12700" cap="flat" cmpd="sng">
+            <a:solidFill>
+              <a:srgbClr val="31538F"/>
+            </a:solidFill>
+            <a:prstDash val="solid"/>
+            <a:miter lim="800000"/>
+            <a:headEnd type="none" w="sm" len="sm"/>
+            <a:tailEnd type="none" w="sm" len="sm"/>
+          </a:ln>
+        </p:spPr>
+        <p:txBody>
+          <a:bodyPr spcFirstLastPara="1" wrap="square" lIns="91425" tIns="45700" rIns="91425" bIns="45700" anchor="ctr" anchorCtr="0">
+            <a:noAutofit/>
+          </a:bodyPr>
+          <a:lstStyle/>
+          <a:p>
+            <a:pPr algn="ctr"/>
+            <a:r>
+              <a:rPr lang="en-US" sz="1600" b="1" dirty="0">
+                <a:solidFill>
+                  <a:schemeClr val="dk1"/>
+                </a:solidFill>
+                <a:latin typeface="Calibri"/>
+                <a:ea typeface="Calibri"/>
+                <a:cs typeface="Calibri"/>
+                <a:sym typeface="Calibri"/>
+              </a:rPr>
+              <a:t>Training participation</a:t>
+            </a:r>
+          </a:p>
+          <a:p>
+            <a:pPr algn="ctr"/>
+            <a:r>
+              <a:rPr lang="en-US" sz="1500" dirty="0">
+                <a:solidFill>
+                  <a:schemeClr val="dk1"/>
+                </a:solidFill>
+                <a:latin typeface="Calibri"/>
+                <a:ea typeface="Calibri"/>
+                <a:cs typeface="Calibri"/>
+                <a:sym typeface="Calibri"/>
+              </a:rPr>
+              <a:t>Retained after selection and prioritization</a:t>
+            </a:r>
+          </a:p>
+          <a:p>
+            <a:pPr algn="ctr"/>
+            <a:r>
+              <a:rPr lang="en-US" sz="1500" dirty="0">
+                <a:solidFill>
+                  <a:schemeClr val="dk1"/>
+                </a:solidFill>
+                <a:latin typeface="Calibri"/>
+                <a:ea typeface="Calibri"/>
+                <a:cs typeface="Calibri"/>
+                <a:sym typeface="Calibri"/>
+              </a:rPr>
+              <a:t>(8 indirect predictors)</a:t>
+            </a:r>
+          </a:p>
+        </p:txBody>
+      </p:sp>
+      <p:cxnSp>
+        <p:nvCxnSpPr>
+          <p:cNvPr id="126" name="Straight Arrow Connector 125">
+            <a:extLst>
+              <a:ext uri="{FF2B5EF4-FFF2-40B4-BE49-F238E27FC236}">
+                <a16:creationId xmlns:a16="http://schemas.microsoft.com/office/drawing/2014/main" id="{6F02AD02-E3AB-A879-5B94-9B97E53E21FC}"/>
+              </a:ext>
+            </a:extLst>
+          </p:cNvPr>
+          <p:cNvCxnSpPr>
+            <a:cxnSpLocks/>
+            <a:stCxn id="115" idx="2"/>
+            <a:endCxn id="138" idx="0"/>
+          </p:cNvCxnSpPr>
+          <p:nvPr/>
+        </p:nvCxnSpPr>
+        <p:spPr>
+          <a:xfrm>
+            <a:off x="5708679" y="12971976"/>
+            <a:ext cx="0" cy="416103"/>
+          </a:xfrm>
+          <a:prstGeom prst="straightConnector1">
+            <a:avLst/>
+          </a:prstGeom>
+          <a:ln>
+            <a:tailEnd type="triangle"/>
+          </a:ln>
+        </p:spPr>
+        <p:style>
+          <a:lnRef idx="1">
+            <a:schemeClr val="accent1"/>
+          </a:lnRef>
+          <a:fillRef idx="0">
+            <a:schemeClr val="accent1"/>
+          </a:fillRef>
+          <a:effectRef idx="0">
+            <a:schemeClr val="accent1"/>
+          </a:effectRef>
+          <a:fontRef idx="minor">
+            <a:schemeClr val="tx1"/>
+          </a:fontRef>
+        </p:style>
+      </p:cxnSp>
+      <p:cxnSp>
+        <p:nvCxnSpPr>
+          <p:cNvPr id="133" name="Straight Arrow Connector 132">
+            <a:extLst>
+              <a:ext uri="{FF2B5EF4-FFF2-40B4-BE49-F238E27FC236}">
+                <a16:creationId xmlns:a16="http://schemas.microsoft.com/office/drawing/2014/main" id="{8707D549-95EE-6754-D992-15266162685F}"/>
+              </a:ext>
+            </a:extLst>
+          </p:cNvPr>
+          <p:cNvCxnSpPr>
+            <a:cxnSpLocks/>
+            <a:stCxn id="135" idx="3"/>
+            <a:endCxn id="134" idx="1"/>
+          </p:cNvCxnSpPr>
+          <p:nvPr/>
+        </p:nvCxnSpPr>
+        <p:spPr>
+          <a:xfrm flipV="1">
+            <a:off x="7806636" y="15094838"/>
+            <a:ext cx="362119" cy="2982"/>
+          </a:xfrm>
+          <a:prstGeom prst="straightConnector1">
+            <a:avLst/>
+          </a:prstGeom>
+          <a:ln>
+            <a:tailEnd type="triangle"/>
+          </a:ln>
+        </p:spPr>
+        <p:style>
+          <a:lnRef idx="1">
+            <a:schemeClr val="accent1"/>
+          </a:lnRef>
+          <a:fillRef idx="0">
+            <a:schemeClr val="accent1"/>
+          </a:fillRef>
+          <a:effectRef idx="0">
+            <a:schemeClr val="accent1"/>
+          </a:effectRef>
+          <a:fontRef idx="minor">
+            <a:schemeClr val="tx1"/>
+          </a:fontRef>
+        </p:style>
+      </p:cxnSp>
+      <p:sp>
+        <p:nvSpPr>
+          <p:cNvPr id="134" name="Google Shape;95;p13">
+            <a:extLst>
+              <a:ext uri="{FF2B5EF4-FFF2-40B4-BE49-F238E27FC236}">
+                <a16:creationId xmlns:a16="http://schemas.microsoft.com/office/drawing/2014/main" id="{6E060B51-803E-CC45-4027-F73E1E64AC17}"/>
+              </a:ext>
+            </a:extLst>
+          </p:cNvPr>
+          <p:cNvSpPr/>
+          <p:nvPr/>
+        </p:nvSpPr>
+        <p:spPr>
+          <a:xfrm>
+            <a:off x="8168755" y="14574278"/>
+            <a:ext cx="3060529" cy="1041119"/>
+          </a:xfrm>
+          <a:prstGeom prst="rect">
+            <a:avLst/>
+          </a:prstGeom>
+          <a:solidFill>
+            <a:schemeClr val="tx2"/>
+          </a:solidFill>
+          <a:ln w="12700" cap="flat" cmpd="sng">
+            <a:solidFill>
+              <a:schemeClr val="tx2"/>
+            </a:solidFill>
+            <a:prstDash val="solid"/>
+            <a:miter lim="800000"/>
+            <a:headEnd type="none" w="sm" len="sm"/>
+            <a:tailEnd type="none" w="sm" len="sm"/>
+          </a:ln>
+        </p:spPr>
+        <p:txBody>
+          <a:bodyPr spcFirstLastPara="1" wrap="square" lIns="91425" tIns="45700" rIns="91425" bIns="45700" anchor="ctr" anchorCtr="0">
+            <a:noAutofit/>
+          </a:bodyPr>
+          <a:lstStyle/>
+          <a:p>
+            <a:pPr>
+              <a:lnSpc>
+                <a:spcPct val="107000"/>
+              </a:lnSpc>
+            </a:pPr>
+            <a:r>
+              <a:rPr lang="en-AU" sz="1500" b="1" dirty="0">
+                <a:latin typeface="Calibri" panose="020F0502020204030204" pitchFamily="34" charset="0"/>
+                <a:ea typeface="Calibri" panose="020F0502020204030204" pitchFamily="34" charset="0"/>
+                <a:cs typeface="Calibri" panose="020F0502020204030204" pitchFamily="34" charset="0"/>
+              </a:rPr>
+              <a:t>Excluded factors:</a:t>
+            </a:r>
+          </a:p>
+          <a:p>
+            <a:pPr marL="72000">
+              <a:lnSpc>
+                <a:spcPct val="107000"/>
+              </a:lnSpc>
+              <a:buFont typeface="Arial" panose="020B0604020202020204" pitchFamily="34" charset="0"/>
+              <a:buChar char="•"/>
+            </a:pPr>
+            <a:r>
+              <a:rPr lang="en-AU" sz="1500" dirty="0">
+                <a:latin typeface="Calibri" panose="020F0502020204030204" pitchFamily="34" charset="0"/>
+                <a:ea typeface="Calibri" panose="020F0502020204030204" pitchFamily="34" charset="0"/>
+                <a:cs typeface="Calibri" panose="020F0502020204030204" pitchFamily="34" charset="0"/>
+              </a:rPr>
+              <a:t>Irrelevant</a:t>
+            </a:r>
+          </a:p>
+          <a:p>
+            <a:pPr marL="72000">
+              <a:lnSpc>
+                <a:spcPct val="107000"/>
+              </a:lnSpc>
+              <a:buFont typeface="Arial" panose="020B0604020202020204" pitchFamily="34" charset="0"/>
+              <a:buChar char="•"/>
+            </a:pPr>
+            <a:r>
+              <a:rPr lang="en-AU" sz="1500" dirty="0">
+                <a:latin typeface="Calibri" panose="020F0502020204030204" pitchFamily="34" charset="0"/>
+                <a:ea typeface="Calibri" panose="020F0502020204030204" pitchFamily="34" charset="0"/>
+                <a:cs typeface="Calibri" panose="020F0502020204030204" pitchFamily="34" charset="0"/>
+              </a:rPr>
+              <a:t>Redundant ()</a:t>
+            </a:r>
+          </a:p>
+          <a:p>
+            <a:pPr marL="72000">
+              <a:lnSpc>
+                <a:spcPct val="107000"/>
+              </a:lnSpc>
+              <a:buFont typeface="Arial" panose="020B0604020202020204" pitchFamily="34" charset="0"/>
+              <a:buChar char="•"/>
+            </a:pPr>
+            <a:r>
+              <a:rPr lang="en-AU" sz="1500" dirty="0">
+                <a:latin typeface="Calibri" panose="020F0502020204030204" pitchFamily="34" charset="0"/>
+                <a:ea typeface="Calibri" panose="020F0502020204030204" pitchFamily="34" charset="0"/>
+                <a:cs typeface="Calibri" panose="020F0502020204030204" pitchFamily="34" charset="0"/>
+              </a:rPr>
+              <a:t>Feature selection algorithms</a:t>
+            </a:r>
+            <a:endParaRPr lang="en-US" sz="1500" dirty="0">
+              <a:latin typeface="Calibri" panose="020F0502020204030204" pitchFamily="34" charset="0"/>
+              <a:ea typeface="Calibri" panose="020F0502020204030204" pitchFamily="34" charset="0"/>
+              <a:cs typeface="Calibri" panose="020F0502020204030204" pitchFamily="34" charset="0"/>
+            </a:endParaRPr>
+          </a:p>
+        </p:txBody>
+      </p:sp>
+      <p:sp>
+        <p:nvSpPr>
+          <p:cNvPr id="135" name="Google Shape;101;p13">
+            <a:extLst>
+              <a:ext uri="{FF2B5EF4-FFF2-40B4-BE49-F238E27FC236}">
+                <a16:creationId xmlns:a16="http://schemas.microsoft.com/office/drawing/2014/main" id="{D6C74962-B90B-FA3C-8396-92915FEF107B}"/>
+              </a:ext>
+            </a:extLst>
+          </p:cNvPr>
+          <p:cNvSpPr/>
+          <p:nvPr/>
+        </p:nvSpPr>
+        <p:spPr>
+          <a:xfrm>
+            <a:off x="3601794" y="14667820"/>
+            <a:ext cx="4204842" cy="860000"/>
+          </a:xfrm>
+          <a:prstGeom prst="rect">
+            <a:avLst/>
+          </a:prstGeom>
+          <a:noFill/>
+          <a:ln w="12700" cap="flat" cmpd="sng">
+            <a:solidFill>
+              <a:srgbClr val="31538F"/>
+            </a:solidFill>
+            <a:prstDash val="solid"/>
+            <a:miter lim="800000"/>
+            <a:headEnd type="none" w="sm" len="sm"/>
+            <a:tailEnd type="none" w="sm" len="sm"/>
+          </a:ln>
+        </p:spPr>
+        <p:txBody>
+          <a:bodyPr spcFirstLastPara="1" wrap="square" lIns="91425" tIns="45700" rIns="91425" bIns="45700" anchor="ctr" anchorCtr="0">
+            <a:noAutofit/>
+          </a:bodyPr>
+          <a:lstStyle/>
+          <a:p>
+            <a:pPr marL="0" marR="0" lvl="0" indent="0" algn="ctr" defTabSz="914400" rtl="0" eaLnBrk="1" fontAlgn="auto" latinLnBrk="0" hangingPunct="1">
+              <a:lnSpc>
+                <a:spcPct val="100000"/>
+              </a:lnSpc>
+              <a:spcBef>
+                <a:spcPts val="0"/>
+              </a:spcBef>
+              <a:spcAft>
+                <a:spcPts val="0"/>
+              </a:spcAft>
+              <a:buClr>
+                <a:srgbClr val="000000"/>
+              </a:buClr>
+              <a:buSzTx/>
+              <a:buFont typeface="Arial"/>
+              <a:buNone/>
+              <a:tabLst/>
+              <a:defRPr/>
+            </a:pPr>
+            <a:r>
+              <a:rPr lang="en-US" sz="1600" b="1" dirty="0">
+                <a:solidFill>
+                  <a:schemeClr val="dk1"/>
+                </a:solidFill>
+                <a:latin typeface="Calibri"/>
+                <a:cs typeface="Calibri"/>
+                <a:sym typeface="Calibri"/>
+              </a:rPr>
+              <a:t>Household recovery capacity from shocks</a:t>
+            </a:r>
+          </a:p>
+          <a:p>
+            <a:pPr algn="ctr"/>
+            <a:r>
+              <a:rPr lang="en-US" sz="1500" dirty="0">
+                <a:solidFill>
+                  <a:schemeClr val="dk1"/>
+                </a:solidFill>
+                <a:latin typeface="Calibri"/>
+                <a:ea typeface="Calibri"/>
+                <a:cs typeface="Calibri"/>
+                <a:sym typeface="Calibri"/>
+              </a:rPr>
+              <a:t>Retained after selection and prioritization</a:t>
+            </a:r>
+          </a:p>
+          <a:p>
+            <a:pPr algn="ctr"/>
+            <a:r>
+              <a:rPr lang="en-US" sz="1500" dirty="0">
+                <a:solidFill>
+                  <a:schemeClr val="dk1"/>
+                </a:solidFill>
+                <a:latin typeface="Calibri"/>
+                <a:ea typeface="Calibri"/>
+                <a:cs typeface="Calibri"/>
+                <a:sym typeface="Calibri"/>
+              </a:rPr>
+              <a:t>(14 indirect predictors)</a:t>
+            </a:r>
+          </a:p>
+        </p:txBody>
+      </p:sp>
+      <p:cxnSp>
+        <p:nvCxnSpPr>
+          <p:cNvPr id="128" name="Straight Arrow Connector 127">
+            <a:extLst>
+              <a:ext uri="{FF2B5EF4-FFF2-40B4-BE49-F238E27FC236}">
+                <a16:creationId xmlns:a16="http://schemas.microsoft.com/office/drawing/2014/main" id="{8735B614-0589-A120-3867-CD1B34305C2F}"/>
+              </a:ext>
+            </a:extLst>
+          </p:cNvPr>
+          <p:cNvCxnSpPr>
+            <a:cxnSpLocks/>
+            <a:stCxn id="138" idx="2"/>
+            <a:endCxn id="135" idx="0"/>
+          </p:cNvCxnSpPr>
+          <p:nvPr/>
+        </p:nvCxnSpPr>
+        <p:spPr>
+          <a:xfrm flipH="1">
+            <a:off x="5704215" y="14085650"/>
+            <a:ext cx="4464" cy="582170"/>
+          </a:xfrm>
+          <a:prstGeom prst="straightConnector1">
+            <a:avLst/>
+          </a:prstGeom>
+          <a:ln>
+            <a:tailEnd type="triangle"/>
+          </a:ln>
+        </p:spPr>
+        <p:style>
+          <a:lnRef idx="1">
+            <a:schemeClr val="accent1"/>
+          </a:lnRef>
+          <a:fillRef idx="0">
+            <a:schemeClr val="accent1"/>
+          </a:fillRef>
+          <a:effectRef idx="0">
+            <a:schemeClr val="accent1"/>
+          </a:effectRef>
+          <a:fontRef idx="minor">
+            <a:schemeClr val="tx1"/>
+          </a:fontRef>
+        </p:style>
+      </p:cxnSp>
+      <p:cxnSp>
+        <p:nvCxnSpPr>
+          <p:cNvPr id="129" name="Straight Arrow Connector 128">
+            <a:extLst>
+              <a:ext uri="{FF2B5EF4-FFF2-40B4-BE49-F238E27FC236}">
+                <a16:creationId xmlns:a16="http://schemas.microsoft.com/office/drawing/2014/main" id="{9E20D027-13CA-626C-5A3A-F9DB409841DA}"/>
+              </a:ext>
+            </a:extLst>
+          </p:cNvPr>
+          <p:cNvCxnSpPr>
+            <a:cxnSpLocks/>
+            <a:stCxn id="119" idx="2"/>
+            <a:endCxn id="115" idx="0"/>
+          </p:cNvCxnSpPr>
+          <p:nvPr/>
+        </p:nvCxnSpPr>
+        <p:spPr>
+          <a:xfrm flipH="1">
+            <a:off x="5708679" y="11921195"/>
+            <a:ext cx="1" cy="320220"/>
+          </a:xfrm>
+          <a:prstGeom prst="straightConnector1">
+            <a:avLst/>
+          </a:prstGeom>
+          <a:ln>
+            <a:tailEnd type="triangle"/>
+          </a:ln>
+        </p:spPr>
+        <p:style>
+          <a:lnRef idx="1">
+            <a:schemeClr val="accent1"/>
+          </a:lnRef>
+          <a:fillRef idx="0">
+            <a:schemeClr val="accent1"/>
+          </a:fillRef>
+          <a:effectRef idx="0">
+            <a:schemeClr val="accent1"/>
+          </a:effectRef>
+          <a:fontRef idx="minor">
+            <a:schemeClr val="tx1"/>
+          </a:fontRef>
+        </p:style>
+      </p:cxnSp>
+      <p:cxnSp>
+        <p:nvCxnSpPr>
+          <p:cNvPr id="192" name="Straight Arrow Connector 191">
+            <a:extLst>
+              <a:ext uri="{FF2B5EF4-FFF2-40B4-BE49-F238E27FC236}">
+                <a16:creationId xmlns:a16="http://schemas.microsoft.com/office/drawing/2014/main" id="{7B9CFBDC-6440-462E-37E5-2A985C6DF3BD}"/>
+              </a:ext>
+            </a:extLst>
+          </p:cNvPr>
+          <p:cNvCxnSpPr>
+            <a:cxnSpLocks/>
+            <a:stCxn id="68" idx="2"/>
+            <a:endCxn id="109" idx="0"/>
+          </p:cNvCxnSpPr>
+          <p:nvPr/>
+        </p:nvCxnSpPr>
+        <p:spPr>
+          <a:xfrm>
+            <a:off x="5701738" y="10615305"/>
+            <a:ext cx="6942" cy="176517"/>
           </a:xfrm>
           <a:prstGeom prst="straightConnector1">
             <a:avLst/>
@@ -21251,612 +23077,12 @@
           <a:chExt cx="0" cy="0"/>
         </a:xfrm>
       </p:grpSpPr>
-      <p:sp>
-        <p:nvSpPr>
-          <p:cNvPr id="98" name="Google Shape;98;p13">
+      <p:grpSp>
+        <p:nvGrpSpPr>
+          <p:cNvPr id="3" name="Group 2">
             <a:extLst>
               <a:ext uri="{FF2B5EF4-FFF2-40B4-BE49-F238E27FC236}">
-                <a16:creationId xmlns:a16="http://schemas.microsoft.com/office/drawing/2014/main" id="{D7F858B1-8056-A3CC-F9AA-D9FDB9263C23}"/>
-              </a:ext>
-            </a:extLst>
-          </p:cNvPr>
-          <p:cNvSpPr/>
-          <p:nvPr/>
-        </p:nvSpPr>
-        <p:spPr>
-          <a:xfrm>
-            <a:off x="1320519" y="440318"/>
-            <a:ext cx="2088000" cy="802240"/>
-          </a:xfrm>
-          <a:prstGeom prst="rect">
-            <a:avLst/>
-          </a:prstGeom>
-          <a:solidFill>
-            <a:schemeClr val="accent1"/>
-          </a:solidFill>
-          <a:ln w="12700" cap="flat" cmpd="sng">
-            <a:solidFill>
-              <a:schemeClr val="accent1"/>
-            </a:solidFill>
-            <a:prstDash val="solid"/>
-            <a:miter lim="800000"/>
-            <a:headEnd type="none" w="sm" len="sm"/>
-            <a:tailEnd type="none" w="sm" len="sm"/>
-          </a:ln>
-        </p:spPr>
-        <p:txBody>
-          <a:bodyPr spcFirstLastPara="1" wrap="square" lIns="91425" tIns="45700" rIns="91425" bIns="45700" anchor="ctr" anchorCtr="0">
-            <a:noAutofit/>
-          </a:bodyPr>
-          <a:lstStyle/>
-          <a:p>
-            <a:pPr algn="ctr"/>
-            <a:r>
-              <a:rPr lang="en-US" sz="2000" dirty="0">
-                <a:solidFill>
-                  <a:schemeClr val="bg1"/>
-                </a:solidFill>
-                <a:latin typeface="Calibri"/>
-                <a:ea typeface="Calibri"/>
-                <a:cs typeface="Calibri"/>
-                <a:sym typeface="Calibri"/>
-              </a:rPr>
-              <a:t>A) Ucayali (Peru)</a:t>
-            </a:r>
-            <a:endParaRPr sz="2000" dirty="0">
-              <a:solidFill>
-                <a:schemeClr val="bg1"/>
-              </a:solidFill>
-              <a:latin typeface="Calibri"/>
-              <a:ea typeface="Calibri"/>
-              <a:cs typeface="Calibri"/>
-              <a:sym typeface="Calibri"/>
-            </a:endParaRPr>
-          </a:p>
-        </p:txBody>
-      </p:sp>
-      <p:cxnSp>
-        <p:nvCxnSpPr>
-          <p:cNvPr id="120" name="Google Shape;120;p13">
-            <a:extLst>
-              <a:ext uri="{FF2B5EF4-FFF2-40B4-BE49-F238E27FC236}">
-                <a16:creationId xmlns:a16="http://schemas.microsoft.com/office/drawing/2014/main" id="{D65C72A7-E576-71FE-CD3C-D2D66B66FB2F}"/>
-              </a:ext>
-            </a:extLst>
-          </p:cNvPr>
-          <p:cNvCxnSpPr>
-            <a:cxnSpLocks/>
-            <a:stCxn id="98" idx="2"/>
-            <a:endCxn id="206" idx="0"/>
-          </p:cNvCxnSpPr>
-          <p:nvPr/>
-        </p:nvCxnSpPr>
-        <p:spPr>
-          <a:xfrm flipH="1">
-            <a:off x="2356828" y="1242558"/>
-            <a:ext cx="7691" cy="668235"/>
-          </a:xfrm>
-          <a:prstGeom prst="straightConnector1">
-            <a:avLst/>
-          </a:prstGeom>
-          <a:noFill/>
-          <a:ln w="9525" cap="flat" cmpd="sng">
-            <a:solidFill>
-              <a:schemeClr val="accent1"/>
-            </a:solidFill>
-            <a:prstDash val="solid"/>
-            <a:miter lim="800000"/>
-            <a:headEnd type="none" w="sm" len="sm"/>
-            <a:tailEnd type="triangle" w="med" len="med"/>
-          </a:ln>
-        </p:spPr>
-      </p:cxnSp>
-      <p:sp>
-        <p:nvSpPr>
-          <p:cNvPr id="151" name="Google Shape;96;p13">
-            <a:extLst>
-              <a:ext uri="{FF2B5EF4-FFF2-40B4-BE49-F238E27FC236}">
-                <a16:creationId xmlns:a16="http://schemas.microsoft.com/office/drawing/2014/main" id="{5E22965C-7DBF-E2FE-4C03-A881A0489CD8}"/>
-              </a:ext>
-            </a:extLst>
-          </p:cNvPr>
-          <p:cNvSpPr/>
-          <p:nvPr/>
-        </p:nvSpPr>
-        <p:spPr>
-          <a:xfrm>
-            <a:off x="71263" y="1574711"/>
-            <a:ext cx="767341" cy="1678195"/>
-          </a:xfrm>
-          <a:prstGeom prst="roundRect">
-            <a:avLst>
-              <a:gd name="adj" fmla="val 16667"/>
-            </a:avLst>
-          </a:prstGeom>
-          <a:solidFill>
-            <a:schemeClr val="accent1"/>
-          </a:solidFill>
-          <a:ln w="12700" cap="flat" cmpd="sng">
-            <a:solidFill>
-              <a:srgbClr val="31538F"/>
-            </a:solidFill>
-            <a:prstDash val="solid"/>
-            <a:miter lim="800000"/>
-            <a:headEnd type="none" w="sm" len="sm"/>
-            <a:tailEnd type="none" w="sm" len="sm"/>
-          </a:ln>
-        </p:spPr>
-        <p:txBody>
-          <a:bodyPr spcFirstLastPara="1" wrap="square" lIns="91425" tIns="91425" rIns="91425" bIns="91425" anchor="ctr" anchorCtr="0">
-            <a:noAutofit/>
-          </a:bodyPr>
-          <a:lstStyle/>
-          <a:p>
-            <a:endParaRPr/>
-          </a:p>
-        </p:txBody>
-      </p:sp>
-      <p:sp>
-        <p:nvSpPr>
-          <p:cNvPr id="152" name="Google Shape;97;p13">
-            <a:extLst>
-              <a:ext uri="{FF2B5EF4-FFF2-40B4-BE49-F238E27FC236}">
-                <a16:creationId xmlns:a16="http://schemas.microsoft.com/office/drawing/2014/main" id="{1774AA4B-560A-03E8-F267-B50BA8E56CD2}"/>
-              </a:ext>
-            </a:extLst>
-          </p:cNvPr>
-          <p:cNvSpPr txBox="1"/>
-          <p:nvPr/>
-        </p:nvSpPr>
-        <p:spPr>
-          <a:xfrm rot="16200000">
-            <a:off x="-395700" y="2154850"/>
-            <a:ext cx="1678196" cy="517916"/>
-          </a:xfrm>
-          <a:prstGeom prst="rect">
-            <a:avLst/>
-          </a:prstGeom>
-          <a:noFill/>
-          <a:ln>
-            <a:noFill/>
-          </a:ln>
-        </p:spPr>
-        <p:txBody>
-          <a:bodyPr spcFirstLastPara="1" wrap="square" lIns="91425" tIns="45700" rIns="91425" bIns="45700" anchor="ctr" anchorCtr="0">
-            <a:noAutofit/>
-          </a:bodyPr>
-          <a:lstStyle/>
-          <a:p>
-            <a:pPr algn="ctr"/>
-            <a:r>
-              <a:rPr lang="en-GB" sz="1600" b="1" dirty="0">
-                <a:solidFill>
-                  <a:schemeClr val="lt1"/>
-                </a:solidFill>
-                <a:latin typeface="Calibri"/>
-                <a:ea typeface="Calibri"/>
-                <a:cs typeface="Calibri"/>
-                <a:sym typeface="Calibri"/>
-              </a:rPr>
-              <a:t>Direct predictors of DFS adoption</a:t>
-            </a:r>
-            <a:endParaRPr sz="1600" b="1" dirty="0">
-              <a:solidFill>
-                <a:schemeClr val="lt1"/>
-              </a:solidFill>
-              <a:latin typeface="Calibri"/>
-              <a:ea typeface="Calibri"/>
-              <a:cs typeface="Calibri"/>
-              <a:sym typeface="Calibri"/>
-            </a:endParaRPr>
-          </a:p>
-        </p:txBody>
-      </p:sp>
-      <p:sp>
-        <p:nvSpPr>
-          <p:cNvPr id="206" name="Google Shape;101;p13">
-            <a:extLst>
-              <a:ext uri="{FF2B5EF4-FFF2-40B4-BE49-F238E27FC236}">
-                <a16:creationId xmlns:a16="http://schemas.microsoft.com/office/drawing/2014/main" id="{795BB784-10E4-4133-AB92-2BEF9DD1942B}"/>
-              </a:ext>
-            </a:extLst>
-          </p:cNvPr>
-          <p:cNvSpPr/>
-          <p:nvPr/>
-        </p:nvSpPr>
-        <p:spPr>
-          <a:xfrm>
-            <a:off x="1312828" y="1910793"/>
-            <a:ext cx="2088000" cy="1194214"/>
-          </a:xfrm>
-          <a:prstGeom prst="rect">
-            <a:avLst/>
-          </a:prstGeom>
-          <a:noFill/>
-          <a:ln w="12700" cap="flat" cmpd="sng">
-            <a:solidFill>
-              <a:srgbClr val="31538F"/>
-            </a:solidFill>
-            <a:prstDash val="solid"/>
-            <a:miter lim="800000"/>
-            <a:headEnd type="none" w="sm" len="sm"/>
-            <a:tailEnd type="none" w="sm" len="sm"/>
-          </a:ln>
-        </p:spPr>
-        <p:txBody>
-          <a:bodyPr spcFirstLastPara="1" wrap="square" lIns="91425" tIns="45700" rIns="91425" bIns="45700" anchor="ctr" anchorCtr="0">
-            <a:noAutofit/>
-          </a:bodyPr>
-          <a:lstStyle/>
-          <a:p>
-            <a:pPr algn="ctr"/>
-            <a:r>
-              <a:rPr lang="en-US" sz="1500" dirty="0">
-                <a:solidFill>
-                  <a:schemeClr val="dk1"/>
-                </a:solidFill>
-                <a:latin typeface="Calibri"/>
-                <a:ea typeface="Calibri"/>
-                <a:cs typeface="Calibri"/>
-                <a:sym typeface="Calibri"/>
-              </a:rPr>
-              <a:t>Retained after feature selection with three algorithms and SVM </a:t>
-            </a:r>
-          </a:p>
-          <a:p>
-            <a:pPr algn="ctr"/>
-            <a:r>
-              <a:rPr lang="en-US" sz="1500" dirty="0">
-                <a:solidFill>
-                  <a:schemeClr val="dk1"/>
-                </a:solidFill>
-                <a:latin typeface="Calibri"/>
-                <a:ea typeface="Calibri"/>
-                <a:cs typeface="Calibri"/>
-                <a:sym typeface="Calibri"/>
-              </a:rPr>
-              <a:t>(15 direct predictors across 8 categories)</a:t>
-            </a:r>
-          </a:p>
-        </p:txBody>
-      </p:sp>
-      <p:sp>
-        <p:nvSpPr>
-          <p:cNvPr id="212" name="Google Shape;95;p13">
-            <a:extLst>
-              <a:ext uri="{FF2B5EF4-FFF2-40B4-BE49-F238E27FC236}">
-                <a16:creationId xmlns:a16="http://schemas.microsoft.com/office/drawing/2014/main" id="{FA583E97-AAEA-FEE4-10B0-5BE35DC76B0F}"/>
-              </a:ext>
-            </a:extLst>
-          </p:cNvPr>
-          <p:cNvSpPr/>
-          <p:nvPr/>
-        </p:nvSpPr>
-        <p:spPr>
-          <a:xfrm>
-            <a:off x="3702646" y="2174874"/>
-            <a:ext cx="1583998" cy="651014"/>
-          </a:xfrm>
-          <a:prstGeom prst="rect">
-            <a:avLst/>
-          </a:prstGeom>
-          <a:solidFill>
-            <a:schemeClr val="tx2"/>
-          </a:solidFill>
-          <a:ln w="12700" cap="flat" cmpd="sng">
-            <a:solidFill>
-              <a:schemeClr val="tx2"/>
-            </a:solidFill>
-            <a:prstDash val="solid"/>
-            <a:miter lim="800000"/>
-            <a:headEnd type="none" w="sm" len="sm"/>
-            <a:tailEnd type="none" w="sm" len="sm"/>
-          </a:ln>
-        </p:spPr>
-        <p:txBody>
-          <a:bodyPr spcFirstLastPara="1" wrap="square" lIns="91425" tIns="45700" rIns="91425" bIns="45700" anchor="ctr" anchorCtr="0">
-            <a:noAutofit/>
-          </a:bodyPr>
-          <a:lstStyle/>
-          <a:p>
-            <a:pPr>
-              <a:lnSpc>
-                <a:spcPct val="107000"/>
-              </a:lnSpc>
-            </a:pPr>
-            <a:r>
-              <a:rPr lang="en-AU" b="1" dirty="0">
-                <a:latin typeface="Calibri" panose="020F0502020204030204" pitchFamily="34" charset="0"/>
-                <a:ea typeface="Calibri" panose="020F0502020204030204" pitchFamily="34" charset="0"/>
-                <a:cs typeface="Calibri" panose="020F0502020204030204" pitchFamily="34" charset="0"/>
-              </a:rPr>
-              <a:t>Excluded factors:</a:t>
-            </a:r>
-          </a:p>
-          <a:p>
-            <a:pPr marL="72000">
-              <a:lnSpc>
-                <a:spcPct val="107000"/>
-              </a:lnSpc>
-              <a:buFont typeface="Arial" panose="020B0604020202020204" pitchFamily="34" charset="0"/>
-              <a:buChar char="•"/>
-            </a:pPr>
-            <a:r>
-              <a:rPr lang="en-AU" dirty="0">
-                <a:latin typeface="Calibri" panose="020F0502020204030204" pitchFamily="34" charset="0"/>
-                <a:ea typeface="Calibri" panose="020F0502020204030204" pitchFamily="34" charset="0"/>
-                <a:cs typeface="Calibri" panose="020F0502020204030204" pitchFamily="34" charset="0"/>
-              </a:rPr>
-              <a:t>Feature selection algorithm (131)</a:t>
-            </a:r>
-          </a:p>
-        </p:txBody>
-      </p:sp>
-      <p:cxnSp>
-        <p:nvCxnSpPr>
-          <p:cNvPr id="213" name="Straight Arrow Connector 212">
-            <a:extLst>
-              <a:ext uri="{FF2B5EF4-FFF2-40B4-BE49-F238E27FC236}">
-                <a16:creationId xmlns:a16="http://schemas.microsoft.com/office/drawing/2014/main" id="{37996494-172D-3B02-6D6A-F97084A11DAB}"/>
-              </a:ext>
-            </a:extLst>
-          </p:cNvPr>
-          <p:cNvCxnSpPr>
-            <a:cxnSpLocks/>
-            <a:stCxn id="206" idx="3"/>
-            <a:endCxn id="212" idx="1"/>
-          </p:cNvCxnSpPr>
-          <p:nvPr/>
-        </p:nvCxnSpPr>
-        <p:spPr>
-          <a:xfrm flipV="1">
-            <a:off x="3400828" y="2500381"/>
-            <a:ext cx="301818" cy="7519"/>
-          </a:xfrm>
-          <a:prstGeom prst="straightConnector1">
-            <a:avLst/>
-          </a:prstGeom>
-          <a:ln>
-            <a:tailEnd type="triangle"/>
-          </a:ln>
-        </p:spPr>
-        <p:style>
-          <a:lnRef idx="1">
-            <a:schemeClr val="accent1"/>
-          </a:lnRef>
-          <a:fillRef idx="0">
-            <a:schemeClr val="accent1"/>
-          </a:fillRef>
-          <a:effectRef idx="0">
-            <a:schemeClr val="accent1"/>
-          </a:effectRef>
-          <a:fontRef idx="minor">
-            <a:schemeClr val="tx1"/>
-          </a:fontRef>
-        </p:style>
-      </p:cxnSp>
-      <p:sp>
-        <p:nvSpPr>
-          <p:cNvPr id="2" name="Google Shape;96;p13">
-            <a:extLst>
-              <a:ext uri="{FF2B5EF4-FFF2-40B4-BE49-F238E27FC236}">
-                <a16:creationId xmlns:a16="http://schemas.microsoft.com/office/drawing/2014/main" id="{7C986CA8-7608-92E9-C803-44E05BBA8878}"/>
-              </a:ext>
-            </a:extLst>
-          </p:cNvPr>
-          <p:cNvSpPr/>
-          <p:nvPr/>
-        </p:nvSpPr>
-        <p:spPr>
-          <a:xfrm>
-            <a:off x="71263" y="4034446"/>
-            <a:ext cx="738404" cy="1737435"/>
-          </a:xfrm>
-          <a:prstGeom prst="roundRect">
-            <a:avLst>
-              <a:gd name="adj" fmla="val 16667"/>
-            </a:avLst>
-          </a:prstGeom>
-          <a:solidFill>
-            <a:schemeClr val="accent1"/>
-          </a:solidFill>
-          <a:ln w="12700" cap="flat" cmpd="sng">
-            <a:solidFill>
-              <a:srgbClr val="31538F"/>
-            </a:solidFill>
-            <a:prstDash val="solid"/>
-            <a:miter lim="800000"/>
-            <a:headEnd type="none" w="sm" len="sm"/>
-            <a:tailEnd type="none" w="sm" len="sm"/>
-          </a:ln>
-        </p:spPr>
-        <p:txBody>
-          <a:bodyPr spcFirstLastPara="1" wrap="square" lIns="91425" tIns="91425" rIns="91425" bIns="91425" anchor="ctr" anchorCtr="0">
-            <a:noAutofit/>
-          </a:bodyPr>
-          <a:lstStyle/>
-          <a:p>
-            <a:endParaRPr/>
-          </a:p>
-        </p:txBody>
-      </p:sp>
-      <p:sp>
-        <p:nvSpPr>
-          <p:cNvPr id="15" name="Google Shape;100;p13">
-            <a:extLst>
-              <a:ext uri="{FF2B5EF4-FFF2-40B4-BE49-F238E27FC236}">
-                <a16:creationId xmlns:a16="http://schemas.microsoft.com/office/drawing/2014/main" id="{47DD55AD-E82D-B488-25A1-2E78C4B059A5}"/>
-              </a:ext>
-            </a:extLst>
-          </p:cNvPr>
-          <p:cNvSpPr/>
-          <p:nvPr/>
-        </p:nvSpPr>
-        <p:spPr>
-          <a:xfrm>
-            <a:off x="1329787" y="3392958"/>
-            <a:ext cx="13139038" cy="390018"/>
-          </a:xfrm>
-          <a:prstGeom prst="rect">
-            <a:avLst/>
-          </a:prstGeom>
-          <a:solidFill>
-            <a:schemeClr val="accent1"/>
-          </a:solidFill>
-          <a:ln w="12700" cap="flat" cmpd="sng">
-            <a:noFill/>
-            <a:prstDash val="solid"/>
-            <a:miter lim="800000"/>
-            <a:headEnd type="none" w="sm" len="sm"/>
-            <a:tailEnd type="none" w="sm" len="sm"/>
-          </a:ln>
-        </p:spPr>
-        <p:txBody>
-          <a:bodyPr spcFirstLastPara="1" wrap="square" lIns="91425" tIns="45700" rIns="91425" bIns="45700" anchor="ctr" anchorCtr="0">
-            <a:noAutofit/>
-          </a:bodyPr>
-          <a:lstStyle/>
-          <a:p>
-            <a:pPr algn="ctr"/>
-            <a:r>
-              <a:rPr lang="en-US" sz="2000" b="1" dirty="0">
-                <a:solidFill>
-                  <a:schemeClr val="bg1"/>
-                </a:solidFill>
-                <a:latin typeface="Calibri"/>
-                <a:cs typeface="Calibri"/>
-                <a:sym typeface="Calibri"/>
-              </a:rPr>
-              <a:t>LOGISTIC REGRESSION</a:t>
-            </a:r>
-            <a:endParaRPr sz="2000" b="1" dirty="0">
-              <a:solidFill>
-                <a:schemeClr val="bg1"/>
-              </a:solidFill>
-            </a:endParaRPr>
-          </a:p>
-        </p:txBody>
-      </p:sp>
-      <p:cxnSp>
-        <p:nvCxnSpPr>
-          <p:cNvPr id="19" name="Straight Arrow Connector 18">
-            <a:extLst>
-              <a:ext uri="{FF2B5EF4-FFF2-40B4-BE49-F238E27FC236}">
-                <a16:creationId xmlns:a16="http://schemas.microsoft.com/office/drawing/2014/main" id="{F5F59CF0-7745-26F5-19AA-DEA48463A1F6}"/>
-              </a:ext>
-            </a:extLst>
-          </p:cNvPr>
-          <p:cNvCxnSpPr>
-            <a:cxnSpLocks/>
-            <a:stCxn id="206" idx="2"/>
-            <a:endCxn id="40" idx="0"/>
-          </p:cNvCxnSpPr>
-          <p:nvPr/>
-        </p:nvCxnSpPr>
-        <p:spPr>
-          <a:xfrm>
-            <a:off x="2356828" y="3105007"/>
-            <a:ext cx="6147" cy="1341801"/>
-          </a:xfrm>
-          <a:prstGeom prst="straightConnector1">
-            <a:avLst/>
-          </a:prstGeom>
-          <a:ln>
-            <a:tailEnd type="triangle"/>
-          </a:ln>
-        </p:spPr>
-        <p:style>
-          <a:lnRef idx="1">
-            <a:schemeClr val="accent1"/>
-          </a:lnRef>
-          <a:fillRef idx="0">
-            <a:schemeClr val="accent1"/>
-          </a:fillRef>
-          <a:effectRef idx="0">
-            <a:schemeClr val="accent1"/>
-          </a:effectRef>
-          <a:fontRef idx="minor">
-            <a:schemeClr val="tx1"/>
-          </a:fontRef>
-        </p:style>
-      </p:cxnSp>
-      <p:sp>
-        <p:nvSpPr>
-          <p:cNvPr id="21" name="Google Shape;97;p13">
-            <a:extLst>
-              <a:ext uri="{FF2B5EF4-FFF2-40B4-BE49-F238E27FC236}">
-                <a16:creationId xmlns:a16="http://schemas.microsoft.com/office/drawing/2014/main" id="{48B22ABC-5FF4-1F93-7754-B381C0D9BE1D}"/>
-              </a:ext>
-            </a:extLst>
-          </p:cNvPr>
-          <p:cNvSpPr txBox="1"/>
-          <p:nvPr/>
-        </p:nvSpPr>
-        <p:spPr>
-          <a:xfrm rot="16200000">
-            <a:off x="-450802" y="4686288"/>
-            <a:ext cx="1737437" cy="517916"/>
-          </a:xfrm>
-          <a:prstGeom prst="rect">
-            <a:avLst/>
-          </a:prstGeom>
-          <a:noFill/>
-          <a:ln>
-            <a:noFill/>
-          </a:ln>
-        </p:spPr>
-        <p:txBody>
-          <a:bodyPr spcFirstLastPara="1" wrap="square" lIns="91425" tIns="45700" rIns="91425" bIns="45700" anchor="ctr" anchorCtr="0">
-            <a:noAutofit/>
-          </a:bodyPr>
-          <a:lstStyle/>
-          <a:p>
-            <a:pPr algn="ctr"/>
-            <a:r>
-              <a:rPr lang="en-GB" sz="1600" b="1" dirty="0">
-                <a:solidFill>
-                  <a:schemeClr val="lt1"/>
-                </a:solidFill>
-                <a:latin typeface="Calibri"/>
-                <a:ea typeface="Calibri"/>
-                <a:cs typeface="Calibri"/>
-                <a:sym typeface="Calibri"/>
-              </a:rPr>
-              <a:t>Significant direct predictors of </a:t>
-            </a:r>
-          </a:p>
-          <a:p>
-            <a:pPr algn="ctr"/>
-            <a:r>
-              <a:rPr lang="en-GB" sz="1600" b="1" dirty="0">
-                <a:solidFill>
-                  <a:schemeClr val="lt1"/>
-                </a:solidFill>
-                <a:latin typeface="Calibri"/>
-                <a:ea typeface="Calibri"/>
-                <a:cs typeface="Calibri"/>
-                <a:sym typeface="Calibri"/>
-              </a:rPr>
-              <a:t>DFS adoption</a:t>
-            </a:r>
-            <a:endParaRPr sz="1600" b="1" dirty="0">
-              <a:solidFill>
-                <a:schemeClr val="lt1"/>
-              </a:solidFill>
-              <a:latin typeface="Calibri"/>
-              <a:ea typeface="Calibri"/>
-              <a:cs typeface="Calibri"/>
-              <a:sym typeface="Calibri"/>
-            </a:endParaRPr>
-          </a:p>
-        </p:txBody>
-      </p:sp>
-      <p:grpSp>
-        <p:nvGrpSpPr>
-          <p:cNvPr id="13" name="Group 12">
-            <a:extLst>
-              <a:ext uri="{FF2B5EF4-FFF2-40B4-BE49-F238E27FC236}">
-                <a16:creationId xmlns:a16="http://schemas.microsoft.com/office/drawing/2014/main" id="{75556071-A9B6-48B1-55EF-113CF54A1517}"/>
+                <a16:creationId xmlns:a16="http://schemas.microsoft.com/office/drawing/2014/main" id="{CDA84A25-BAA6-29F3-EFE7-E99D108249C6}"/>
               </a:ext>
             </a:extLst>
           </p:cNvPr>
@@ -21865,18 +23091,18 @@
         </p:nvGrpSpPr>
         <p:grpSpPr>
           <a:xfrm>
-            <a:off x="100198" y="354658"/>
-            <a:ext cx="738405" cy="1080001"/>
-            <a:chOff x="104365" y="6379577"/>
-            <a:chExt cx="738405" cy="1080001"/>
+            <a:off x="38874" y="354658"/>
+            <a:ext cx="14429951" cy="10630285"/>
+            <a:chOff x="38874" y="354658"/>
+            <a:chExt cx="14429951" cy="10630285"/>
           </a:xfrm>
         </p:grpSpPr>
         <p:sp>
           <p:nvSpPr>
-            <p:cNvPr id="14" name="Google Shape;96;p13">
+            <p:cNvPr id="98" name="Google Shape;98;p13">
               <a:extLst>
                 <a:ext uri="{FF2B5EF4-FFF2-40B4-BE49-F238E27FC236}">
-                  <a16:creationId xmlns:a16="http://schemas.microsoft.com/office/drawing/2014/main" id="{65852C41-6CEB-8ED0-F7AB-2530BDFD4C23}"/>
+                  <a16:creationId xmlns:a16="http://schemas.microsoft.com/office/drawing/2014/main" id="{D7F858B1-8056-A3CC-F9AA-D9FDB9263C23}"/>
                 </a:ext>
               </a:extLst>
             </p:cNvPr>
@@ -21884,9 +23110,109 @@
             <p:nvPr/>
           </p:nvSpPr>
           <p:spPr>
-            <a:xfrm rot="16200000">
-              <a:off x="-66432" y="6550375"/>
-              <a:ext cx="1080000" cy="738405"/>
+            <a:xfrm>
+              <a:off x="1320519" y="440318"/>
+              <a:ext cx="2088000" cy="802240"/>
+            </a:xfrm>
+            <a:prstGeom prst="rect">
+              <a:avLst/>
+            </a:prstGeom>
+            <a:solidFill>
+              <a:schemeClr val="accent1"/>
+            </a:solidFill>
+            <a:ln w="12700" cap="flat" cmpd="sng">
+              <a:solidFill>
+                <a:schemeClr val="accent1"/>
+              </a:solidFill>
+              <a:prstDash val="solid"/>
+              <a:miter lim="800000"/>
+              <a:headEnd type="none" w="sm" len="sm"/>
+              <a:tailEnd type="none" w="sm" len="sm"/>
+            </a:ln>
+          </p:spPr>
+          <p:txBody>
+            <a:bodyPr spcFirstLastPara="1" wrap="square" lIns="91425" tIns="45700" rIns="91425" bIns="45700" anchor="ctr" anchorCtr="0">
+              <a:noAutofit/>
+            </a:bodyPr>
+            <a:lstStyle/>
+            <a:p>
+              <a:pPr algn="ctr"/>
+              <a:r>
+                <a:rPr lang="en-US" sz="2000" dirty="0">
+                  <a:solidFill>
+                    <a:schemeClr val="bg1"/>
+                  </a:solidFill>
+                  <a:latin typeface="Calibri"/>
+                  <a:ea typeface="Calibri"/>
+                  <a:cs typeface="Calibri"/>
+                  <a:sym typeface="Calibri"/>
+                </a:rPr>
+                <a:t>A) Ucayali (Peru)</a:t>
+              </a:r>
+              <a:endParaRPr sz="2000" dirty="0">
+                <a:solidFill>
+                  <a:schemeClr val="bg1"/>
+                </a:solidFill>
+                <a:latin typeface="Calibri"/>
+                <a:ea typeface="Calibri"/>
+                <a:cs typeface="Calibri"/>
+                <a:sym typeface="Calibri"/>
+              </a:endParaRPr>
+            </a:p>
+          </p:txBody>
+        </p:sp>
+        <p:cxnSp>
+          <p:nvCxnSpPr>
+            <p:cNvPr id="120" name="Google Shape;120;p13">
+              <a:extLst>
+                <a:ext uri="{FF2B5EF4-FFF2-40B4-BE49-F238E27FC236}">
+                  <a16:creationId xmlns:a16="http://schemas.microsoft.com/office/drawing/2014/main" id="{D65C72A7-E576-71FE-CD3C-D2D66B66FB2F}"/>
+                </a:ext>
+              </a:extLst>
+            </p:cNvPr>
+            <p:cNvCxnSpPr>
+              <a:cxnSpLocks/>
+              <a:stCxn id="98" idx="2"/>
+              <a:endCxn id="206" idx="0"/>
+            </p:cNvCxnSpPr>
+            <p:nvPr/>
+          </p:nvCxnSpPr>
+          <p:spPr>
+            <a:xfrm flipH="1">
+              <a:off x="2356828" y="1242558"/>
+              <a:ext cx="7691" cy="668235"/>
+            </a:xfrm>
+            <a:prstGeom prst="straightConnector1">
+              <a:avLst/>
+            </a:prstGeom>
+            <a:noFill/>
+            <a:ln w="9525" cap="flat" cmpd="sng">
+              <a:solidFill>
+                <a:schemeClr val="accent1"/>
+              </a:solidFill>
+              <a:prstDash val="solid"/>
+              <a:miter lim="800000"/>
+              <a:headEnd type="none" w="sm" len="sm"/>
+              <a:tailEnd type="triangle" w="med" len="med"/>
+            </a:ln>
+          </p:spPr>
+        </p:cxnSp>
+        <p:sp>
+          <p:nvSpPr>
+            <p:cNvPr id="151" name="Google Shape;96;p13">
+              <a:extLst>
+                <a:ext uri="{FF2B5EF4-FFF2-40B4-BE49-F238E27FC236}">
+                  <a16:creationId xmlns:a16="http://schemas.microsoft.com/office/drawing/2014/main" id="{5E22965C-7DBF-E2FE-4C03-A881A0489CD8}"/>
+                </a:ext>
+              </a:extLst>
+            </p:cNvPr>
+            <p:cNvSpPr/>
+            <p:nvPr/>
+          </p:nvSpPr>
+          <p:spPr>
+            <a:xfrm>
+              <a:off x="71263" y="1574711"/>
+              <a:ext cx="767341" cy="1678195"/>
             </a:xfrm>
             <a:prstGeom prst="roundRect">
               <a:avLst>
@@ -21912,24 +23238,16 @@
             </a:bodyPr>
             <a:lstStyle/>
             <a:p>
-              <a:pPr algn="ctr"/>
-              <a:endParaRPr lang="en-US" sz="2000" b="1" dirty="0">
-                <a:solidFill>
-                  <a:schemeClr val="lt1"/>
-                </a:solidFill>
-                <a:latin typeface="Calibri"/>
-                <a:cs typeface="Calibri"/>
-                <a:sym typeface="Calibri"/>
-              </a:endParaRPr>
+              <a:endParaRPr/>
             </a:p>
           </p:txBody>
         </p:sp>
         <p:sp>
           <p:nvSpPr>
-            <p:cNvPr id="17" name="Google Shape;97;p13">
+            <p:cNvPr id="152" name="Google Shape;97;p13">
               <a:extLst>
                 <a:ext uri="{FF2B5EF4-FFF2-40B4-BE49-F238E27FC236}">
-                  <a16:creationId xmlns:a16="http://schemas.microsoft.com/office/drawing/2014/main" id="{9BA224A5-BC79-448F-B398-2A6D3849CC66}"/>
+                  <a16:creationId xmlns:a16="http://schemas.microsoft.com/office/drawing/2014/main" id="{1774AA4B-560A-03E8-F267-B50BA8E56CD2}"/>
                 </a:ext>
               </a:extLst>
             </p:cNvPr>
@@ -21937,9 +23255,9 @@
             <p:nvPr/>
           </p:nvSpPr>
           <p:spPr>
-            <a:xfrm rot="-5400000">
-              <a:off x="-91117" y="6649577"/>
-              <a:ext cx="1080000" cy="540000"/>
+            <a:xfrm rot="16200000">
+              <a:off x="-395700" y="2154850"/>
+              <a:ext cx="1678196" cy="517916"/>
             </a:xfrm>
             <a:prstGeom prst="rect">
               <a:avLst/>
@@ -21957,18 +23275,6 @@
             <a:p>
               <a:pPr algn="ctr"/>
               <a:r>
-                <a:rPr lang="en-US" sz="1600" b="1" dirty="0">
-                  <a:solidFill>
-                    <a:schemeClr val="lt1"/>
-                  </a:solidFill>
-                  <a:latin typeface="Calibri"/>
-                  <a:ea typeface="Calibri"/>
-                  <a:cs typeface="Calibri"/>
-                  <a:sym typeface="Calibri"/>
-                </a:rPr>
-                <a:t>A</a:t>
-              </a:r>
-              <a:r>
                 <a:rPr lang="en-GB" sz="1600" b="1" dirty="0">
                   <a:solidFill>
                     <a:schemeClr val="lt1"/>
@@ -21978,7 +23284,7 @@
                   <a:cs typeface="Calibri"/>
                   <a:sym typeface="Calibri"/>
                 </a:rPr>
-                <a:t>LL</a:t>
+                <a:t>Direct predictors of DFS adoption</a:t>
               </a:r>
               <a:endParaRPr sz="1600" b="1" dirty="0">
                 <a:solidFill>
@@ -21992,532 +23298,166 @@
             </a:p>
           </p:txBody>
         </p:sp>
-      </p:grpSp>
-      <p:cxnSp>
-        <p:nvCxnSpPr>
-          <p:cNvPr id="6" name="Straight Arrow Connector 5">
-            <a:extLst>
-              <a:ext uri="{FF2B5EF4-FFF2-40B4-BE49-F238E27FC236}">
-                <a16:creationId xmlns:a16="http://schemas.microsoft.com/office/drawing/2014/main" id="{FC016250-BADA-DFF3-FA45-B1456BC0FA27}"/>
-              </a:ext>
-            </a:extLst>
-          </p:cNvPr>
-          <p:cNvCxnSpPr>
-            <a:cxnSpLocks/>
-            <a:stCxn id="22" idx="3"/>
-            <a:endCxn id="7" idx="1"/>
-          </p:cNvCxnSpPr>
-          <p:nvPr/>
-        </p:nvCxnSpPr>
-        <p:spPr>
-          <a:xfrm>
-            <a:off x="3622327" y="7415258"/>
-            <a:ext cx="404288" cy="4234"/>
-          </a:xfrm>
-          <a:prstGeom prst="straightConnector1">
-            <a:avLst/>
-          </a:prstGeom>
-          <a:ln>
-            <a:tailEnd type="triangle"/>
-          </a:ln>
-        </p:spPr>
-        <p:style>
-          <a:lnRef idx="1">
-            <a:schemeClr val="accent1"/>
-          </a:lnRef>
-          <a:fillRef idx="0">
-            <a:schemeClr val="accent1"/>
-          </a:fillRef>
-          <a:effectRef idx="0">
-            <a:schemeClr val="accent1"/>
-          </a:effectRef>
-          <a:fontRef idx="minor">
-            <a:schemeClr val="tx1"/>
-          </a:fontRef>
-        </p:style>
-      </p:cxnSp>
-      <p:sp>
-        <p:nvSpPr>
-          <p:cNvPr id="7" name="Google Shape;95;p13">
-            <a:extLst>
-              <a:ext uri="{FF2B5EF4-FFF2-40B4-BE49-F238E27FC236}">
-                <a16:creationId xmlns:a16="http://schemas.microsoft.com/office/drawing/2014/main" id="{F1A0A033-923F-AE0D-3516-9FCBB4719BBB}"/>
-              </a:ext>
-            </a:extLst>
-          </p:cNvPr>
-          <p:cNvSpPr/>
-          <p:nvPr/>
-        </p:nvSpPr>
-        <p:spPr>
-          <a:xfrm>
-            <a:off x="4026615" y="6898932"/>
-            <a:ext cx="2637055" cy="1041119"/>
-          </a:xfrm>
-          <a:prstGeom prst="rect">
-            <a:avLst/>
-          </a:prstGeom>
-          <a:solidFill>
-            <a:schemeClr val="tx2"/>
-          </a:solidFill>
-          <a:ln w="12700" cap="flat" cmpd="sng">
+        <p:sp>
+          <p:nvSpPr>
+            <p:cNvPr id="206" name="Google Shape;101;p13">
+              <a:extLst>
+                <a:ext uri="{FF2B5EF4-FFF2-40B4-BE49-F238E27FC236}">
+                  <a16:creationId xmlns:a16="http://schemas.microsoft.com/office/drawing/2014/main" id="{795BB784-10E4-4133-AB92-2BEF9DD1942B}"/>
+                </a:ext>
+              </a:extLst>
+            </p:cNvPr>
+            <p:cNvSpPr/>
+            <p:nvPr/>
+          </p:nvSpPr>
+          <p:spPr>
+            <a:xfrm>
+              <a:off x="1312828" y="1910793"/>
+              <a:ext cx="2088000" cy="1194214"/>
+            </a:xfrm>
+            <a:prstGeom prst="rect">
+              <a:avLst/>
+            </a:prstGeom>
+            <a:noFill/>
+            <a:ln w="12700" cap="flat" cmpd="sng">
+              <a:solidFill>
+                <a:srgbClr val="31538F"/>
+              </a:solidFill>
+              <a:prstDash val="solid"/>
+              <a:miter lim="800000"/>
+              <a:headEnd type="none" w="sm" len="sm"/>
+              <a:tailEnd type="none" w="sm" len="sm"/>
+            </a:ln>
+          </p:spPr>
+          <p:txBody>
+            <a:bodyPr spcFirstLastPara="1" wrap="square" lIns="91425" tIns="45700" rIns="91425" bIns="45700" anchor="ctr" anchorCtr="0">
+              <a:noAutofit/>
+            </a:bodyPr>
+            <a:lstStyle/>
+            <a:p>
+              <a:pPr algn="ctr"/>
+              <a:r>
+                <a:rPr lang="en-US" sz="1500" dirty="0">
+                  <a:solidFill>
+                    <a:schemeClr val="dk1"/>
+                  </a:solidFill>
+                  <a:latin typeface="Calibri"/>
+                  <a:ea typeface="Calibri"/>
+                  <a:cs typeface="Calibri"/>
+                  <a:sym typeface="Calibri"/>
+                </a:rPr>
+                <a:t>Retained after feature selection with three algorithms and SVM </a:t>
+              </a:r>
+            </a:p>
+            <a:p>
+              <a:pPr algn="ctr"/>
+              <a:r>
+                <a:rPr lang="en-US" sz="1500" dirty="0">
+                  <a:solidFill>
+                    <a:schemeClr val="dk1"/>
+                  </a:solidFill>
+                  <a:latin typeface="Calibri"/>
+                  <a:ea typeface="Calibri"/>
+                  <a:cs typeface="Calibri"/>
+                  <a:sym typeface="Calibri"/>
+                </a:rPr>
+                <a:t>(15 direct predictors across 8 categories)</a:t>
+              </a:r>
+            </a:p>
+          </p:txBody>
+        </p:sp>
+        <p:sp>
+          <p:nvSpPr>
+            <p:cNvPr id="212" name="Google Shape;95;p13">
+              <a:extLst>
+                <a:ext uri="{FF2B5EF4-FFF2-40B4-BE49-F238E27FC236}">
+                  <a16:creationId xmlns:a16="http://schemas.microsoft.com/office/drawing/2014/main" id="{FA583E97-AAEA-FEE4-10B0-5BE35DC76B0F}"/>
+                </a:ext>
+              </a:extLst>
+            </p:cNvPr>
+            <p:cNvSpPr/>
+            <p:nvPr/>
+          </p:nvSpPr>
+          <p:spPr>
+            <a:xfrm>
+              <a:off x="3702646" y="2174874"/>
+              <a:ext cx="1583998" cy="651014"/>
+            </a:xfrm>
+            <a:prstGeom prst="rect">
+              <a:avLst/>
+            </a:prstGeom>
             <a:solidFill>
               <a:schemeClr val="tx2"/>
             </a:solidFill>
-            <a:prstDash val="solid"/>
-            <a:miter lim="800000"/>
-            <a:headEnd type="none" w="sm" len="sm"/>
-            <a:tailEnd type="none" w="sm" len="sm"/>
-          </a:ln>
-        </p:spPr>
-        <p:txBody>
-          <a:bodyPr spcFirstLastPara="1" wrap="square" lIns="91425" tIns="45700" rIns="91425" bIns="45700" anchor="ctr" anchorCtr="0">
-            <a:noAutofit/>
-          </a:bodyPr>
-          <a:lstStyle/>
-          <a:p>
-            <a:pPr>
-              <a:lnSpc>
-                <a:spcPct val="107000"/>
-              </a:lnSpc>
-            </a:pPr>
-            <a:r>
-              <a:rPr lang="en-AU" sz="1500" b="1" dirty="0">
-                <a:latin typeface="Calibri" panose="020F0502020204030204" pitchFamily="34" charset="0"/>
-                <a:ea typeface="Calibri" panose="020F0502020204030204" pitchFamily="34" charset="0"/>
-                <a:cs typeface="Calibri" panose="020F0502020204030204" pitchFamily="34" charset="0"/>
-              </a:rPr>
-              <a:t>Excluded factors:</a:t>
-            </a:r>
-          </a:p>
-          <a:p>
-            <a:pPr marL="72000">
-              <a:lnSpc>
-                <a:spcPct val="107000"/>
-              </a:lnSpc>
-              <a:buFont typeface="Arial" panose="020B0604020202020204" pitchFamily="34" charset="0"/>
-              <a:buChar char="•"/>
-            </a:pPr>
-            <a:r>
-              <a:rPr lang="en-AU" sz="1500">
-                <a:latin typeface="Calibri" panose="020F0502020204030204" pitchFamily="34" charset="0"/>
-                <a:ea typeface="Calibri" panose="020F0502020204030204" pitchFamily="34" charset="0"/>
-                <a:cs typeface="Calibri" panose="020F0502020204030204" pitchFamily="34" charset="0"/>
-              </a:rPr>
-              <a:t>Irrelevant (139)</a:t>
-            </a:r>
-            <a:endParaRPr lang="en-AU" sz="1500" dirty="0">
-              <a:latin typeface="Calibri" panose="020F0502020204030204" pitchFamily="34" charset="0"/>
-              <a:ea typeface="Calibri" panose="020F0502020204030204" pitchFamily="34" charset="0"/>
-              <a:cs typeface="Calibri" panose="020F0502020204030204" pitchFamily="34" charset="0"/>
-            </a:endParaRPr>
-          </a:p>
-          <a:p>
-            <a:pPr marL="72000">
-              <a:lnSpc>
-                <a:spcPct val="107000"/>
-              </a:lnSpc>
-              <a:buFont typeface="Arial" panose="020B0604020202020204" pitchFamily="34" charset="0"/>
-              <a:buChar char="•"/>
-            </a:pPr>
-            <a:r>
-              <a:rPr lang="en-AU" sz="1500" dirty="0">
-                <a:latin typeface="Calibri" panose="020F0502020204030204" pitchFamily="34" charset="0"/>
-                <a:ea typeface="Calibri" panose="020F0502020204030204" pitchFamily="34" charset="0"/>
-                <a:cs typeface="Calibri" panose="020F0502020204030204" pitchFamily="34" charset="0"/>
-              </a:rPr>
-              <a:t>Redundant ()</a:t>
-            </a:r>
-          </a:p>
-          <a:p>
-            <a:pPr marL="72000">
-              <a:lnSpc>
-                <a:spcPct val="107000"/>
-              </a:lnSpc>
-              <a:buFont typeface="Arial" panose="020B0604020202020204" pitchFamily="34" charset="0"/>
-              <a:buChar char="•"/>
-            </a:pPr>
-            <a:r>
-              <a:rPr lang="en-AU" sz="1500" dirty="0">
-                <a:latin typeface="Calibri" panose="020F0502020204030204" pitchFamily="34" charset="0"/>
-                <a:ea typeface="Calibri" panose="020F0502020204030204" pitchFamily="34" charset="0"/>
-                <a:cs typeface="Calibri" panose="020F0502020204030204" pitchFamily="34" charset="0"/>
-              </a:rPr>
-              <a:t>Feature selection algorithms</a:t>
-            </a:r>
-            <a:endParaRPr lang="en-US" sz="1500" dirty="0">
-              <a:latin typeface="Calibri" panose="020F0502020204030204" pitchFamily="34" charset="0"/>
-              <a:ea typeface="Calibri" panose="020F0502020204030204" pitchFamily="34" charset="0"/>
-              <a:cs typeface="Calibri" panose="020F0502020204030204" pitchFamily="34" charset="0"/>
-            </a:endParaRPr>
-          </a:p>
-        </p:txBody>
-      </p:sp>
-      <p:sp>
-        <p:nvSpPr>
-          <p:cNvPr id="22" name="Google Shape;101;p13">
-            <a:extLst>
-              <a:ext uri="{FF2B5EF4-FFF2-40B4-BE49-F238E27FC236}">
-                <a16:creationId xmlns:a16="http://schemas.microsoft.com/office/drawing/2014/main" id="{D4D0E25D-F991-44B5-1BA5-47501012E945}"/>
-              </a:ext>
-            </a:extLst>
-          </p:cNvPr>
-          <p:cNvSpPr/>
-          <p:nvPr/>
-        </p:nvSpPr>
-        <p:spPr>
-          <a:xfrm>
-            <a:off x="1088240" y="6751426"/>
-            <a:ext cx="2534087" cy="1327664"/>
-          </a:xfrm>
-          <a:prstGeom prst="rect">
-            <a:avLst/>
-          </a:prstGeom>
-          <a:noFill/>
-          <a:ln w="12700" cap="flat" cmpd="sng">
-            <a:solidFill>
-              <a:srgbClr val="31538F"/>
-            </a:solidFill>
-            <a:prstDash val="solid"/>
-            <a:miter lim="800000"/>
-            <a:headEnd type="none" w="sm" len="sm"/>
-            <a:tailEnd type="none" w="sm" len="sm"/>
-          </a:ln>
-        </p:spPr>
-        <p:txBody>
-          <a:bodyPr spcFirstLastPara="1" wrap="square" lIns="91425" tIns="45700" rIns="91425" bIns="45700" anchor="ctr" anchorCtr="0">
-            <a:noAutofit/>
-          </a:bodyPr>
-          <a:lstStyle/>
-          <a:p>
-            <a:pPr algn="ctr"/>
-            <a:r>
-              <a:rPr lang="en-US" sz="1600" b="1" dirty="0">
-                <a:solidFill>
-                  <a:schemeClr val="dk1"/>
-                </a:solidFill>
-                <a:latin typeface="Calibri"/>
-                <a:ea typeface="Calibri"/>
-                <a:cs typeface="Calibri"/>
-                <a:sym typeface="Calibri"/>
-              </a:rPr>
-              <a:t>Household influence in resource governance</a:t>
-            </a:r>
-          </a:p>
-          <a:p>
-            <a:pPr algn="ctr"/>
-            <a:r>
-              <a:rPr lang="en-US" sz="1500" dirty="0">
-                <a:solidFill>
-                  <a:schemeClr val="dk1"/>
-                </a:solidFill>
-                <a:latin typeface="Calibri"/>
-                <a:ea typeface="Calibri"/>
-                <a:cs typeface="Calibri"/>
-                <a:sym typeface="Calibri"/>
-              </a:rPr>
-              <a:t>Retained after selection and prioritization</a:t>
-            </a:r>
-          </a:p>
-          <a:p>
-            <a:pPr algn="ctr"/>
-            <a:r>
-              <a:rPr lang="en-US" sz="1500" dirty="0">
-                <a:solidFill>
-                  <a:schemeClr val="dk1"/>
-                </a:solidFill>
-                <a:latin typeface="Calibri"/>
-                <a:ea typeface="Calibri"/>
-                <a:cs typeface="Calibri"/>
-                <a:sym typeface="Calibri"/>
-              </a:rPr>
-              <a:t>(9 indirect predictors)</a:t>
-            </a:r>
-          </a:p>
-        </p:txBody>
-      </p:sp>
-      <p:cxnSp>
-        <p:nvCxnSpPr>
-          <p:cNvPr id="23" name="Straight Arrow Connector 22">
-            <a:extLst>
-              <a:ext uri="{FF2B5EF4-FFF2-40B4-BE49-F238E27FC236}">
-                <a16:creationId xmlns:a16="http://schemas.microsoft.com/office/drawing/2014/main" id="{E80ED66E-BE93-6EC7-6257-05889E8A0C31}"/>
-              </a:ext>
-            </a:extLst>
-          </p:cNvPr>
-          <p:cNvCxnSpPr>
-            <a:cxnSpLocks/>
-            <a:stCxn id="40" idx="2"/>
-            <a:endCxn id="10" idx="0"/>
-          </p:cNvCxnSpPr>
-          <p:nvPr/>
-        </p:nvCxnSpPr>
-        <p:spPr>
-          <a:xfrm flipH="1">
-            <a:off x="2354454" y="5534448"/>
-            <a:ext cx="8521" cy="263597"/>
-          </a:xfrm>
-          <a:prstGeom prst="straightConnector1">
-            <a:avLst/>
-          </a:prstGeom>
-          <a:ln>
-            <a:tailEnd type="triangle"/>
-          </a:ln>
-        </p:spPr>
-        <p:style>
-          <a:lnRef idx="1">
-            <a:schemeClr val="accent1"/>
-          </a:lnRef>
-          <a:fillRef idx="0">
-            <a:schemeClr val="accent1"/>
-          </a:fillRef>
-          <a:effectRef idx="0">
-            <a:schemeClr val="accent1"/>
-          </a:effectRef>
-          <a:fontRef idx="minor">
-            <a:schemeClr val="tx1"/>
-          </a:fontRef>
-        </p:style>
-      </p:cxnSp>
-      <p:sp>
-        <p:nvSpPr>
-          <p:cNvPr id="27" name="Google Shape;96;p13">
-            <a:extLst>
-              <a:ext uri="{FF2B5EF4-FFF2-40B4-BE49-F238E27FC236}">
-                <a16:creationId xmlns:a16="http://schemas.microsoft.com/office/drawing/2014/main" id="{92EA50FD-FF7E-8A33-ADC8-C8DF12380567}"/>
-              </a:ext>
-            </a:extLst>
-          </p:cNvPr>
-          <p:cNvSpPr/>
-          <p:nvPr/>
-        </p:nvSpPr>
-        <p:spPr>
-          <a:xfrm>
-            <a:off x="38874" y="5929997"/>
-            <a:ext cx="738404" cy="5936408"/>
-          </a:xfrm>
-          <a:prstGeom prst="roundRect">
-            <a:avLst>
-              <a:gd name="adj" fmla="val 16667"/>
-            </a:avLst>
-          </a:prstGeom>
-          <a:solidFill>
-            <a:schemeClr val="accent1"/>
-          </a:solidFill>
-          <a:ln w="12700" cap="flat" cmpd="sng">
-            <a:solidFill>
-              <a:srgbClr val="31538F"/>
-            </a:solidFill>
-            <a:prstDash val="solid"/>
-            <a:miter lim="800000"/>
-            <a:headEnd type="none" w="sm" len="sm"/>
-            <a:tailEnd type="none" w="sm" len="sm"/>
-          </a:ln>
-        </p:spPr>
-        <p:txBody>
-          <a:bodyPr spcFirstLastPara="1" wrap="square" lIns="91425" tIns="91425" rIns="91425" bIns="91425" anchor="ctr" anchorCtr="0">
-            <a:noAutofit/>
-          </a:bodyPr>
-          <a:lstStyle/>
-          <a:p>
-            <a:endParaRPr/>
-          </a:p>
-        </p:txBody>
-      </p:sp>
-      <p:sp>
-        <p:nvSpPr>
-          <p:cNvPr id="28" name="Google Shape;97;p13">
-            <a:extLst>
-              <a:ext uri="{FF2B5EF4-FFF2-40B4-BE49-F238E27FC236}">
-                <a16:creationId xmlns:a16="http://schemas.microsoft.com/office/drawing/2014/main" id="{7CE5C115-EFE2-E291-6D9C-3940128EA6DE}"/>
-              </a:ext>
-            </a:extLst>
-          </p:cNvPr>
-          <p:cNvSpPr txBox="1"/>
-          <p:nvPr/>
-        </p:nvSpPr>
-        <p:spPr>
-          <a:xfrm rot="16200000">
-            <a:off x="-2527949" y="8639243"/>
-            <a:ext cx="5936408" cy="517916"/>
-          </a:xfrm>
-          <a:prstGeom prst="rect">
-            <a:avLst/>
-          </a:prstGeom>
-          <a:noFill/>
-          <a:ln>
-            <a:noFill/>
-          </a:ln>
-        </p:spPr>
-        <p:txBody>
-          <a:bodyPr spcFirstLastPara="1" wrap="square" lIns="91425" tIns="45700" rIns="91425" bIns="45700" anchor="ctr" anchorCtr="0">
-            <a:noAutofit/>
-          </a:bodyPr>
-          <a:lstStyle/>
-          <a:p>
-            <a:pPr algn="ctr"/>
-            <a:r>
-              <a:rPr lang="en-GB" sz="1600" b="1" dirty="0">
-                <a:solidFill>
-                  <a:schemeClr val="lt1"/>
-                </a:solidFill>
-                <a:latin typeface="Calibri"/>
-                <a:ea typeface="Calibri"/>
-                <a:cs typeface="Calibri"/>
-                <a:sym typeface="Calibri"/>
-              </a:rPr>
-              <a:t>Selection and prioritization of indirect predictors of DFS adoption</a:t>
-            </a:r>
-            <a:endParaRPr sz="1600" b="1" dirty="0">
+            <a:ln w="12700" cap="flat" cmpd="sng">
               <a:solidFill>
-                <a:schemeClr val="lt1"/>
+                <a:schemeClr val="tx2"/>
               </a:solidFill>
-              <a:latin typeface="Calibri"/>
-              <a:ea typeface="Calibri"/>
-              <a:cs typeface="Calibri"/>
-              <a:sym typeface="Calibri"/>
-            </a:endParaRPr>
-          </a:p>
-        </p:txBody>
-      </p:sp>
-      <p:sp>
-        <p:nvSpPr>
-          <p:cNvPr id="40" name="Google Shape;101;p13">
-            <a:extLst>
-              <a:ext uri="{FF2B5EF4-FFF2-40B4-BE49-F238E27FC236}">
-                <a16:creationId xmlns:a16="http://schemas.microsoft.com/office/drawing/2014/main" id="{E1E0B3E5-0F60-AFAA-EADB-B19018E58EE4}"/>
-              </a:ext>
-            </a:extLst>
-          </p:cNvPr>
-          <p:cNvSpPr/>
-          <p:nvPr/>
-        </p:nvSpPr>
-        <p:spPr>
-          <a:xfrm>
-            <a:off x="1095931" y="4446808"/>
-            <a:ext cx="2534087" cy="1087640"/>
-          </a:xfrm>
-          <a:prstGeom prst="rect">
-            <a:avLst/>
-          </a:prstGeom>
-          <a:noFill/>
-          <a:ln w="12700" cap="flat" cmpd="sng">
-            <a:solidFill>
-              <a:srgbClr val="31538F"/>
-            </a:solidFill>
-            <a:prstDash val="solid"/>
-            <a:miter lim="800000"/>
-            <a:headEnd type="none" w="sm" len="sm"/>
-            <a:tailEnd type="none" w="sm" len="sm"/>
-          </a:ln>
-        </p:spPr>
-        <p:txBody>
-          <a:bodyPr spcFirstLastPara="1" wrap="square" lIns="91425" tIns="45700" rIns="91425" bIns="45700" anchor="ctr" anchorCtr="0">
-            <a:noAutofit/>
-          </a:bodyPr>
-          <a:lstStyle/>
-          <a:p>
-            <a:pPr marL="285750" indent="-285750">
-              <a:lnSpc>
-                <a:spcPts val="1300"/>
-              </a:lnSpc>
-              <a:buFont typeface="Arial" panose="020B0604020202020204" pitchFamily="34" charset="0"/>
-              <a:buChar char="•"/>
-            </a:pPr>
-            <a:r>
-              <a:rPr lang="en-US" sz="1300" dirty="0">
-                <a:solidFill>
-                  <a:schemeClr val="dk1"/>
-                </a:solidFill>
-                <a:latin typeface="Calibri"/>
-                <a:ea typeface="Calibri"/>
-                <a:cs typeface="Calibri"/>
-                <a:sym typeface="Calibri"/>
-              </a:rPr>
-              <a:t>Household influence in resource governance</a:t>
-            </a:r>
-          </a:p>
-          <a:p>
-            <a:pPr marL="285750" indent="-285750">
-              <a:lnSpc>
-                <a:spcPts val="1300"/>
-              </a:lnSpc>
-              <a:buFont typeface="Arial" panose="020B0604020202020204" pitchFamily="34" charset="0"/>
-              <a:buChar char="•"/>
-            </a:pPr>
-            <a:r>
-              <a:rPr lang="en-US" sz="1300" dirty="0">
-                <a:solidFill>
-                  <a:schemeClr val="dk1"/>
-                </a:solidFill>
-                <a:latin typeface="Calibri"/>
-                <a:cs typeface="Calibri"/>
-                <a:sym typeface="Calibri"/>
-              </a:rPr>
-              <a:t>Training participation</a:t>
-            </a:r>
-          </a:p>
-          <a:p>
-            <a:pPr marL="285750" indent="-285750">
-              <a:lnSpc>
-                <a:spcPts val="1300"/>
-              </a:lnSpc>
-              <a:buFont typeface="Arial" panose="020B0604020202020204" pitchFamily="34" charset="0"/>
-              <a:buChar char="•"/>
-            </a:pPr>
-            <a:r>
-              <a:rPr lang="en-US" sz="1300" dirty="0">
-                <a:solidFill>
-                  <a:schemeClr val="dk1"/>
-                </a:solidFill>
-                <a:latin typeface="Calibri"/>
-                <a:cs typeface="Calibri"/>
-                <a:sym typeface="Calibri"/>
-              </a:rPr>
-              <a:t>Household recovery capacity from shocks</a:t>
-            </a:r>
-          </a:p>
-        </p:txBody>
-      </p:sp>
-      <p:grpSp>
-        <p:nvGrpSpPr>
-          <p:cNvPr id="35" name="Group 34">
-            <a:extLst>
-              <a:ext uri="{FF2B5EF4-FFF2-40B4-BE49-F238E27FC236}">
-                <a16:creationId xmlns:a16="http://schemas.microsoft.com/office/drawing/2014/main" id="{C8E196F0-9A72-F2E9-7986-464AABF0BF9C}"/>
-              </a:ext>
-            </a:extLst>
-          </p:cNvPr>
-          <p:cNvGrpSpPr/>
-          <p:nvPr/>
-        </p:nvGrpSpPr>
-        <p:grpSpPr>
-          <a:xfrm>
-            <a:off x="1095931" y="8347625"/>
-            <a:ext cx="5567739" cy="1041119"/>
-            <a:chOff x="1095931" y="9618446"/>
-            <a:chExt cx="5567739" cy="1041119"/>
-          </a:xfrm>
-        </p:grpSpPr>
+              <a:prstDash val="solid"/>
+              <a:miter lim="800000"/>
+              <a:headEnd type="none" w="sm" len="sm"/>
+              <a:tailEnd type="none" w="sm" len="sm"/>
+            </a:ln>
+          </p:spPr>
+          <p:txBody>
+            <a:bodyPr spcFirstLastPara="1" wrap="square" lIns="91425" tIns="45700" rIns="91425" bIns="45700" anchor="ctr" anchorCtr="0">
+              <a:noAutofit/>
+            </a:bodyPr>
+            <a:lstStyle/>
+            <a:p>
+              <a:pPr>
+                <a:lnSpc>
+                  <a:spcPct val="107000"/>
+                </a:lnSpc>
+              </a:pPr>
+              <a:r>
+                <a:rPr lang="en-AU" b="1" dirty="0">
+                  <a:latin typeface="Calibri" panose="020F0502020204030204" pitchFamily="34" charset="0"/>
+                  <a:ea typeface="Calibri" panose="020F0502020204030204" pitchFamily="34" charset="0"/>
+                  <a:cs typeface="Calibri" panose="020F0502020204030204" pitchFamily="34" charset="0"/>
+                </a:rPr>
+                <a:t>Excluded factors:</a:t>
+              </a:r>
+            </a:p>
+            <a:p>
+              <a:pPr marL="72000">
+                <a:lnSpc>
+                  <a:spcPct val="107000"/>
+                </a:lnSpc>
+                <a:buFont typeface="Arial" panose="020B0604020202020204" pitchFamily="34" charset="0"/>
+                <a:buChar char="•"/>
+              </a:pPr>
+              <a:r>
+                <a:rPr lang="en-AU" dirty="0">
+                  <a:latin typeface="Calibri" panose="020F0502020204030204" pitchFamily="34" charset="0"/>
+                  <a:ea typeface="Calibri" panose="020F0502020204030204" pitchFamily="34" charset="0"/>
+                  <a:cs typeface="Calibri" panose="020F0502020204030204" pitchFamily="34" charset="0"/>
+                </a:rPr>
+                <a:t>Feature selection algorithm (131)</a:t>
+              </a:r>
+            </a:p>
+          </p:txBody>
+        </p:sp>
         <p:cxnSp>
           <p:nvCxnSpPr>
-            <p:cNvPr id="59" name="Straight Arrow Connector 58">
+            <p:cNvPr id="213" name="Straight Arrow Connector 212">
               <a:extLst>
                 <a:ext uri="{FF2B5EF4-FFF2-40B4-BE49-F238E27FC236}">
-                  <a16:creationId xmlns:a16="http://schemas.microsoft.com/office/drawing/2014/main" id="{AEF2DC42-9D1E-5EE0-ED9A-017C90CF14F1}"/>
+                  <a16:creationId xmlns:a16="http://schemas.microsoft.com/office/drawing/2014/main" id="{37996494-172D-3B02-6D6A-F97084A11DAB}"/>
                 </a:ext>
               </a:extLst>
             </p:cNvPr>
             <p:cNvCxnSpPr>
               <a:cxnSpLocks/>
-              <a:stCxn id="61" idx="3"/>
-              <a:endCxn id="60" idx="1"/>
+              <a:stCxn id="206" idx="3"/>
+              <a:endCxn id="212" idx="1"/>
             </p:cNvCxnSpPr>
             <p:nvPr/>
           </p:nvCxnSpPr>
           <p:spPr>
-            <a:xfrm>
-              <a:off x="3630018" y="10139005"/>
-              <a:ext cx="396597" cy="1"/>
+            <a:xfrm flipV="1">
+              <a:off x="3400828" y="2500381"/>
+              <a:ext cx="301818" cy="7519"/>
             </a:xfrm>
             <a:prstGeom prst="straightConnector1">
               <a:avLst/>
@@ -22543,10 +23483,10 @@
         </p:cxnSp>
         <p:sp>
           <p:nvSpPr>
-            <p:cNvPr id="60" name="Google Shape;95;p13">
+            <p:cNvPr id="2" name="Google Shape;96;p13">
               <a:extLst>
                 <a:ext uri="{FF2B5EF4-FFF2-40B4-BE49-F238E27FC236}">
-                  <a16:creationId xmlns:a16="http://schemas.microsoft.com/office/drawing/2014/main" id="{6DF2B3E5-7432-D349-B953-BEB72665327A}"/>
+                  <a16:creationId xmlns:a16="http://schemas.microsoft.com/office/drawing/2014/main" id="{7C986CA8-7608-92E9-C803-44E05BBA8878}"/>
                 </a:ext>
               </a:extLst>
             </p:cNvPr>
@@ -22555,8 +23495,1565 @@
           </p:nvSpPr>
           <p:spPr>
             <a:xfrm>
-              <a:off x="4026615" y="9618446"/>
+              <a:off x="71263" y="4034446"/>
+              <a:ext cx="738404" cy="1737435"/>
+            </a:xfrm>
+            <a:prstGeom prst="roundRect">
+              <a:avLst>
+                <a:gd name="adj" fmla="val 16667"/>
+              </a:avLst>
+            </a:prstGeom>
+            <a:solidFill>
+              <a:schemeClr val="accent1"/>
+            </a:solidFill>
+            <a:ln w="12700" cap="flat" cmpd="sng">
+              <a:solidFill>
+                <a:srgbClr val="31538F"/>
+              </a:solidFill>
+              <a:prstDash val="solid"/>
+              <a:miter lim="800000"/>
+              <a:headEnd type="none" w="sm" len="sm"/>
+              <a:tailEnd type="none" w="sm" len="sm"/>
+            </a:ln>
+          </p:spPr>
+          <p:txBody>
+            <a:bodyPr spcFirstLastPara="1" wrap="square" lIns="91425" tIns="91425" rIns="91425" bIns="91425" anchor="ctr" anchorCtr="0">
+              <a:noAutofit/>
+            </a:bodyPr>
+            <a:lstStyle/>
+            <a:p>
+              <a:endParaRPr/>
+            </a:p>
+          </p:txBody>
+        </p:sp>
+        <p:sp>
+          <p:nvSpPr>
+            <p:cNvPr id="15" name="Google Shape;100;p13">
+              <a:extLst>
+                <a:ext uri="{FF2B5EF4-FFF2-40B4-BE49-F238E27FC236}">
+                  <a16:creationId xmlns:a16="http://schemas.microsoft.com/office/drawing/2014/main" id="{47DD55AD-E82D-B488-25A1-2E78C4B059A5}"/>
+                </a:ext>
+              </a:extLst>
+            </p:cNvPr>
+            <p:cNvSpPr/>
+            <p:nvPr/>
+          </p:nvSpPr>
+          <p:spPr>
+            <a:xfrm>
+              <a:off x="1329787" y="3392958"/>
+              <a:ext cx="13139038" cy="390018"/>
+            </a:xfrm>
+            <a:prstGeom prst="rect">
+              <a:avLst/>
+            </a:prstGeom>
+            <a:solidFill>
+              <a:schemeClr val="accent1"/>
+            </a:solidFill>
+            <a:ln w="12700" cap="flat" cmpd="sng">
+              <a:noFill/>
+              <a:prstDash val="solid"/>
+              <a:miter lim="800000"/>
+              <a:headEnd type="none" w="sm" len="sm"/>
+              <a:tailEnd type="none" w="sm" len="sm"/>
+            </a:ln>
+          </p:spPr>
+          <p:txBody>
+            <a:bodyPr spcFirstLastPara="1" wrap="square" lIns="91425" tIns="45700" rIns="91425" bIns="45700" anchor="ctr" anchorCtr="0">
+              <a:noAutofit/>
+            </a:bodyPr>
+            <a:lstStyle/>
+            <a:p>
+              <a:pPr algn="ctr"/>
+              <a:r>
+                <a:rPr lang="en-US" sz="2000" b="1" dirty="0">
+                  <a:solidFill>
+                    <a:schemeClr val="bg1"/>
+                  </a:solidFill>
+                  <a:latin typeface="Calibri"/>
+                  <a:cs typeface="Calibri"/>
+                  <a:sym typeface="Calibri"/>
+                </a:rPr>
+                <a:t>LOGISTIC REGRESSION</a:t>
+              </a:r>
+              <a:endParaRPr sz="2000" b="1" dirty="0">
+                <a:solidFill>
+                  <a:schemeClr val="bg1"/>
+                </a:solidFill>
+              </a:endParaRPr>
+            </a:p>
+          </p:txBody>
+        </p:sp>
+        <p:cxnSp>
+          <p:nvCxnSpPr>
+            <p:cNvPr id="19" name="Straight Arrow Connector 18">
+              <a:extLst>
+                <a:ext uri="{FF2B5EF4-FFF2-40B4-BE49-F238E27FC236}">
+                  <a16:creationId xmlns:a16="http://schemas.microsoft.com/office/drawing/2014/main" id="{F5F59CF0-7745-26F5-19AA-DEA48463A1F6}"/>
+                </a:ext>
+              </a:extLst>
+            </p:cNvPr>
+            <p:cNvCxnSpPr>
+              <a:cxnSpLocks/>
+              <a:stCxn id="206" idx="2"/>
+              <a:endCxn id="40" idx="0"/>
+            </p:cNvCxnSpPr>
+            <p:nvPr/>
+          </p:nvCxnSpPr>
+          <p:spPr>
+            <a:xfrm>
+              <a:off x="2356828" y="3105007"/>
+              <a:ext cx="6147" cy="1341801"/>
+            </a:xfrm>
+            <a:prstGeom prst="straightConnector1">
+              <a:avLst/>
+            </a:prstGeom>
+            <a:ln>
+              <a:tailEnd type="triangle"/>
+            </a:ln>
+          </p:spPr>
+          <p:style>
+            <a:lnRef idx="1">
+              <a:schemeClr val="accent1"/>
+            </a:lnRef>
+            <a:fillRef idx="0">
+              <a:schemeClr val="accent1"/>
+            </a:fillRef>
+            <a:effectRef idx="0">
+              <a:schemeClr val="accent1"/>
+            </a:effectRef>
+            <a:fontRef idx="minor">
+              <a:schemeClr val="tx1"/>
+            </a:fontRef>
+          </p:style>
+        </p:cxnSp>
+        <p:sp>
+          <p:nvSpPr>
+            <p:cNvPr id="21" name="Google Shape;97;p13">
+              <a:extLst>
+                <a:ext uri="{FF2B5EF4-FFF2-40B4-BE49-F238E27FC236}">
+                  <a16:creationId xmlns:a16="http://schemas.microsoft.com/office/drawing/2014/main" id="{48B22ABC-5FF4-1F93-7754-B381C0D9BE1D}"/>
+                </a:ext>
+              </a:extLst>
+            </p:cNvPr>
+            <p:cNvSpPr txBox="1"/>
+            <p:nvPr/>
+          </p:nvSpPr>
+          <p:spPr>
+            <a:xfrm rot="16200000">
+              <a:off x="-450802" y="4686288"/>
+              <a:ext cx="1737437" cy="517916"/>
+            </a:xfrm>
+            <a:prstGeom prst="rect">
+              <a:avLst/>
+            </a:prstGeom>
+            <a:noFill/>
+            <a:ln>
+              <a:noFill/>
+            </a:ln>
+          </p:spPr>
+          <p:txBody>
+            <a:bodyPr spcFirstLastPara="1" wrap="square" lIns="91425" tIns="45700" rIns="91425" bIns="45700" anchor="ctr" anchorCtr="0">
+              <a:noAutofit/>
+            </a:bodyPr>
+            <a:lstStyle/>
+            <a:p>
+              <a:pPr algn="ctr"/>
+              <a:r>
+                <a:rPr lang="en-GB" sz="1600" b="1" dirty="0">
+                  <a:solidFill>
+                    <a:schemeClr val="lt1"/>
+                  </a:solidFill>
+                  <a:latin typeface="Calibri"/>
+                  <a:ea typeface="Calibri"/>
+                  <a:cs typeface="Calibri"/>
+                  <a:sym typeface="Calibri"/>
+                </a:rPr>
+                <a:t>Significant direct predictors of </a:t>
+              </a:r>
+            </a:p>
+            <a:p>
+              <a:pPr algn="ctr"/>
+              <a:r>
+                <a:rPr lang="en-GB" sz="1600" b="1" dirty="0">
+                  <a:solidFill>
+                    <a:schemeClr val="lt1"/>
+                  </a:solidFill>
+                  <a:latin typeface="Calibri"/>
+                  <a:ea typeface="Calibri"/>
+                  <a:cs typeface="Calibri"/>
+                  <a:sym typeface="Calibri"/>
+                </a:rPr>
+                <a:t>DFS adoption</a:t>
+              </a:r>
+              <a:endParaRPr sz="1600" b="1" dirty="0">
+                <a:solidFill>
+                  <a:schemeClr val="lt1"/>
+                </a:solidFill>
+                <a:latin typeface="Calibri"/>
+                <a:ea typeface="Calibri"/>
+                <a:cs typeface="Calibri"/>
+                <a:sym typeface="Calibri"/>
+              </a:endParaRPr>
+            </a:p>
+          </p:txBody>
+        </p:sp>
+        <p:grpSp>
+          <p:nvGrpSpPr>
+            <p:cNvPr id="13" name="Group 12">
+              <a:extLst>
+                <a:ext uri="{FF2B5EF4-FFF2-40B4-BE49-F238E27FC236}">
+                  <a16:creationId xmlns:a16="http://schemas.microsoft.com/office/drawing/2014/main" id="{75556071-A9B6-48B1-55EF-113CF54A1517}"/>
+                </a:ext>
+              </a:extLst>
+            </p:cNvPr>
+            <p:cNvGrpSpPr/>
+            <p:nvPr/>
+          </p:nvGrpSpPr>
+          <p:grpSpPr>
+            <a:xfrm>
+              <a:off x="100198" y="354658"/>
+              <a:ext cx="738405" cy="1080001"/>
+              <a:chOff x="104365" y="6379577"/>
+              <a:chExt cx="738405" cy="1080001"/>
+            </a:xfrm>
+          </p:grpSpPr>
+          <p:sp>
+            <p:nvSpPr>
+              <p:cNvPr id="14" name="Google Shape;96;p13">
+                <a:extLst>
+                  <a:ext uri="{FF2B5EF4-FFF2-40B4-BE49-F238E27FC236}">
+                    <a16:creationId xmlns:a16="http://schemas.microsoft.com/office/drawing/2014/main" id="{65852C41-6CEB-8ED0-F7AB-2530BDFD4C23}"/>
+                  </a:ext>
+                </a:extLst>
+              </p:cNvPr>
+              <p:cNvSpPr/>
+              <p:nvPr/>
+            </p:nvSpPr>
+            <p:spPr>
+              <a:xfrm rot="16200000">
+                <a:off x="-66432" y="6550375"/>
+                <a:ext cx="1080000" cy="738405"/>
+              </a:xfrm>
+              <a:prstGeom prst="roundRect">
+                <a:avLst>
+                  <a:gd name="adj" fmla="val 16667"/>
+                </a:avLst>
+              </a:prstGeom>
+              <a:solidFill>
+                <a:schemeClr val="accent1"/>
+              </a:solidFill>
+              <a:ln w="12700" cap="flat" cmpd="sng">
+                <a:solidFill>
+                  <a:srgbClr val="31538F"/>
+                </a:solidFill>
+                <a:prstDash val="solid"/>
+                <a:miter lim="800000"/>
+                <a:headEnd type="none" w="sm" len="sm"/>
+                <a:tailEnd type="none" w="sm" len="sm"/>
+              </a:ln>
+            </p:spPr>
+            <p:txBody>
+              <a:bodyPr spcFirstLastPara="1" wrap="square" lIns="91425" tIns="91425" rIns="91425" bIns="91425" anchor="ctr" anchorCtr="0">
+                <a:noAutofit/>
+              </a:bodyPr>
+              <a:lstStyle/>
+              <a:p>
+                <a:pPr algn="ctr"/>
+                <a:endParaRPr lang="en-US" sz="2000" b="1" dirty="0">
+                  <a:solidFill>
+                    <a:schemeClr val="lt1"/>
+                  </a:solidFill>
+                  <a:latin typeface="Calibri"/>
+                  <a:cs typeface="Calibri"/>
+                  <a:sym typeface="Calibri"/>
+                </a:endParaRPr>
+              </a:p>
+            </p:txBody>
+          </p:sp>
+          <p:sp>
+            <p:nvSpPr>
+              <p:cNvPr id="17" name="Google Shape;97;p13">
+                <a:extLst>
+                  <a:ext uri="{FF2B5EF4-FFF2-40B4-BE49-F238E27FC236}">
+                    <a16:creationId xmlns:a16="http://schemas.microsoft.com/office/drawing/2014/main" id="{9BA224A5-BC79-448F-B398-2A6D3849CC66}"/>
+                  </a:ext>
+                </a:extLst>
+              </p:cNvPr>
+              <p:cNvSpPr txBox="1"/>
+              <p:nvPr/>
+            </p:nvSpPr>
+            <p:spPr>
+              <a:xfrm rot="-5400000">
+                <a:off x="-91117" y="6649577"/>
+                <a:ext cx="1080000" cy="540000"/>
+              </a:xfrm>
+              <a:prstGeom prst="rect">
+                <a:avLst/>
+              </a:prstGeom>
+              <a:noFill/>
+              <a:ln>
+                <a:noFill/>
+              </a:ln>
+            </p:spPr>
+            <p:txBody>
+              <a:bodyPr spcFirstLastPara="1" wrap="square" lIns="91425" tIns="45700" rIns="91425" bIns="45700" anchor="ctr" anchorCtr="0">
+                <a:noAutofit/>
+              </a:bodyPr>
+              <a:lstStyle/>
+              <a:p>
+                <a:pPr algn="ctr"/>
+                <a:r>
+                  <a:rPr lang="en-US" sz="1600" b="1" dirty="0">
+                    <a:solidFill>
+                      <a:schemeClr val="lt1"/>
+                    </a:solidFill>
+                    <a:latin typeface="Calibri"/>
+                    <a:ea typeface="Calibri"/>
+                    <a:cs typeface="Calibri"/>
+                    <a:sym typeface="Calibri"/>
+                  </a:rPr>
+                  <a:t>A</a:t>
+                </a:r>
+                <a:r>
+                  <a:rPr lang="en-GB" sz="1600" b="1" dirty="0">
+                    <a:solidFill>
+                      <a:schemeClr val="lt1"/>
+                    </a:solidFill>
+                    <a:latin typeface="Calibri"/>
+                    <a:ea typeface="Calibri"/>
+                    <a:cs typeface="Calibri"/>
+                    <a:sym typeface="Calibri"/>
+                  </a:rPr>
+                  <a:t>LL</a:t>
+                </a:r>
+                <a:endParaRPr sz="1600" b="1" dirty="0">
+                  <a:solidFill>
+                    <a:schemeClr val="lt1"/>
+                  </a:solidFill>
+                  <a:latin typeface="Calibri"/>
+                  <a:ea typeface="Calibri"/>
+                  <a:cs typeface="Calibri"/>
+                  <a:sym typeface="Calibri"/>
+                </a:endParaRPr>
+              </a:p>
+            </p:txBody>
+          </p:sp>
+        </p:grpSp>
+        <p:cxnSp>
+          <p:nvCxnSpPr>
+            <p:cNvPr id="6" name="Straight Arrow Connector 5">
+              <a:extLst>
+                <a:ext uri="{FF2B5EF4-FFF2-40B4-BE49-F238E27FC236}">
+                  <a16:creationId xmlns:a16="http://schemas.microsoft.com/office/drawing/2014/main" id="{FC016250-BADA-DFF3-FA45-B1456BC0FA27}"/>
+                </a:ext>
+              </a:extLst>
+            </p:cNvPr>
+            <p:cNvCxnSpPr>
+              <a:cxnSpLocks/>
+              <a:stCxn id="22" idx="3"/>
+              <a:endCxn id="7" idx="1"/>
+            </p:cNvCxnSpPr>
+            <p:nvPr/>
+          </p:nvCxnSpPr>
+          <p:spPr>
+            <a:xfrm>
+              <a:off x="3622327" y="7415258"/>
+              <a:ext cx="404288" cy="4234"/>
+            </a:xfrm>
+            <a:prstGeom prst="straightConnector1">
+              <a:avLst/>
+            </a:prstGeom>
+            <a:ln>
+              <a:tailEnd type="triangle"/>
+            </a:ln>
+          </p:spPr>
+          <p:style>
+            <a:lnRef idx="1">
+              <a:schemeClr val="accent1"/>
+            </a:lnRef>
+            <a:fillRef idx="0">
+              <a:schemeClr val="accent1"/>
+            </a:fillRef>
+            <a:effectRef idx="0">
+              <a:schemeClr val="accent1"/>
+            </a:effectRef>
+            <a:fontRef idx="minor">
+              <a:schemeClr val="tx1"/>
+            </a:fontRef>
+          </p:style>
+        </p:cxnSp>
+        <p:sp>
+          <p:nvSpPr>
+            <p:cNvPr id="7" name="Google Shape;95;p13">
+              <a:extLst>
+                <a:ext uri="{FF2B5EF4-FFF2-40B4-BE49-F238E27FC236}">
+                  <a16:creationId xmlns:a16="http://schemas.microsoft.com/office/drawing/2014/main" id="{F1A0A033-923F-AE0D-3516-9FCBB4719BBB}"/>
+                </a:ext>
+              </a:extLst>
+            </p:cNvPr>
+            <p:cNvSpPr/>
+            <p:nvPr/>
+          </p:nvSpPr>
+          <p:spPr>
+            <a:xfrm>
+              <a:off x="4026615" y="6898932"/>
               <a:ext cx="2637055" cy="1041119"/>
+            </a:xfrm>
+            <a:prstGeom prst="rect">
+              <a:avLst/>
+            </a:prstGeom>
+            <a:solidFill>
+              <a:schemeClr val="tx2"/>
+            </a:solidFill>
+            <a:ln w="12700" cap="flat" cmpd="sng">
+              <a:solidFill>
+                <a:schemeClr val="tx2"/>
+              </a:solidFill>
+              <a:prstDash val="solid"/>
+              <a:miter lim="800000"/>
+              <a:headEnd type="none" w="sm" len="sm"/>
+              <a:tailEnd type="none" w="sm" len="sm"/>
+            </a:ln>
+          </p:spPr>
+          <p:txBody>
+            <a:bodyPr spcFirstLastPara="1" wrap="square" lIns="91425" tIns="45700" rIns="91425" bIns="45700" anchor="ctr" anchorCtr="0">
+              <a:noAutofit/>
+            </a:bodyPr>
+            <a:lstStyle/>
+            <a:p>
+              <a:pPr>
+                <a:lnSpc>
+                  <a:spcPct val="107000"/>
+                </a:lnSpc>
+              </a:pPr>
+              <a:r>
+                <a:rPr lang="en-AU" sz="1500" b="1" dirty="0">
+                  <a:latin typeface="Calibri" panose="020F0502020204030204" pitchFamily="34" charset="0"/>
+                  <a:ea typeface="Calibri" panose="020F0502020204030204" pitchFamily="34" charset="0"/>
+                  <a:cs typeface="Calibri" panose="020F0502020204030204" pitchFamily="34" charset="0"/>
+                </a:rPr>
+                <a:t>Excluded factors:</a:t>
+              </a:r>
+            </a:p>
+            <a:p>
+              <a:pPr marL="72000">
+                <a:lnSpc>
+                  <a:spcPct val="107000"/>
+                </a:lnSpc>
+                <a:buFont typeface="Arial" panose="020B0604020202020204" pitchFamily="34" charset="0"/>
+                <a:buChar char="•"/>
+              </a:pPr>
+              <a:r>
+                <a:rPr lang="en-AU" sz="1500">
+                  <a:latin typeface="Calibri" panose="020F0502020204030204" pitchFamily="34" charset="0"/>
+                  <a:ea typeface="Calibri" panose="020F0502020204030204" pitchFamily="34" charset="0"/>
+                  <a:cs typeface="Calibri" panose="020F0502020204030204" pitchFamily="34" charset="0"/>
+                </a:rPr>
+                <a:t>Irrelevant (139)</a:t>
+              </a:r>
+              <a:endParaRPr lang="en-AU" sz="1500" dirty="0">
+                <a:latin typeface="Calibri" panose="020F0502020204030204" pitchFamily="34" charset="0"/>
+                <a:ea typeface="Calibri" panose="020F0502020204030204" pitchFamily="34" charset="0"/>
+                <a:cs typeface="Calibri" panose="020F0502020204030204" pitchFamily="34" charset="0"/>
+              </a:endParaRPr>
+            </a:p>
+            <a:p>
+              <a:pPr marL="72000">
+                <a:lnSpc>
+                  <a:spcPct val="107000"/>
+                </a:lnSpc>
+                <a:buFont typeface="Arial" panose="020B0604020202020204" pitchFamily="34" charset="0"/>
+                <a:buChar char="•"/>
+              </a:pPr>
+              <a:r>
+                <a:rPr lang="en-AU" sz="1500" dirty="0">
+                  <a:latin typeface="Calibri" panose="020F0502020204030204" pitchFamily="34" charset="0"/>
+                  <a:ea typeface="Calibri" panose="020F0502020204030204" pitchFamily="34" charset="0"/>
+                  <a:cs typeface="Calibri" panose="020F0502020204030204" pitchFamily="34" charset="0"/>
+                </a:rPr>
+                <a:t>Redundant ()</a:t>
+              </a:r>
+            </a:p>
+            <a:p>
+              <a:pPr marL="72000">
+                <a:lnSpc>
+                  <a:spcPct val="107000"/>
+                </a:lnSpc>
+                <a:buFont typeface="Arial" panose="020B0604020202020204" pitchFamily="34" charset="0"/>
+                <a:buChar char="•"/>
+              </a:pPr>
+              <a:r>
+                <a:rPr lang="en-AU" sz="1500" dirty="0">
+                  <a:latin typeface="Calibri" panose="020F0502020204030204" pitchFamily="34" charset="0"/>
+                  <a:ea typeface="Calibri" panose="020F0502020204030204" pitchFamily="34" charset="0"/>
+                  <a:cs typeface="Calibri" panose="020F0502020204030204" pitchFamily="34" charset="0"/>
+                </a:rPr>
+                <a:t>Feature selection algorithms</a:t>
+              </a:r>
+              <a:endParaRPr lang="en-US" sz="1500" dirty="0">
+                <a:latin typeface="Calibri" panose="020F0502020204030204" pitchFamily="34" charset="0"/>
+                <a:ea typeface="Calibri" panose="020F0502020204030204" pitchFamily="34" charset="0"/>
+                <a:cs typeface="Calibri" panose="020F0502020204030204" pitchFamily="34" charset="0"/>
+              </a:endParaRPr>
+            </a:p>
+          </p:txBody>
+        </p:sp>
+        <p:sp>
+          <p:nvSpPr>
+            <p:cNvPr id="22" name="Google Shape;101;p13">
+              <a:extLst>
+                <a:ext uri="{FF2B5EF4-FFF2-40B4-BE49-F238E27FC236}">
+                  <a16:creationId xmlns:a16="http://schemas.microsoft.com/office/drawing/2014/main" id="{D4D0E25D-F991-44B5-1BA5-47501012E945}"/>
+                </a:ext>
+              </a:extLst>
+            </p:cNvPr>
+            <p:cNvSpPr/>
+            <p:nvPr/>
+          </p:nvSpPr>
+          <p:spPr>
+            <a:xfrm>
+              <a:off x="1088240" y="6751426"/>
+              <a:ext cx="2534087" cy="1327664"/>
+            </a:xfrm>
+            <a:prstGeom prst="rect">
+              <a:avLst/>
+            </a:prstGeom>
+            <a:noFill/>
+            <a:ln w="12700" cap="flat" cmpd="sng">
+              <a:solidFill>
+                <a:srgbClr val="31538F"/>
+              </a:solidFill>
+              <a:prstDash val="solid"/>
+              <a:miter lim="800000"/>
+              <a:headEnd type="none" w="sm" len="sm"/>
+              <a:tailEnd type="none" w="sm" len="sm"/>
+            </a:ln>
+          </p:spPr>
+          <p:txBody>
+            <a:bodyPr spcFirstLastPara="1" wrap="square" lIns="91425" tIns="45700" rIns="91425" bIns="45700" anchor="ctr" anchorCtr="0">
+              <a:noAutofit/>
+            </a:bodyPr>
+            <a:lstStyle/>
+            <a:p>
+              <a:pPr algn="ctr"/>
+              <a:r>
+                <a:rPr lang="en-US" sz="1600" b="1" dirty="0">
+                  <a:solidFill>
+                    <a:schemeClr val="dk1"/>
+                  </a:solidFill>
+                  <a:latin typeface="Calibri"/>
+                  <a:ea typeface="Calibri"/>
+                  <a:cs typeface="Calibri"/>
+                  <a:sym typeface="Calibri"/>
+                </a:rPr>
+                <a:t>Household influence in resource governance</a:t>
+              </a:r>
+            </a:p>
+            <a:p>
+              <a:pPr algn="ctr"/>
+              <a:r>
+                <a:rPr lang="en-US" sz="1500" dirty="0">
+                  <a:solidFill>
+                    <a:schemeClr val="dk1"/>
+                  </a:solidFill>
+                  <a:latin typeface="Calibri"/>
+                  <a:ea typeface="Calibri"/>
+                  <a:cs typeface="Calibri"/>
+                  <a:sym typeface="Calibri"/>
+                </a:rPr>
+                <a:t>Retained after selection and prioritization</a:t>
+              </a:r>
+            </a:p>
+            <a:p>
+              <a:pPr algn="ctr"/>
+              <a:r>
+                <a:rPr lang="en-US" sz="1500" dirty="0">
+                  <a:solidFill>
+                    <a:schemeClr val="dk1"/>
+                  </a:solidFill>
+                  <a:latin typeface="Calibri"/>
+                  <a:ea typeface="Calibri"/>
+                  <a:cs typeface="Calibri"/>
+                  <a:sym typeface="Calibri"/>
+                </a:rPr>
+                <a:t>(9 indirect predictors)</a:t>
+              </a:r>
+            </a:p>
+          </p:txBody>
+        </p:sp>
+        <p:cxnSp>
+          <p:nvCxnSpPr>
+            <p:cNvPr id="23" name="Straight Arrow Connector 22">
+              <a:extLst>
+                <a:ext uri="{FF2B5EF4-FFF2-40B4-BE49-F238E27FC236}">
+                  <a16:creationId xmlns:a16="http://schemas.microsoft.com/office/drawing/2014/main" id="{E80ED66E-BE93-6EC7-6257-05889E8A0C31}"/>
+                </a:ext>
+              </a:extLst>
+            </p:cNvPr>
+            <p:cNvCxnSpPr>
+              <a:cxnSpLocks/>
+              <a:stCxn id="40" idx="2"/>
+              <a:endCxn id="10" idx="0"/>
+            </p:cNvCxnSpPr>
+            <p:nvPr/>
+          </p:nvCxnSpPr>
+          <p:spPr>
+            <a:xfrm flipH="1">
+              <a:off x="2354454" y="5534448"/>
+              <a:ext cx="8521" cy="263597"/>
+            </a:xfrm>
+            <a:prstGeom prst="straightConnector1">
+              <a:avLst/>
+            </a:prstGeom>
+            <a:ln>
+              <a:tailEnd type="triangle"/>
+            </a:ln>
+          </p:spPr>
+          <p:style>
+            <a:lnRef idx="1">
+              <a:schemeClr val="accent1"/>
+            </a:lnRef>
+            <a:fillRef idx="0">
+              <a:schemeClr val="accent1"/>
+            </a:fillRef>
+            <a:effectRef idx="0">
+              <a:schemeClr val="accent1"/>
+            </a:effectRef>
+            <a:fontRef idx="minor">
+              <a:schemeClr val="tx1"/>
+            </a:fontRef>
+          </p:style>
+        </p:cxnSp>
+        <p:sp>
+          <p:nvSpPr>
+            <p:cNvPr id="27" name="Google Shape;96;p13">
+              <a:extLst>
+                <a:ext uri="{FF2B5EF4-FFF2-40B4-BE49-F238E27FC236}">
+                  <a16:creationId xmlns:a16="http://schemas.microsoft.com/office/drawing/2014/main" id="{92EA50FD-FF7E-8A33-ADC8-C8DF12380567}"/>
+                </a:ext>
+              </a:extLst>
+            </p:cNvPr>
+            <p:cNvSpPr/>
+            <p:nvPr/>
+          </p:nvSpPr>
+          <p:spPr>
+            <a:xfrm>
+              <a:off x="38874" y="5929997"/>
+              <a:ext cx="738404" cy="5054946"/>
+            </a:xfrm>
+            <a:prstGeom prst="roundRect">
+              <a:avLst>
+                <a:gd name="adj" fmla="val 16667"/>
+              </a:avLst>
+            </a:prstGeom>
+            <a:solidFill>
+              <a:schemeClr val="accent1"/>
+            </a:solidFill>
+            <a:ln w="12700" cap="flat" cmpd="sng">
+              <a:solidFill>
+                <a:srgbClr val="31538F"/>
+              </a:solidFill>
+              <a:prstDash val="solid"/>
+              <a:miter lim="800000"/>
+              <a:headEnd type="none" w="sm" len="sm"/>
+              <a:tailEnd type="none" w="sm" len="sm"/>
+            </a:ln>
+          </p:spPr>
+          <p:txBody>
+            <a:bodyPr spcFirstLastPara="1" wrap="square" lIns="91425" tIns="91425" rIns="91425" bIns="91425" anchor="ctr" anchorCtr="0">
+              <a:noAutofit/>
+            </a:bodyPr>
+            <a:lstStyle/>
+            <a:p>
+              <a:endParaRPr/>
+            </a:p>
+          </p:txBody>
+        </p:sp>
+        <p:sp>
+          <p:nvSpPr>
+            <p:cNvPr id="28" name="Google Shape;97;p13">
+              <a:extLst>
+                <a:ext uri="{FF2B5EF4-FFF2-40B4-BE49-F238E27FC236}">
+                  <a16:creationId xmlns:a16="http://schemas.microsoft.com/office/drawing/2014/main" id="{7CE5C115-EFE2-E291-6D9C-3940128EA6DE}"/>
+                </a:ext>
+              </a:extLst>
+            </p:cNvPr>
+            <p:cNvSpPr txBox="1"/>
+            <p:nvPr/>
+          </p:nvSpPr>
+          <p:spPr>
+            <a:xfrm rot="16200000">
+              <a:off x="-2015582" y="8126876"/>
+              <a:ext cx="4911674" cy="517916"/>
+            </a:xfrm>
+            <a:prstGeom prst="rect">
+              <a:avLst/>
+            </a:prstGeom>
+            <a:noFill/>
+            <a:ln>
+              <a:noFill/>
+            </a:ln>
+          </p:spPr>
+          <p:txBody>
+            <a:bodyPr spcFirstLastPara="1" wrap="square" lIns="91425" tIns="45700" rIns="91425" bIns="45700" anchor="ctr" anchorCtr="0">
+              <a:noAutofit/>
+            </a:bodyPr>
+            <a:lstStyle/>
+            <a:p>
+              <a:pPr algn="ctr"/>
+              <a:r>
+                <a:rPr lang="en-GB" sz="1600" b="1" dirty="0">
+                  <a:solidFill>
+                    <a:schemeClr val="lt1"/>
+                  </a:solidFill>
+                  <a:latin typeface="Calibri"/>
+                  <a:ea typeface="Calibri"/>
+                  <a:cs typeface="Calibri"/>
+                  <a:sym typeface="Calibri"/>
+                </a:rPr>
+                <a:t>Selection and prioritization of indirect predictors of DFS adoption</a:t>
+              </a:r>
+              <a:endParaRPr sz="1600" b="1" dirty="0">
+                <a:solidFill>
+                  <a:schemeClr val="lt1"/>
+                </a:solidFill>
+                <a:latin typeface="Calibri"/>
+                <a:ea typeface="Calibri"/>
+                <a:cs typeface="Calibri"/>
+                <a:sym typeface="Calibri"/>
+              </a:endParaRPr>
+            </a:p>
+          </p:txBody>
+        </p:sp>
+        <p:sp>
+          <p:nvSpPr>
+            <p:cNvPr id="40" name="Google Shape;101;p13">
+              <a:extLst>
+                <a:ext uri="{FF2B5EF4-FFF2-40B4-BE49-F238E27FC236}">
+                  <a16:creationId xmlns:a16="http://schemas.microsoft.com/office/drawing/2014/main" id="{E1E0B3E5-0F60-AFAA-EADB-B19018E58EE4}"/>
+                </a:ext>
+              </a:extLst>
+            </p:cNvPr>
+            <p:cNvSpPr/>
+            <p:nvPr/>
+          </p:nvSpPr>
+          <p:spPr>
+            <a:xfrm>
+              <a:off x="1095931" y="4446808"/>
+              <a:ext cx="2534087" cy="1087640"/>
+            </a:xfrm>
+            <a:prstGeom prst="rect">
+              <a:avLst/>
+            </a:prstGeom>
+            <a:noFill/>
+            <a:ln w="12700" cap="flat" cmpd="sng">
+              <a:solidFill>
+                <a:srgbClr val="31538F"/>
+              </a:solidFill>
+              <a:prstDash val="solid"/>
+              <a:miter lim="800000"/>
+              <a:headEnd type="none" w="sm" len="sm"/>
+              <a:tailEnd type="none" w="sm" len="sm"/>
+            </a:ln>
+          </p:spPr>
+          <p:txBody>
+            <a:bodyPr spcFirstLastPara="1" wrap="square" lIns="91425" tIns="45700" rIns="91425" bIns="45700" anchor="ctr" anchorCtr="0">
+              <a:noAutofit/>
+            </a:bodyPr>
+            <a:lstStyle/>
+            <a:p>
+              <a:pPr marL="285750" indent="-285750">
+                <a:lnSpc>
+                  <a:spcPts val="1300"/>
+                </a:lnSpc>
+                <a:buFont typeface="Arial" panose="020B0604020202020204" pitchFamily="34" charset="0"/>
+                <a:buChar char="•"/>
+              </a:pPr>
+              <a:r>
+                <a:rPr lang="en-US" sz="1300" dirty="0">
+                  <a:solidFill>
+                    <a:schemeClr val="dk1"/>
+                  </a:solidFill>
+                  <a:latin typeface="Calibri"/>
+                  <a:ea typeface="Calibri"/>
+                  <a:cs typeface="Calibri"/>
+                  <a:sym typeface="Calibri"/>
+                </a:rPr>
+                <a:t>Household influence in resource governance</a:t>
+              </a:r>
+            </a:p>
+            <a:p>
+              <a:pPr marL="285750" indent="-285750">
+                <a:lnSpc>
+                  <a:spcPts val="1300"/>
+                </a:lnSpc>
+                <a:buFont typeface="Arial" panose="020B0604020202020204" pitchFamily="34" charset="0"/>
+                <a:buChar char="•"/>
+              </a:pPr>
+              <a:r>
+                <a:rPr lang="en-US" sz="1300" dirty="0">
+                  <a:solidFill>
+                    <a:schemeClr val="dk1"/>
+                  </a:solidFill>
+                  <a:latin typeface="Calibri"/>
+                  <a:cs typeface="Calibri"/>
+                  <a:sym typeface="Calibri"/>
+                </a:rPr>
+                <a:t>Training participation</a:t>
+              </a:r>
+            </a:p>
+            <a:p>
+              <a:pPr marL="285750" indent="-285750">
+                <a:lnSpc>
+                  <a:spcPts val="1300"/>
+                </a:lnSpc>
+                <a:buFont typeface="Arial" panose="020B0604020202020204" pitchFamily="34" charset="0"/>
+                <a:buChar char="•"/>
+              </a:pPr>
+              <a:r>
+                <a:rPr lang="en-US" sz="1300" dirty="0">
+                  <a:solidFill>
+                    <a:schemeClr val="dk1"/>
+                  </a:solidFill>
+                  <a:latin typeface="Calibri"/>
+                  <a:cs typeface="Calibri"/>
+                  <a:sym typeface="Calibri"/>
+                </a:rPr>
+                <a:t>Household recovery capacity from shocks</a:t>
+              </a:r>
+            </a:p>
+          </p:txBody>
+        </p:sp>
+        <p:grpSp>
+          <p:nvGrpSpPr>
+            <p:cNvPr id="35" name="Group 34">
+              <a:extLst>
+                <a:ext uri="{FF2B5EF4-FFF2-40B4-BE49-F238E27FC236}">
+                  <a16:creationId xmlns:a16="http://schemas.microsoft.com/office/drawing/2014/main" id="{C8E196F0-9A72-F2E9-7986-464AABF0BF9C}"/>
+                </a:ext>
+              </a:extLst>
+            </p:cNvPr>
+            <p:cNvGrpSpPr/>
+            <p:nvPr/>
+          </p:nvGrpSpPr>
+          <p:grpSpPr>
+            <a:xfrm>
+              <a:off x="1095931" y="8347625"/>
+              <a:ext cx="5567739" cy="1041119"/>
+              <a:chOff x="1095931" y="9618446"/>
+              <a:chExt cx="5567739" cy="1041119"/>
+            </a:xfrm>
+          </p:grpSpPr>
+          <p:cxnSp>
+            <p:nvCxnSpPr>
+              <p:cNvPr id="59" name="Straight Arrow Connector 58">
+                <a:extLst>
+                  <a:ext uri="{FF2B5EF4-FFF2-40B4-BE49-F238E27FC236}">
+                    <a16:creationId xmlns:a16="http://schemas.microsoft.com/office/drawing/2014/main" id="{AEF2DC42-9D1E-5EE0-ED9A-017C90CF14F1}"/>
+                  </a:ext>
+                </a:extLst>
+              </p:cNvPr>
+              <p:cNvCxnSpPr>
+                <a:cxnSpLocks/>
+                <a:stCxn id="61" idx="3"/>
+                <a:endCxn id="60" idx="1"/>
+              </p:cNvCxnSpPr>
+              <p:nvPr/>
+            </p:nvCxnSpPr>
+            <p:spPr>
+              <a:xfrm>
+                <a:off x="3630018" y="10139005"/>
+                <a:ext cx="396597" cy="1"/>
+              </a:xfrm>
+              <a:prstGeom prst="straightConnector1">
+                <a:avLst/>
+              </a:prstGeom>
+              <a:ln>
+                <a:tailEnd type="triangle"/>
+              </a:ln>
+            </p:spPr>
+            <p:style>
+              <a:lnRef idx="1">
+                <a:schemeClr val="accent1"/>
+              </a:lnRef>
+              <a:fillRef idx="0">
+                <a:schemeClr val="accent1"/>
+              </a:fillRef>
+              <a:effectRef idx="0">
+                <a:schemeClr val="accent1"/>
+              </a:effectRef>
+              <a:fontRef idx="minor">
+                <a:schemeClr val="tx1"/>
+              </a:fontRef>
+            </p:style>
+          </p:cxnSp>
+          <p:sp>
+            <p:nvSpPr>
+              <p:cNvPr id="60" name="Google Shape;95;p13">
+                <a:extLst>
+                  <a:ext uri="{FF2B5EF4-FFF2-40B4-BE49-F238E27FC236}">
+                    <a16:creationId xmlns:a16="http://schemas.microsoft.com/office/drawing/2014/main" id="{6DF2B3E5-7432-D349-B953-BEB72665327A}"/>
+                  </a:ext>
+                </a:extLst>
+              </p:cNvPr>
+              <p:cNvSpPr/>
+              <p:nvPr/>
+            </p:nvSpPr>
+            <p:spPr>
+              <a:xfrm>
+                <a:off x="4026615" y="9618446"/>
+                <a:ext cx="2637055" cy="1041119"/>
+              </a:xfrm>
+              <a:prstGeom prst="rect">
+                <a:avLst/>
+              </a:prstGeom>
+              <a:solidFill>
+                <a:schemeClr val="tx2"/>
+              </a:solidFill>
+              <a:ln w="12700" cap="flat" cmpd="sng">
+                <a:solidFill>
+                  <a:schemeClr val="tx2"/>
+                </a:solidFill>
+                <a:prstDash val="solid"/>
+                <a:miter lim="800000"/>
+                <a:headEnd type="none" w="sm" len="sm"/>
+                <a:tailEnd type="none" w="sm" len="sm"/>
+              </a:ln>
+            </p:spPr>
+            <p:txBody>
+              <a:bodyPr spcFirstLastPara="1" wrap="square" lIns="91425" tIns="45700" rIns="91425" bIns="45700" anchor="ctr" anchorCtr="0">
+                <a:noAutofit/>
+              </a:bodyPr>
+              <a:lstStyle/>
+              <a:p>
+                <a:pPr>
+                  <a:lnSpc>
+                    <a:spcPct val="107000"/>
+                  </a:lnSpc>
+                </a:pPr>
+                <a:r>
+                  <a:rPr lang="en-AU" sz="1500" b="1" dirty="0">
+                    <a:latin typeface="Calibri" panose="020F0502020204030204" pitchFamily="34" charset="0"/>
+                    <a:ea typeface="Calibri" panose="020F0502020204030204" pitchFamily="34" charset="0"/>
+                    <a:cs typeface="Calibri" panose="020F0502020204030204" pitchFamily="34" charset="0"/>
+                  </a:rPr>
+                  <a:t>Excluded factors:</a:t>
+                </a:r>
+              </a:p>
+              <a:p>
+                <a:pPr marL="72000">
+                  <a:lnSpc>
+                    <a:spcPct val="107000"/>
+                  </a:lnSpc>
+                  <a:buFont typeface="Arial" panose="020B0604020202020204" pitchFamily="34" charset="0"/>
+                  <a:buChar char="•"/>
+                </a:pPr>
+                <a:r>
+                  <a:rPr lang="en-AU" sz="1500" dirty="0">
+                    <a:latin typeface="Calibri" panose="020F0502020204030204" pitchFamily="34" charset="0"/>
+                    <a:ea typeface="Calibri" panose="020F0502020204030204" pitchFamily="34" charset="0"/>
+                    <a:cs typeface="Calibri" panose="020F0502020204030204" pitchFamily="34" charset="0"/>
+                  </a:rPr>
+                  <a:t>Irrelevant</a:t>
+                </a:r>
+              </a:p>
+              <a:p>
+                <a:pPr marL="72000">
+                  <a:lnSpc>
+                    <a:spcPct val="107000"/>
+                  </a:lnSpc>
+                  <a:buFont typeface="Arial" panose="020B0604020202020204" pitchFamily="34" charset="0"/>
+                  <a:buChar char="•"/>
+                </a:pPr>
+                <a:r>
+                  <a:rPr lang="en-AU" sz="1500" dirty="0">
+                    <a:latin typeface="Calibri" panose="020F0502020204030204" pitchFamily="34" charset="0"/>
+                    <a:ea typeface="Calibri" panose="020F0502020204030204" pitchFamily="34" charset="0"/>
+                    <a:cs typeface="Calibri" panose="020F0502020204030204" pitchFamily="34" charset="0"/>
+                  </a:rPr>
+                  <a:t>Redundant ()</a:t>
+                </a:r>
+              </a:p>
+              <a:p>
+                <a:pPr marL="72000">
+                  <a:lnSpc>
+                    <a:spcPct val="107000"/>
+                  </a:lnSpc>
+                  <a:buFont typeface="Arial" panose="020B0604020202020204" pitchFamily="34" charset="0"/>
+                  <a:buChar char="•"/>
+                </a:pPr>
+                <a:r>
+                  <a:rPr lang="en-AU" sz="1500" dirty="0">
+                    <a:latin typeface="Calibri" panose="020F0502020204030204" pitchFamily="34" charset="0"/>
+                    <a:ea typeface="Calibri" panose="020F0502020204030204" pitchFamily="34" charset="0"/>
+                    <a:cs typeface="Calibri" panose="020F0502020204030204" pitchFamily="34" charset="0"/>
+                  </a:rPr>
+                  <a:t>Feature selection algorithms</a:t>
+                </a:r>
+                <a:endParaRPr lang="en-US" sz="1500" dirty="0">
+                  <a:latin typeface="Calibri" panose="020F0502020204030204" pitchFamily="34" charset="0"/>
+                  <a:ea typeface="Calibri" panose="020F0502020204030204" pitchFamily="34" charset="0"/>
+                  <a:cs typeface="Calibri" panose="020F0502020204030204" pitchFamily="34" charset="0"/>
+                </a:endParaRPr>
+              </a:p>
+            </p:txBody>
+          </p:sp>
+          <p:sp>
+            <p:nvSpPr>
+              <p:cNvPr id="61" name="Google Shape;101;p13">
+                <a:extLst>
+                  <a:ext uri="{FF2B5EF4-FFF2-40B4-BE49-F238E27FC236}">
+                    <a16:creationId xmlns:a16="http://schemas.microsoft.com/office/drawing/2014/main" id="{E6AABDD5-EC73-635A-CECD-DEEBA9199B12}"/>
+                  </a:ext>
+                </a:extLst>
+              </p:cNvPr>
+              <p:cNvSpPr/>
+              <p:nvPr/>
+            </p:nvSpPr>
+            <p:spPr>
+              <a:xfrm>
+                <a:off x="1095931" y="9652000"/>
+                <a:ext cx="2534087" cy="974010"/>
+              </a:xfrm>
+              <a:prstGeom prst="rect">
+                <a:avLst/>
+              </a:prstGeom>
+              <a:noFill/>
+              <a:ln w="12700" cap="flat" cmpd="sng">
+                <a:solidFill>
+                  <a:srgbClr val="31538F"/>
+                </a:solidFill>
+                <a:prstDash val="solid"/>
+                <a:miter lim="800000"/>
+                <a:headEnd type="none" w="sm" len="sm"/>
+                <a:tailEnd type="none" w="sm" len="sm"/>
+              </a:ln>
+            </p:spPr>
+            <p:txBody>
+              <a:bodyPr spcFirstLastPara="1" wrap="square" lIns="91425" tIns="45700" rIns="91425" bIns="45700" anchor="ctr" anchorCtr="0">
+                <a:noAutofit/>
+              </a:bodyPr>
+              <a:lstStyle/>
+              <a:p>
+                <a:pPr algn="ctr"/>
+                <a:r>
+                  <a:rPr lang="en-US" sz="1600" b="1" dirty="0">
+                    <a:solidFill>
+                      <a:schemeClr val="dk1"/>
+                    </a:solidFill>
+                    <a:latin typeface="Calibri"/>
+                    <a:ea typeface="Calibri"/>
+                    <a:cs typeface="Calibri"/>
+                    <a:sym typeface="Calibri"/>
+                  </a:rPr>
+                  <a:t>Training participation</a:t>
+                </a:r>
+              </a:p>
+              <a:p>
+                <a:pPr algn="ctr"/>
+                <a:r>
+                  <a:rPr lang="en-US" sz="1500" dirty="0">
+                    <a:solidFill>
+                      <a:schemeClr val="dk1"/>
+                    </a:solidFill>
+                    <a:latin typeface="Calibri"/>
+                    <a:ea typeface="Calibri"/>
+                    <a:cs typeface="Calibri"/>
+                    <a:sym typeface="Calibri"/>
+                  </a:rPr>
+                  <a:t>Retained after selection and prioritization</a:t>
+                </a:r>
+              </a:p>
+              <a:p>
+                <a:pPr algn="ctr"/>
+                <a:r>
+                  <a:rPr lang="en-US" sz="1500" dirty="0">
+                    <a:solidFill>
+                      <a:schemeClr val="dk1"/>
+                    </a:solidFill>
+                    <a:latin typeface="Calibri"/>
+                    <a:ea typeface="Calibri"/>
+                    <a:cs typeface="Calibri"/>
+                    <a:sym typeface="Calibri"/>
+                  </a:rPr>
+                  <a:t>(8 indirect predictors)</a:t>
+                </a:r>
+              </a:p>
+            </p:txBody>
+          </p:sp>
+        </p:grpSp>
+        <p:cxnSp>
+          <p:nvCxnSpPr>
+            <p:cNvPr id="62" name="Straight Arrow Connector 61">
+              <a:extLst>
+                <a:ext uri="{FF2B5EF4-FFF2-40B4-BE49-F238E27FC236}">
+                  <a16:creationId xmlns:a16="http://schemas.microsoft.com/office/drawing/2014/main" id="{1275E870-A84B-68D8-5CB8-418817275326}"/>
+                </a:ext>
+              </a:extLst>
+            </p:cNvPr>
+            <p:cNvCxnSpPr>
+              <a:cxnSpLocks/>
+              <a:endCxn id="61" idx="0"/>
+            </p:cNvCxnSpPr>
+            <p:nvPr/>
+          </p:nvCxnSpPr>
+          <p:spPr>
+            <a:xfrm>
+              <a:off x="2355284" y="8084366"/>
+              <a:ext cx="7691" cy="296813"/>
+            </a:xfrm>
+            <a:prstGeom prst="straightConnector1">
+              <a:avLst/>
+            </a:prstGeom>
+            <a:ln>
+              <a:tailEnd type="triangle"/>
+            </a:ln>
+          </p:spPr>
+          <p:style>
+            <a:lnRef idx="1">
+              <a:schemeClr val="accent1"/>
+            </a:lnRef>
+            <a:fillRef idx="0">
+              <a:schemeClr val="accent1"/>
+            </a:fillRef>
+            <a:effectRef idx="0">
+              <a:schemeClr val="accent1"/>
+            </a:effectRef>
+            <a:fontRef idx="minor">
+              <a:schemeClr val="tx1"/>
+            </a:fontRef>
+          </p:style>
+        </p:cxnSp>
+        <p:grpSp>
+          <p:nvGrpSpPr>
+            <p:cNvPr id="34" name="Group 33">
+              <a:extLst>
+                <a:ext uri="{FF2B5EF4-FFF2-40B4-BE49-F238E27FC236}">
+                  <a16:creationId xmlns:a16="http://schemas.microsoft.com/office/drawing/2014/main" id="{2AAB5929-1EB8-BC4D-A593-F1153DB3BD30}"/>
+                </a:ext>
+              </a:extLst>
+            </p:cNvPr>
+            <p:cNvGrpSpPr/>
+            <p:nvPr/>
+          </p:nvGrpSpPr>
+          <p:grpSpPr>
+            <a:xfrm>
+              <a:off x="1095931" y="9657279"/>
+              <a:ext cx="5544006" cy="1327664"/>
+              <a:chOff x="1095931" y="11241913"/>
+              <a:chExt cx="5544006" cy="1327664"/>
+            </a:xfrm>
+          </p:grpSpPr>
+          <p:cxnSp>
+            <p:nvCxnSpPr>
+              <p:cNvPr id="70" name="Straight Arrow Connector 69">
+                <a:extLst>
+                  <a:ext uri="{FF2B5EF4-FFF2-40B4-BE49-F238E27FC236}">
+                    <a16:creationId xmlns:a16="http://schemas.microsoft.com/office/drawing/2014/main" id="{3A869A82-9EDC-645E-1925-2BD6E3E7249F}"/>
+                  </a:ext>
+                </a:extLst>
+              </p:cNvPr>
+              <p:cNvCxnSpPr>
+                <a:cxnSpLocks/>
+                <a:stCxn id="72" idx="3"/>
+                <a:endCxn id="71" idx="1"/>
+              </p:cNvCxnSpPr>
+              <p:nvPr/>
+            </p:nvCxnSpPr>
+            <p:spPr>
+              <a:xfrm>
+                <a:off x="3630018" y="11905745"/>
+                <a:ext cx="372864" cy="1"/>
+              </a:xfrm>
+              <a:prstGeom prst="straightConnector1">
+                <a:avLst/>
+              </a:prstGeom>
+              <a:ln>
+                <a:tailEnd type="triangle"/>
+              </a:ln>
+            </p:spPr>
+            <p:style>
+              <a:lnRef idx="1">
+                <a:schemeClr val="accent1"/>
+              </a:lnRef>
+              <a:fillRef idx="0">
+                <a:schemeClr val="accent1"/>
+              </a:fillRef>
+              <a:effectRef idx="0">
+                <a:schemeClr val="accent1"/>
+              </a:effectRef>
+              <a:fontRef idx="minor">
+                <a:schemeClr val="tx1"/>
+              </a:fontRef>
+            </p:style>
+          </p:cxnSp>
+          <p:sp>
+            <p:nvSpPr>
+              <p:cNvPr id="71" name="Google Shape;95;p13">
+                <a:extLst>
+                  <a:ext uri="{FF2B5EF4-FFF2-40B4-BE49-F238E27FC236}">
+                    <a16:creationId xmlns:a16="http://schemas.microsoft.com/office/drawing/2014/main" id="{B92170C5-2856-C73B-3E1B-F9FC0D5523ED}"/>
+                  </a:ext>
+                </a:extLst>
+              </p:cNvPr>
+              <p:cNvSpPr/>
+              <p:nvPr/>
+            </p:nvSpPr>
+            <p:spPr>
+              <a:xfrm>
+                <a:off x="4002882" y="11385186"/>
+                <a:ext cx="2637055" cy="1041119"/>
+              </a:xfrm>
+              <a:prstGeom prst="rect">
+                <a:avLst/>
+              </a:prstGeom>
+              <a:solidFill>
+                <a:schemeClr val="tx2"/>
+              </a:solidFill>
+              <a:ln w="12700" cap="flat" cmpd="sng">
+                <a:solidFill>
+                  <a:schemeClr val="tx2"/>
+                </a:solidFill>
+                <a:prstDash val="solid"/>
+                <a:miter lim="800000"/>
+                <a:headEnd type="none" w="sm" len="sm"/>
+                <a:tailEnd type="none" w="sm" len="sm"/>
+              </a:ln>
+            </p:spPr>
+            <p:txBody>
+              <a:bodyPr spcFirstLastPara="1" wrap="square" lIns="91425" tIns="45700" rIns="91425" bIns="45700" anchor="ctr" anchorCtr="0">
+                <a:noAutofit/>
+              </a:bodyPr>
+              <a:lstStyle/>
+              <a:p>
+                <a:pPr>
+                  <a:lnSpc>
+                    <a:spcPct val="107000"/>
+                  </a:lnSpc>
+                </a:pPr>
+                <a:r>
+                  <a:rPr lang="en-AU" sz="1500" b="1" dirty="0">
+                    <a:latin typeface="Calibri" panose="020F0502020204030204" pitchFamily="34" charset="0"/>
+                    <a:ea typeface="Calibri" panose="020F0502020204030204" pitchFamily="34" charset="0"/>
+                    <a:cs typeface="Calibri" panose="020F0502020204030204" pitchFamily="34" charset="0"/>
+                  </a:rPr>
+                  <a:t>Excluded factors:</a:t>
+                </a:r>
+              </a:p>
+              <a:p>
+                <a:pPr marL="72000">
+                  <a:lnSpc>
+                    <a:spcPct val="107000"/>
+                  </a:lnSpc>
+                  <a:buFont typeface="Arial" panose="020B0604020202020204" pitchFamily="34" charset="0"/>
+                  <a:buChar char="•"/>
+                </a:pPr>
+                <a:r>
+                  <a:rPr lang="en-AU" sz="1500" dirty="0">
+                    <a:latin typeface="Calibri" panose="020F0502020204030204" pitchFamily="34" charset="0"/>
+                    <a:ea typeface="Calibri" panose="020F0502020204030204" pitchFamily="34" charset="0"/>
+                    <a:cs typeface="Calibri" panose="020F0502020204030204" pitchFamily="34" charset="0"/>
+                  </a:rPr>
+                  <a:t>Irrelevant</a:t>
+                </a:r>
+              </a:p>
+              <a:p>
+                <a:pPr marL="72000">
+                  <a:lnSpc>
+                    <a:spcPct val="107000"/>
+                  </a:lnSpc>
+                  <a:buFont typeface="Arial" panose="020B0604020202020204" pitchFamily="34" charset="0"/>
+                  <a:buChar char="•"/>
+                </a:pPr>
+                <a:r>
+                  <a:rPr lang="en-AU" sz="1500" dirty="0">
+                    <a:latin typeface="Calibri" panose="020F0502020204030204" pitchFamily="34" charset="0"/>
+                    <a:ea typeface="Calibri" panose="020F0502020204030204" pitchFamily="34" charset="0"/>
+                    <a:cs typeface="Calibri" panose="020F0502020204030204" pitchFamily="34" charset="0"/>
+                  </a:rPr>
+                  <a:t>Redundant ()</a:t>
+                </a:r>
+              </a:p>
+              <a:p>
+                <a:pPr marL="72000">
+                  <a:lnSpc>
+                    <a:spcPct val="107000"/>
+                  </a:lnSpc>
+                  <a:buFont typeface="Arial" panose="020B0604020202020204" pitchFamily="34" charset="0"/>
+                  <a:buChar char="•"/>
+                </a:pPr>
+                <a:r>
+                  <a:rPr lang="en-AU" sz="1500" dirty="0">
+                    <a:latin typeface="Calibri" panose="020F0502020204030204" pitchFamily="34" charset="0"/>
+                    <a:ea typeface="Calibri" panose="020F0502020204030204" pitchFamily="34" charset="0"/>
+                    <a:cs typeface="Calibri" panose="020F0502020204030204" pitchFamily="34" charset="0"/>
+                  </a:rPr>
+                  <a:t>Feature selection algorithms</a:t>
+                </a:r>
+                <a:endParaRPr lang="en-US" sz="1500" dirty="0">
+                  <a:latin typeface="Calibri" panose="020F0502020204030204" pitchFamily="34" charset="0"/>
+                  <a:ea typeface="Calibri" panose="020F0502020204030204" pitchFamily="34" charset="0"/>
+                  <a:cs typeface="Calibri" panose="020F0502020204030204" pitchFamily="34" charset="0"/>
+                </a:endParaRPr>
+              </a:p>
+            </p:txBody>
+          </p:sp>
+          <p:sp>
+            <p:nvSpPr>
+              <p:cNvPr id="72" name="Google Shape;101;p13">
+                <a:extLst>
+                  <a:ext uri="{FF2B5EF4-FFF2-40B4-BE49-F238E27FC236}">
+                    <a16:creationId xmlns:a16="http://schemas.microsoft.com/office/drawing/2014/main" id="{BDEE6D37-BDDC-1FDE-602F-69047E9FB4EC}"/>
+                  </a:ext>
+                </a:extLst>
+              </p:cNvPr>
+              <p:cNvSpPr/>
+              <p:nvPr/>
+            </p:nvSpPr>
+            <p:spPr>
+              <a:xfrm>
+                <a:off x="1095931" y="11241913"/>
+                <a:ext cx="2534087" cy="1327664"/>
+              </a:xfrm>
+              <a:prstGeom prst="rect">
+                <a:avLst/>
+              </a:prstGeom>
+              <a:noFill/>
+              <a:ln w="12700" cap="flat" cmpd="sng">
+                <a:solidFill>
+                  <a:srgbClr val="31538F"/>
+                </a:solidFill>
+                <a:prstDash val="solid"/>
+                <a:miter lim="800000"/>
+                <a:headEnd type="none" w="sm" len="sm"/>
+                <a:tailEnd type="none" w="sm" len="sm"/>
+              </a:ln>
+            </p:spPr>
+            <p:txBody>
+              <a:bodyPr spcFirstLastPara="1" wrap="square" lIns="91425" tIns="45700" rIns="91425" bIns="45700" anchor="ctr" anchorCtr="0">
+                <a:noAutofit/>
+              </a:bodyPr>
+              <a:lstStyle/>
+              <a:p>
+                <a:pPr marL="0" marR="0" lvl="0" indent="0" algn="ctr" defTabSz="914400" rtl="0" eaLnBrk="1" fontAlgn="auto" latinLnBrk="0" hangingPunct="1">
+                  <a:lnSpc>
+                    <a:spcPct val="100000"/>
+                  </a:lnSpc>
+                  <a:spcBef>
+                    <a:spcPts val="0"/>
+                  </a:spcBef>
+                  <a:spcAft>
+                    <a:spcPts val="0"/>
+                  </a:spcAft>
+                  <a:buClr>
+                    <a:srgbClr val="000000"/>
+                  </a:buClr>
+                  <a:buSzTx/>
+                  <a:buFont typeface="Arial"/>
+                  <a:buNone/>
+                  <a:tabLst/>
+                  <a:defRPr/>
+                </a:pPr>
+                <a:r>
+                  <a:rPr lang="en-US" sz="1600" b="1" dirty="0">
+                    <a:solidFill>
+                      <a:schemeClr val="dk1"/>
+                    </a:solidFill>
+                    <a:latin typeface="Calibri"/>
+                    <a:cs typeface="Calibri"/>
+                    <a:sym typeface="Calibri"/>
+                  </a:rPr>
+                  <a:t>Household recovery capacity from shocks</a:t>
+                </a:r>
+              </a:p>
+              <a:p>
+                <a:pPr algn="ctr"/>
+                <a:r>
+                  <a:rPr lang="en-US" sz="1500" dirty="0">
+                    <a:solidFill>
+                      <a:schemeClr val="dk1"/>
+                    </a:solidFill>
+                    <a:latin typeface="Calibri"/>
+                    <a:ea typeface="Calibri"/>
+                    <a:cs typeface="Calibri"/>
+                    <a:sym typeface="Calibri"/>
+                  </a:rPr>
+                  <a:t>Retained after selection and prioritization</a:t>
+                </a:r>
+              </a:p>
+              <a:p>
+                <a:pPr algn="ctr"/>
+                <a:r>
+                  <a:rPr lang="en-US" sz="1500" dirty="0">
+                    <a:solidFill>
+                      <a:schemeClr val="dk1"/>
+                    </a:solidFill>
+                    <a:latin typeface="Calibri"/>
+                    <a:ea typeface="Calibri"/>
+                    <a:cs typeface="Calibri"/>
+                    <a:sym typeface="Calibri"/>
+                  </a:rPr>
+                  <a:t>(14 indirect predictors)</a:t>
+                </a:r>
+              </a:p>
+            </p:txBody>
+          </p:sp>
+        </p:grpSp>
+        <p:cxnSp>
+          <p:nvCxnSpPr>
+            <p:cNvPr id="81" name="Straight Arrow Connector 80">
+              <a:extLst>
+                <a:ext uri="{FF2B5EF4-FFF2-40B4-BE49-F238E27FC236}">
+                  <a16:creationId xmlns:a16="http://schemas.microsoft.com/office/drawing/2014/main" id="{8E1D3383-B681-5F93-5445-46E6F58E4A76}"/>
+                </a:ext>
+              </a:extLst>
+            </p:cNvPr>
+            <p:cNvCxnSpPr>
+              <a:cxnSpLocks/>
+              <a:stCxn id="61" idx="2"/>
+              <a:endCxn id="72" idx="0"/>
+            </p:cNvCxnSpPr>
+            <p:nvPr/>
+          </p:nvCxnSpPr>
+          <p:spPr>
+            <a:xfrm>
+              <a:off x="2362975" y="9355189"/>
+              <a:ext cx="0" cy="302090"/>
+            </a:xfrm>
+            <a:prstGeom prst="straightConnector1">
+              <a:avLst/>
+            </a:prstGeom>
+            <a:ln>
+              <a:tailEnd type="triangle"/>
+            </a:ln>
+          </p:spPr>
+          <p:style>
+            <a:lnRef idx="1">
+              <a:schemeClr val="accent1"/>
+            </a:lnRef>
+            <a:fillRef idx="0">
+              <a:schemeClr val="accent1"/>
+            </a:fillRef>
+            <a:effectRef idx="0">
+              <a:schemeClr val="accent1"/>
+            </a:effectRef>
+            <a:fontRef idx="minor">
+              <a:schemeClr val="tx1"/>
+            </a:fontRef>
+          </p:style>
+        </p:cxnSp>
+        <p:cxnSp>
+          <p:nvCxnSpPr>
+            <p:cNvPr id="12" name="Straight Arrow Connector 11">
+              <a:extLst>
+                <a:ext uri="{FF2B5EF4-FFF2-40B4-BE49-F238E27FC236}">
+                  <a16:creationId xmlns:a16="http://schemas.microsoft.com/office/drawing/2014/main" id="{9F2A7D1C-D2FB-44EA-275F-D7657B9453FD}"/>
+                </a:ext>
+              </a:extLst>
+            </p:cNvPr>
+            <p:cNvCxnSpPr>
+              <a:cxnSpLocks/>
+              <a:stCxn id="10" idx="2"/>
+              <a:endCxn id="22" idx="0"/>
+            </p:cNvCxnSpPr>
+            <p:nvPr/>
+          </p:nvCxnSpPr>
+          <p:spPr>
+            <a:xfrm>
+              <a:off x="2354454" y="6482891"/>
+              <a:ext cx="830" cy="268535"/>
+            </a:xfrm>
+            <a:prstGeom prst="straightConnector1">
+              <a:avLst/>
+            </a:prstGeom>
+            <a:ln>
+              <a:tailEnd type="triangle"/>
+            </a:ln>
+          </p:spPr>
+          <p:style>
+            <a:lnRef idx="1">
+              <a:schemeClr val="accent1"/>
+            </a:lnRef>
+            <a:fillRef idx="0">
+              <a:schemeClr val="accent1"/>
+            </a:fillRef>
+            <a:effectRef idx="0">
+              <a:schemeClr val="accent1"/>
+            </a:effectRef>
+            <a:fontRef idx="minor">
+              <a:schemeClr val="tx1"/>
+            </a:fontRef>
+          </p:style>
+        </p:cxnSp>
+        <p:sp>
+          <p:nvSpPr>
+            <p:cNvPr id="10" name="Google Shape;100;p13">
+              <a:extLst>
+                <a:ext uri="{FF2B5EF4-FFF2-40B4-BE49-F238E27FC236}">
+                  <a16:creationId xmlns:a16="http://schemas.microsoft.com/office/drawing/2014/main" id="{3BD82666-2DD8-C19F-8656-1BB4F0541D9C}"/>
+                </a:ext>
+              </a:extLst>
+            </p:cNvPr>
+            <p:cNvSpPr/>
+            <p:nvPr/>
+          </p:nvSpPr>
+          <p:spPr>
+            <a:xfrm>
+              <a:off x="1310454" y="5798045"/>
+              <a:ext cx="2088000" cy="684846"/>
+            </a:xfrm>
+            <a:prstGeom prst="rect">
+              <a:avLst/>
+            </a:prstGeom>
+            <a:noFill/>
+            <a:ln w="12700" cap="flat" cmpd="sng">
+              <a:solidFill>
+                <a:srgbClr val="31538F"/>
+              </a:solidFill>
+              <a:prstDash val="solid"/>
+              <a:miter lim="800000"/>
+              <a:headEnd type="none" w="sm" len="sm"/>
+              <a:tailEnd type="none" w="sm" len="sm"/>
+            </a:ln>
+          </p:spPr>
+          <p:txBody>
+            <a:bodyPr spcFirstLastPara="1" wrap="square" lIns="91425" tIns="45700" rIns="91425" bIns="45700" anchor="ctr" anchorCtr="0">
+              <a:noAutofit/>
+            </a:bodyPr>
+            <a:lstStyle/>
+            <a:p>
+              <a:pPr algn="ctr"/>
+              <a:r>
+                <a:rPr lang="en-US" sz="1500" dirty="0">
+                  <a:solidFill>
+                    <a:schemeClr val="dk1"/>
+                  </a:solidFill>
+                  <a:latin typeface="Calibri"/>
+                  <a:ea typeface="Calibri"/>
+                  <a:cs typeface="Calibri"/>
+                  <a:sym typeface="Calibri"/>
+                </a:rPr>
+                <a:t>Retained after excluding zero and near zero variance (189 factors)</a:t>
+              </a:r>
+            </a:p>
+          </p:txBody>
+        </p:sp>
+        <p:sp>
+          <p:nvSpPr>
+            <p:cNvPr id="20" name="Google Shape;95;p13">
+              <a:extLst>
+                <a:ext uri="{FF2B5EF4-FFF2-40B4-BE49-F238E27FC236}">
+                  <a16:creationId xmlns:a16="http://schemas.microsoft.com/office/drawing/2014/main" id="{612A2923-B41D-322F-BBDA-8063AC48D3E6}"/>
+                </a:ext>
+              </a:extLst>
+            </p:cNvPr>
+            <p:cNvSpPr/>
+            <p:nvPr/>
+          </p:nvSpPr>
+          <p:spPr>
+            <a:xfrm>
+              <a:off x="4002881" y="5811802"/>
+              <a:ext cx="2637055" cy="657332"/>
             </a:xfrm>
             <a:prstGeom prst="rect">
               <a:avLst/>
@@ -22608,41 +25105,7 @@
                   <a:ea typeface="Calibri" panose="020F0502020204030204" pitchFamily="34" charset="0"/>
                   <a:cs typeface="Calibri" panose="020F0502020204030204" pitchFamily="34" charset="0"/>
                 </a:rPr>
-                <a:t>Irrelevant</a:t>
-              </a:r>
-            </a:p>
-            <a:p>
-              <a:pPr marL="72000">
-                <a:lnSpc>
-                  <a:spcPct val="107000"/>
-                </a:lnSpc>
-                <a:buFont typeface="Arial" panose="020B0604020202020204" pitchFamily="34" charset="0"/>
-                <a:buChar char="•"/>
-              </a:pPr>
-              <a:r>
-                <a:rPr lang="en-AU" sz="1500" dirty="0">
-                  <a:latin typeface="Calibri" panose="020F0502020204030204" pitchFamily="34" charset="0"/>
-                  <a:ea typeface="Calibri" panose="020F0502020204030204" pitchFamily="34" charset="0"/>
-                  <a:cs typeface="Calibri" panose="020F0502020204030204" pitchFamily="34" charset="0"/>
-                </a:rPr>
-                <a:t>Redundant ()</a:t>
-              </a:r>
-            </a:p>
-            <a:p>
-              <a:pPr marL="72000">
-                <a:lnSpc>
-                  <a:spcPct val="107000"/>
-                </a:lnSpc>
-                <a:buFont typeface="Arial" panose="020B0604020202020204" pitchFamily="34" charset="0"/>
-                <a:buChar char="•"/>
-              </a:pPr>
-              <a:r>
-                <a:rPr lang="en-AU" sz="1500" dirty="0">
-                  <a:latin typeface="Calibri" panose="020F0502020204030204" pitchFamily="34" charset="0"/>
-                  <a:ea typeface="Calibri" panose="020F0502020204030204" pitchFamily="34" charset="0"/>
-                  <a:cs typeface="Calibri" panose="020F0502020204030204" pitchFamily="34" charset="0"/>
-                </a:rPr>
-                <a:t>Feature selection algorithms</a:t>
+                <a:t>Zero or near zero variance (80)</a:t>
               </a:r>
               <a:endParaRPr lang="en-US" sz="1500" dirty="0">
                 <a:latin typeface="Calibri" panose="020F0502020204030204" pitchFamily="34" charset="0"/>
@@ -22652,172 +25115,26 @@
             </a:p>
           </p:txBody>
         </p:sp>
-        <p:sp>
-          <p:nvSpPr>
-            <p:cNvPr id="61" name="Google Shape;101;p13">
+        <p:cxnSp>
+          <p:nvCxnSpPr>
+            <p:cNvPr id="24" name="Straight Arrow Connector 23">
               <a:extLst>
                 <a:ext uri="{FF2B5EF4-FFF2-40B4-BE49-F238E27FC236}">
-                  <a16:creationId xmlns:a16="http://schemas.microsoft.com/office/drawing/2014/main" id="{E6AABDD5-EC73-635A-CECD-DEEBA9199B12}"/>
-                </a:ext>
-              </a:extLst>
-            </p:cNvPr>
-            <p:cNvSpPr/>
-            <p:nvPr/>
-          </p:nvSpPr>
-          <p:spPr>
-            <a:xfrm>
-              <a:off x="1095931" y="9652000"/>
-              <a:ext cx="2534087" cy="974010"/>
-            </a:xfrm>
-            <a:prstGeom prst="rect">
-              <a:avLst/>
-            </a:prstGeom>
-            <a:noFill/>
-            <a:ln w="12700" cap="flat" cmpd="sng">
-              <a:solidFill>
-                <a:srgbClr val="31538F"/>
-              </a:solidFill>
-              <a:prstDash val="solid"/>
-              <a:miter lim="800000"/>
-              <a:headEnd type="none" w="sm" len="sm"/>
-              <a:tailEnd type="none" w="sm" len="sm"/>
-            </a:ln>
-          </p:spPr>
-          <p:txBody>
-            <a:bodyPr spcFirstLastPara="1" wrap="square" lIns="91425" tIns="45700" rIns="91425" bIns="45700" anchor="ctr" anchorCtr="0">
-              <a:noAutofit/>
-            </a:bodyPr>
-            <a:lstStyle/>
-            <a:p>
-              <a:pPr algn="ctr"/>
-              <a:r>
-                <a:rPr lang="en-US" sz="1600" b="1" dirty="0">
-                  <a:solidFill>
-                    <a:schemeClr val="dk1"/>
-                  </a:solidFill>
-                  <a:latin typeface="Calibri"/>
-                  <a:ea typeface="Calibri"/>
-                  <a:cs typeface="Calibri"/>
-                  <a:sym typeface="Calibri"/>
-                </a:rPr>
-                <a:t>Training participation</a:t>
-              </a:r>
-            </a:p>
-            <a:p>
-              <a:pPr algn="ctr"/>
-              <a:r>
-                <a:rPr lang="en-US" sz="1500" dirty="0">
-                  <a:solidFill>
-                    <a:schemeClr val="dk1"/>
-                  </a:solidFill>
-                  <a:latin typeface="Calibri"/>
-                  <a:ea typeface="Calibri"/>
-                  <a:cs typeface="Calibri"/>
-                  <a:sym typeface="Calibri"/>
-                </a:rPr>
-                <a:t>Retained after selection and prioritization</a:t>
-              </a:r>
-            </a:p>
-            <a:p>
-              <a:pPr algn="ctr"/>
-              <a:r>
-                <a:rPr lang="en-US" sz="1500" dirty="0">
-                  <a:solidFill>
-                    <a:schemeClr val="dk1"/>
-                  </a:solidFill>
-                  <a:latin typeface="Calibri"/>
-                  <a:ea typeface="Calibri"/>
-                  <a:cs typeface="Calibri"/>
-                  <a:sym typeface="Calibri"/>
-                </a:rPr>
-                <a:t>(8 indirect predictors)</a:t>
-              </a:r>
-            </a:p>
-          </p:txBody>
-        </p:sp>
-      </p:grpSp>
-      <p:cxnSp>
-        <p:nvCxnSpPr>
-          <p:cNvPr id="62" name="Straight Arrow Connector 61">
-            <a:extLst>
-              <a:ext uri="{FF2B5EF4-FFF2-40B4-BE49-F238E27FC236}">
-                <a16:creationId xmlns:a16="http://schemas.microsoft.com/office/drawing/2014/main" id="{1275E870-A84B-68D8-5CB8-418817275326}"/>
-              </a:ext>
-            </a:extLst>
-          </p:cNvPr>
-          <p:cNvCxnSpPr>
-            <a:cxnSpLocks/>
-            <a:endCxn id="61" idx="0"/>
-          </p:cNvCxnSpPr>
-          <p:nvPr/>
-        </p:nvCxnSpPr>
-        <p:spPr>
-          <a:xfrm>
-            <a:off x="2355284" y="8084366"/>
-            <a:ext cx="7691" cy="296813"/>
-          </a:xfrm>
-          <a:prstGeom prst="straightConnector1">
-            <a:avLst/>
-          </a:prstGeom>
-          <a:ln>
-            <a:tailEnd type="triangle"/>
-          </a:ln>
-        </p:spPr>
-        <p:style>
-          <a:lnRef idx="1">
-            <a:schemeClr val="accent1"/>
-          </a:lnRef>
-          <a:fillRef idx="0">
-            <a:schemeClr val="accent1"/>
-          </a:fillRef>
-          <a:effectRef idx="0">
-            <a:schemeClr val="accent1"/>
-          </a:effectRef>
-          <a:fontRef idx="minor">
-            <a:schemeClr val="tx1"/>
-          </a:fontRef>
-        </p:style>
-      </p:cxnSp>
-      <p:grpSp>
-        <p:nvGrpSpPr>
-          <p:cNvPr id="34" name="Group 33">
-            <a:extLst>
-              <a:ext uri="{FF2B5EF4-FFF2-40B4-BE49-F238E27FC236}">
-                <a16:creationId xmlns:a16="http://schemas.microsoft.com/office/drawing/2014/main" id="{2AAB5929-1EB8-BC4D-A593-F1153DB3BD30}"/>
-              </a:ext>
-            </a:extLst>
-          </p:cNvPr>
-          <p:cNvGrpSpPr/>
-          <p:nvPr/>
-        </p:nvGrpSpPr>
-        <p:grpSpPr>
-          <a:xfrm>
-            <a:off x="1095931" y="9657279"/>
-            <a:ext cx="5544006" cy="1327664"/>
-            <a:chOff x="1095931" y="11241913"/>
-            <a:chExt cx="5544006" cy="1327664"/>
-          </a:xfrm>
-        </p:grpSpPr>
-        <p:cxnSp>
-          <p:nvCxnSpPr>
-            <p:cNvPr id="70" name="Straight Arrow Connector 69">
-              <a:extLst>
-                <a:ext uri="{FF2B5EF4-FFF2-40B4-BE49-F238E27FC236}">
-                  <a16:creationId xmlns:a16="http://schemas.microsoft.com/office/drawing/2014/main" id="{3A869A82-9EDC-645E-1925-2BD6E3E7249F}"/>
+                  <a16:creationId xmlns:a16="http://schemas.microsoft.com/office/drawing/2014/main" id="{7B4E35F5-BCAC-0CB9-F0DD-B13AB1E088B1}"/>
                 </a:ext>
               </a:extLst>
             </p:cNvPr>
             <p:cNvCxnSpPr>
               <a:cxnSpLocks/>
-              <a:stCxn id="72" idx="3"/>
-              <a:endCxn id="71" idx="1"/>
+              <a:stCxn id="10" idx="3"/>
+              <a:endCxn id="20" idx="1"/>
             </p:cNvCxnSpPr>
             <p:nvPr/>
           </p:nvCxnSpPr>
           <p:spPr>
             <a:xfrm>
-              <a:off x="3630018" y="11905745"/>
-              <a:ext cx="372864" cy="1"/>
+              <a:off x="3398454" y="6140468"/>
+              <a:ext cx="604427" cy="0"/>
             </a:xfrm>
             <a:prstGeom prst="straightConnector1">
               <a:avLst/>
@@ -22841,477 +25158,7 @@
             </a:fontRef>
           </p:style>
         </p:cxnSp>
-        <p:sp>
-          <p:nvSpPr>
-            <p:cNvPr id="71" name="Google Shape;95;p13">
-              <a:extLst>
-                <a:ext uri="{FF2B5EF4-FFF2-40B4-BE49-F238E27FC236}">
-                  <a16:creationId xmlns:a16="http://schemas.microsoft.com/office/drawing/2014/main" id="{B92170C5-2856-C73B-3E1B-F9FC0D5523ED}"/>
-                </a:ext>
-              </a:extLst>
-            </p:cNvPr>
-            <p:cNvSpPr/>
-            <p:nvPr/>
-          </p:nvSpPr>
-          <p:spPr>
-            <a:xfrm>
-              <a:off x="4002882" y="11385186"/>
-              <a:ext cx="2637055" cy="1041119"/>
-            </a:xfrm>
-            <a:prstGeom prst="rect">
-              <a:avLst/>
-            </a:prstGeom>
-            <a:solidFill>
-              <a:schemeClr val="tx2"/>
-            </a:solidFill>
-            <a:ln w="12700" cap="flat" cmpd="sng">
-              <a:solidFill>
-                <a:schemeClr val="tx2"/>
-              </a:solidFill>
-              <a:prstDash val="solid"/>
-              <a:miter lim="800000"/>
-              <a:headEnd type="none" w="sm" len="sm"/>
-              <a:tailEnd type="none" w="sm" len="sm"/>
-            </a:ln>
-          </p:spPr>
-          <p:txBody>
-            <a:bodyPr spcFirstLastPara="1" wrap="square" lIns="91425" tIns="45700" rIns="91425" bIns="45700" anchor="ctr" anchorCtr="0">
-              <a:noAutofit/>
-            </a:bodyPr>
-            <a:lstStyle/>
-            <a:p>
-              <a:pPr>
-                <a:lnSpc>
-                  <a:spcPct val="107000"/>
-                </a:lnSpc>
-              </a:pPr>
-              <a:r>
-                <a:rPr lang="en-AU" sz="1500" b="1" dirty="0">
-                  <a:latin typeface="Calibri" panose="020F0502020204030204" pitchFamily="34" charset="0"/>
-                  <a:ea typeface="Calibri" panose="020F0502020204030204" pitchFamily="34" charset="0"/>
-                  <a:cs typeface="Calibri" panose="020F0502020204030204" pitchFamily="34" charset="0"/>
-                </a:rPr>
-                <a:t>Excluded factors:</a:t>
-              </a:r>
-            </a:p>
-            <a:p>
-              <a:pPr marL="72000">
-                <a:lnSpc>
-                  <a:spcPct val="107000"/>
-                </a:lnSpc>
-                <a:buFont typeface="Arial" panose="020B0604020202020204" pitchFamily="34" charset="0"/>
-                <a:buChar char="•"/>
-              </a:pPr>
-              <a:r>
-                <a:rPr lang="en-AU" sz="1500" dirty="0">
-                  <a:latin typeface="Calibri" panose="020F0502020204030204" pitchFamily="34" charset="0"/>
-                  <a:ea typeface="Calibri" panose="020F0502020204030204" pitchFamily="34" charset="0"/>
-                  <a:cs typeface="Calibri" panose="020F0502020204030204" pitchFamily="34" charset="0"/>
-                </a:rPr>
-                <a:t>Irrelevant</a:t>
-              </a:r>
-            </a:p>
-            <a:p>
-              <a:pPr marL="72000">
-                <a:lnSpc>
-                  <a:spcPct val="107000"/>
-                </a:lnSpc>
-                <a:buFont typeface="Arial" panose="020B0604020202020204" pitchFamily="34" charset="0"/>
-                <a:buChar char="•"/>
-              </a:pPr>
-              <a:r>
-                <a:rPr lang="en-AU" sz="1500" dirty="0">
-                  <a:latin typeface="Calibri" panose="020F0502020204030204" pitchFamily="34" charset="0"/>
-                  <a:ea typeface="Calibri" panose="020F0502020204030204" pitchFamily="34" charset="0"/>
-                  <a:cs typeface="Calibri" panose="020F0502020204030204" pitchFamily="34" charset="0"/>
-                </a:rPr>
-                <a:t>Redundant ()</a:t>
-              </a:r>
-            </a:p>
-            <a:p>
-              <a:pPr marL="72000">
-                <a:lnSpc>
-                  <a:spcPct val="107000"/>
-                </a:lnSpc>
-                <a:buFont typeface="Arial" panose="020B0604020202020204" pitchFamily="34" charset="0"/>
-                <a:buChar char="•"/>
-              </a:pPr>
-              <a:r>
-                <a:rPr lang="en-AU" sz="1500" dirty="0">
-                  <a:latin typeface="Calibri" panose="020F0502020204030204" pitchFamily="34" charset="0"/>
-                  <a:ea typeface="Calibri" panose="020F0502020204030204" pitchFamily="34" charset="0"/>
-                  <a:cs typeface="Calibri" panose="020F0502020204030204" pitchFamily="34" charset="0"/>
-                </a:rPr>
-                <a:t>Feature selection algorithms</a:t>
-              </a:r>
-              <a:endParaRPr lang="en-US" sz="1500" dirty="0">
-                <a:latin typeface="Calibri" panose="020F0502020204030204" pitchFamily="34" charset="0"/>
-                <a:ea typeface="Calibri" panose="020F0502020204030204" pitchFamily="34" charset="0"/>
-                <a:cs typeface="Calibri" panose="020F0502020204030204" pitchFamily="34" charset="0"/>
-              </a:endParaRPr>
-            </a:p>
-          </p:txBody>
-        </p:sp>
-        <p:sp>
-          <p:nvSpPr>
-            <p:cNvPr id="72" name="Google Shape;101;p13">
-              <a:extLst>
-                <a:ext uri="{FF2B5EF4-FFF2-40B4-BE49-F238E27FC236}">
-                  <a16:creationId xmlns:a16="http://schemas.microsoft.com/office/drawing/2014/main" id="{BDEE6D37-BDDC-1FDE-602F-69047E9FB4EC}"/>
-                </a:ext>
-              </a:extLst>
-            </p:cNvPr>
-            <p:cNvSpPr/>
-            <p:nvPr/>
-          </p:nvSpPr>
-          <p:spPr>
-            <a:xfrm>
-              <a:off x="1095931" y="11241913"/>
-              <a:ext cx="2534087" cy="1327664"/>
-            </a:xfrm>
-            <a:prstGeom prst="rect">
-              <a:avLst/>
-            </a:prstGeom>
-            <a:noFill/>
-            <a:ln w="12700" cap="flat" cmpd="sng">
-              <a:solidFill>
-                <a:srgbClr val="31538F"/>
-              </a:solidFill>
-              <a:prstDash val="solid"/>
-              <a:miter lim="800000"/>
-              <a:headEnd type="none" w="sm" len="sm"/>
-              <a:tailEnd type="none" w="sm" len="sm"/>
-            </a:ln>
-          </p:spPr>
-          <p:txBody>
-            <a:bodyPr spcFirstLastPara="1" wrap="square" lIns="91425" tIns="45700" rIns="91425" bIns="45700" anchor="ctr" anchorCtr="0">
-              <a:noAutofit/>
-            </a:bodyPr>
-            <a:lstStyle/>
-            <a:p>
-              <a:pPr marL="0" marR="0" lvl="0" indent="0" algn="ctr" defTabSz="914400" rtl="0" eaLnBrk="1" fontAlgn="auto" latinLnBrk="0" hangingPunct="1">
-                <a:lnSpc>
-                  <a:spcPct val="100000"/>
-                </a:lnSpc>
-                <a:spcBef>
-                  <a:spcPts val="0"/>
-                </a:spcBef>
-                <a:spcAft>
-                  <a:spcPts val="0"/>
-                </a:spcAft>
-                <a:buClr>
-                  <a:srgbClr val="000000"/>
-                </a:buClr>
-                <a:buSzTx/>
-                <a:buFont typeface="Arial"/>
-                <a:buNone/>
-                <a:tabLst/>
-                <a:defRPr/>
-              </a:pPr>
-              <a:r>
-                <a:rPr lang="en-US" sz="1600" b="1" dirty="0">
-                  <a:solidFill>
-                    <a:schemeClr val="dk1"/>
-                  </a:solidFill>
-                  <a:latin typeface="Calibri"/>
-                  <a:cs typeface="Calibri"/>
-                  <a:sym typeface="Calibri"/>
-                </a:rPr>
-                <a:t>Household recovery capacity from shocks</a:t>
-              </a:r>
-            </a:p>
-            <a:p>
-              <a:pPr algn="ctr"/>
-              <a:r>
-                <a:rPr lang="en-US" sz="1500" dirty="0">
-                  <a:solidFill>
-                    <a:schemeClr val="dk1"/>
-                  </a:solidFill>
-                  <a:latin typeface="Calibri"/>
-                  <a:ea typeface="Calibri"/>
-                  <a:cs typeface="Calibri"/>
-                  <a:sym typeface="Calibri"/>
-                </a:rPr>
-                <a:t>Retained after selection and prioritization</a:t>
-              </a:r>
-            </a:p>
-            <a:p>
-              <a:pPr algn="ctr"/>
-              <a:r>
-                <a:rPr lang="en-US" sz="1500" dirty="0">
-                  <a:solidFill>
-                    <a:schemeClr val="dk1"/>
-                  </a:solidFill>
-                  <a:latin typeface="Calibri"/>
-                  <a:ea typeface="Calibri"/>
-                  <a:cs typeface="Calibri"/>
-                  <a:sym typeface="Calibri"/>
-                </a:rPr>
-                <a:t>(14 indirect predictors)</a:t>
-              </a:r>
-            </a:p>
-          </p:txBody>
-        </p:sp>
       </p:grpSp>
-      <p:cxnSp>
-        <p:nvCxnSpPr>
-          <p:cNvPr id="81" name="Straight Arrow Connector 80">
-            <a:extLst>
-              <a:ext uri="{FF2B5EF4-FFF2-40B4-BE49-F238E27FC236}">
-                <a16:creationId xmlns:a16="http://schemas.microsoft.com/office/drawing/2014/main" id="{8E1D3383-B681-5F93-5445-46E6F58E4A76}"/>
-              </a:ext>
-            </a:extLst>
-          </p:cNvPr>
-          <p:cNvCxnSpPr>
-            <a:cxnSpLocks/>
-            <a:stCxn id="61" idx="2"/>
-            <a:endCxn id="72" idx="0"/>
-          </p:cNvCxnSpPr>
-          <p:nvPr/>
-        </p:nvCxnSpPr>
-        <p:spPr>
-          <a:xfrm>
-            <a:off x="2362975" y="9355189"/>
-            <a:ext cx="0" cy="302090"/>
-          </a:xfrm>
-          <a:prstGeom prst="straightConnector1">
-            <a:avLst/>
-          </a:prstGeom>
-          <a:ln>
-            <a:tailEnd type="triangle"/>
-          </a:ln>
-        </p:spPr>
-        <p:style>
-          <a:lnRef idx="1">
-            <a:schemeClr val="accent1"/>
-          </a:lnRef>
-          <a:fillRef idx="0">
-            <a:schemeClr val="accent1"/>
-          </a:fillRef>
-          <a:effectRef idx="0">
-            <a:schemeClr val="accent1"/>
-          </a:effectRef>
-          <a:fontRef idx="minor">
-            <a:schemeClr val="tx1"/>
-          </a:fontRef>
-        </p:style>
-      </p:cxnSp>
-      <p:cxnSp>
-        <p:nvCxnSpPr>
-          <p:cNvPr id="12" name="Straight Arrow Connector 11">
-            <a:extLst>
-              <a:ext uri="{FF2B5EF4-FFF2-40B4-BE49-F238E27FC236}">
-                <a16:creationId xmlns:a16="http://schemas.microsoft.com/office/drawing/2014/main" id="{9F2A7D1C-D2FB-44EA-275F-D7657B9453FD}"/>
-              </a:ext>
-            </a:extLst>
-          </p:cNvPr>
-          <p:cNvCxnSpPr>
-            <a:cxnSpLocks/>
-            <a:stCxn id="10" idx="2"/>
-            <a:endCxn id="22" idx="0"/>
-          </p:cNvCxnSpPr>
-          <p:nvPr/>
-        </p:nvCxnSpPr>
-        <p:spPr>
-          <a:xfrm>
-            <a:off x="2354454" y="6482891"/>
-            <a:ext cx="830" cy="268535"/>
-          </a:xfrm>
-          <a:prstGeom prst="straightConnector1">
-            <a:avLst/>
-          </a:prstGeom>
-          <a:ln>
-            <a:tailEnd type="triangle"/>
-          </a:ln>
-        </p:spPr>
-        <p:style>
-          <a:lnRef idx="1">
-            <a:schemeClr val="accent1"/>
-          </a:lnRef>
-          <a:fillRef idx="0">
-            <a:schemeClr val="accent1"/>
-          </a:fillRef>
-          <a:effectRef idx="0">
-            <a:schemeClr val="accent1"/>
-          </a:effectRef>
-          <a:fontRef idx="minor">
-            <a:schemeClr val="tx1"/>
-          </a:fontRef>
-        </p:style>
-      </p:cxnSp>
-      <p:sp>
-        <p:nvSpPr>
-          <p:cNvPr id="10" name="Google Shape;100;p13">
-            <a:extLst>
-              <a:ext uri="{FF2B5EF4-FFF2-40B4-BE49-F238E27FC236}">
-                <a16:creationId xmlns:a16="http://schemas.microsoft.com/office/drawing/2014/main" id="{3BD82666-2DD8-C19F-8656-1BB4F0541D9C}"/>
-              </a:ext>
-            </a:extLst>
-          </p:cNvPr>
-          <p:cNvSpPr/>
-          <p:nvPr/>
-        </p:nvSpPr>
-        <p:spPr>
-          <a:xfrm>
-            <a:off x="1310454" y="5798045"/>
-            <a:ext cx="2088000" cy="684846"/>
-          </a:xfrm>
-          <a:prstGeom prst="rect">
-            <a:avLst/>
-          </a:prstGeom>
-          <a:noFill/>
-          <a:ln w="12700" cap="flat" cmpd="sng">
-            <a:solidFill>
-              <a:srgbClr val="31538F"/>
-            </a:solidFill>
-            <a:prstDash val="solid"/>
-            <a:miter lim="800000"/>
-            <a:headEnd type="none" w="sm" len="sm"/>
-            <a:tailEnd type="none" w="sm" len="sm"/>
-          </a:ln>
-        </p:spPr>
-        <p:txBody>
-          <a:bodyPr spcFirstLastPara="1" wrap="square" lIns="91425" tIns="45700" rIns="91425" bIns="45700" anchor="ctr" anchorCtr="0">
-            <a:noAutofit/>
-          </a:bodyPr>
-          <a:lstStyle/>
-          <a:p>
-            <a:pPr algn="ctr"/>
-            <a:r>
-              <a:rPr lang="en-US" sz="1500" dirty="0">
-                <a:solidFill>
-                  <a:schemeClr val="dk1"/>
-                </a:solidFill>
-                <a:latin typeface="Calibri"/>
-                <a:ea typeface="Calibri"/>
-                <a:cs typeface="Calibri"/>
-                <a:sym typeface="Calibri"/>
-              </a:rPr>
-              <a:t>Retained after excluding zero and near zero variance (189 factors)</a:t>
-            </a:r>
-          </a:p>
-        </p:txBody>
-      </p:sp>
-      <p:sp>
-        <p:nvSpPr>
-          <p:cNvPr id="20" name="Google Shape;95;p13">
-            <a:extLst>
-              <a:ext uri="{FF2B5EF4-FFF2-40B4-BE49-F238E27FC236}">
-                <a16:creationId xmlns:a16="http://schemas.microsoft.com/office/drawing/2014/main" id="{612A2923-B41D-322F-BBDA-8063AC48D3E6}"/>
-              </a:ext>
-            </a:extLst>
-          </p:cNvPr>
-          <p:cNvSpPr/>
-          <p:nvPr/>
-        </p:nvSpPr>
-        <p:spPr>
-          <a:xfrm>
-            <a:off x="4002881" y="5811802"/>
-            <a:ext cx="2637055" cy="657332"/>
-          </a:xfrm>
-          <a:prstGeom prst="rect">
-            <a:avLst/>
-          </a:prstGeom>
-          <a:solidFill>
-            <a:schemeClr val="tx2"/>
-          </a:solidFill>
-          <a:ln w="12700" cap="flat" cmpd="sng">
-            <a:solidFill>
-              <a:schemeClr val="tx2"/>
-            </a:solidFill>
-            <a:prstDash val="solid"/>
-            <a:miter lim="800000"/>
-            <a:headEnd type="none" w="sm" len="sm"/>
-            <a:tailEnd type="none" w="sm" len="sm"/>
-          </a:ln>
-        </p:spPr>
-        <p:txBody>
-          <a:bodyPr spcFirstLastPara="1" wrap="square" lIns="91425" tIns="45700" rIns="91425" bIns="45700" anchor="ctr" anchorCtr="0">
-            <a:noAutofit/>
-          </a:bodyPr>
-          <a:lstStyle/>
-          <a:p>
-            <a:pPr>
-              <a:lnSpc>
-                <a:spcPct val="107000"/>
-              </a:lnSpc>
-            </a:pPr>
-            <a:r>
-              <a:rPr lang="en-AU" sz="1500" b="1" dirty="0">
-                <a:latin typeface="Calibri" panose="020F0502020204030204" pitchFamily="34" charset="0"/>
-                <a:ea typeface="Calibri" panose="020F0502020204030204" pitchFamily="34" charset="0"/>
-                <a:cs typeface="Calibri" panose="020F0502020204030204" pitchFamily="34" charset="0"/>
-              </a:rPr>
-              <a:t>Excluded factors:</a:t>
-            </a:r>
-          </a:p>
-          <a:p>
-            <a:pPr marL="72000">
-              <a:lnSpc>
-                <a:spcPct val="107000"/>
-              </a:lnSpc>
-              <a:buFont typeface="Arial" panose="020B0604020202020204" pitchFamily="34" charset="0"/>
-              <a:buChar char="•"/>
-            </a:pPr>
-            <a:r>
-              <a:rPr lang="en-AU" sz="1500" dirty="0">
-                <a:latin typeface="Calibri" panose="020F0502020204030204" pitchFamily="34" charset="0"/>
-                <a:ea typeface="Calibri" panose="020F0502020204030204" pitchFamily="34" charset="0"/>
-                <a:cs typeface="Calibri" panose="020F0502020204030204" pitchFamily="34" charset="0"/>
-              </a:rPr>
-              <a:t>Zero or near zero variance (80)</a:t>
-            </a:r>
-            <a:endParaRPr lang="en-US" sz="1500" dirty="0">
-              <a:latin typeface="Calibri" panose="020F0502020204030204" pitchFamily="34" charset="0"/>
-              <a:ea typeface="Calibri" panose="020F0502020204030204" pitchFamily="34" charset="0"/>
-              <a:cs typeface="Calibri" panose="020F0502020204030204" pitchFamily="34" charset="0"/>
-            </a:endParaRPr>
-          </a:p>
-        </p:txBody>
-      </p:sp>
-      <p:cxnSp>
-        <p:nvCxnSpPr>
-          <p:cNvPr id="24" name="Straight Arrow Connector 23">
-            <a:extLst>
-              <a:ext uri="{FF2B5EF4-FFF2-40B4-BE49-F238E27FC236}">
-                <a16:creationId xmlns:a16="http://schemas.microsoft.com/office/drawing/2014/main" id="{7B4E35F5-BCAC-0CB9-F0DD-B13AB1E088B1}"/>
-              </a:ext>
-            </a:extLst>
-          </p:cNvPr>
-          <p:cNvCxnSpPr>
-            <a:cxnSpLocks/>
-            <a:stCxn id="10" idx="3"/>
-            <a:endCxn id="20" idx="1"/>
-          </p:cNvCxnSpPr>
-          <p:nvPr/>
-        </p:nvCxnSpPr>
-        <p:spPr>
-          <a:xfrm>
-            <a:off x="3398454" y="6140468"/>
-            <a:ext cx="604427" cy="0"/>
-          </a:xfrm>
-          <a:prstGeom prst="straightConnector1">
-            <a:avLst/>
-          </a:prstGeom>
-          <a:ln>
-            <a:tailEnd type="triangle"/>
-          </a:ln>
-        </p:spPr>
-        <p:style>
-          <a:lnRef idx="1">
-            <a:schemeClr val="accent1"/>
-          </a:lnRef>
-          <a:fillRef idx="0">
-            <a:schemeClr val="accent1"/>
-          </a:fillRef>
-          <a:effectRef idx="0">
-            <a:schemeClr val="accent1"/>
-          </a:effectRef>
-          <a:fontRef idx="minor">
-            <a:schemeClr val="tx1"/>
-          </a:fontRef>
-        </p:style>
-      </p:cxnSp>
     </p:spTree>
     <p:extLst>
       <p:ext uri="{BB962C8B-B14F-4D97-AF65-F5344CB8AC3E}">
